--- a/Class-02-OILab-Tour/OCN479_Lecture02_OILabTour.pptx
+++ b/Class-02-OILab-Tour/OCN479_Lecture02_OILabTour.pptx
@@ -5,13 +5,15 @@
     <p:sldMasterId id="2147483660" r:id="rId1"/>
   </p:sldMasterIdLst>
   <p:notesMasterIdLst>
-    <p:notesMasterId r:id="rId6"/>
+    <p:notesMasterId r:id="rId8"/>
   </p:notesMasterIdLst>
   <p:sldIdLst>
     <p:sldId id="256" r:id="rId2"/>
     <p:sldId id="257" r:id="rId3"/>
     <p:sldId id="258" r:id="rId4"/>
     <p:sldId id="259" r:id="rId5"/>
+    <p:sldId id="260" r:id="rId6"/>
+    <p:sldId id="261" r:id="rId7"/>
   </p:sldIdLst>
   <p:sldSz cx="12192000" cy="6858000"/>
   <p:notesSz cx="6858000" cy="9144000"/>
@@ -118,6 +120,3255 @@
 </p:presentation>
 </file>
 
+<file path=ppt/diagrams/colors1.xml><?xml version="1.0" encoding="utf-8"?>
+<dgm:colorsDef xmlns:dgm="http://schemas.openxmlformats.org/drawingml/2006/diagram" xmlns:a="http://schemas.openxmlformats.org/drawingml/2006/main" uniqueId="urn:microsoft.com/office/officeart/2005/8/colors/colorful2">
+  <dgm:title val=""/>
+  <dgm:desc val=""/>
+  <dgm:catLst>
+    <dgm:cat type="colorful" pri="10200"/>
+  </dgm:catLst>
+  <dgm:styleLbl name="node0">
+    <dgm:fillClrLst meth="repeat">
+      <a:schemeClr val="accent1"/>
+    </dgm:fillClrLst>
+    <dgm:linClrLst meth="repeat">
+      <a:schemeClr val="lt1"/>
+    </dgm:linClrLst>
+    <dgm:effectClrLst/>
+    <dgm:txLinClrLst/>
+    <dgm:txFillClrLst/>
+    <dgm:txEffectClrLst/>
+  </dgm:styleLbl>
+  <dgm:styleLbl name="node1">
+    <dgm:fillClrLst>
+      <a:schemeClr val="accent2"/>
+      <a:schemeClr val="accent3"/>
+    </dgm:fillClrLst>
+    <dgm:linClrLst meth="repeat">
+      <a:schemeClr val="lt1"/>
+    </dgm:linClrLst>
+    <dgm:effectClrLst/>
+    <dgm:txLinClrLst/>
+    <dgm:txFillClrLst/>
+    <dgm:txEffectClrLst/>
+  </dgm:styleLbl>
+  <dgm:styleLbl name="alignNode1">
+    <dgm:fillClrLst>
+      <a:schemeClr val="accent2"/>
+      <a:schemeClr val="accent3"/>
+    </dgm:fillClrLst>
+    <dgm:linClrLst>
+      <a:schemeClr val="accent2"/>
+      <a:schemeClr val="accent3"/>
+    </dgm:linClrLst>
+    <dgm:effectClrLst/>
+    <dgm:txLinClrLst/>
+    <dgm:txFillClrLst/>
+    <dgm:txEffectClrLst/>
+  </dgm:styleLbl>
+  <dgm:styleLbl name="lnNode1">
+    <dgm:fillClrLst>
+      <a:schemeClr val="accent2"/>
+      <a:schemeClr val="accent3"/>
+    </dgm:fillClrLst>
+    <dgm:linClrLst meth="repeat">
+      <a:schemeClr val="lt1"/>
+    </dgm:linClrLst>
+    <dgm:effectClrLst/>
+    <dgm:txLinClrLst/>
+    <dgm:txFillClrLst/>
+    <dgm:txEffectClrLst/>
+  </dgm:styleLbl>
+  <dgm:styleLbl name="vennNode1">
+    <dgm:fillClrLst>
+      <a:schemeClr val="accent2">
+        <a:alpha val="50000"/>
+      </a:schemeClr>
+      <a:schemeClr val="accent3">
+        <a:alpha val="50000"/>
+      </a:schemeClr>
+    </dgm:fillClrLst>
+    <dgm:linClrLst meth="repeat">
+      <a:schemeClr val="lt1"/>
+    </dgm:linClrLst>
+    <dgm:effectClrLst/>
+    <dgm:txLinClrLst/>
+    <dgm:txFillClrLst/>
+    <dgm:txEffectClrLst/>
+  </dgm:styleLbl>
+  <dgm:styleLbl name="node2">
+    <dgm:fillClrLst>
+      <a:schemeClr val="accent3"/>
+    </dgm:fillClrLst>
+    <dgm:linClrLst meth="repeat">
+      <a:schemeClr val="lt1"/>
+    </dgm:linClrLst>
+    <dgm:effectClrLst/>
+    <dgm:txLinClrLst/>
+    <dgm:txFillClrLst/>
+    <dgm:txEffectClrLst/>
+  </dgm:styleLbl>
+  <dgm:styleLbl name="node3">
+    <dgm:fillClrLst>
+      <a:schemeClr val="accent4"/>
+    </dgm:fillClrLst>
+    <dgm:linClrLst meth="repeat">
+      <a:schemeClr val="lt1"/>
+    </dgm:linClrLst>
+    <dgm:effectClrLst/>
+    <dgm:txLinClrLst/>
+    <dgm:txFillClrLst/>
+    <dgm:txEffectClrLst/>
+  </dgm:styleLbl>
+  <dgm:styleLbl name="node4">
+    <dgm:fillClrLst>
+      <a:schemeClr val="accent5"/>
+    </dgm:fillClrLst>
+    <dgm:linClrLst meth="repeat">
+      <a:schemeClr val="lt1"/>
+    </dgm:linClrLst>
+    <dgm:effectClrLst/>
+    <dgm:txLinClrLst/>
+    <dgm:txFillClrLst/>
+    <dgm:txEffectClrLst/>
+  </dgm:styleLbl>
+  <dgm:styleLbl name="fgImgPlace1">
+    <dgm:fillClrLst>
+      <a:schemeClr val="accent2">
+        <a:tint val="50000"/>
+      </a:schemeClr>
+      <a:schemeClr val="accent3">
+        <a:tint val="50000"/>
+      </a:schemeClr>
+    </dgm:fillClrLst>
+    <dgm:linClrLst meth="repeat">
+      <a:schemeClr val="lt1"/>
+    </dgm:linClrLst>
+    <dgm:effectClrLst/>
+    <dgm:txLinClrLst/>
+    <dgm:txFillClrLst meth="repeat">
+      <a:schemeClr val="lt1"/>
+    </dgm:txFillClrLst>
+    <dgm:txEffectClrLst/>
+  </dgm:styleLbl>
+  <dgm:styleLbl name="alignImgPlace1">
+    <dgm:fillClrLst>
+      <a:schemeClr val="accent2">
+        <a:tint val="50000"/>
+      </a:schemeClr>
+      <a:schemeClr val="accent3">
+        <a:tint val="20000"/>
+      </a:schemeClr>
+    </dgm:fillClrLst>
+    <dgm:linClrLst meth="repeat">
+      <a:schemeClr val="lt1"/>
+    </dgm:linClrLst>
+    <dgm:effectClrLst/>
+    <dgm:txLinClrLst/>
+    <dgm:txFillClrLst meth="repeat">
+      <a:schemeClr val="lt1"/>
+    </dgm:txFillClrLst>
+    <dgm:txEffectClrLst/>
+  </dgm:styleLbl>
+  <dgm:styleLbl name="bgImgPlace1">
+    <dgm:fillClrLst>
+      <a:schemeClr val="accent2">
+        <a:tint val="50000"/>
+      </a:schemeClr>
+      <a:schemeClr val="accent3">
+        <a:tint val="20000"/>
+      </a:schemeClr>
+    </dgm:fillClrLst>
+    <dgm:linClrLst meth="repeat">
+      <a:schemeClr val="lt1"/>
+    </dgm:linClrLst>
+    <dgm:effectClrLst/>
+    <dgm:txLinClrLst/>
+    <dgm:txFillClrLst meth="repeat">
+      <a:schemeClr val="lt1"/>
+    </dgm:txFillClrLst>
+    <dgm:txEffectClrLst/>
+  </dgm:styleLbl>
+  <dgm:styleLbl name="sibTrans2D1">
+    <dgm:fillClrLst>
+      <a:schemeClr val="accent2"/>
+      <a:schemeClr val="accent3"/>
+    </dgm:fillClrLst>
+    <dgm:linClrLst meth="repeat">
+      <a:schemeClr val="lt1"/>
+    </dgm:linClrLst>
+    <dgm:effectClrLst/>
+    <dgm:txLinClrLst/>
+    <dgm:txFillClrLst/>
+    <dgm:txEffectClrLst/>
+  </dgm:styleLbl>
+  <dgm:styleLbl name="fgSibTrans2D1">
+    <dgm:fillClrLst>
+      <a:schemeClr val="accent2"/>
+      <a:schemeClr val="accent3"/>
+    </dgm:fillClrLst>
+    <dgm:linClrLst meth="repeat">
+      <a:schemeClr val="lt1"/>
+    </dgm:linClrLst>
+    <dgm:effectClrLst/>
+    <dgm:txLinClrLst/>
+    <dgm:txFillClrLst meth="repeat">
+      <a:schemeClr val="lt1"/>
+    </dgm:txFillClrLst>
+    <dgm:txEffectClrLst/>
+  </dgm:styleLbl>
+  <dgm:styleLbl name="bgSibTrans2D1">
+    <dgm:fillClrLst>
+      <a:schemeClr val="accent2"/>
+      <a:schemeClr val="accent3"/>
+    </dgm:fillClrLst>
+    <dgm:linClrLst meth="repeat">
+      <a:schemeClr val="lt1"/>
+    </dgm:linClrLst>
+    <dgm:effectClrLst/>
+    <dgm:txLinClrLst/>
+    <dgm:txFillClrLst meth="repeat">
+      <a:schemeClr val="lt1"/>
+    </dgm:txFillClrLst>
+    <dgm:txEffectClrLst/>
+  </dgm:styleLbl>
+  <dgm:styleLbl name="sibTrans1D1">
+    <dgm:fillClrLst/>
+    <dgm:linClrLst>
+      <a:schemeClr val="accent2"/>
+      <a:schemeClr val="accent3"/>
+    </dgm:linClrLst>
+    <dgm:effectClrLst/>
+    <dgm:txLinClrLst/>
+    <dgm:txFillClrLst meth="repeat">
+      <a:schemeClr val="tx1"/>
+    </dgm:txFillClrLst>
+    <dgm:txEffectClrLst/>
+  </dgm:styleLbl>
+  <dgm:styleLbl name="callout">
+    <dgm:fillClrLst meth="repeat">
+      <a:schemeClr val="accent2"/>
+    </dgm:fillClrLst>
+    <dgm:linClrLst meth="repeat">
+      <a:schemeClr val="accent2">
+        <a:tint val="50000"/>
+      </a:schemeClr>
+    </dgm:linClrLst>
+    <dgm:effectClrLst/>
+    <dgm:txLinClrLst/>
+    <dgm:txFillClrLst meth="repeat">
+      <a:schemeClr val="tx1"/>
+    </dgm:txFillClrLst>
+    <dgm:txEffectClrLst/>
+  </dgm:styleLbl>
+  <dgm:styleLbl name="asst0">
+    <dgm:fillClrLst meth="repeat">
+      <a:schemeClr val="accent2"/>
+    </dgm:fillClrLst>
+    <dgm:linClrLst meth="repeat">
+      <a:schemeClr val="lt1">
+        <a:shade val="80000"/>
+      </a:schemeClr>
+    </dgm:linClrLst>
+    <dgm:effectClrLst/>
+    <dgm:txLinClrLst/>
+    <dgm:txFillClrLst/>
+    <dgm:txEffectClrLst/>
+  </dgm:styleLbl>
+  <dgm:styleLbl name="asst1">
+    <dgm:fillClrLst meth="repeat">
+      <a:schemeClr val="accent3"/>
+    </dgm:fillClrLst>
+    <dgm:linClrLst meth="repeat">
+      <a:schemeClr val="lt1">
+        <a:shade val="80000"/>
+      </a:schemeClr>
+    </dgm:linClrLst>
+    <dgm:effectClrLst/>
+    <dgm:txLinClrLst/>
+    <dgm:txFillClrLst/>
+    <dgm:txEffectClrLst/>
+  </dgm:styleLbl>
+  <dgm:styleLbl name="asst2">
+    <dgm:fillClrLst>
+      <a:schemeClr val="accent4"/>
+    </dgm:fillClrLst>
+    <dgm:linClrLst meth="repeat">
+      <a:schemeClr val="lt1"/>
+    </dgm:linClrLst>
+    <dgm:effectClrLst/>
+    <dgm:txLinClrLst/>
+    <dgm:txFillClrLst/>
+    <dgm:txEffectClrLst/>
+  </dgm:styleLbl>
+  <dgm:styleLbl name="asst3">
+    <dgm:fillClrLst>
+      <a:schemeClr val="accent5"/>
+    </dgm:fillClrLst>
+    <dgm:linClrLst meth="repeat">
+      <a:schemeClr val="lt1"/>
+    </dgm:linClrLst>
+    <dgm:effectClrLst/>
+    <dgm:txLinClrLst/>
+    <dgm:txFillClrLst/>
+    <dgm:txEffectClrLst/>
+  </dgm:styleLbl>
+  <dgm:styleLbl name="asst4">
+    <dgm:fillClrLst>
+      <a:schemeClr val="accent6"/>
+    </dgm:fillClrLst>
+    <dgm:linClrLst meth="repeat">
+      <a:schemeClr val="lt1"/>
+    </dgm:linClrLst>
+    <dgm:effectClrLst/>
+    <dgm:txLinClrLst/>
+    <dgm:txFillClrLst/>
+    <dgm:txEffectClrLst/>
+  </dgm:styleLbl>
+  <dgm:styleLbl name="parChTrans2D1">
+    <dgm:fillClrLst meth="repeat">
+      <a:schemeClr val="accent2"/>
+    </dgm:fillClrLst>
+    <dgm:linClrLst meth="repeat">
+      <a:schemeClr val="lt1"/>
+    </dgm:linClrLst>
+    <dgm:effectClrLst/>
+    <dgm:txLinClrLst/>
+    <dgm:txFillClrLst meth="repeat">
+      <a:schemeClr val="lt1"/>
+    </dgm:txFillClrLst>
+    <dgm:txEffectClrLst/>
+  </dgm:styleLbl>
+  <dgm:styleLbl name="parChTrans2D2">
+    <dgm:fillClrLst meth="repeat">
+      <a:schemeClr val="accent3"/>
+    </dgm:fillClrLst>
+    <dgm:linClrLst meth="repeat">
+      <a:schemeClr val="lt1"/>
+    </dgm:linClrLst>
+    <dgm:effectClrLst/>
+    <dgm:txLinClrLst/>
+    <dgm:txFillClrLst/>
+    <dgm:txEffectClrLst/>
+  </dgm:styleLbl>
+  <dgm:styleLbl name="parChTrans2D3">
+    <dgm:fillClrLst meth="repeat">
+      <a:schemeClr val="accent4"/>
+    </dgm:fillClrLst>
+    <dgm:linClrLst meth="repeat">
+      <a:schemeClr val="lt1"/>
+    </dgm:linClrLst>
+    <dgm:effectClrLst/>
+    <dgm:txLinClrLst/>
+    <dgm:txFillClrLst/>
+    <dgm:txEffectClrLst/>
+  </dgm:styleLbl>
+  <dgm:styleLbl name="parChTrans2D4">
+    <dgm:fillClrLst meth="repeat">
+      <a:schemeClr val="accent5"/>
+    </dgm:fillClrLst>
+    <dgm:linClrLst meth="repeat">
+      <a:schemeClr val="lt1"/>
+    </dgm:linClrLst>
+    <dgm:effectClrLst/>
+    <dgm:txLinClrLst/>
+    <dgm:txFillClrLst meth="repeat">
+      <a:schemeClr val="lt1"/>
+    </dgm:txFillClrLst>
+    <dgm:txEffectClrLst/>
+  </dgm:styleLbl>
+  <dgm:styleLbl name="parChTrans1D1">
+    <dgm:fillClrLst meth="repeat">
+      <a:schemeClr val="accent2"/>
+    </dgm:fillClrLst>
+    <dgm:linClrLst meth="repeat">
+      <a:schemeClr val="accent2"/>
+    </dgm:linClrLst>
+    <dgm:effectClrLst/>
+    <dgm:txLinClrLst/>
+    <dgm:txFillClrLst meth="repeat">
+      <a:schemeClr val="tx1"/>
+    </dgm:txFillClrLst>
+    <dgm:txEffectClrLst/>
+  </dgm:styleLbl>
+  <dgm:styleLbl name="parChTrans1D2">
+    <dgm:fillClrLst meth="repeat">
+      <a:schemeClr val="accent2">
+        <a:tint val="90000"/>
+      </a:schemeClr>
+    </dgm:fillClrLst>
+    <dgm:linClrLst meth="repeat">
+      <a:schemeClr val="accent3"/>
+    </dgm:linClrLst>
+    <dgm:effectClrLst/>
+    <dgm:txLinClrLst/>
+    <dgm:txFillClrLst meth="repeat">
+      <a:schemeClr val="tx1"/>
+    </dgm:txFillClrLst>
+    <dgm:txEffectClrLst/>
+  </dgm:styleLbl>
+  <dgm:styleLbl name="parChTrans1D3">
+    <dgm:fillClrLst meth="repeat">
+      <a:schemeClr val="accent2">
+        <a:tint val="70000"/>
+      </a:schemeClr>
+    </dgm:fillClrLst>
+    <dgm:linClrLst meth="repeat">
+      <a:schemeClr val="accent4"/>
+    </dgm:linClrLst>
+    <dgm:effectClrLst/>
+    <dgm:txLinClrLst/>
+    <dgm:txFillClrLst meth="repeat">
+      <a:schemeClr val="tx1"/>
+    </dgm:txFillClrLst>
+    <dgm:txEffectClrLst/>
+  </dgm:styleLbl>
+  <dgm:styleLbl name="parChTrans1D4">
+    <dgm:fillClrLst meth="repeat">
+      <a:schemeClr val="accent2">
+        <a:tint val="50000"/>
+      </a:schemeClr>
+    </dgm:fillClrLst>
+    <dgm:linClrLst meth="repeat">
+      <a:schemeClr val="accent5"/>
+    </dgm:linClrLst>
+    <dgm:effectClrLst/>
+    <dgm:txLinClrLst/>
+    <dgm:txFillClrLst meth="repeat">
+      <a:schemeClr val="tx1"/>
+    </dgm:txFillClrLst>
+    <dgm:txEffectClrLst/>
+  </dgm:styleLbl>
+  <dgm:styleLbl name="fgAcc1">
+    <dgm:fillClrLst meth="repeat">
+      <a:schemeClr val="lt1">
+        <a:alpha val="90000"/>
+      </a:schemeClr>
+    </dgm:fillClrLst>
+    <dgm:linClrLst>
+      <a:schemeClr val="accent2"/>
+      <a:schemeClr val="accent3"/>
+    </dgm:linClrLst>
+    <dgm:effectClrLst/>
+    <dgm:txLinClrLst/>
+    <dgm:txFillClrLst meth="repeat">
+      <a:schemeClr val="dk1"/>
+    </dgm:txFillClrLst>
+    <dgm:txEffectClrLst/>
+  </dgm:styleLbl>
+  <dgm:styleLbl name="conFgAcc1">
+    <dgm:fillClrLst meth="repeat">
+      <a:schemeClr val="lt1">
+        <a:alpha val="90000"/>
+      </a:schemeClr>
+    </dgm:fillClrLst>
+    <dgm:linClrLst>
+      <a:schemeClr val="accent2"/>
+      <a:schemeClr val="accent3"/>
+    </dgm:linClrLst>
+    <dgm:effectClrLst/>
+    <dgm:txLinClrLst/>
+    <dgm:txFillClrLst meth="repeat">
+      <a:schemeClr val="dk1"/>
+    </dgm:txFillClrLst>
+    <dgm:txEffectClrLst/>
+  </dgm:styleLbl>
+  <dgm:styleLbl name="alignAcc1">
+    <dgm:fillClrLst meth="repeat">
+      <a:schemeClr val="lt1">
+        <a:alpha val="90000"/>
+      </a:schemeClr>
+    </dgm:fillClrLst>
+    <dgm:linClrLst>
+      <a:schemeClr val="accent2"/>
+      <a:schemeClr val="accent3"/>
+    </dgm:linClrLst>
+    <dgm:effectClrLst/>
+    <dgm:txLinClrLst/>
+    <dgm:txFillClrLst meth="repeat">
+      <a:schemeClr val="dk1"/>
+    </dgm:txFillClrLst>
+    <dgm:txEffectClrLst/>
+  </dgm:styleLbl>
+  <dgm:styleLbl name="trAlignAcc1">
+    <dgm:fillClrLst meth="repeat">
+      <a:schemeClr val="lt1">
+        <a:alpha val="40000"/>
+      </a:schemeClr>
+    </dgm:fillClrLst>
+    <dgm:linClrLst meth="repeat">
+      <a:schemeClr val="accent2"/>
+    </dgm:linClrLst>
+    <dgm:effectClrLst/>
+    <dgm:txLinClrLst/>
+    <dgm:txFillClrLst meth="repeat">
+      <a:schemeClr val="dk1"/>
+    </dgm:txFillClrLst>
+    <dgm:txEffectClrLst/>
+  </dgm:styleLbl>
+  <dgm:styleLbl name="bgAcc1">
+    <dgm:fillClrLst meth="repeat">
+      <a:schemeClr val="lt1">
+        <a:alpha val="90000"/>
+      </a:schemeClr>
+    </dgm:fillClrLst>
+    <dgm:linClrLst>
+      <a:schemeClr val="accent2"/>
+      <a:schemeClr val="accent3"/>
+    </dgm:linClrLst>
+    <dgm:effectClrLst/>
+    <dgm:txLinClrLst/>
+    <dgm:txFillClrLst meth="repeat">
+      <a:schemeClr val="dk1"/>
+    </dgm:txFillClrLst>
+    <dgm:txEffectClrLst/>
+  </dgm:styleLbl>
+  <dgm:styleLbl name="solidFgAcc1">
+    <dgm:fillClrLst meth="repeat">
+      <a:schemeClr val="lt1"/>
+    </dgm:fillClrLst>
+    <dgm:linClrLst>
+      <a:schemeClr val="accent2"/>
+      <a:schemeClr val="accent3"/>
+    </dgm:linClrLst>
+    <dgm:effectClrLst/>
+    <dgm:txLinClrLst/>
+    <dgm:txFillClrLst meth="repeat">
+      <a:schemeClr val="dk1"/>
+    </dgm:txFillClrLst>
+    <dgm:txEffectClrLst/>
+  </dgm:styleLbl>
+  <dgm:styleLbl name="solidAlignAcc1">
+    <dgm:fillClrLst meth="repeat">
+      <a:schemeClr val="lt1"/>
+    </dgm:fillClrLst>
+    <dgm:linClrLst>
+      <a:schemeClr val="accent2"/>
+      <a:schemeClr val="accent3"/>
+    </dgm:linClrLst>
+    <dgm:effectClrLst/>
+    <dgm:txLinClrLst/>
+    <dgm:txFillClrLst meth="repeat">
+      <a:schemeClr val="dk1"/>
+    </dgm:txFillClrLst>
+    <dgm:txEffectClrLst/>
+  </dgm:styleLbl>
+  <dgm:styleLbl name="solidBgAcc1">
+    <dgm:fillClrLst meth="repeat">
+      <a:schemeClr val="lt1"/>
+    </dgm:fillClrLst>
+    <dgm:linClrLst>
+      <a:schemeClr val="accent2"/>
+      <a:schemeClr val="accent3"/>
+    </dgm:linClrLst>
+    <dgm:effectClrLst/>
+    <dgm:txLinClrLst/>
+    <dgm:txFillClrLst meth="repeat">
+      <a:schemeClr val="dk1"/>
+    </dgm:txFillClrLst>
+    <dgm:txEffectClrLst/>
+  </dgm:styleLbl>
+  <dgm:styleLbl name="fgAccFollowNode1">
+    <dgm:fillClrLst>
+      <a:schemeClr val="accent2">
+        <a:tint val="40000"/>
+        <a:alpha val="90000"/>
+      </a:schemeClr>
+      <a:schemeClr val="accent3">
+        <a:tint val="40000"/>
+        <a:alpha val="90000"/>
+      </a:schemeClr>
+    </dgm:fillClrLst>
+    <dgm:linClrLst>
+      <a:schemeClr val="accent2">
+        <a:tint val="40000"/>
+        <a:alpha val="90000"/>
+      </a:schemeClr>
+      <a:schemeClr val="accent3">
+        <a:tint val="40000"/>
+        <a:alpha val="90000"/>
+      </a:schemeClr>
+    </dgm:linClrLst>
+    <dgm:effectClrLst/>
+    <dgm:txLinClrLst/>
+    <dgm:txFillClrLst meth="repeat">
+      <a:schemeClr val="dk1"/>
+    </dgm:txFillClrLst>
+    <dgm:txEffectClrLst/>
+  </dgm:styleLbl>
+  <dgm:styleLbl name="alignAccFollowNode1">
+    <dgm:fillClrLst>
+      <a:schemeClr val="accent2">
+        <a:tint val="40000"/>
+        <a:alpha val="90000"/>
+      </a:schemeClr>
+      <a:schemeClr val="accent3">
+        <a:tint val="40000"/>
+        <a:alpha val="90000"/>
+      </a:schemeClr>
+    </dgm:fillClrLst>
+    <dgm:linClrLst>
+      <a:schemeClr val="accent2">
+        <a:tint val="40000"/>
+        <a:alpha val="90000"/>
+      </a:schemeClr>
+      <a:schemeClr val="accent3">
+        <a:tint val="40000"/>
+        <a:alpha val="90000"/>
+      </a:schemeClr>
+    </dgm:linClrLst>
+    <dgm:effectClrLst/>
+    <dgm:txLinClrLst/>
+    <dgm:txFillClrLst meth="repeat">
+      <a:schemeClr val="dk1"/>
+    </dgm:txFillClrLst>
+    <dgm:txEffectClrLst/>
+  </dgm:styleLbl>
+  <dgm:styleLbl name="bgAccFollowNode1">
+    <dgm:fillClrLst>
+      <a:schemeClr val="accent2">
+        <a:tint val="40000"/>
+        <a:alpha val="90000"/>
+      </a:schemeClr>
+      <a:schemeClr val="accent3">
+        <a:tint val="40000"/>
+        <a:alpha val="90000"/>
+      </a:schemeClr>
+    </dgm:fillClrLst>
+    <dgm:linClrLst>
+      <a:schemeClr val="accent2">
+        <a:tint val="40000"/>
+        <a:alpha val="90000"/>
+      </a:schemeClr>
+      <a:schemeClr val="accent3">
+        <a:tint val="40000"/>
+        <a:alpha val="90000"/>
+      </a:schemeClr>
+    </dgm:linClrLst>
+    <dgm:effectClrLst/>
+    <dgm:txLinClrLst/>
+    <dgm:txFillClrLst meth="repeat">
+      <a:schemeClr val="dk1"/>
+    </dgm:txFillClrLst>
+    <dgm:txEffectClrLst/>
+  </dgm:styleLbl>
+  <dgm:styleLbl name="fgAcc0">
+    <dgm:fillClrLst meth="repeat">
+      <a:schemeClr val="lt1">
+        <a:alpha val="90000"/>
+      </a:schemeClr>
+    </dgm:fillClrLst>
+    <dgm:linClrLst>
+      <a:schemeClr val="accent1"/>
+    </dgm:linClrLst>
+    <dgm:effectClrLst/>
+    <dgm:txLinClrLst/>
+    <dgm:txFillClrLst meth="repeat">
+      <a:schemeClr val="dk1"/>
+    </dgm:txFillClrLst>
+    <dgm:txEffectClrLst/>
+  </dgm:styleLbl>
+  <dgm:styleLbl name="fgAcc2">
+    <dgm:fillClrLst meth="repeat">
+      <a:schemeClr val="lt1">
+        <a:alpha val="90000"/>
+      </a:schemeClr>
+    </dgm:fillClrLst>
+    <dgm:linClrLst>
+      <a:schemeClr val="accent3"/>
+    </dgm:linClrLst>
+    <dgm:effectClrLst/>
+    <dgm:txLinClrLst/>
+    <dgm:txFillClrLst meth="repeat">
+      <a:schemeClr val="dk1"/>
+    </dgm:txFillClrLst>
+    <dgm:txEffectClrLst/>
+  </dgm:styleLbl>
+  <dgm:styleLbl name="fgAcc3">
+    <dgm:fillClrLst meth="repeat">
+      <a:schemeClr val="lt1">
+        <a:alpha val="90000"/>
+      </a:schemeClr>
+    </dgm:fillClrLst>
+    <dgm:linClrLst>
+      <a:schemeClr val="accent4"/>
+    </dgm:linClrLst>
+    <dgm:effectClrLst/>
+    <dgm:txLinClrLst/>
+    <dgm:txFillClrLst meth="repeat">
+      <a:schemeClr val="dk1"/>
+    </dgm:txFillClrLst>
+    <dgm:txEffectClrLst/>
+  </dgm:styleLbl>
+  <dgm:styleLbl name="fgAcc4">
+    <dgm:fillClrLst meth="repeat">
+      <a:schemeClr val="lt1">
+        <a:alpha val="90000"/>
+      </a:schemeClr>
+    </dgm:fillClrLst>
+    <dgm:linClrLst>
+      <a:schemeClr val="accent5"/>
+    </dgm:linClrLst>
+    <dgm:effectClrLst/>
+    <dgm:txLinClrLst/>
+    <dgm:txFillClrLst meth="repeat">
+      <a:schemeClr val="dk1"/>
+    </dgm:txFillClrLst>
+    <dgm:txEffectClrLst/>
+  </dgm:styleLbl>
+  <dgm:styleLbl name="bgShp">
+    <dgm:fillClrLst meth="repeat">
+      <a:schemeClr val="accent2">
+        <a:tint val="40000"/>
+      </a:schemeClr>
+    </dgm:fillClrLst>
+    <dgm:linClrLst meth="repeat">
+      <a:schemeClr val="dk1"/>
+    </dgm:linClrLst>
+    <dgm:effectClrLst/>
+    <dgm:txLinClrLst/>
+    <dgm:txFillClrLst meth="repeat">
+      <a:schemeClr val="dk1"/>
+    </dgm:txFillClrLst>
+    <dgm:txEffectClrLst/>
+  </dgm:styleLbl>
+  <dgm:styleLbl name="dkBgShp">
+    <dgm:fillClrLst meth="repeat">
+      <a:schemeClr val="accent2">
+        <a:shade val="90000"/>
+      </a:schemeClr>
+    </dgm:fillClrLst>
+    <dgm:linClrLst meth="repeat">
+      <a:schemeClr val="dk1"/>
+    </dgm:linClrLst>
+    <dgm:effectClrLst/>
+    <dgm:txLinClrLst/>
+    <dgm:txFillClrLst meth="repeat">
+      <a:schemeClr val="lt1"/>
+    </dgm:txFillClrLst>
+    <dgm:txEffectClrLst/>
+  </dgm:styleLbl>
+  <dgm:styleLbl name="trBgShp">
+    <dgm:fillClrLst meth="repeat">
+      <a:schemeClr val="accent2">
+        <a:tint val="50000"/>
+        <a:alpha val="40000"/>
+      </a:schemeClr>
+    </dgm:fillClrLst>
+    <dgm:linClrLst meth="repeat">
+      <a:schemeClr val="accent2"/>
+    </dgm:linClrLst>
+    <dgm:effectClrLst/>
+    <dgm:txLinClrLst/>
+    <dgm:txFillClrLst meth="repeat">
+      <a:schemeClr val="lt1"/>
+    </dgm:txFillClrLst>
+    <dgm:txEffectClrLst/>
+  </dgm:styleLbl>
+  <dgm:styleLbl name="fgShp">
+    <dgm:fillClrLst meth="repeat">
+      <a:schemeClr val="accent2">
+        <a:tint val="40000"/>
+      </a:schemeClr>
+    </dgm:fillClrLst>
+    <dgm:linClrLst meth="repeat">
+      <a:schemeClr val="lt1"/>
+    </dgm:linClrLst>
+    <dgm:effectClrLst/>
+    <dgm:txLinClrLst/>
+    <dgm:txFillClrLst meth="repeat">
+      <a:schemeClr val="dk1"/>
+    </dgm:txFillClrLst>
+    <dgm:txEffectClrLst/>
+  </dgm:styleLbl>
+  <dgm:styleLbl name="revTx">
+    <dgm:fillClrLst meth="repeat">
+      <a:schemeClr val="lt1">
+        <a:alpha val="0"/>
+      </a:schemeClr>
+    </dgm:fillClrLst>
+    <dgm:linClrLst meth="repeat">
+      <a:schemeClr val="dk1">
+        <a:alpha val="0"/>
+      </a:schemeClr>
+    </dgm:linClrLst>
+    <dgm:effectClrLst/>
+    <dgm:txLinClrLst/>
+    <dgm:txFillClrLst meth="repeat">
+      <a:schemeClr val="tx1"/>
+    </dgm:txFillClrLst>
+    <dgm:txEffectClrLst/>
+  </dgm:styleLbl>
+</dgm:colorsDef>
+</file>
+
+<file path=ppt/diagrams/data1.xml><?xml version="1.0" encoding="utf-8"?>
+<dgm:dataModel xmlns:dgm="http://schemas.openxmlformats.org/drawingml/2006/diagram" xmlns:a="http://schemas.openxmlformats.org/drawingml/2006/main">
+  <dgm:ptLst>
+    <dgm:pt modelId="{F32E3E8A-7C50-427F-9105-6CCB0404EBE1}" type="doc">
+      <dgm:prSet loTypeId="urn:microsoft.com/office/officeart/2005/8/layout/process4" loCatId="process" qsTypeId="urn:microsoft.com/office/officeart/2005/8/quickstyle/simple1" qsCatId="simple" csTypeId="urn:microsoft.com/office/officeart/2005/8/colors/colorful2" csCatId="colorful" phldr="1"/>
+      <dgm:spPr/>
+      <dgm:t>
+        <a:bodyPr/>
+        <a:lstStyle/>
+        <a:p>
+          <a:endParaRPr lang="en-US"/>
+        </a:p>
+      </dgm:t>
+    </dgm:pt>
+    <dgm:pt modelId="{120FE57E-3B7E-4053-A845-CB59FB8CDAEB}">
+      <dgm:prSet/>
+      <dgm:spPr/>
+      <dgm:t>
+        <a:bodyPr/>
+        <a:lstStyle/>
+        <a:p>
+          <a:r>
+            <a:rPr lang="en-US"/>
+            <a:t>Introduced briefly in OCN 350; to be used extensively in OCN 479</a:t>
+          </a:r>
+        </a:p>
+      </dgm:t>
+    </dgm:pt>
+    <dgm:pt modelId="{22D3930D-27FB-45DF-8950-62DACA78A7AC}" type="parTrans" cxnId="{044324E6-3E46-4A60-AAB1-99372DFFFBFE}">
+      <dgm:prSet/>
+      <dgm:spPr/>
+      <dgm:t>
+        <a:bodyPr/>
+        <a:lstStyle/>
+        <a:p>
+          <a:endParaRPr lang="en-US"/>
+        </a:p>
+      </dgm:t>
+    </dgm:pt>
+    <dgm:pt modelId="{EAD6855F-85F5-484B-A866-1E7F26546142}" type="sibTrans" cxnId="{044324E6-3E46-4A60-AAB1-99372DFFFBFE}">
+      <dgm:prSet/>
+      <dgm:spPr/>
+      <dgm:t>
+        <a:bodyPr/>
+        <a:lstStyle/>
+        <a:p>
+          <a:endParaRPr lang="en-US"/>
+        </a:p>
+      </dgm:t>
+    </dgm:pt>
+    <dgm:pt modelId="{8657B9D1-19F4-4BD3-9500-E39C39258286}">
+      <dgm:prSet/>
+      <dgm:spPr/>
+      <dgm:t>
+        <a:bodyPr/>
+        <a:lstStyle/>
+        <a:p>
+          <a:r>
+            <a:rPr lang="en-US"/>
+            <a:t>Reinforces “open science and engineering” concepts</a:t>
+          </a:r>
+        </a:p>
+      </dgm:t>
+    </dgm:pt>
+    <dgm:pt modelId="{AB12E6D0-897E-4446-B7DD-7A102A25B650}" type="parTrans" cxnId="{954BF2D3-7386-49D6-9095-A398F6C3D9E0}">
+      <dgm:prSet/>
+      <dgm:spPr/>
+      <dgm:t>
+        <a:bodyPr/>
+        <a:lstStyle/>
+        <a:p>
+          <a:endParaRPr lang="en-US"/>
+        </a:p>
+      </dgm:t>
+    </dgm:pt>
+    <dgm:pt modelId="{671AE598-A5BA-48F5-AB0B-871A82C331E2}" type="sibTrans" cxnId="{954BF2D3-7386-49D6-9095-A398F6C3D9E0}">
+      <dgm:prSet/>
+      <dgm:spPr/>
+      <dgm:t>
+        <a:bodyPr/>
+        <a:lstStyle/>
+        <a:p>
+          <a:endParaRPr lang="en-US"/>
+        </a:p>
+      </dgm:t>
+    </dgm:pt>
+    <dgm:pt modelId="{74CB338A-D8C0-414B-85A1-888DDCF7349B}">
+      <dgm:prSet/>
+      <dgm:spPr/>
+      <dgm:t>
+        <a:bodyPr/>
+        <a:lstStyle/>
+        <a:p>
+          <a:r>
+            <a:rPr lang="en-US" dirty="0"/>
+            <a:t>Enables collaborative coding with a little more code stability than something like google docs. Collaborate with…</a:t>
+          </a:r>
+        </a:p>
+      </dgm:t>
+    </dgm:pt>
+    <dgm:pt modelId="{5FC225DC-50DB-4645-8F53-13610148E4B5}" type="parTrans" cxnId="{A505618A-6523-4408-8051-E70B7C740FB9}">
+      <dgm:prSet/>
+      <dgm:spPr/>
+      <dgm:t>
+        <a:bodyPr/>
+        <a:lstStyle/>
+        <a:p>
+          <a:endParaRPr lang="en-US"/>
+        </a:p>
+      </dgm:t>
+    </dgm:pt>
+    <dgm:pt modelId="{9345FBBE-D3BA-44F9-9FDD-0A82843A84FC}" type="sibTrans" cxnId="{A505618A-6523-4408-8051-E70B7C740FB9}">
+      <dgm:prSet/>
+      <dgm:spPr/>
+      <dgm:t>
+        <a:bodyPr/>
+        <a:lstStyle/>
+        <a:p>
+          <a:endParaRPr lang="en-US"/>
+        </a:p>
+      </dgm:t>
+    </dgm:pt>
+    <dgm:pt modelId="{B8327E9D-2415-4C82-B160-630B79B03BD4}">
+      <dgm:prSet/>
+      <dgm:spPr/>
+      <dgm:t>
+        <a:bodyPr/>
+        <a:lstStyle/>
+        <a:p>
+          <a:r>
+            <a:rPr lang="en-US"/>
+            <a:t>Teammates</a:t>
+          </a:r>
+        </a:p>
+      </dgm:t>
+    </dgm:pt>
+    <dgm:pt modelId="{5F9C8AC2-A65F-4491-A5B7-50BB916E950B}" type="parTrans" cxnId="{F8DDC46E-C24B-488E-8261-6657AFF64492}">
+      <dgm:prSet/>
+      <dgm:spPr/>
+      <dgm:t>
+        <a:bodyPr/>
+        <a:lstStyle/>
+        <a:p>
+          <a:endParaRPr lang="en-US"/>
+        </a:p>
+      </dgm:t>
+    </dgm:pt>
+    <dgm:pt modelId="{538D68A1-FAF4-4ECF-AE59-7651CC9DCF89}" type="sibTrans" cxnId="{F8DDC46E-C24B-488E-8261-6657AFF64492}">
+      <dgm:prSet/>
+      <dgm:spPr/>
+      <dgm:t>
+        <a:bodyPr/>
+        <a:lstStyle/>
+        <a:p>
+          <a:endParaRPr lang="en-US"/>
+        </a:p>
+      </dgm:t>
+    </dgm:pt>
+    <dgm:pt modelId="{A244E86E-AD0F-4B61-8E29-B33E4214D249}">
+      <dgm:prSet/>
+      <dgm:spPr/>
+      <dgm:t>
+        <a:bodyPr/>
+        <a:lstStyle/>
+        <a:p>
+          <a:r>
+            <a:rPr lang="en-US"/>
+            <a:t>Rest of this class</a:t>
+          </a:r>
+        </a:p>
+      </dgm:t>
+    </dgm:pt>
+    <dgm:pt modelId="{F833F030-BF9D-4ECC-AAF1-607ABEB80477}" type="parTrans" cxnId="{B97FDE49-F001-4AB8-B5DF-643DEA04AA30}">
+      <dgm:prSet/>
+      <dgm:spPr/>
+      <dgm:t>
+        <a:bodyPr/>
+        <a:lstStyle/>
+        <a:p>
+          <a:endParaRPr lang="en-US"/>
+        </a:p>
+      </dgm:t>
+    </dgm:pt>
+    <dgm:pt modelId="{7C3F0CC4-5B58-43DA-B818-909E9B6B68D5}" type="sibTrans" cxnId="{B97FDE49-F001-4AB8-B5DF-643DEA04AA30}">
+      <dgm:prSet/>
+      <dgm:spPr/>
+      <dgm:t>
+        <a:bodyPr/>
+        <a:lstStyle/>
+        <a:p>
+          <a:endParaRPr lang="en-US"/>
+        </a:p>
+      </dgm:t>
+    </dgm:pt>
+    <dgm:pt modelId="{38578C42-040D-4291-84C9-5C452801E60F}">
+      <dgm:prSet/>
+      <dgm:spPr/>
+      <dgm:t>
+        <a:bodyPr/>
+        <a:lstStyle/>
+        <a:p>
+          <a:r>
+            <a:rPr lang="en-US"/>
+            <a:t>Future classes</a:t>
+          </a:r>
+        </a:p>
+      </dgm:t>
+    </dgm:pt>
+    <dgm:pt modelId="{2B3A3C10-EE9C-4401-A095-4FD24954E53D}" type="parTrans" cxnId="{A0BA3ECA-F180-4EE2-8EFD-E91628B67F0A}">
+      <dgm:prSet/>
+      <dgm:spPr/>
+      <dgm:t>
+        <a:bodyPr/>
+        <a:lstStyle/>
+        <a:p>
+          <a:endParaRPr lang="en-US"/>
+        </a:p>
+      </dgm:t>
+    </dgm:pt>
+    <dgm:pt modelId="{895ED3BD-8419-4C74-A7DB-9EE6660D28C9}" type="sibTrans" cxnId="{A0BA3ECA-F180-4EE2-8EFD-E91628B67F0A}">
+      <dgm:prSet/>
+      <dgm:spPr/>
+      <dgm:t>
+        <a:bodyPr/>
+        <a:lstStyle/>
+        <a:p>
+          <a:endParaRPr lang="en-US"/>
+        </a:p>
+      </dgm:t>
+    </dgm:pt>
+    <dgm:pt modelId="{FD3E2ED9-D057-47E4-AF90-6C172CD06E7C}">
+      <dgm:prSet/>
+      <dgm:spPr/>
+      <dgm:t>
+        <a:bodyPr/>
+        <a:lstStyle/>
+        <a:p>
+          <a:r>
+            <a:rPr lang="en-US"/>
+            <a:t>People anywhere/anywhen in the world</a:t>
+          </a:r>
+        </a:p>
+      </dgm:t>
+    </dgm:pt>
+    <dgm:pt modelId="{F8E0CDE8-B0AC-4897-ACBF-B6090A39A3EB}" type="parTrans" cxnId="{81D5E088-772F-4A82-9D4F-30BBED6296D0}">
+      <dgm:prSet/>
+      <dgm:spPr/>
+      <dgm:t>
+        <a:bodyPr/>
+        <a:lstStyle/>
+        <a:p>
+          <a:endParaRPr lang="en-US"/>
+        </a:p>
+      </dgm:t>
+    </dgm:pt>
+    <dgm:pt modelId="{72410B1D-D7F9-4F54-8602-CDA331A84213}" type="sibTrans" cxnId="{81D5E088-772F-4A82-9D4F-30BBED6296D0}">
+      <dgm:prSet/>
+      <dgm:spPr/>
+      <dgm:t>
+        <a:bodyPr/>
+        <a:lstStyle/>
+        <a:p>
+          <a:endParaRPr lang="en-US"/>
+        </a:p>
+      </dgm:t>
+    </dgm:pt>
+    <dgm:pt modelId="{D5523D48-CF18-42D4-9AA0-3441C4900D9E}">
+      <dgm:prSet/>
+      <dgm:spPr/>
+      <dgm:t>
+        <a:bodyPr/>
+        <a:lstStyle/>
+        <a:p>
+          <a:r>
+            <a:rPr lang="en-US"/>
+            <a:t>Including links to GitHub repos on resumes/CVs will be very attractive to employers/graduate schools!</a:t>
+          </a:r>
+        </a:p>
+      </dgm:t>
+    </dgm:pt>
+    <dgm:pt modelId="{854BD8E0-2851-40FF-964B-78AA55C0F9FD}" type="parTrans" cxnId="{2C72C4B3-D037-4DA5-A773-C93949B39D1C}">
+      <dgm:prSet/>
+      <dgm:spPr/>
+      <dgm:t>
+        <a:bodyPr/>
+        <a:lstStyle/>
+        <a:p>
+          <a:endParaRPr lang="en-US"/>
+        </a:p>
+      </dgm:t>
+    </dgm:pt>
+    <dgm:pt modelId="{51B38E78-0726-4C2C-A0E0-769DF7FC1B3B}" type="sibTrans" cxnId="{2C72C4B3-D037-4DA5-A773-C93949B39D1C}">
+      <dgm:prSet/>
+      <dgm:spPr/>
+      <dgm:t>
+        <a:bodyPr/>
+        <a:lstStyle/>
+        <a:p>
+          <a:endParaRPr lang="en-US"/>
+        </a:p>
+      </dgm:t>
+    </dgm:pt>
+    <dgm:pt modelId="{5DD754C2-8AE2-674E-AA44-F0CF0A602279}" type="pres">
+      <dgm:prSet presAssocID="{F32E3E8A-7C50-427F-9105-6CCB0404EBE1}" presName="Name0" presStyleCnt="0">
+        <dgm:presLayoutVars>
+          <dgm:dir/>
+          <dgm:animLvl val="lvl"/>
+          <dgm:resizeHandles val="exact"/>
+        </dgm:presLayoutVars>
+      </dgm:prSet>
+      <dgm:spPr/>
+    </dgm:pt>
+    <dgm:pt modelId="{B34BB556-3215-7D4E-BA4F-B2AFEBF203B9}" type="pres">
+      <dgm:prSet presAssocID="{D5523D48-CF18-42D4-9AA0-3441C4900D9E}" presName="boxAndChildren" presStyleCnt="0"/>
+      <dgm:spPr/>
+    </dgm:pt>
+    <dgm:pt modelId="{BEF810A7-2669-DB4C-80FA-4D82276C54C7}" type="pres">
+      <dgm:prSet presAssocID="{D5523D48-CF18-42D4-9AA0-3441C4900D9E}" presName="parentTextBox" presStyleLbl="node1" presStyleIdx="0" presStyleCnt="4"/>
+      <dgm:spPr/>
+    </dgm:pt>
+    <dgm:pt modelId="{69963075-9382-7040-8CD4-426244936E9E}" type="pres">
+      <dgm:prSet presAssocID="{9345FBBE-D3BA-44F9-9FDD-0A82843A84FC}" presName="sp" presStyleCnt="0"/>
+      <dgm:spPr/>
+    </dgm:pt>
+    <dgm:pt modelId="{412DBBA2-BFA3-2345-83FB-5FCFE78640A4}" type="pres">
+      <dgm:prSet presAssocID="{74CB338A-D8C0-414B-85A1-888DDCF7349B}" presName="arrowAndChildren" presStyleCnt="0"/>
+      <dgm:spPr/>
+    </dgm:pt>
+    <dgm:pt modelId="{E79D9A2B-E768-9747-89BB-A9D6528154FC}" type="pres">
+      <dgm:prSet presAssocID="{74CB338A-D8C0-414B-85A1-888DDCF7349B}" presName="parentTextArrow" presStyleLbl="node1" presStyleIdx="0" presStyleCnt="4"/>
+      <dgm:spPr/>
+    </dgm:pt>
+    <dgm:pt modelId="{A5C47B43-55AC-A648-AC59-2D40681500B5}" type="pres">
+      <dgm:prSet presAssocID="{74CB338A-D8C0-414B-85A1-888DDCF7349B}" presName="arrow" presStyleLbl="node1" presStyleIdx="1" presStyleCnt="4"/>
+      <dgm:spPr/>
+    </dgm:pt>
+    <dgm:pt modelId="{0A2919C0-BB74-9540-848F-9D03EA2290E1}" type="pres">
+      <dgm:prSet presAssocID="{74CB338A-D8C0-414B-85A1-888DDCF7349B}" presName="descendantArrow" presStyleCnt="0"/>
+      <dgm:spPr/>
+    </dgm:pt>
+    <dgm:pt modelId="{8FF7A8D2-0FC1-BD4E-822E-D06A34BDB57B}" type="pres">
+      <dgm:prSet presAssocID="{B8327E9D-2415-4C82-B160-630B79B03BD4}" presName="childTextArrow" presStyleLbl="fgAccFollowNode1" presStyleIdx="0" presStyleCnt="4">
+        <dgm:presLayoutVars>
+          <dgm:bulletEnabled val="1"/>
+        </dgm:presLayoutVars>
+      </dgm:prSet>
+      <dgm:spPr/>
+    </dgm:pt>
+    <dgm:pt modelId="{B801BFA6-D690-604F-A363-8D12B753AAE6}" type="pres">
+      <dgm:prSet presAssocID="{A244E86E-AD0F-4B61-8E29-B33E4214D249}" presName="childTextArrow" presStyleLbl="fgAccFollowNode1" presStyleIdx="1" presStyleCnt="4">
+        <dgm:presLayoutVars>
+          <dgm:bulletEnabled val="1"/>
+        </dgm:presLayoutVars>
+      </dgm:prSet>
+      <dgm:spPr/>
+    </dgm:pt>
+    <dgm:pt modelId="{5D0FAAC0-E80C-6F4C-B991-461536F28030}" type="pres">
+      <dgm:prSet presAssocID="{38578C42-040D-4291-84C9-5C452801E60F}" presName="childTextArrow" presStyleLbl="fgAccFollowNode1" presStyleIdx="2" presStyleCnt="4">
+        <dgm:presLayoutVars>
+          <dgm:bulletEnabled val="1"/>
+        </dgm:presLayoutVars>
+      </dgm:prSet>
+      <dgm:spPr/>
+    </dgm:pt>
+    <dgm:pt modelId="{72F0CC84-945D-3F44-9A5E-B0831EAD2D33}" type="pres">
+      <dgm:prSet presAssocID="{FD3E2ED9-D057-47E4-AF90-6C172CD06E7C}" presName="childTextArrow" presStyleLbl="fgAccFollowNode1" presStyleIdx="3" presStyleCnt="4">
+        <dgm:presLayoutVars>
+          <dgm:bulletEnabled val="1"/>
+        </dgm:presLayoutVars>
+      </dgm:prSet>
+      <dgm:spPr/>
+    </dgm:pt>
+    <dgm:pt modelId="{E93FFBC6-BB08-D54F-9E92-03B9B2459CC0}" type="pres">
+      <dgm:prSet presAssocID="{671AE598-A5BA-48F5-AB0B-871A82C331E2}" presName="sp" presStyleCnt="0"/>
+      <dgm:spPr/>
+    </dgm:pt>
+    <dgm:pt modelId="{3618FC2E-5C0B-D44A-91EC-120B3AC8A819}" type="pres">
+      <dgm:prSet presAssocID="{8657B9D1-19F4-4BD3-9500-E39C39258286}" presName="arrowAndChildren" presStyleCnt="0"/>
+      <dgm:spPr/>
+    </dgm:pt>
+    <dgm:pt modelId="{4A6189C4-F783-F448-8EE2-C624E136F3EF}" type="pres">
+      <dgm:prSet presAssocID="{8657B9D1-19F4-4BD3-9500-E39C39258286}" presName="parentTextArrow" presStyleLbl="node1" presStyleIdx="2" presStyleCnt="4"/>
+      <dgm:spPr/>
+    </dgm:pt>
+    <dgm:pt modelId="{C741C33E-DBDC-504A-84CC-D9D9964EA142}" type="pres">
+      <dgm:prSet presAssocID="{EAD6855F-85F5-484B-A866-1E7F26546142}" presName="sp" presStyleCnt="0"/>
+      <dgm:spPr/>
+    </dgm:pt>
+    <dgm:pt modelId="{AD047D99-2D57-4648-817A-CAC3C1F7FC48}" type="pres">
+      <dgm:prSet presAssocID="{120FE57E-3B7E-4053-A845-CB59FB8CDAEB}" presName="arrowAndChildren" presStyleCnt="0"/>
+      <dgm:spPr/>
+    </dgm:pt>
+    <dgm:pt modelId="{7ABA7142-BFD6-DD46-A5B2-AB2C97ADAB8D}" type="pres">
+      <dgm:prSet presAssocID="{120FE57E-3B7E-4053-A845-CB59FB8CDAEB}" presName="parentTextArrow" presStyleLbl="node1" presStyleIdx="3" presStyleCnt="4"/>
+      <dgm:spPr/>
+    </dgm:pt>
+  </dgm:ptLst>
+  <dgm:cxnLst>
+    <dgm:cxn modelId="{E1033804-1533-AC4B-8D16-22D78E6AB5DB}" type="presOf" srcId="{FD3E2ED9-D057-47E4-AF90-6C172CD06E7C}" destId="{72F0CC84-945D-3F44-9A5E-B0831EAD2D33}" srcOrd="0" destOrd="0" presId="urn:microsoft.com/office/officeart/2005/8/layout/process4"/>
+    <dgm:cxn modelId="{D97A1317-C770-DB46-B79B-E1401AB508B0}" type="presOf" srcId="{74CB338A-D8C0-414B-85A1-888DDCF7349B}" destId="{A5C47B43-55AC-A648-AC59-2D40681500B5}" srcOrd="1" destOrd="0" presId="urn:microsoft.com/office/officeart/2005/8/layout/process4"/>
+    <dgm:cxn modelId="{BFA12C38-2FC5-4A43-AFCA-F5142C4F7AC7}" type="presOf" srcId="{F32E3E8A-7C50-427F-9105-6CCB0404EBE1}" destId="{5DD754C2-8AE2-674E-AA44-F0CF0A602279}" srcOrd="0" destOrd="0" presId="urn:microsoft.com/office/officeart/2005/8/layout/process4"/>
+    <dgm:cxn modelId="{75FA7D3F-8EB5-B04A-8ED9-41EF10290251}" type="presOf" srcId="{D5523D48-CF18-42D4-9AA0-3441C4900D9E}" destId="{BEF810A7-2669-DB4C-80FA-4D82276C54C7}" srcOrd="0" destOrd="0" presId="urn:microsoft.com/office/officeart/2005/8/layout/process4"/>
+    <dgm:cxn modelId="{28B24548-1CED-FE44-A617-23A179B03882}" type="presOf" srcId="{120FE57E-3B7E-4053-A845-CB59FB8CDAEB}" destId="{7ABA7142-BFD6-DD46-A5B2-AB2C97ADAB8D}" srcOrd="0" destOrd="0" presId="urn:microsoft.com/office/officeart/2005/8/layout/process4"/>
+    <dgm:cxn modelId="{B97FDE49-F001-4AB8-B5DF-643DEA04AA30}" srcId="{74CB338A-D8C0-414B-85A1-888DDCF7349B}" destId="{A244E86E-AD0F-4B61-8E29-B33E4214D249}" srcOrd="1" destOrd="0" parTransId="{F833F030-BF9D-4ECC-AAF1-607ABEB80477}" sibTransId="{7C3F0CC4-5B58-43DA-B818-909E9B6B68D5}"/>
+    <dgm:cxn modelId="{F8DDC46E-C24B-488E-8261-6657AFF64492}" srcId="{74CB338A-D8C0-414B-85A1-888DDCF7349B}" destId="{B8327E9D-2415-4C82-B160-630B79B03BD4}" srcOrd="0" destOrd="0" parTransId="{5F9C8AC2-A65F-4491-A5B7-50BB916E950B}" sibTransId="{538D68A1-FAF4-4ECF-AE59-7651CC9DCF89}"/>
+    <dgm:cxn modelId="{81D5E088-772F-4A82-9D4F-30BBED6296D0}" srcId="{74CB338A-D8C0-414B-85A1-888DDCF7349B}" destId="{FD3E2ED9-D057-47E4-AF90-6C172CD06E7C}" srcOrd="3" destOrd="0" parTransId="{F8E0CDE8-B0AC-4897-ACBF-B6090A39A3EB}" sibTransId="{72410B1D-D7F9-4F54-8602-CDA331A84213}"/>
+    <dgm:cxn modelId="{A505618A-6523-4408-8051-E70B7C740FB9}" srcId="{F32E3E8A-7C50-427F-9105-6CCB0404EBE1}" destId="{74CB338A-D8C0-414B-85A1-888DDCF7349B}" srcOrd="2" destOrd="0" parTransId="{5FC225DC-50DB-4645-8F53-13610148E4B5}" sibTransId="{9345FBBE-D3BA-44F9-9FDD-0A82843A84FC}"/>
+    <dgm:cxn modelId="{93FFB79F-8D23-134F-87A2-A3C78159C4CA}" type="presOf" srcId="{A244E86E-AD0F-4B61-8E29-B33E4214D249}" destId="{B801BFA6-D690-604F-A363-8D12B753AAE6}" srcOrd="0" destOrd="0" presId="urn:microsoft.com/office/officeart/2005/8/layout/process4"/>
+    <dgm:cxn modelId="{1ED345A5-2A01-C944-9879-A816552C3376}" type="presOf" srcId="{74CB338A-D8C0-414B-85A1-888DDCF7349B}" destId="{E79D9A2B-E768-9747-89BB-A9D6528154FC}" srcOrd="0" destOrd="0" presId="urn:microsoft.com/office/officeart/2005/8/layout/process4"/>
+    <dgm:cxn modelId="{2C72C4B3-D037-4DA5-A773-C93949B39D1C}" srcId="{F32E3E8A-7C50-427F-9105-6CCB0404EBE1}" destId="{D5523D48-CF18-42D4-9AA0-3441C4900D9E}" srcOrd="3" destOrd="0" parTransId="{854BD8E0-2851-40FF-964B-78AA55C0F9FD}" sibTransId="{51B38E78-0726-4C2C-A0E0-769DF7FC1B3B}"/>
+    <dgm:cxn modelId="{EB4E91B6-490D-E244-95E9-59FF93F126AD}" type="presOf" srcId="{B8327E9D-2415-4C82-B160-630B79B03BD4}" destId="{8FF7A8D2-0FC1-BD4E-822E-D06A34BDB57B}" srcOrd="0" destOrd="0" presId="urn:microsoft.com/office/officeart/2005/8/layout/process4"/>
+    <dgm:cxn modelId="{FF9767C8-37D9-E544-8A13-F65FF2A9F785}" type="presOf" srcId="{8657B9D1-19F4-4BD3-9500-E39C39258286}" destId="{4A6189C4-F783-F448-8EE2-C624E136F3EF}" srcOrd="0" destOrd="0" presId="urn:microsoft.com/office/officeart/2005/8/layout/process4"/>
+    <dgm:cxn modelId="{A0BA3ECA-F180-4EE2-8EFD-E91628B67F0A}" srcId="{74CB338A-D8C0-414B-85A1-888DDCF7349B}" destId="{38578C42-040D-4291-84C9-5C452801E60F}" srcOrd="2" destOrd="0" parTransId="{2B3A3C10-EE9C-4401-A095-4FD24954E53D}" sibTransId="{895ED3BD-8419-4C74-A7DB-9EE6660D28C9}"/>
+    <dgm:cxn modelId="{954BF2D3-7386-49D6-9095-A398F6C3D9E0}" srcId="{F32E3E8A-7C50-427F-9105-6CCB0404EBE1}" destId="{8657B9D1-19F4-4BD3-9500-E39C39258286}" srcOrd="1" destOrd="0" parTransId="{AB12E6D0-897E-4446-B7DD-7A102A25B650}" sibTransId="{671AE598-A5BA-48F5-AB0B-871A82C331E2}"/>
+    <dgm:cxn modelId="{044324E6-3E46-4A60-AAB1-99372DFFFBFE}" srcId="{F32E3E8A-7C50-427F-9105-6CCB0404EBE1}" destId="{120FE57E-3B7E-4053-A845-CB59FB8CDAEB}" srcOrd="0" destOrd="0" parTransId="{22D3930D-27FB-45DF-8950-62DACA78A7AC}" sibTransId="{EAD6855F-85F5-484B-A866-1E7F26546142}"/>
+    <dgm:cxn modelId="{52AA1DED-6E4B-F846-9FA1-711F9865E304}" type="presOf" srcId="{38578C42-040D-4291-84C9-5C452801E60F}" destId="{5D0FAAC0-E80C-6F4C-B991-461536F28030}" srcOrd="0" destOrd="0" presId="urn:microsoft.com/office/officeart/2005/8/layout/process4"/>
+    <dgm:cxn modelId="{59AAFD85-1F5F-0747-872F-931E665622D6}" type="presParOf" srcId="{5DD754C2-8AE2-674E-AA44-F0CF0A602279}" destId="{B34BB556-3215-7D4E-BA4F-B2AFEBF203B9}" srcOrd="0" destOrd="0" presId="urn:microsoft.com/office/officeart/2005/8/layout/process4"/>
+    <dgm:cxn modelId="{88887381-55BA-3F44-8FE6-B80A94D5C83F}" type="presParOf" srcId="{B34BB556-3215-7D4E-BA4F-B2AFEBF203B9}" destId="{BEF810A7-2669-DB4C-80FA-4D82276C54C7}" srcOrd="0" destOrd="0" presId="urn:microsoft.com/office/officeart/2005/8/layout/process4"/>
+    <dgm:cxn modelId="{86827A70-51DB-194F-B04E-B695DF5F8175}" type="presParOf" srcId="{5DD754C2-8AE2-674E-AA44-F0CF0A602279}" destId="{69963075-9382-7040-8CD4-426244936E9E}" srcOrd="1" destOrd="0" presId="urn:microsoft.com/office/officeart/2005/8/layout/process4"/>
+    <dgm:cxn modelId="{21ACF9E1-4E0B-CA43-BB43-95D9835C96F1}" type="presParOf" srcId="{5DD754C2-8AE2-674E-AA44-F0CF0A602279}" destId="{412DBBA2-BFA3-2345-83FB-5FCFE78640A4}" srcOrd="2" destOrd="0" presId="urn:microsoft.com/office/officeart/2005/8/layout/process4"/>
+    <dgm:cxn modelId="{522E77EC-5277-CD42-932A-5BD7A0530506}" type="presParOf" srcId="{412DBBA2-BFA3-2345-83FB-5FCFE78640A4}" destId="{E79D9A2B-E768-9747-89BB-A9D6528154FC}" srcOrd="0" destOrd="0" presId="urn:microsoft.com/office/officeart/2005/8/layout/process4"/>
+    <dgm:cxn modelId="{BF69BD9F-B884-0040-94CF-0986C25E0485}" type="presParOf" srcId="{412DBBA2-BFA3-2345-83FB-5FCFE78640A4}" destId="{A5C47B43-55AC-A648-AC59-2D40681500B5}" srcOrd="1" destOrd="0" presId="urn:microsoft.com/office/officeart/2005/8/layout/process4"/>
+    <dgm:cxn modelId="{306D130E-E64D-AC40-8076-43B4959ED09A}" type="presParOf" srcId="{412DBBA2-BFA3-2345-83FB-5FCFE78640A4}" destId="{0A2919C0-BB74-9540-848F-9D03EA2290E1}" srcOrd="2" destOrd="0" presId="urn:microsoft.com/office/officeart/2005/8/layout/process4"/>
+    <dgm:cxn modelId="{7D9C41E2-A8D0-B147-9D4A-65B01C2B32F5}" type="presParOf" srcId="{0A2919C0-BB74-9540-848F-9D03EA2290E1}" destId="{8FF7A8D2-0FC1-BD4E-822E-D06A34BDB57B}" srcOrd="0" destOrd="0" presId="urn:microsoft.com/office/officeart/2005/8/layout/process4"/>
+    <dgm:cxn modelId="{A2F42205-CCAE-8844-BE11-13D74F0ED88D}" type="presParOf" srcId="{0A2919C0-BB74-9540-848F-9D03EA2290E1}" destId="{B801BFA6-D690-604F-A363-8D12B753AAE6}" srcOrd="1" destOrd="0" presId="urn:microsoft.com/office/officeart/2005/8/layout/process4"/>
+    <dgm:cxn modelId="{8BBF33C1-6D59-5242-BF0B-634A70E87A33}" type="presParOf" srcId="{0A2919C0-BB74-9540-848F-9D03EA2290E1}" destId="{5D0FAAC0-E80C-6F4C-B991-461536F28030}" srcOrd="2" destOrd="0" presId="urn:microsoft.com/office/officeart/2005/8/layout/process4"/>
+    <dgm:cxn modelId="{D3E5D192-087C-F948-9FCE-92620274AA6D}" type="presParOf" srcId="{0A2919C0-BB74-9540-848F-9D03EA2290E1}" destId="{72F0CC84-945D-3F44-9A5E-B0831EAD2D33}" srcOrd="3" destOrd="0" presId="urn:microsoft.com/office/officeart/2005/8/layout/process4"/>
+    <dgm:cxn modelId="{01773E1B-9E8E-F94A-A0EC-1E64C19891AA}" type="presParOf" srcId="{5DD754C2-8AE2-674E-AA44-F0CF0A602279}" destId="{E93FFBC6-BB08-D54F-9E92-03B9B2459CC0}" srcOrd="3" destOrd="0" presId="urn:microsoft.com/office/officeart/2005/8/layout/process4"/>
+    <dgm:cxn modelId="{958129D1-4520-7043-8AE3-F01543BA201E}" type="presParOf" srcId="{5DD754C2-8AE2-674E-AA44-F0CF0A602279}" destId="{3618FC2E-5C0B-D44A-91EC-120B3AC8A819}" srcOrd="4" destOrd="0" presId="urn:microsoft.com/office/officeart/2005/8/layout/process4"/>
+    <dgm:cxn modelId="{7346557F-8457-3F46-B027-7485D2E21903}" type="presParOf" srcId="{3618FC2E-5C0B-D44A-91EC-120B3AC8A819}" destId="{4A6189C4-F783-F448-8EE2-C624E136F3EF}" srcOrd="0" destOrd="0" presId="urn:microsoft.com/office/officeart/2005/8/layout/process4"/>
+    <dgm:cxn modelId="{7393BCEC-4A09-484D-B3ED-121DD31D8F3A}" type="presParOf" srcId="{5DD754C2-8AE2-674E-AA44-F0CF0A602279}" destId="{C741C33E-DBDC-504A-84CC-D9D9964EA142}" srcOrd="5" destOrd="0" presId="urn:microsoft.com/office/officeart/2005/8/layout/process4"/>
+    <dgm:cxn modelId="{538D949C-EB05-3444-87CD-1E6D10A25685}" type="presParOf" srcId="{5DD754C2-8AE2-674E-AA44-F0CF0A602279}" destId="{AD047D99-2D57-4648-817A-CAC3C1F7FC48}" srcOrd="6" destOrd="0" presId="urn:microsoft.com/office/officeart/2005/8/layout/process4"/>
+    <dgm:cxn modelId="{131172CC-C04D-5F41-89CC-B6C3DBA82603}" type="presParOf" srcId="{AD047D99-2D57-4648-817A-CAC3C1F7FC48}" destId="{7ABA7142-BFD6-DD46-A5B2-AB2C97ADAB8D}" srcOrd="0" destOrd="0" presId="urn:microsoft.com/office/officeart/2005/8/layout/process4"/>
+  </dgm:cxnLst>
+  <dgm:bg/>
+  <dgm:whole/>
+  <dgm:extLst>
+    <a:ext uri="http://schemas.microsoft.com/office/drawing/2008/diagram">
+      <dsp:dataModelExt xmlns:dsp="http://schemas.microsoft.com/office/drawing/2008/diagram" relId="rId6" minVer="http://schemas.openxmlformats.org/drawingml/2006/diagram"/>
+    </a:ext>
+  </dgm:extLst>
+</dgm:dataModel>
+</file>
+
+<file path=ppt/diagrams/drawing1.xml><?xml version="1.0" encoding="utf-8"?>
+<dsp:drawing xmlns:dgm="http://schemas.openxmlformats.org/drawingml/2006/diagram" xmlns:dsp="http://schemas.microsoft.com/office/drawing/2008/diagram" xmlns:a="http://schemas.openxmlformats.org/drawingml/2006/main">
+  <dsp:spTree>
+    <dsp:nvGrpSpPr>
+      <dsp:cNvPr id="0" name=""/>
+      <dsp:cNvGrpSpPr/>
+    </dsp:nvGrpSpPr>
+    <dsp:grpSpPr/>
+    <dsp:sp modelId="{BEF810A7-2669-DB4C-80FA-4D82276C54C7}">
+      <dsp:nvSpPr>
+        <dsp:cNvPr id="0" name=""/>
+        <dsp:cNvSpPr/>
+      </dsp:nvSpPr>
+      <dsp:spPr>
+        <a:xfrm>
+          <a:off x="0" y="3357542"/>
+          <a:ext cx="9618133" cy="734548"/>
+        </a:xfrm>
+        <a:prstGeom prst="rect">
+          <a:avLst/>
+        </a:prstGeom>
+        <a:solidFill>
+          <a:schemeClr val="accent2">
+            <a:hueOff val="0"/>
+            <a:satOff val="0"/>
+            <a:lumOff val="0"/>
+            <a:alphaOff val="0"/>
+          </a:schemeClr>
+        </a:solidFill>
+        <a:ln w="19050" cap="rnd" cmpd="sng" algn="ctr">
+          <a:solidFill>
+            <a:schemeClr val="lt1">
+              <a:hueOff val="0"/>
+              <a:satOff val="0"/>
+              <a:lumOff val="0"/>
+              <a:alphaOff val="0"/>
+            </a:schemeClr>
+          </a:solidFill>
+          <a:prstDash val="solid"/>
+        </a:ln>
+        <a:effectLst/>
+      </dsp:spPr>
+      <dsp:style>
+        <a:lnRef idx="2">
+          <a:scrgbClr r="0" g="0" b="0"/>
+        </a:lnRef>
+        <a:fillRef idx="1">
+          <a:scrgbClr r="0" g="0" b="0"/>
+        </a:fillRef>
+        <a:effectRef idx="0">
+          <a:scrgbClr r="0" g="0" b="0"/>
+        </a:effectRef>
+        <a:fontRef idx="minor">
+          <a:schemeClr val="lt1"/>
+        </a:fontRef>
+      </dsp:style>
+      <dsp:txBody>
+        <a:bodyPr spcFirstLastPara="0" vert="horz" wrap="square" lIns="99568" tIns="99568" rIns="99568" bIns="99568" numCol="1" spcCol="1270" anchor="ctr" anchorCtr="0">
+          <a:noAutofit/>
+        </a:bodyPr>
+        <a:lstStyle/>
+        <a:p>
+          <a:pPr marL="0" lvl="0" indent="0" algn="ctr" defTabSz="622300">
+            <a:lnSpc>
+              <a:spcPct val="90000"/>
+            </a:lnSpc>
+            <a:spcBef>
+              <a:spcPct val="0"/>
+            </a:spcBef>
+            <a:spcAft>
+              <a:spcPct val="35000"/>
+            </a:spcAft>
+            <a:buNone/>
+          </a:pPr>
+          <a:r>
+            <a:rPr lang="en-US" sz="1400" kern="1200"/>
+            <a:t>Including links to GitHub repos on resumes/CVs will be very attractive to employers/graduate schools!</a:t>
+          </a:r>
+        </a:p>
+      </dsp:txBody>
+      <dsp:txXfrm>
+        <a:off x="0" y="3357542"/>
+        <a:ext cx="9618133" cy="734548"/>
+      </dsp:txXfrm>
+    </dsp:sp>
+    <dsp:sp modelId="{A5C47B43-55AC-A648-AC59-2D40681500B5}">
+      <dsp:nvSpPr>
+        <dsp:cNvPr id="0" name=""/>
+        <dsp:cNvSpPr/>
+      </dsp:nvSpPr>
+      <dsp:spPr>
+        <a:xfrm rot="10800000">
+          <a:off x="0" y="2238825"/>
+          <a:ext cx="9618133" cy="1129735"/>
+        </a:xfrm>
+        <a:prstGeom prst="upArrowCallout">
+          <a:avLst/>
+        </a:prstGeom>
+        <a:solidFill>
+          <a:schemeClr val="accent2">
+            <a:hueOff val="-988095"/>
+            <a:satOff val="4733"/>
+            <a:lumOff val="4379"/>
+            <a:alphaOff val="0"/>
+          </a:schemeClr>
+        </a:solidFill>
+        <a:ln w="19050" cap="rnd" cmpd="sng" algn="ctr">
+          <a:solidFill>
+            <a:schemeClr val="lt1">
+              <a:hueOff val="0"/>
+              <a:satOff val="0"/>
+              <a:lumOff val="0"/>
+              <a:alphaOff val="0"/>
+            </a:schemeClr>
+          </a:solidFill>
+          <a:prstDash val="solid"/>
+        </a:ln>
+        <a:effectLst/>
+      </dsp:spPr>
+      <dsp:style>
+        <a:lnRef idx="2">
+          <a:scrgbClr r="0" g="0" b="0"/>
+        </a:lnRef>
+        <a:fillRef idx="1">
+          <a:scrgbClr r="0" g="0" b="0"/>
+        </a:fillRef>
+        <a:effectRef idx="0">
+          <a:scrgbClr r="0" g="0" b="0"/>
+        </a:effectRef>
+        <a:fontRef idx="minor">
+          <a:schemeClr val="lt1"/>
+        </a:fontRef>
+      </dsp:style>
+      <dsp:txBody>
+        <a:bodyPr spcFirstLastPara="0" vert="horz" wrap="square" lIns="99568" tIns="99568" rIns="99568" bIns="99568" numCol="1" spcCol="1270" anchor="ctr" anchorCtr="0">
+          <a:noAutofit/>
+        </a:bodyPr>
+        <a:lstStyle/>
+        <a:p>
+          <a:pPr marL="0" lvl="0" indent="0" algn="ctr" defTabSz="622300">
+            <a:lnSpc>
+              <a:spcPct val="90000"/>
+            </a:lnSpc>
+            <a:spcBef>
+              <a:spcPct val="0"/>
+            </a:spcBef>
+            <a:spcAft>
+              <a:spcPct val="35000"/>
+            </a:spcAft>
+            <a:buNone/>
+          </a:pPr>
+          <a:r>
+            <a:rPr lang="en-US" sz="1400" kern="1200" dirty="0"/>
+            <a:t>Enables collaborative coding with a little more code stability than something like google docs. Collaborate with…</a:t>
+          </a:r>
+        </a:p>
+      </dsp:txBody>
+      <dsp:txXfrm rot="-10800000">
+        <a:off x="0" y="2238825"/>
+        <a:ext cx="9618133" cy="396537"/>
+      </dsp:txXfrm>
+    </dsp:sp>
+    <dsp:sp modelId="{8FF7A8D2-0FC1-BD4E-822E-D06A34BDB57B}">
+      <dsp:nvSpPr>
+        <dsp:cNvPr id="0" name=""/>
+        <dsp:cNvSpPr/>
+      </dsp:nvSpPr>
+      <dsp:spPr>
+        <a:xfrm>
+          <a:off x="0" y="2635362"/>
+          <a:ext cx="2404533" cy="337790"/>
+        </a:xfrm>
+        <a:prstGeom prst="rect">
+          <a:avLst/>
+        </a:prstGeom>
+        <a:solidFill>
+          <a:schemeClr val="accent2">
+            <a:tint val="40000"/>
+            <a:alpha val="90000"/>
+            <a:hueOff val="0"/>
+            <a:satOff val="0"/>
+            <a:lumOff val="0"/>
+            <a:alphaOff val="0"/>
+          </a:schemeClr>
+        </a:solidFill>
+        <a:ln w="19050" cap="rnd" cmpd="sng" algn="ctr">
+          <a:solidFill>
+            <a:schemeClr val="accent2">
+              <a:tint val="40000"/>
+              <a:alpha val="90000"/>
+              <a:hueOff val="0"/>
+              <a:satOff val="0"/>
+              <a:lumOff val="0"/>
+              <a:alphaOff val="0"/>
+            </a:schemeClr>
+          </a:solidFill>
+          <a:prstDash val="solid"/>
+        </a:ln>
+        <a:effectLst/>
+      </dsp:spPr>
+      <dsp:style>
+        <a:lnRef idx="2">
+          <a:scrgbClr r="0" g="0" b="0"/>
+        </a:lnRef>
+        <a:fillRef idx="1">
+          <a:scrgbClr r="0" g="0" b="0"/>
+        </a:fillRef>
+        <a:effectRef idx="0">
+          <a:scrgbClr r="0" g="0" b="0"/>
+        </a:effectRef>
+        <a:fontRef idx="minor"/>
+      </dsp:style>
+      <dsp:txBody>
+        <a:bodyPr spcFirstLastPara="0" vert="horz" wrap="square" lIns="78232" tIns="13970" rIns="78232" bIns="13970" numCol="1" spcCol="1270" anchor="ctr" anchorCtr="0">
+          <a:noAutofit/>
+        </a:bodyPr>
+        <a:lstStyle/>
+        <a:p>
+          <a:pPr marL="0" lvl="0" indent="0" algn="ctr" defTabSz="488950">
+            <a:lnSpc>
+              <a:spcPct val="90000"/>
+            </a:lnSpc>
+            <a:spcBef>
+              <a:spcPct val="0"/>
+            </a:spcBef>
+            <a:spcAft>
+              <a:spcPct val="35000"/>
+            </a:spcAft>
+            <a:buNone/>
+          </a:pPr>
+          <a:r>
+            <a:rPr lang="en-US" sz="1100" kern="1200"/>
+            <a:t>Teammates</a:t>
+          </a:r>
+        </a:p>
+      </dsp:txBody>
+      <dsp:txXfrm>
+        <a:off x="0" y="2635362"/>
+        <a:ext cx="2404533" cy="337790"/>
+      </dsp:txXfrm>
+    </dsp:sp>
+    <dsp:sp modelId="{B801BFA6-D690-604F-A363-8D12B753AAE6}">
+      <dsp:nvSpPr>
+        <dsp:cNvPr id="0" name=""/>
+        <dsp:cNvSpPr/>
+      </dsp:nvSpPr>
+      <dsp:spPr>
+        <a:xfrm>
+          <a:off x="2404533" y="2635362"/>
+          <a:ext cx="2404533" cy="337790"/>
+        </a:xfrm>
+        <a:prstGeom prst="rect">
+          <a:avLst/>
+        </a:prstGeom>
+        <a:solidFill>
+          <a:schemeClr val="accent2">
+            <a:tint val="40000"/>
+            <a:alpha val="90000"/>
+            <a:hueOff val="-1363945"/>
+            <a:satOff val="15036"/>
+            <a:lumOff val="1432"/>
+            <a:alphaOff val="0"/>
+          </a:schemeClr>
+        </a:solidFill>
+        <a:ln w="19050" cap="rnd" cmpd="sng" algn="ctr">
+          <a:solidFill>
+            <a:schemeClr val="accent2">
+              <a:tint val="40000"/>
+              <a:alpha val="90000"/>
+              <a:hueOff val="-1363945"/>
+              <a:satOff val="15036"/>
+              <a:lumOff val="1432"/>
+              <a:alphaOff val="0"/>
+            </a:schemeClr>
+          </a:solidFill>
+          <a:prstDash val="solid"/>
+        </a:ln>
+        <a:effectLst/>
+      </dsp:spPr>
+      <dsp:style>
+        <a:lnRef idx="2">
+          <a:scrgbClr r="0" g="0" b="0"/>
+        </a:lnRef>
+        <a:fillRef idx="1">
+          <a:scrgbClr r="0" g="0" b="0"/>
+        </a:fillRef>
+        <a:effectRef idx="0">
+          <a:scrgbClr r="0" g="0" b="0"/>
+        </a:effectRef>
+        <a:fontRef idx="minor"/>
+      </dsp:style>
+      <dsp:txBody>
+        <a:bodyPr spcFirstLastPara="0" vert="horz" wrap="square" lIns="78232" tIns="13970" rIns="78232" bIns="13970" numCol="1" spcCol="1270" anchor="ctr" anchorCtr="0">
+          <a:noAutofit/>
+        </a:bodyPr>
+        <a:lstStyle/>
+        <a:p>
+          <a:pPr marL="0" lvl="0" indent="0" algn="ctr" defTabSz="488950">
+            <a:lnSpc>
+              <a:spcPct val="90000"/>
+            </a:lnSpc>
+            <a:spcBef>
+              <a:spcPct val="0"/>
+            </a:spcBef>
+            <a:spcAft>
+              <a:spcPct val="35000"/>
+            </a:spcAft>
+            <a:buNone/>
+          </a:pPr>
+          <a:r>
+            <a:rPr lang="en-US" sz="1100" kern="1200"/>
+            <a:t>Rest of this class</a:t>
+          </a:r>
+        </a:p>
+      </dsp:txBody>
+      <dsp:txXfrm>
+        <a:off x="2404533" y="2635362"/>
+        <a:ext cx="2404533" cy="337790"/>
+      </dsp:txXfrm>
+    </dsp:sp>
+    <dsp:sp modelId="{5D0FAAC0-E80C-6F4C-B991-461536F28030}">
+      <dsp:nvSpPr>
+        <dsp:cNvPr id="0" name=""/>
+        <dsp:cNvSpPr/>
+      </dsp:nvSpPr>
+      <dsp:spPr>
+        <a:xfrm>
+          <a:off x="4809066" y="2635362"/>
+          <a:ext cx="2404533" cy="337790"/>
+        </a:xfrm>
+        <a:prstGeom prst="rect">
+          <a:avLst/>
+        </a:prstGeom>
+        <a:solidFill>
+          <a:schemeClr val="accent2">
+            <a:tint val="40000"/>
+            <a:alpha val="90000"/>
+            <a:hueOff val="-2727891"/>
+            <a:satOff val="30071"/>
+            <a:lumOff val="2864"/>
+            <a:alphaOff val="0"/>
+          </a:schemeClr>
+        </a:solidFill>
+        <a:ln w="19050" cap="rnd" cmpd="sng" algn="ctr">
+          <a:solidFill>
+            <a:schemeClr val="accent2">
+              <a:tint val="40000"/>
+              <a:alpha val="90000"/>
+              <a:hueOff val="-2727891"/>
+              <a:satOff val="30071"/>
+              <a:lumOff val="2864"/>
+              <a:alphaOff val="0"/>
+            </a:schemeClr>
+          </a:solidFill>
+          <a:prstDash val="solid"/>
+        </a:ln>
+        <a:effectLst/>
+      </dsp:spPr>
+      <dsp:style>
+        <a:lnRef idx="2">
+          <a:scrgbClr r="0" g="0" b="0"/>
+        </a:lnRef>
+        <a:fillRef idx="1">
+          <a:scrgbClr r="0" g="0" b="0"/>
+        </a:fillRef>
+        <a:effectRef idx="0">
+          <a:scrgbClr r="0" g="0" b="0"/>
+        </a:effectRef>
+        <a:fontRef idx="minor"/>
+      </dsp:style>
+      <dsp:txBody>
+        <a:bodyPr spcFirstLastPara="0" vert="horz" wrap="square" lIns="78232" tIns="13970" rIns="78232" bIns="13970" numCol="1" spcCol="1270" anchor="ctr" anchorCtr="0">
+          <a:noAutofit/>
+        </a:bodyPr>
+        <a:lstStyle/>
+        <a:p>
+          <a:pPr marL="0" lvl="0" indent="0" algn="ctr" defTabSz="488950">
+            <a:lnSpc>
+              <a:spcPct val="90000"/>
+            </a:lnSpc>
+            <a:spcBef>
+              <a:spcPct val="0"/>
+            </a:spcBef>
+            <a:spcAft>
+              <a:spcPct val="35000"/>
+            </a:spcAft>
+            <a:buNone/>
+          </a:pPr>
+          <a:r>
+            <a:rPr lang="en-US" sz="1100" kern="1200"/>
+            <a:t>Future classes</a:t>
+          </a:r>
+        </a:p>
+      </dsp:txBody>
+      <dsp:txXfrm>
+        <a:off x="4809066" y="2635362"/>
+        <a:ext cx="2404533" cy="337790"/>
+      </dsp:txXfrm>
+    </dsp:sp>
+    <dsp:sp modelId="{72F0CC84-945D-3F44-9A5E-B0831EAD2D33}">
+      <dsp:nvSpPr>
+        <dsp:cNvPr id="0" name=""/>
+        <dsp:cNvSpPr/>
+      </dsp:nvSpPr>
+      <dsp:spPr>
+        <a:xfrm>
+          <a:off x="7213599" y="2635362"/>
+          <a:ext cx="2404533" cy="337790"/>
+        </a:xfrm>
+        <a:prstGeom prst="rect">
+          <a:avLst/>
+        </a:prstGeom>
+        <a:solidFill>
+          <a:schemeClr val="accent2">
+            <a:tint val="40000"/>
+            <a:alpha val="90000"/>
+            <a:hueOff val="-4091836"/>
+            <a:satOff val="45107"/>
+            <a:lumOff val="4296"/>
+            <a:alphaOff val="0"/>
+          </a:schemeClr>
+        </a:solidFill>
+        <a:ln w="19050" cap="rnd" cmpd="sng" algn="ctr">
+          <a:solidFill>
+            <a:schemeClr val="accent2">
+              <a:tint val="40000"/>
+              <a:alpha val="90000"/>
+              <a:hueOff val="-4091836"/>
+              <a:satOff val="45107"/>
+              <a:lumOff val="4296"/>
+              <a:alphaOff val="0"/>
+            </a:schemeClr>
+          </a:solidFill>
+          <a:prstDash val="solid"/>
+        </a:ln>
+        <a:effectLst/>
+      </dsp:spPr>
+      <dsp:style>
+        <a:lnRef idx="2">
+          <a:scrgbClr r="0" g="0" b="0"/>
+        </a:lnRef>
+        <a:fillRef idx="1">
+          <a:scrgbClr r="0" g="0" b="0"/>
+        </a:fillRef>
+        <a:effectRef idx="0">
+          <a:scrgbClr r="0" g="0" b="0"/>
+        </a:effectRef>
+        <a:fontRef idx="minor"/>
+      </dsp:style>
+      <dsp:txBody>
+        <a:bodyPr spcFirstLastPara="0" vert="horz" wrap="square" lIns="78232" tIns="13970" rIns="78232" bIns="13970" numCol="1" spcCol="1270" anchor="ctr" anchorCtr="0">
+          <a:noAutofit/>
+        </a:bodyPr>
+        <a:lstStyle/>
+        <a:p>
+          <a:pPr marL="0" lvl="0" indent="0" algn="ctr" defTabSz="488950">
+            <a:lnSpc>
+              <a:spcPct val="90000"/>
+            </a:lnSpc>
+            <a:spcBef>
+              <a:spcPct val="0"/>
+            </a:spcBef>
+            <a:spcAft>
+              <a:spcPct val="35000"/>
+            </a:spcAft>
+            <a:buNone/>
+          </a:pPr>
+          <a:r>
+            <a:rPr lang="en-US" sz="1100" kern="1200"/>
+            <a:t>People anywhere/anywhen in the world</a:t>
+          </a:r>
+        </a:p>
+      </dsp:txBody>
+      <dsp:txXfrm>
+        <a:off x="7213599" y="2635362"/>
+        <a:ext cx="2404533" cy="337790"/>
+      </dsp:txXfrm>
+    </dsp:sp>
+    <dsp:sp modelId="{4A6189C4-F783-F448-8EE2-C624E136F3EF}">
+      <dsp:nvSpPr>
+        <dsp:cNvPr id="0" name=""/>
+        <dsp:cNvSpPr/>
+      </dsp:nvSpPr>
+      <dsp:spPr>
+        <a:xfrm rot="10800000">
+          <a:off x="0" y="1120108"/>
+          <a:ext cx="9618133" cy="1129735"/>
+        </a:xfrm>
+        <a:prstGeom prst="upArrowCallout">
+          <a:avLst/>
+        </a:prstGeom>
+        <a:solidFill>
+          <a:schemeClr val="accent2">
+            <a:hueOff val="-1976191"/>
+            <a:satOff val="9467"/>
+            <a:lumOff val="8758"/>
+            <a:alphaOff val="0"/>
+          </a:schemeClr>
+        </a:solidFill>
+        <a:ln w="19050" cap="rnd" cmpd="sng" algn="ctr">
+          <a:solidFill>
+            <a:schemeClr val="lt1">
+              <a:hueOff val="0"/>
+              <a:satOff val="0"/>
+              <a:lumOff val="0"/>
+              <a:alphaOff val="0"/>
+            </a:schemeClr>
+          </a:solidFill>
+          <a:prstDash val="solid"/>
+        </a:ln>
+        <a:effectLst/>
+      </dsp:spPr>
+      <dsp:style>
+        <a:lnRef idx="2">
+          <a:scrgbClr r="0" g="0" b="0"/>
+        </a:lnRef>
+        <a:fillRef idx="1">
+          <a:scrgbClr r="0" g="0" b="0"/>
+        </a:fillRef>
+        <a:effectRef idx="0">
+          <a:scrgbClr r="0" g="0" b="0"/>
+        </a:effectRef>
+        <a:fontRef idx="minor">
+          <a:schemeClr val="lt1"/>
+        </a:fontRef>
+      </dsp:style>
+      <dsp:txBody>
+        <a:bodyPr spcFirstLastPara="0" vert="horz" wrap="square" lIns="99568" tIns="99568" rIns="99568" bIns="99568" numCol="1" spcCol="1270" anchor="ctr" anchorCtr="0">
+          <a:noAutofit/>
+        </a:bodyPr>
+        <a:lstStyle/>
+        <a:p>
+          <a:pPr marL="0" lvl="0" indent="0" algn="ctr" defTabSz="622300">
+            <a:lnSpc>
+              <a:spcPct val="90000"/>
+            </a:lnSpc>
+            <a:spcBef>
+              <a:spcPct val="0"/>
+            </a:spcBef>
+            <a:spcAft>
+              <a:spcPct val="35000"/>
+            </a:spcAft>
+            <a:buNone/>
+          </a:pPr>
+          <a:r>
+            <a:rPr lang="en-US" sz="1400" kern="1200"/>
+            <a:t>Reinforces “open science and engineering” concepts</a:t>
+          </a:r>
+        </a:p>
+      </dsp:txBody>
+      <dsp:txXfrm rot="10800000">
+        <a:off x="0" y="1120108"/>
+        <a:ext cx="9618133" cy="734068"/>
+      </dsp:txXfrm>
+    </dsp:sp>
+    <dsp:sp modelId="{7ABA7142-BFD6-DD46-A5B2-AB2C97ADAB8D}">
+      <dsp:nvSpPr>
+        <dsp:cNvPr id="0" name=""/>
+        <dsp:cNvSpPr/>
+      </dsp:nvSpPr>
+      <dsp:spPr>
+        <a:xfrm rot="10800000">
+          <a:off x="0" y="1391"/>
+          <a:ext cx="9618133" cy="1129735"/>
+        </a:xfrm>
+        <a:prstGeom prst="upArrowCallout">
+          <a:avLst/>
+        </a:prstGeom>
+        <a:solidFill>
+          <a:schemeClr val="accent2">
+            <a:hueOff val="-2964286"/>
+            <a:satOff val="14200"/>
+            <a:lumOff val="13137"/>
+            <a:alphaOff val="0"/>
+          </a:schemeClr>
+        </a:solidFill>
+        <a:ln w="19050" cap="rnd" cmpd="sng" algn="ctr">
+          <a:solidFill>
+            <a:schemeClr val="lt1">
+              <a:hueOff val="0"/>
+              <a:satOff val="0"/>
+              <a:lumOff val="0"/>
+              <a:alphaOff val="0"/>
+            </a:schemeClr>
+          </a:solidFill>
+          <a:prstDash val="solid"/>
+        </a:ln>
+        <a:effectLst/>
+      </dsp:spPr>
+      <dsp:style>
+        <a:lnRef idx="2">
+          <a:scrgbClr r="0" g="0" b="0"/>
+        </a:lnRef>
+        <a:fillRef idx="1">
+          <a:scrgbClr r="0" g="0" b="0"/>
+        </a:fillRef>
+        <a:effectRef idx="0">
+          <a:scrgbClr r="0" g="0" b="0"/>
+        </a:effectRef>
+        <a:fontRef idx="minor">
+          <a:schemeClr val="lt1"/>
+        </a:fontRef>
+      </dsp:style>
+      <dsp:txBody>
+        <a:bodyPr spcFirstLastPara="0" vert="horz" wrap="square" lIns="99568" tIns="99568" rIns="99568" bIns="99568" numCol="1" spcCol="1270" anchor="ctr" anchorCtr="0">
+          <a:noAutofit/>
+        </a:bodyPr>
+        <a:lstStyle/>
+        <a:p>
+          <a:pPr marL="0" lvl="0" indent="0" algn="ctr" defTabSz="622300">
+            <a:lnSpc>
+              <a:spcPct val="90000"/>
+            </a:lnSpc>
+            <a:spcBef>
+              <a:spcPct val="0"/>
+            </a:spcBef>
+            <a:spcAft>
+              <a:spcPct val="35000"/>
+            </a:spcAft>
+            <a:buNone/>
+          </a:pPr>
+          <a:r>
+            <a:rPr lang="en-US" sz="1400" kern="1200"/>
+            <a:t>Introduced briefly in OCN 350; to be used extensively in OCN 479</a:t>
+          </a:r>
+        </a:p>
+      </dsp:txBody>
+      <dsp:txXfrm rot="10800000">
+        <a:off x="0" y="1391"/>
+        <a:ext cx="9618133" cy="734068"/>
+      </dsp:txXfrm>
+    </dsp:sp>
+  </dsp:spTree>
+</dsp:drawing>
+</file>
+
+<file path=ppt/diagrams/layout1.xml><?xml version="1.0" encoding="utf-8"?>
+<dgm:layoutDef xmlns:dgm="http://schemas.openxmlformats.org/drawingml/2006/diagram" xmlns:a="http://schemas.openxmlformats.org/drawingml/2006/main" uniqueId="urn:microsoft.com/office/officeart/2005/8/layout/process4">
+  <dgm:title val=""/>
+  <dgm:desc val=""/>
+  <dgm:catLst>
+    <dgm:cat type="process" pri="16000"/>
+    <dgm:cat type="list" pri="20000"/>
+  </dgm:catLst>
+  <dgm:sampData>
+    <dgm:dataModel>
+      <dgm:ptLst>
+        <dgm:pt modelId="0" type="doc"/>
+        <dgm:pt modelId="1">
+          <dgm:prSet phldr="1"/>
+        </dgm:pt>
+        <dgm:pt modelId="11">
+          <dgm:prSet phldr="1"/>
+        </dgm:pt>
+        <dgm:pt modelId="12">
+          <dgm:prSet phldr="1"/>
+        </dgm:pt>
+        <dgm:pt modelId="2">
+          <dgm:prSet phldr="1"/>
+        </dgm:pt>
+        <dgm:pt modelId="21">
+          <dgm:prSet phldr="1"/>
+        </dgm:pt>
+        <dgm:pt modelId="22">
+          <dgm:prSet phldr="1"/>
+        </dgm:pt>
+        <dgm:pt modelId="3">
+          <dgm:prSet phldr="1"/>
+        </dgm:pt>
+        <dgm:pt modelId="31">
+          <dgm:prSet phldr="1"/>
+        </dgm:pt>
+        <dgm:pt modelId="32">
+          <dgm:prSet phldr="1"/>
+        </dgm:pt>
+      </dgm:ptLst>
+      <dgm:cxnLst>
+        <dgm:cxn modelId="4" srcId="0" destId="1" srcOrd="0" destOrd="0"/>
+        <dgm:cxn modelId="5" srcId="0" destId="2" srcOrd="1" destOrd="0"/>
+        <dgm:cxn modelId="6" srcId="0" destId="3" srcOrd="2" destOrd="0"/>
+        <dgm:cxn modelId="13" srcId="1" destId="11" srcOrd="0" destOrd="0"/>
+        <dgm:cxn modelId="14" srcId="1" destId="12" srcOrd="1" destOrd="0"/>
+        <dgm:cxn modelId="23" srcId="2" destId="21" srcOrd="0" destOrd="0"/>
+        <dgm:cxn modelId="24" srcId="2" destId="22" srcOrd="1" destOrd="0"/>
+        <dgm:cxn modelId="33" srcId="3" destId="31" srcOrd="0" destOrd="0"/>
+        <dgm:cxn modelId="34" srcId="3" destId="32" srcOrd="1" destOrd="0"/>
+      </dgm:cxnLst>
+      <dgm:bg/>
+      <dgm:whole/>
+    </dgm:dataModel>
+  </dgm:sampData>
+  <dgm:styleData>
+    <dgm:dataModel>
+      <dgm:ptLst>
+        <dgm:pt modelId="0" type="doc"/>
+        <dgm:pt modelId="1"/>
+        <dgm:pt modelId="11"/>
+        <dgm:pt modelId="2"/>
+        <dgm:pt modelId="21"/>
+      </dgm:ptLst>
+      <dgm:cxnLst>
+        <dgm:cxn modelId="4" srcId="0" destId="1" srcOrd="0" destOrd="0"/>
+        <dgm:cxn modelId="5" srcId="0" destId="2" srcOrd="1" destOrd="0"/>
+        <dgm:cxn modelId="13" srcId="1" destId="11" srcOrd="0" destOrd="0"/>
+        <dgm:cxn modelId="23" srcId="2" destId="21" srcOrd="0" destOrd="0"/>
+      </dgm:cxnLst>
+      <dgm:bg/>
+      <dgm:whole/>
+    </dgm:dataModel>
+  </dgm:styleData>
+  <dgm:clrData>
+    <dgm:dataModel>
+      <dgm:ptLst>
+        <dgm:pt modelId="0" type="doc"/>
+        <dgm:pt modelId="1"/>
+        <dgm:pt modelId="11"/>
+        <dgm:pt modelId="2"/>
+        <dgm:pt modelId="21"/>
+        <dgm:pt modelId="3"/>
+        <dgm:pt modelId="31"/>
+        <dgm:pt modelId="4"/>
+        <dgm:pt modelId="41"/>
+      </dgm:ptLst>
+      <dgm:cxnLst>
+        <dgm:cxn modelId="5" srcId="0" destId="1" srcOrd="0" destOrd="0"/>
+        <dgm:cxn modelId="6" srcId="0" destId="2" srcOrd="1" destOrd="0"/>
+        <dgm:cxn modelId="7" srcId="0" destId="3" srcOrd="2" destOrd="0"/>
+        <dgm:cxn modelId="8" srcId="0" destId="4" srcOrd="3" destOrd="0"/>
+        <dgm:cxn modelId="13" srcId="1" destId="11" srcOrd="0" destOrd="0"/>
+        <dgm:cxn modelId="23" srcId="2" destId="21" srcOrd="0" destOrd="0"/>
+        <dgm:cxn modelId="33" srcId="3" destId="31" srcOrd="0" destOrd="0"/>
+        <dgm:cxn modelId="43" srcId="4" destId="41" srcOrd="0" destOrd="0"/>
+      </dgm:cxnLst>
+      <dgm:bg/>
+      <dgm:whole/>
+    </dgm:dataModel>
+  </dgm:clrData>
+  <dgm:layoutNode name="Name0">
+    <dgm:varLst>
+      <dgm:dir/>
+      <dgm:animLvl val="lvl"/>
+      <dgm:resizeHandles val="exact"/>
+    </dgm:varLst>
+    <dgm:alg type="lin">
+      <dgm:param type="linDir" val="fromB"/>
+    </dgm:alg>
+    <dgm:shape xmlns:r="http://schemas.openxmlformats.org/officeDocument/2006/relationships" r:blip="">
+      <dgm:adjLst/>
+    </dgm:shape>
+    <dgm:presOf/>
+    <dgm:constrLst>
+      <dgm:constr type="h" for="ch" forName="boxAndChildren" refType="h"/>
+      <dgm:constr type="h" for="ch" forName="arrowAndChildren" refType="h" refFor="ch" refForName="boxAndChildren" op="equ" fact="1.538"/>
+      <dgm:constr type="w" for="ch" forName="arrowAndChildren" refType="w"/>
+      <dgm:constr type="w" for="ch" forName="boxAndChildren" refType="w"/>
+      <dgm:constr type="h" for="ch" forName="sp" refType="h" fact="-0.015"/>
+      <dgm:constr type="primFontSz" for="des" forName="parentTextBox" val="65"/>
+      <dgm:constr type="primFontSz" for="des" forName="parentTextArrow" refType="primFontSz" refFor="des" refForName="parentTextBox" op="equ"/>
+      <dgm:constr type="primFontSz" for="des" forName="childTextArrow" val="65"/>
+      <dgm:constr type="primFontSz" for="des" forName="childTextBox" refType="primFontSz" refFor="des" refForName="childTextArrow" op="equ"/>
+    </dgm:constrLst>
+    <dgm:ruleLst/>
+    <dgm:forEach name="Name1" axis="ch" ptType="node" st="-1" step="-1">
+      <dgm:choose name="Name2">
+        <dgm:if name="Name3" axis="self" ptType="node" func="revPos" op="equ" val="1">
+          <dgm:layoutNode name="boxAndChildren">
+            <dgm:alg type="composite"/>
+            <dgm:shape xmlns:r="http://schemas.openxmlformats.org/officeDocument/2006/relationships" r:blip="">
+              <dgm:adjLst/>
+            </dgm:shape>
+            <dgm:presOf/>
+            <dgm:choose name="Name4">
+              <dgm:if name="Name5" axis="ch" ptType="node" func="cnt" op="gte" val="1">
+                <dgm:constrLst>
+                  <dgm:constr type="w" for="ch" forName="parentTextBox" refType="w"/>
+                  <dgm:constr type="h" for="ch" forName="parentTextBox" refType="h" fact="0.54"/>
+                  <dgm:constr type="t" for="ch" forName="parentTextBox"/>
+                  <dgm:constr type="w" for="ch" forName="entireBox" refType="w"/>
+                  <dgm:constr type="h" for="ch" forName="entireBox" refType="h"/>
+                  <dgm:constr type="w" for="ch" forName="descendantBox" refType="w"/>
+                  <dgm:constr type="b" for="ch" forName="descendantBox" refType="h" fact="0.98"/>
+                  <dgm:constr type="h" for="ch" forName="descendantBox" refType="h" fact="0.46"/>
+                </dgm:constrLst>
+              </dgm:if>
+              <dgm:else name="Name6">
+                <dgm:constrLst>
+                  <dgm:constr type="w" for="ch" forName="parentTextBox" refType="w"/>
+                  <dgm:constr type="h" for="ch" forName="parentTextBox" refType="h"/>
+                </dgm:constrLst>
+              </dgm:else>
+            </dgm:choose>
+            <dgm:ruleLst/>
+            <dgm:layoutNode name="parentTextBox">
+              <dgm:alg type="tx"/>
+              <dgm:choose name="Name7">
+                <dgm:if name="Name8" axis="ch" ptType="node" func="cnt" op="gte" val="1">
+                  <dgm:shape xmlns:r="http://schemas.openxmlformats.org/officeDocument/2006/relationships" type="rect" r:blip="" zOrderOff="1" hideGeom="1">
+                    <dgm:adjLst/>
+                  </dgm:shape>
+                </dgm:if>
+                <dgm:else name="Name9">
+                  <dgm:shape xmlns:r="http://schemas.openxmlformats.org/officeDocument/2006/relationships" type="rect" r:blip="">
+                    <dgm:adjLst/>
+                  </dgm:shape>
+                </dgm:else>
+              </dgm:choose>
+              <dgm:presOf axis="self"/>
+              <dgm:constrLst/>
+              <dgm:ruleLst>
+                <dgm:rule type="primFontSz" val="5" fact="NaN" max="NaN"/>
+              </dgm:ruleLst>
+            </dgm:layoutNode>
+            <dgm:choose name="Name10">
+              <dgm:if name="Name11" axis="ch" ptType="node" func="cnt" op="gte" val="1">
+                <dgm:layoutNode name="entireBox">
+                  <dgm:alg type="sp"/>
+                  <dgm:shape xmlns:r="http://schemas.openxmlformats.org/officeDocument/2006/relationships" type="rect" r:blip="">
+                    <dgm:adjLst/>
+                  </dgm:shape>
+                  <dgm:presOf axis="self"/>
+                  <dgm:constrLst/>
+                  <dgm:ruleLst/>
+                </dgm:layoutNode>
+                <dgm:layoutNode name="descendantBox" styleLbl="fgAccFollowNode1">
+                  <dgm:choose name="Name12">
+                    <dgm:if name="Name13" func="var" arg="dir" op="equ" val="norm">
+                      <dgm:alg type="lin"/>
+                    </dgm:if>
+                    <dgm:else name="Name14">
+                      <dgm:alg type="lin">
+                        <dgm:param type="linDir" val="fromR"/>
+                      </dgm:alg>
+                    </dgm:else>
+                  </dgm:choose>
+                  <dgm:shape xmlns:r="http://schemas.openxmlformats.org/officeDocument/2006/relationships" r:blip="">
+                    <dgm:adjLst/>
+                  </dgm:shape>
+                  <dgm:presOf/>
+                  <dgm:constrLst>
+                    <dgm:constr type="w" for="ch" forName="childTextBox" refType="w"/>
+                    <dgm:constr type="h" for="ch" forName="childTextBox" refType="h"/>
+                  </dgm:constrLst>
+                  <dgm:ruleLst/>
+                  <dgm:forEach name="Name15" axis="ch" ptType="node">
+                    <dgm:layoutNode name="childTextBox" styleLbl="fgAccFollowNode1">
+                      <dgm:varLst>
+                        <dgm:bulletEnabled val="1"/>
+                      </dgm:varLst>
+                      <dgm:alg type="tx"/>
+                      <dgm:shape xmlns:r="http://schemas.openxmlformats.org/officeDocument/2006/relationships" type="rect" r:blip="">
+                        <dgm:adjLst/>
+                      </dgm:shape>
+                      <dgm:presOf axis="desOrSelf" ptType="node"/>
+                      <dgm:constrLst>
+                        <dgm:constr type="tMarg" refType="primFontSz" fact="0.1"/>
+                        <dgm:constr type="bMarg" refType="primFontSz" fact="0.1"/>
+                      </dgm:constrLst>
+                      <dgm:ruleLst>
+                        <dgm:rule type="primFontSz" val="5" fact="NaN" max="NaN"/>
+                      </dgm:ruleLst>
+                    </dgm:layoutNode>
+                  </dgm:forEach>
+                </dgm:layoutNode>
+              </dgm:if>
+              <dgm:else name="Name16"/>
+            </dgm:choose>
+          </dgm:layoutNode>
+        </dgm:if>
+        <dgm:else name="Name17">
+          <dgm:layoutNode name="arrowAndChildren">
+            <dgm:alg type="composite"/>
+            <dgm:shape xmlns:r="http://schemas.openxmlformats.org/officeDocument/2006/relationships" r:blip="">
+              <dgm:adjLst/>
+            </dgm:shape>
+            <dgm:presOf/>
+            <dgm:choose name="Name18">
+              <dgm:if name="Name19" axis="ch" ptType="node" func="cnt" op="gte" val="1">
+                <dgm:constrLst>
+                  <dgm:constr type="w" for="ch" forName="parentTextArrow" refType="w"/>
+                  <dgm:constr type="t" for="ch" forName="parentTextArrow"/>
+                  <dgm:constr type="h" for="ch" forName="parentTextArrow" refType="h" fact="0.351"/>
+                  <dgm:constr type="w" for="ch" forName="arrow" refType="w"/>
+                  <dgm:constr type="h" for="ch" forName="arrow" refType="h"/>
+                  <dgm:constr type="w" for="ch" forName="descendantArrow" refType="w"/>
+                  <dgm:constr type="b" for="ch" forName="descendantArrow" refType="h" fact="0.65"/>
+                  <dgm:constr type="h" for="ch" forName="descendantArrow" refType="h" fact="0.299"/>
+                </dgm:constrLst>
+              </dgm:if>
+              <dgm:else name="Name20">
+                <dgm:constrLst>
+                  <dgm:constr type="w" for="ch" forName="parentTextArrow" refType="w"/>
+                  <dgm:constr type="h" for="ch" forName="parentTextArrow" refType="h"/>
+                </dgm:constrLst>
+              </dgm:else>
+            </dgm:choose>
+            <dgm:ruleLst/>
+            <dgm:layoutNode name="parentTextArrow">
+              <dgm:alg type="tx"/>
+              <dgm:choose name="Name21">
+                <dgm:if name="Name22" axis="ch" ptType="node" func="cnt" op="gte" val="1">
+                  <dgm:shape xmlns:r="http://schemas.openxmlformats.org/officeDocument/2006/relationships" type="rect" r:blip="" zOrderOff="1" hideGeom="1">
+                    <dgm:adjLst/>
+                  </dgm:shape>
+                </dgm:if>
+                <dgm:else name="Name23">
+                  <dgm:shape xmlns:r="http://schemas.openxmlformats.org/officeDocument/2006/relationships" rot="180" type="upArrowCallout" r:blip="">
+                    <dgm:adjLst/>
+                  </dgm:shape>
+                </dgm:else>
+              </dgm:choose>
+              <dgm:presOf axis="self"/>
+              <dgm:constrLst/>
+              <dgm:ruleLst>
+                <dgm:rule type="primFontSz" val="5" fact="NaN" max="NaN"/>
+              </dgm:ruleLst>
+            </dgm:layoutNode>
+            <dgm:choose name="Name24">
+              <dgm:if name="Name25" axis="ch" ptType="node" func="cnt" op="gte" val="1">
+                <dgm:layoutNode name="arrow">
+                  <dgm:alg type="sp"/>
+                  <dgm:shape xmlns:r="http://schemas.openxmlformats.org/officeDocument/2006/relationships" rot="180" type="upArrowCallout" r:blip="">
+                    <dgm:adjLst/>
+                  </dgm:shape>
+                  <dgm:presOf axis="self"/>
+                  <dgm:constrLst/>
+                  <dgm:ruleLst/>
+                </dgm:layoutNode>
+                <dgm:layoutNode name="descendantArrow">
+                  <dgm:choose name="Name26">
+                    <dgm:if name="Name27" func="var" arg="dir" op="equ" val="norm">
+                      <dgm:alg type="lin"/>
+                    </dgm:if>
+                    <dgm:else name="Name28">
+                      <dgm:alg type="lin">
+                        <dgm:param type="linDir" val="fromR"/>
+                      </dgm:alg>
+                    </dgm:else>
+                  </dgm:choose>
+                  <dgm:shape xmlns:r="http://schemas.openxmlformats.org/officeDocument/2006/relationships" r:blip="">
+                    <dgm:adjLst/>
+                  </dgm:shape>
+                  <dgm:presOf/>
+                  <dgm:constrLst>
+                    <dgm:constr type="w" for="ch" forName="childTextArrow" refType="w"/>
+                    <dgm:constr type="h" for="ch" forName="childTextArrow" refType="h"/>
+                  </dgm:constrLst>
+                  <dgm:ruleLst/>
+                  <dgm:forEach name="Name29" axis="ch" ptType="node">
+                    <dgm:layoutNode name="childTextArrow" styleLbl="fgAccFollowNode1">
+                      <dgm:varLst>
+                        <dgm:bulletEnabled val="1"/>
+                      </dgm:varLst>
+                      <dgm:alg type="tx"/>
+                      <dgm:shape xmlns:r="http://schemas.openxmlformats.org/officeDocument/2006/relationships" type="rect" r:blip="">
+                        <dgm:adjLst/>
+                      </dgm:shape>
+                      <dgm:presOf axis="desOrSelf" ptType="node"/>
+                      <dgm:constrLst>
+                        <dgm:constr type="tMarg" refType="primFontSz" fact="0.1"/>
+                        <dgm:constr type="bMarg" refType="primFontSz" fact="0.1"/>
+                      </dgm:constrLst>
+                      <dgm:ruleLst>
+                        <dgm:rule type="primFontSz" val="5" fact="NaN" max="NaN"/>
+                      </dgm:ruleLst>
+                    </dgm:layoutNode>
+                  </dgm:forEach>
+                </dgm:layoutNode>
+              </dgm:if>
+              <dgm:else name="Name30"/>
+            </dgm:choose>
+          </dgm:layoutNode>
+        </dgm:else>
+      </dgm:choose>
+      <dgm:forEach name="Name31" axis="precedSib" ptType="sibTrans" st="-1" cnt="1">
+        <dgm:layoutNode name="sp">
+          <dgm:alg type="sp"/>
+          <dgm:shape xmlns:r="http://schemas.openxmlformats.org/officeDocument/2006/relationships" r:blip="">
+            <dgm:adjLst/>
+          </dgm:shape>
+          <dgm:presOf axis="self"/>
+          <dgm:constrLst/>
+          <dgm:ruleLst/>
+        </dgm:layoutNode>
+      </dgm:forEach>
+    </dgm:forEach>
+  </dgm:layoutNode>
+</dgm:layoutDef>
+</file>
+
+<file path=ppt/diagrams/quickStyle1.xml><?xml version="1.0" encoding="utf-8"?>
+<dgm:styleDef xmlns:dgm="http://schemas.openxmlformats.org/drawingml/2006/diagram" xmlns:a="http://schemas.openxmlformats.org/drawingml/2006/main" uniqueId="urn:microsoft.com/office/officeart/2005/8/quickstyle/simple1">
+  <dgm:title val=""/>
+  <dgm:desc val=""/>
+  <dgm:catLst>
+    <dgm:cat type="simple" pri="10100"/>
+  </dgm:catLst>
+  <dgm:scene3d>
+    <a:camera prst="orthographicFront"/>
+    <a:lightRig rig="threePt" dir="t"/>
+  </dgm:scene3d>
+  <dgm:styleLbl name="node0">
+    <dgm:scene3d>
+      <a:camera prst="orthographicFront"/>
+      <a:lightRig rig="threePt" dir="t"/>
+    </dgm:scene3d>
+    <dgm:sp3d/>
+    <dgm:txPr/>
+    <dgm:style>
+      <a:lnRef idx="2">
+        <a:scrgbClr r="0" g="0" b="0"/>
+      </a:lnRef>
+      <a:fillRef idx="1">
+        <a:scrgbClr r="0" g="0" b="0"/>
+      </a:fillRef>
+      <a:effectRef idx="0">
+        <a:scrgbClr r="0" g="0" b="0"/>
+      </a:effectRef>
+      <a:fontRef idx="minor">
+        <a:schemeClr val="lt1"/>
+      </a:fontRef>
+    </dgm:style>
+  </dgm:styleLbl>
+  <dgm:styleLbl name="lnNode1">
+    <dgm:scene3d>
+      <a:camera prst="orthographicFront"/>
+      <a:lightRig rig="threePt" dir="t"/>
+    </dgm:scene3d>
+    <dgm:sp3d/>
+    <dgm:txPr/>
+    <dgm:style>
+      <a:lnRef idx="2">
+        <a:scrgbClr r="0" g="0" b="0"/>
+      </a:lnRef>
+      <a:fillRef idx="1">
+        <a:scrgbClr r="0" g="0" b="0"/>
+      </a:fillRef>
+      <a:effectRef idx="0">
+        <a:scrgbClr r="0" g="0" b="0"/>
+      </a:effectRef>
+      <a:fontRef idx="minor">
+        <a:schemeClr val="lt1"/>
+      </a:fontRef>
+    </dgm:style>
+  </dgm:styleLbl>
+  <dgm:styleLbl name="vennNode1">
+    <dgm:scene3d>
+      <a:camera prst="orthographicFront"/>
+      <a:lightRig rig="threePt" dir="t"/>
+    </dgm:scene3d>
+    <dgm:sp3d/>
+    <dgm:txPr/>
+    <dgm:style>
+      <a:lnRef idx="2">
+        <a:scrgbClr r="0" g="0" b="0"/>
+      </a:lnRef>
+      <a:fillRef idx="1">
+        <a:scrgbClr r="0" g="0" b="0"/>
+      </a:fillRef>
+      <a:effectRef idx="0">
+        <a:scrgbClr r="0" g="0" b="0"/>
+      </a:effectRef>
+      <a:fontRef idx="minor">
+        <a:schemeClr val="tx1"/>
+      </a:fontRef>
+    </dgm:style>
+  </dgm:styleLbl>
+  <dgm:styleLbl name="alignNode1">
+    <dgm:scene3d>
+      <a:camera prst="orthographicFront"/>
+      <a:lightRig rig="threePt" dir="t"/>
+    </dgm:scene3d>
+    <dgm:sp3d/>
+    <dgm:txPr/>
+    <dgm:style>
+      <a:lnRef idx="2">
+        <a:scrgbClr r="0" g="0" b="0"/>
+      </a:lnRef>
+      <a:fillRef idx="1">
+        <a:scrgbClr r="0" g="0" b="0"/>
+      </a:fillRef>
+      <a:effectRef idx="0">
+        <a:scrgbClr r="0" g="0" b="0"/>
+      </a:effectRef>
+      <a:fontRef idx="minor">
+        <a:schemeClr val="lt1"/>
+      </a:fontRef>
+    </dgm:style>
+  </dgm:styleLbl>
+  <dgm:styleLbl name="node1">
+    <dgm:scene3d>
+      <a:camera prst="orthographicFront"/>
+      <a:lightRig rig="threePt" dir="t"/>
+    </dgm:scene3d>
+    <dgm:sp3d/>
+    <dgm:txPr/>
+    <dgm:style>
+      <a:lnRef idx="2">
+        <a:scrgbClr r="0" g="0" b="0"/>
+      </a:lnRef>
+      <a:fillRef idx="1">
+        <a:scrgbClr r="0" g="0" b="0"/>
+      </a:fillRef>
+      <a:effectRef idx="0">
+        <a:scrgbClr r="0" g="0" b="0"/>
+      </a:effectRef>
+      <a:fontRef idx="minor">
+        <a:schemeClr val="lt1"/>
+      </a:fontRef>
+    </dgm:style>
+  </dgm:styleLbl>
+  <dgm:styleLbl name="node2">
+    <dgm:scene3d>
+      <a:camera prst="orthographicFront"/>
+      <a:lightRig rig="threePt" dir="t"/>
+    </dgm:scene3d>
+    <dgm:sp3d/>
+    <dgm:txPr/>
+    <dgm:style>
+      <a:lnRef idx="2">
+        <a:scrgbClr r="0" g="0" b="0"/>
+      </a:lnRef>
+      <a:fillRef idx="1">
+        <a:scrgbClr r="0" g="0" b="0"/>
+      </a:fillRef>
+      <a:effectRef idx="0">
+        <a:scrgbClr r="0" g="0" b="0"/>
+      </a:effectRef>
+      <a:fontRef idx="minor">
+        <a:schemeClr val="lt1"/>
+      </a:fontRef>
+    </dgm:style>
+  </dgm:styleLbl>
+  <dgm:styleLbl name="node3">
+    <dgm:scene3d>
+      <a:camera prst="orthographicFront"/>
+      <a:lightRig rig="threePt" dir="t"/>
+    </dgm:scene3d>
+    <dgm:sp3d/>
+    <dgm:txPr/>
+    <dgm:style>
+      <a:lnRef idx="2">
+        <a:scrgbClr r="0" g="0" b="0"/>
+      </a:lnRef>
+      <a:fillRef idx="1">
+        <a:scrgbClr r="0" g="0" b="0"/>
+      </a:fillRef>
+      <a:effectRef idx="0">
+        <a:scrgbClr r="0" g="0" b="0"/>
+      </a:effectRef>
+      <a:fontRef idx="minor">
+        <a:schemeClr val="lt1"/>
+      </a:fontRef>
+    </dgm:style>
+  </dgm:styleLbl>
+  <dgm:styleLbl name="node4">
+    <dgm:scene3d>
+      <a:camera prst="orthographicFront"/>
+      <a:lightRig rig="threePt" dir="t"/>
+    </dgm:scene3d>
+    <dgm:sp3d/>
+    <dgm:txPr/>
+    <dgm:style>
+      <a:lnRef idx="2">
+        <a:scrgbClr r="0" g="0" b="0"/>
+      </a:lnRef>
+      <a:fillRef idx="1">
+        <a:scrgbClr r="0" g="0" b="0"/>
+      </a:fillRef>
+      <a:effectRef idx="0">
+        <a:scrgbClr r="0" g="0" b="0"/>
+      </a:effectRef>
+      <a:fontRef idx="minor">
+        <a:schemeClr val="lt1"/>
+      </a:fontRef>
+    </dgm:style>
+  </dgm:styleLbl>
+  <dgm:styleLbl name="fgImgPlace1">
+    <dgm:scene3d>
+      <a:camera prst="orthographicFront"/>
+      <a:lightRig rig="threePt" dir="t"/>
+    </dgm:scene3d>
+    <dgm:sp3d/>
+    <dgm:txPr/>
+    <dgm:style>
+      <a:lnRef idx="2">
+        <a:scrgbClr r="0" g="0" b="0"/>
+      </a:lnRef>
+      <a:fillRef idx="1">
+        <a:scrgbClr r="0" g="0" b="0"/>
+      </a:fillRef>
+      <a:effectRef idx="0">
+        <a:scrgbClr r="0" g="0" b="0"/>
+      </a:effectRef>
+      <a:fontRef idx="minor"/>
+    </dgm:style>
+  </dgm:styleLbl>
+  <dgm:styleLbl name="alignImgPlace1">
+    <dgm:scene3d>
+      <a:camera prst="orthographicFront"/>
+      <a:lightRig rig="threePt" dir="t"/>
+    </dgm:scene3d>
+    <dgm:sp3d/>
+    <dgm:txPr/>
+    <dgm:style>
+      <a:lnRef idx="2">
+        <a:scrgbClr r="0" g="0" b="0"/>
+      </a:lnRef>
+      <a:fillRef idx="1">
+        <a:scrgbClr r="0" g="0" b="0"/>
+      </a:fillRef>
+      <a:effectRef idx="0">
+        <a:scrgbClr r="0" g="0" b="0"/>
+      </a:effectRef>
+      <a:fontRef idx="minor"/>
+    </dgm:style>
+  </dgm:styleLbl>
+  <dgm:styleLbl name="bgImgPlace1">
+    <dgm:scene3d>
+      <a:camera prst="orthographicFront"/>
+      <a:lightRig rig="threePt" dir="t"/>
+    </dgm:scene3d>
+    <dgm:sp3d/>
+    <dgm:txPr/>
+    <dgm:style>
+      <a:lnRef idx="2">
+        <a:scrgbClr r="0" g="0" b="0"/>
+      </a:lnRef>
+      <a:fillRef idx="1">
+        <a:scrgbClr r="0" g="0" b="0"/>
+      </a:fillRef>
+      <a:effectRef idx="0">
+        <a:scrgbClr r="0" g="0" b="0"/>
+      </a:effectRef>
+      <a:fontRef idx="minor"/>
+    </dgm:style>
+  </dgm:styleLbl>
+  <dgm:styleLbl name="sibTrans2D1">
+    <dgm:scene3d>
+      <a:camera prst="orthographicFront"/>
+      <a:lightRig rig="threePt" dir="t"/>
+    </dgm:scene3d>
+    <dgm:sp3d/>
+    <dgm:txPr/>
+    <dgm:style>
+      <a:lnRef idx="0">
+        <a:scrgbClr r="0" g="0" b="0"/>
+      </a:lnRef>
+      <a:fillRef idx="1">
+        <a:scrgbClr r="0" g="0" b="0"/>
+      </a:fillRef>
+      <a:effectRef idx="0">
+        <a:scrgbClr r="0" g="0" b="0"/>
+      </a:effectRef>
+      <a:fontRef idx="minor">
+        <a:schemeClr val="lt1"/>
+      </a:fontRef>
+    </dgm:style>
+  </dgm:styleLbl>
+  <dgm:styleLbl name="fgSibTrans2D1">
+    <dgm:scene3d>
+      <a:camera prst="orthographicFront"/>
+      <a:lightRig rig="threePt" dir="t"/>
+    </dgm:scene3d>
+    <dgm:sp3d/>
+    <dgm:txPr/>
+    <dgm:style>
+      <a:lnRef idx="0">
+        <a:scrgbClr r="0" g="0" b="0"/>
+      </a:lnRef>
+      <a:fillRef idx="1">
+        <a:scrgbClr r="0" g="0" b="0"/>
+      </a:fillRef>
+      <a:effectRef idx="0">
+        <a:scrgbClr r="0" g="0" b="0"/>
+      </a:effectRef>
+      <a:fontRef idx="minor">
+        <a:schemeClr val="lt1"/>
+      </a:fontRef>
+    </dgm:style>
+  </dgm:styleLbl>
+  <dgm:styleLbl name="bgSibTrans2D1">
+    <dgm:scene3d>
+      <a:camera prst="orthographicFront"/>
+      <a:lightRig rig="threePt" dir="t"/>
+    </dgm:scene3d>
+    <dgm:sp3d/>
+    <dgm:txPr/>
+    <dgm:style>
+      <a:lnRef idx="0">
+        <a:scrgbClr r="0" g="0" b="0"/>
+      </a:lnRef>
+      <a:fillRef idx="1">
+        <a:scrgbClr r="0" g="0" b="0"/>
+      </a:fillRef>
+      <a:effectRef idx="0">
+        <a:scrgbClr r="0" g="0" b="0"/>
+      </a:effectRef>
+      <a:fontRef idx="minor">
+        <a:schemeClr val="lt1"/>
+      </a:fontRef>
+    </dgm:style>
+  </dgm:styleLbl>
+  <dgm:styleLbl name="sibTrans1D1">
+    <dgm:scene3d>
+      <a:camera prst="orthographicFront"/>
+      <a:lightRig rig="threePt" dir="t"/>
+    </dgm:scene3d>
+    <dgm:sp3d/>
+    <dgm:txPr/>
+    <dgm:style>
+      <a:lnRef idx="1">
+        <a:scrgbClr r="0" g="0" b="0"/>
+      </a:lnRef>
+      <a:fillRef idx="0">
+        <a:scrgbClr r="0" g="0" b="0"/>
+      </a:fillRef>
+      <a:effectRef idx="0">
+        <a:scrgbClr r="0" g="0" b="0"/>
+      </a:effectRef>
+      <a:fontRef idx="minor"/>
+    </dgm:style>
+  </dgm:styleLbl>
+  <dgm:styleLbl name="callout">
+    <dgm:scene3d>
+      <a:camera prst="orthographicFront"/>
+      <a:lightRig rig="threePt" dir="t"/>
+    </dgm:scene3d>
+    <dgm:sp3d/>
+    <dgm:txPr/>
+    <dgm:style>
+      <a:lnRef idx="2">
+        <a:scrgbClr r="0" g="0" b="0"/>
+      </a:lnRef>
+      <a:fillRef idx="1">
+        <a:scrgbClr r="0" g="0" b="0"/>
+      </a:fillRef>
+      <a:effectRef idx="0">
+        <a:scrgbClr r="0" g="0" b="0"/>
+      </a:effectRef>
+      <a:fontRef idx="minor"/>
+    </dgm:style>
+  </dgm:styleLbl>
+  <dgm:styleLbl name="asst0">
+    <dgm:scene3d>
+      <a:camera prst="orthographicFront"/>
+      <a:lightRig rig="threePt" dir="t"/>
+    </dgm:scene3d>
+    <dgm:sp3d/>
+    <dgm:txPr/>
+    <dgm:style>
+      <a:lnRef idx="2">
+        <a:scrgbClr r="0" g="0" b="0"/>
+      </a:lnRef>
+      <a:fillRef idx="1">
+        <a:scrgbClr r="0" g="0" b="0"/>
+      </a:fillRef>
+      <a:effectRef idx="0">
+        <a:scrgbClr r="0" g="0" b="0"/>
+      </a:effectRef>
+      <a:fontRef idx="minor">
+        <a:schemeClr val="lt1"/>
+      </a:fontRef>
+    </dgm:style>
+  </dgm:styleLbl>
+  <dgm:styleLbl name="asst1">
+    <dgm:scene3d>
+      <a:camera prst="orthographicFront"/>
+      <a:lightRig rig="threePt" dir="t"/>
+    </dgm:scene3d>
+    <dgm:sp3d/>
+    <dgm:txPr/>
+    <dgm:style>
+      <a:lnRef idx="2">
+        <a:scrgbClr r="0" g="0" b="0"/>
+      </a:lnRef>
+      <a:fillRef idx="1">
+        <a:scrgbClr r="0" g="0" b="0"/>
+      </a:fillRef>
+      <a:effectRef idx="0">
+        <a:scrgbClr r="0" g="0" b="0"/>
+      </a:effectRef>
+      <a:fontRef idx="minor">
+        <a:schemeClr val="lt1"/>
+      </a:fontRef>
+    </dgm:style>
+  </dgm:styleLbl>
+  <dgm:styleLbl name="asst2">
+    <dgm:scene3d>
+      <a:camera prst="orthographicFront"/>
+      <a:lightRig rig="threePt" dir="t"/>
+    </dgm:scene3d>
+    <dgm:sp3d/>
+    <dgm:txPr/>
+    <dgm:style>
+      <a:lnRef idx="2">
+        <a:scrgbClr r="0" g="0" b="0"/>
+      </a:lnRef>
+      <a:fillRef idx="1">
+        <a:scrgbClr r="0" g="0" b="0"/>
+      </a:fillRef>
+      <a:effectRef idx="0">
+        <a:scrgbClr r="0" g="0" b="0"/>
+      </a:effectRef>
+      <a:fontRef idx="minor">
+        <a:schemeClr val="lt1"/>
+      </a:fontRef>
+    </dgm:style>
+  </dgm:styleLbl>
+  <dgm:styleLbl name="asst3">
+    <dgm:scene3d>
+      <a:camera prst="orthographicFront"/>
+      <a:lightRig rig="threePt" dir="t"/>
+    </dgm:scene3d>
+    <dgm:sp3d/>
+    <dgm:txPr/>
+    <dgm:style>
+      <a:lnRef idx="2">
+        <a:scrgbClr r="0" g="0" b="0"/>
+      </a:lnRef>
+      <a:fillRef idx="1">
+        <a:scrgbClr r="0" g="0" b="0"/>
+      </a:fillRef>
+      <a:effectRef idx="0">
+        <a:scrgbClr r="0" g="0" b="0"/>
+      </a:effectRef>
+      <a:fontRef idx="minor">
+        <a:schemeClr val="lt1"/>
+      </a:fontRef>
+    </dgm:style>
+  </dgm:styleLbl>
+  <dgm:styleLbl name="asst4">
+    <dgm:scene3d>
+      <a:camera prst="orthographicFront"/>
+      <a:lightRig rig="threePt" dir="t"/>
+    </dgm:scene3d>
+    <dgm:sp3d/>
+    <dgm:txPr/>
+    <dgm:style>
+      <a:lnRef idx="2">
+        <a:scrgbClr r="0" g="0" b="0"/>
+      </a:lnRef>
+      <a:fillRef idx="1">
+        <a:scrgbClr r="0" g="0" b="0"/>
+      </a:fillRef>
+      <a:effectRef idx="0">
+        <a:scrgbClr r="0" g="0" b="0"/>
+      </a:effectRef>
+      <a:fontRef idx="minor">
+        <a:schemeClr val="lt1"/>
+      </a:fontRef>
+    </dgm:style>
+  </dgm:styleLbl>
+  <dgm:styleLbl name="parChTrans2D1">
+    <dgm:scene3d>
+      <a:camera prst="orthographicFront"/>
+      <a:lightRig rig="threePt" dir="t"/>
+    </dgm:scene3d>
+    <dgm:sp3d/>
+    <dgm:txPr/>
+    <dgm:style>
+      <a:lnRef idx="2">
+        <a:scrgbClr r="0" g="0" b="0"/>
+      </a:lnRef>
+      <a:fillRef idx="1">
+        <a:scrgbClr r="0" g="0" b="0"/>
+      </a:fillRef>
+      <a:effectRef idx="0">
+        <a:scrgbClr r="0" g="0" b="0"/>
+      </a:effectRef>
+      <a:fontRef idx="minor">
+        <a:schemeClr val="lt1"/>
+      </a:fontRef>
+    </dgm:style>
+  </dgm:styleLbl>
+  <dgm:styleLbl name="parChTrans2D2">
+    <dgm:scene3d>
+      <a:camera prst="orthographicFront"/>
+      <a:lightRig rig="threePt" dir="t"/>
+    </dgm:scene3d>
+    <dgm:sp3d/>
+    <dgm:txPr/>
+    <dgm:style>
+      <a:lnRef idx="2">
+        <a:scrgbClr r="0" g="0" b="0"/>
+      </a:lnRef>
+      <a:fillRef idx="1">
+        <a:scrgbClr r="0" g="0" b="0"/>
+      </a:fillRef>
+      <a:effectRef idx="0">
+        <a:scrgbClr r="0" g="0" b="0"/>
+      </a:effectRef>
+      <a:fontRef idx="minor">
+        <a:schemeClr val="lt1"/>
+      </a:fontRef>
+    </dgm:style>
+  </dgm:styleLbl>
+  <dgm:styleLbl name="parChTrans2D3">
+    <dgm:scene3d>
+      <a:camera prst="orthographicFront"/>
+      <a:lightRig rig="threePt" dir="t"/>
+    </dgm:scene3d>
+    <dgm:sp3d/>
+    <dgm:txPr/>
+    <dgm:style>
+      <a:lnRef idx="2">
+        <a:scrgbClr r="0" g="0" b="0"/>
+      </a:lnRef>
+      <a:fillRef idx="1">
+        <a:scrgbClr r="0" g="0" b="0"/>
+      </a:fillRef>
+      <a:effectRef idx="0">
+        <a:scrgbClr r="0" g="0" b="0"/>
+      </a:effectRef>
+      <a:fontRef idx="minor">
+        <a:schemeClr val="lt1"/>
+      </a:fontRef>
+    </dgm:style>
+  </dgm:styleLbl>
+  <dgm:styleLbl name="parChTrans2D4">
+    <dgm:scene3d>
+      <a:camera prst="orthographicFront"/>
+      <a:lightRig rig="threePt" dir="t"/>
+    </dgm:scene3d>
+    <dgm:sp3d/>
+    <dgm:txPr/>
+    <dgm:style>
+      <a:lnRef idx="2">
+        <a:scrgbClr r="0" g="0" b="0"/>
+      </a:lnRef>
+      <a:fillRef idx="1">
+        <a:scrgbClr r="0" g="0" b="0"/>
+      </a:fillRef>
+      <a:effectRef idx="0">
+        <a:scrgbClr r="0" g="0" b="0"/>
+      </a:effectRef>
+      <a:fontRef idx="minor">
+        <a:schemeClr val="lt1"/>
+      </a:fontRef>
+    </dgm:style>
+  </dgm:styleLbl>
+  <dgm:styleLbl name="parChTrans1D1">
+    <dgm:scene3d>
+      <a:camera prst="orthographicFront"/>
+      <a:lightRig rig="threePt" dir="t"/>
+    </dgm:scene3d>
+    <dgm:sp3d/>
+    <dgm:txPr/>
+    <dgm:style>
+      <a:lnRef idx="2">
+        <a:scrgbClr r="0" g="0" b="0"/>
+      </a:lnRef>
+      <a:fillRef idx="0">
+        <a:scrgbClr r="0" g="0" b="0"/>
+      </a:fillRef>
+      <a:effectRef idx="0">
+        <a:scrgbClr r="0" g="0" b="0"/>
+      </a:effectRef>
+      <a:fontRef idx="minor"/>
+    </dgm:style>
+  </dgm:styleLbl>
+  <dgm:styleLbl name="parChTrans1D2">
+    <dgm:scene3d>
+      <a:camera prst="orthographicFront"/>
+      <a:lightRig rig="threePt" dir="t"/>
+    </dgm:scene3d>
+    <dgm:sp3d/>
+    <dgm:txPr/>
+    <dgm:style>
+      <a:lnRef idx="2">
+        <a:scrgbClr r="0" g="0" b="0"/>
+      </a:lnRef>
+      <a:fillRef idx="0">
+        <a:scrgbClr r="0" g="0" b="0"/>
+      </a:fillRef>
+      <a:effectRef idx="0">
+        <a:scrgbClr r="0" g="0" b="0"/>
+      </a:effectRef>
+      <a:fontRef idx="minor"/>
+    </dgm:style>
+  </dgm:styleLbl>
+  <dgm:styleLbl name="parChTrans1D3">
+    <dgm:scene3d>
+      <a:camera prst="orthographicFront"/>
+      <a:lightRig rig="threePt" dir="t"/>
+    </dgm:scene3d>
+    <dgm:sp3d/>
+    <dgm:txPr/>
+    <dgm:style>
+      <a:lnRef idx="2">
+        <a:scrgbClr r="0" g="0" b="0"/>
+      </a:lnRef>
+      <a:fillRef idx="0">
+        <a:scrgbClr r="0" g="0" b="0"/>
+      </a:fillRef>
+      <a:effectRef idx="0">
+        <a:scrgbClr r="0" g="0" b="0"/>
+      </a:effectRef>
+      <a:fontRef idx="minor"/>
+    </dgm:style>
+  </dgm:styleLbl>
+  <dgm:styleLbl name="parChTrans1D4">
+    <dgm:scene3d>
+      <a:camera prst="orthographicFront"/>
+      <a:lightRig rig="threePt" dir="t"/>
+    </dgm:scene3d>
+    <dgm:sp3d/>
+    <dgm:txPr/>
+    <dgm:style>
+      <a:lnRef idx="2">
+        <a:scrgbClr r="0" g="0" b="0"/>
+      </a:lnRef>
+      <a:fillRef idx="0">
+        <a:scrgbClr r="0" g="0" b="0"/>
+      </a:fillRef>
+      <a:effectRef idx="0">
+        <a:scrgbClr r="0" g="0" b="0"/>
+      </a:effectRef>
+      <a:fontRef idx="minor"/>
+    </dgm:style>
+  </dgm:styleLbl>
+  <dgm:styleLbl name="fgAcc1">
+    <dgm:scene3d>
+      <a:camera prst="orthographicFront"/>
+      <a:lightRig rig="threePt" dir="t"/>
+    </dgm:scene3d>
+    <dgm:sp3d/>
+    <dgm:txPr/>
+    <dgm:style>
+      <a:lnRef idx="2">
+        <a:scrgbClr r="0" g="0" b="0"/>
+      </a:lnRef>
+      <a:fillRef idx="1">
+        <a:scrgbClr r="0" g="0" b="0"/>
+      </a:fillRef>
+      <a:effectRef idx="0">
+        <a:scrgbClr r="0" g="0" b="0"/>
+      </a:effectRef>
+      <a:fontRef idx="minor"/>
+    </dgm:style>
+  </dgm:styleLbl>
+  <dgm:styleLbl name="conFgAcc1">
+    <dgm:scene3d>
+      <a:camera prst="orthographicFront"/>
+      <a:lightRig rig="threePt" dir="t"/>
+    </dgm:scene3d>
+    <dgm:sp3d/>
+    <dgm:txPr/>
+    <dgm:style>
+      <a:lnRef idx="2">
+        <a:scrgbClr r="0" g="0" b="0"/>
+      </a:lnRef>
+      <a:fillRef idx="1">
+        <a:scrgbClr r="0" g="0" b="0"/>
+      </a:fillRef>
+      <a:effectRef idx="0">
+        <a:scrgbClr r="0" g="0" b="0"/>
+      </a:effectRef>
+      <a:fontRef idx="minor"/>
+    </dgm:style>
+  </dgm:styleLbl>
+  <dgm:styleLbl name="alignAcc1">
+    <dgm:scene3d>
+      <a:camera prst="orthographicFront"/>
+      <a:lightRig rig="threePt" dir="t"/>
+    </dgm:scene3d>
+    <dgm:sp3d/>
+    <dgm:txPr/>
+    <dgm:style>
+      <a:lnRef idx="2">
+        <a:scrgbClr r="0" g="0" b="0"/>
+      </a:lnRef>
+      <a:fillRef idx="1">
+        <a:scrgbClr r="0" g="0" b="0"/>
+      </a:fillRef>
+      <a:effectRef idx="0">
+        <a:scrgbClr r="0" g="0" b="0"/>
+      </a:effectRef>
+      <a:fontRef idx="minor"/>
+    </dgm:style>
+  </dgm:styleLbl>
+  <dgm:styleLbl name="trAlignAcc1">
+    <dgm:scene3d>
+      <a:camera prst="orthographicFront"/>
+      <a:lightRig rig="threePt" dir="t"/>
+    </dgm:scene3d>
+    <dgm:sp3d/>
+    <dgm:txPr/>
+    <dgm:style>
+      <a:lnRef idx="1">
+        <a:scrgbClr r="0" g="0" b="0"/>
+      </a:lnRef>
+      <a:fillRef idx="1">
+        <a:scrgbClr r="0" g="0" b="0"/>
+      </a:fillRef>
+      <a:effectRef idx="0">
+        <a:scrgbClr r="0" g="0" b="0"/>
+      </a:effectRef>
+      <a:fontRef idx="minor"/>
+    </dgm:style>
+  </dgm:styleLbl>
+  <dgm:styleLbl name="bgAcc1">
+    <dgm:scene3d>
+      <a:camera prst="orthographicFront"/>
+      <a:lightRig rig="threePt" dir="t"/>
+    </dgm:scene3d>
+    <dgm:sp3d/>
+    <dgm:txPr/>
+    <dgm:style>
+      <a:lnRef idx="2">
+        <a:scrgbClr r="0" g="0" b="0"/>
+      </a:lnRef>
+      <a:fillRef idx="1">
+        <a:scrgbClr r="0" g="0" b="0"/>
+      </a:fillRef>
+      <a:effectRef idx="0">
+        <a:scrgbClr r="0" g="0" b="0"/>
+      </a:effectRef>
+      <a:fontRef idx="minor"/>
+    </dgm:style>
+  </dgm:styleLbl>
+  <dgm:styleLbl name="solidFgAcc1">
+    <dgm:scene3d>
+      <a:camera prst="orthographicFront"/>
+      <a:lightRig rig="threePt" dir="t"/>
+    </dgm:scene3d>
+    <dgm:sp3d/>
+    <dgm:txPr/>
+    <dgm:style>
+      <a:lnRef idx="2">
+        <a:scrgbClr r="0" g="0" b="0"/>
+      </a:lnRef>
+      <a:fillRef idx="1">
+        <a:scrgbClr r="0" g="0" b="0"/>
+      </a:fillRef>
+      <a:effectRef idx="0">
+        <a:scrgbClr r="0" g="0" b="0"/>
+      </a:effectRef>
+      <a:fontRef idx="minor"/>
+    </dgm:style>
+  </dgm:styleLbl>
+  <dgm:styleLbl name="solidAlignAcc1">
+    <dgm:scene3d>
+      <a:camera prst="orthographicFront"/>
+      <a:lightRig rig="threePt" dir="t"/>
+    </dgm:scene3d>
+    <dgm:sp3d/>
+    <dgm:txPr/>
+    <dgm:style>
+      <a:lnRef idx="2">
+        <a:scrgbClr r="0" g="0" b="0"/>
+      </a:lnRef>
+      <a:fillRef idx="1">
+        <a:scrgbClr r="0" g="0" b="0"/>
+      </a:fillRef>
+      <a:effectRef idx="0">
+        <a:scrgbClr r="0" g="0" b="0"/>
+      </a:effectRef>
+      <a:fontRef idx="minor"/>
+    </dgm:style>
+  </dgm:styleLbl>
+  <dgm:styleLbl name="solidBgAcc1">
+    <dgm:scene3d>
+      <a:camera prst="orthographicFront"/>
+      <a:lightRig rig="threePt" dir="t"/>
+    </dgm:scene3d>
+    <dgm:sp3d/>
+    <dgm:txPr/>
+    <dgm:style>
+      <a:lnRef idx="2">
+        <a:scrgbClr r="0" g="0" b="0"/>
+      </a:lnRef>
+      <a:fillRef idx="1">
+        <a:scrgbClr r="0" g="0" b="0"/>
+      </a:fillRef>
+      <a:effectRef idx="0">
+        <a:scrgbClr r="0" g="0" b="0"/>
+      </a:effectRef>
+      <a:fontRef idx="minor"/>
+    </dgm:style>
+  </dgm:styleLbl>
+  <dgm:styleLbl name="fgAccFollowNode1">
+    <dgm:scene3d>
+      <a:camera prst="orthographicFront"/>
+      <a:lightRig rig="threePt" dir="t"/>
+    </dgm:scene3d>
+    <dgm:sp3d/>
+    <dgm:txPr/>
+    <dgm:style>
+      <a:lnRef idx="2">
+        <a:scrgbClr r="0" g="0" b="0"/>
+      </a:lnRef>
+      <a:fillRef idx="1">
+        <a:scrgbClr r="0" g="0" b="0"/>
+      </a:fillRef>
+      <a:effectRef idx="0">
+        <a:scrgbClr r="0" g="0" b="0"/>
+      </a:effectRef>
+      <a:fontRef idx="minor"/>
+    </dgm:style>
+  </dgm:styleLbl>
+  <dgm:styleLbl name="alignAccFollowNode1">
+    <dgm:scene3d>
+      <a:camera prst="orthographicFront"/>
+      <a:lightRig rig="threePt" dir="t"/>
+    </dgm:scene3d>
+    <dgm:sp3d/>
+    <dgm:txPr/>
+    <dgm:style>
+      <a:lnRef idx="2">
+        <a:scrgbClr r="0" g="0" b="0"/>
+      </a:lnRef>
+      <a:fillRef idx="1">
+        <a:scrgbClr r="0" g="0" b="0"/>
+      </a:fillRef>
+      <a:effectRef idx="0">
+        <a:scrgbClr r="0" g="0" b="0"/>
+      </a:effectRef>
+      <a:fontRef idx="minor"/>
+    </dgm:style>
+  </dgm:styleLbl>
+  <dgm:styleLbl name="bgAccFollowNode1">
+    <dgm:scene3d>
+      <a:camera prst="orthographicFront"/>
+      <a:lightRig rig="threePt" dir="t"/>
+    </dgm:scene3d>
+    <dgm:sp3d/>
+    <dgm:txPr/>
+    <dgm:style>
+      <a:lnRef idx="2">
+        <a:scrgbClr r="0" g="0" b="0"/>
+      </a:lnRef>
+      <a:fillRef idx="1">
+        <a:scrgbClr r="0" g="0" b="0"/>
+      </a:fillRef>
+      <a:effectRef idx="0">
+        <a:scrgbClr r="0" g="0" b="0"/>
+      </a:effectRef>
+      <a:fontRef idx="minor"/>
+    </dgm:style>
+  </dgm:styleLbl>
+  <dgm:styleLbl name="fgAcc0">
+    <dgm:scene3d>
+      <a:camera prst="orthographicFront"/>
+      <a:lightRig rig="threePt" dir="t"/>
+    </dgm:scene3d>
+    <dgm:sp3d/>
+    <dgm:txPr/>
+    <dgm:style>
+      <a:lnRef idx="2">
+        <a:scrgbClr r="0" g="0" b="0"/>
+      </a:lnRef>
+      <a:fillRef idx="1">
+        <a:scrgbClr r="0" g="0" b="0"/>
+      </a:fillRef>
+      <a:effectRef idx="0">
+        <a:scrgbClr r="0" g="0" b="0"/>
+      </a:effectRef>
+      <a:fontRef idx="minor"/>
+    </dgm:style>
+  </dgm:styleLbl>
+  <dgm:styleLbl name="fgAcc2">
+    <dgm:scene3d>
+      <a:camera prst="orthographicFront"/>
+      <a:lightRig rig="threePt" dir="t"/>
+    </dgm:scene3d>
+    <dgm:sp3d/>
+    <dgm:txPr/>
+    <dgm:style>
+      <a:lnRef idx="2">
+        <a:scrgbClr r="0" g="0" b="0"/>
+      </a:lnRef>
+      <a:fillRef idx="1">
+        <a:scrgbClr r="0" g="0" b="0"/>
+      </a:fillRef>
+      <a:effectRef idx="0">
+        <a:scrgbClr r="0" g="0" b="0"/>
+      </a:effectRef>
+      <a:fontRef idx="minor"/>
+    </dgm:style>
+  </dgm:styleLbl>
+  <dgm:styleLbl name="fgAcc3">
+    <dgm:scene3d>
+      <a:camera prst="orthographicFront"/>
+      <a:lightRig rig="threePt" dir="t"/>
+    </dgm:scene3d>
+    <dgm:sp3d/>
+    <dgm:txPr/>
+    <dgm:style>
+      <a:lnRef idx="2">
+        <a:scrgbClr r="0" g="0" b="0"/>
+      </a:lnRef>
+      <a:fillRef idx="1">
+        <a:scrgbClr r="0" g="0" b="0"/>
+      </a:fillRef>
+      <a:effectRef idx="0">
+        <a:scrgbClr r="0" g="0" b="0"/>
+      </a:effectRef>
+      <a:fontRef idx="minor"/>
+    </dgm:style>
+  </dgm:styleLbl>
+  <dgm:styleLbl name="fgAcc4">
+    <dgm:scene3d>
+      <a:camera prst="orthographicFront"/>
+      <a:lightRig rig="threePt" dir="t"/>
+    </dgm:scene3d>
+    <dgm:sp3d/>
+    <dgm:txPr/>
+    <dgm:style>
+      <a:lnRef idx="2">
+        <a:scrgbClr r="0" g="0" b="0"/>
+      </a:lnRef>
+      <a:fillRef idx="1">
+        <a:scrgbClr r="0" g="0" b="0"/>
+      </a:fillRef>
+      <a:effectRef idx="0">
+        <a:scrgbClr r="0" g="0" b="0"/>
+      </a:effectRef>
+      <a:fontRef idx="minor"/>
+    </dgm:style>
+  </dgm:styleLbl>
+  <dgm:styleLbl name="bgShp">
+    <dgm:scene3d>
+      <a:camera prst="orthographicFront"/>
+      <a:lightRig rig="threePt" dir="t"/>
+    </dgm:scene3d>
+    <dgm:sp3d/>
+    <dgm:txPr/>
+    <dgm:style>
+      <a:lnRef idx="0">
+        <a:scrgbClr r="0" g="0" b="0"/>
+      </a:lnRef>
+      <a:fillRef idx="1">
+        <a:scrgbClr r="0" g="0" b="0"/>
+      </a:fillRef>
+      <a:effectRef idx="0">
+        <a:scrgbClr r="0" g="0" b="0"/>
+      </a:effectRef>
+      <a:fontRef idx="minor"/>
+    </dgm:style>
+  </dgm:styleLbl>
+  <dgm:styleLbl name="dkBgShp">
+    <dgm:scene3d>
+      <a:camera prst="orthographicFront"/>
+      <a:lightRig rig="threePt" dir="t"/>
+    </dgm:scene3d>
+    <dgm:sp3d/>
+    <dgm:txPr/>
+    <dgm:style>
+      <a:lnRef idx="0">
+        <a:scrgbClr r="0" g="0" b="0"/>
+      </a:lnRef>
+      <a:fillRef idx="1">
+        <a:scrgbClr r="0" g="0" b="0"/>
+      </a:fillRef>
+      <a:effectRef idx="0">
+        <a:scrgbClr r="0" g="0" b="0"/>
+      </a:effectRef>
+      <a:fontRef idx="minor"/>
+    </dgm:style>
+  </dgm:styleLbl>
+  <dgm:styleLbl name="trBgShp">
+    <dgm:scene3d>
+      <a:camera prst="orthographicFront"/>
+      <a:lightRig rig="threePt" dir="t"/>
+    </dgm:scene3d>
+    <dgm:sp3d/>
+    <dgm:txPr/>
+    <dgm:style>
+      <a:lnRef idx="0">
+        <a:scrgbClr r="0" g="0" b="0"/>
+      </a:lnRef>
+      <a:fillRef idx="1">
+        <a:scrgbClr r="0" g="0" b="0"/>
+      </a:fillRef>
+      <a:effectRef idx="0">
+        <a:scrgbClr r="0" g="0" b="0"/>
+      </a:effectRef>
+      <a:fontRef idx="minor"/>
+    </dgm:style>
+  </dgm:styleLbl>
+  <dgm:styleLbl name="fgShp">
+    <dgm:scene3d>
+      <a:camera prst="orthographicFront"/>
+      <a:lightRig rig="threePt" dir="t"/>
+    </dgm:scene3d>
+    <dgm:sp3d/>
+    <dgm:txPr/>
+    <dgm:style>
+      <a:lnRef idx="2">
+        <a:scrgbClr r="0" g="0" b="0"/>
+      </a:lnRef>
+      <a:fillRef idx="1">
+        <a:scrgbClr r="0" g="0" b="0"/>
+      </a:fillRef>
+      <a:effectRef idx="0">
+        <a:scrgbClr r="0" g="0" b="0"/>
+      </a:effectRef>
+      <a:fontRef idx="minor"/>
+    </dgm:style>
+  </dgm:styleLbl>
+  <dgm:styleLbl name="revTx">
+    <dgm:scene3d>
+      <a:camera prst="orthographicFront"/>
+      <a:lightRig rig="threePt" dir="t"/>
+    </dgm:scene3d>
+    <dgm:sp3d/>
+    <dgm:txPr/>
+    <dgm:style>
+      <a:lnRef idx="0">
+        <a:scrgbClr r="0" g="0" b="0"/>
+      </a:lnRef>
+      <a:fillRef idx="0">
+        <a:scrgbClr r="0" g="0" b="0"/>
+      </a:fillRef>
+      <a:effectRef idx="0">
+        <a:scrgbClr r="0" g="0" b="0"/>
+      </a:effectRef>
+      <a:fontRef idx="minor"/>
+    </dgm:style>
+  </dgm:styleLbl>
+</dgm:styleDef>
+</file>
+
 <file path=ppt/notesMasters/notesMaster1.xml><?xml version="1.0" encoding="utf-8"?>
 <p:notesMaster xmlns:a="http://schemas.openxmlformats.org/drawingml/2006/main" xmlns:r="http://schemas.openxmlformats.org/officeDocument/2006/relationships" xmlns:p="http://schemas.openxmlformats.org/presentationml/2006/main">
   <p:cSld>
@@ -200,7 +3451,7 @@
           <a:p>
             <a:fld id="{0940B6BF-36C2-FE40-9D87-74A6571A2F6B}" type="datetimeFigureOut">
               <a:rPr lang="en-US" smtClean="0"/>
-              <a:t>9/7/22</a:t>
+              <a:t>9/7/24</a:t>
             </a:fld>
             <a:endParaRPr lang="en-US"/>
           </a:p>
@@ -1189,7 +4440,7 @@
           <a:p>
             <a:fld id="{170D5C3A-A955-5A40-9462-01A264051331}" type="datetimeFigureOut">
               <a:rPr lang="en-US" smtClean="0"/>
-              <a:t>9/7/22</a:t>
+              <a:t>9/7/24</a:t>
             </a:fld>
             <a:endParaRPr lang="en-US"/>
           </a:p>
@@ -1440,7 +4691,7 @@
           <a:p>
             <a:fld id="{170D5C3A-A955-5A40-9462-01A264051331}" type="datetimeFigureOut">
               <a:rPr lang="en-US" smtClean="0"/>
-              <a:t>9/7/22</a:t>
+              <a:t>9/7/24</a:t>
             </a:fld>
             <a:endParaRPr lang="en-US"/>
           </a:p>
@@ -1754,7 +5005,7 @@
           <a:p>
             <a:fld id="{170D5C3A-A955-5A40-9462-01A264051331}" type="datetimeFigureOut">
               <a:rPr lang="en-US" smtClean="0"/>
-              <a:t>9/7/22</a:t>
+              <a:t>9/7/24</a:t>
             </a:fld>
             <a:endParaRPr lang="en-US"/>
           </a:p>
@@ -2095,7 +5346,7 @@
           <a:p>
             <a:fld id="{170D5C3A-A955-5A40-9462-01A264051331}" type="datetimeFigureOut">
               <a:rPr lang="en-US" smtClean="0"/>
-              <a:t>9/7/22</a:t>
+              <a:t>9/7/24</a:t>
             </a:fld>
             <a:endParaRPr lang="en-US"/>
           </a:p>
@@ -2409,7 +5660,7 @@
           <a:p>
             <a:fld id="{170D5C3A-A955-5A40-9462-01A264051331}" type="datetimeFigureOut">
               <a:rPr lang="en-US" smtClean="0"/>
-              <a:t>9/7/22</a:t>
+              <a:t>9/7/24</a:t>
             </a:fld>
             <a:endParaRPr lang="en-US"/>
           </a:p>
@@ -2802,7 +6053,7 @@
           <a:p>
             <a:fld id="{170D5C3A-A955-5A40-9462-01A264051331}" type="datetimeFigureOut">
               <a:rPr lang="en-US" smtClean="0"/>
-              <a:t>9/7/22</a:t>
+              <a:t>9/7/24</a:t>
             </a:fld>
             <a:endParaRPr lang="en-US"/>
           </a:p>
@@ -2972,7 +6223,7 @@
           <a:p>
             <a:fld id="{170D5C3A-A955-5A40-9462-01A264051331}" type="datetimeFigureOut">
               <a:rPr lang="en-US" smtClean="0"/>
-              <a:t>9/7/22</a:t>
+              <a:t>9/7/24</a:t>
             </a:fld>
             <a:endParaRPr lang="en-US"/>
           </a:p>
@@ -3152,7 +6403,7 @@
           <a:p>
             <a:fld id="{170D5C3A-A955-5A40-9462-01A264051331}" type="datetimeFigureOut">
               <a:rPr lang="en-US" smtClean="0"/>
-              <a:t>9/7/22</a:t>
+              <a:t>9/7/24</a:t>
             </a:fld>
             <a:endParaRPr lang="en-US"/>
           </a:p>
@@ -3328,7 +6579,7 @@
           <a:p>
             <a:fld id="{170D5C3A-A955-5A40-9462-01A264051331}" type="datetimeFigureOut">
               <a:rPr lang="en-US" smtClean="0"/>
-              <a:t>9/7/22</a:t>
+              <a:t>9/7/24</a:t>
             </a:fld>
             <a:endParaRPr lang="en-US"/>
           </a:p>
@@ -3575,7 +6826,7 @@
           <a:p>
             <a:fld id="{170D5C3A-A955-5A40-9462-01A264051331}" type="datetimeFigureOut">
               <a:rPr lang="en-US" smtClean="0"/>
-              <a:t>9/7/22</a:t>
+              <a:t>9/7/24</a:t>
             </a:fld>
             <a:endParaRPr lang="en-US"/>
           </a:p>
@@ -3807,7 +7058,7 @@
           <a:p>
             <a:fld id="{170D5C3A-A955-5A40-9462-01A264051331}" type="datetimeFigureOut">
               <a:rPr lang="en-US" smtClean="0"/>
-              <a:t>9/7/22</a:t>
+              <a:t>9/7/24</a:t>
             </a:fld>
             <a:endParaRPr lang="en-US"/>
           </a:p>
@@ -4181,7 +7432,7 @@
           <a:p>
             <a:fld id="{170D5C3A-A955-5A40-9462-01A264051331}" type="datetimeFigureOut">
               <a:rPr lang="en-US" smtClean="0"/>
-              <a:t>9/7/22</a:t>
+              <a:t>9/7/24</a:t>
             </a:fld>
             <a:endParaRPr lang="en-US"/>
           </a:p>
@@ -4304,7 +7555,7 @@
           <a:p>
             <a:fld id="{170D5C3A-A955-5A40-9462-01A264051331}" type="datetimeFigureOut">
               <a:rPr lang="en-US" smtClean="0"/>
-              <a:t>9/7/22</a:t>
+              <a:t>9/7/24</a:t>
             </a:fld>
             <a:endParaRPr lang="en-US"/>
           </a:p>
@@ -4399,7 +7650,7 @@
           <a:p>
             <a:fld id="{170D5C3A-A955-5A40-9462-01A264051331}" type="datetimeFigureOut">
               <a:rPr lang="en-US" smtClean="0"/>
-              <a:t>9/7/22</a:t>
+              <a:t>9/7/24</a:t>
             </a:fld>
             <a:endParaRPr lang="en-US"/>
           </a:p>
@@ -4654,7 +7905,7 @@
           <a:p>
             <a:fld id="{170D5C3A-A955-5A40-9462-01A264051331}" type="datetimeFigureOut">
               <a:rPr lang="en-US" smtClean="0"/>
-              <a:t>9/7/22</a:t>
+              <a:t>9/7/24</a:t>
             </a:fld>
             <a:endParaRPr lang="en-US"/>
           </a:p>
@@ -4917,7 +8168,7 @@
           <a:p>
             <a:fld id="{170D5C3A-A955-5A40-9462-01A264051331}" type="datetimeFigureOut">
               <a:rPr lang="en-US" smtClean="0"/>
-              <a:t>9/7/22</a:t>
+              <a:t>9/7/24</a:t>
             </a:fld>
             <a:endParaRPr lang="en-US"/>
           </a:p>
@@ -5660,7 +8911,7 @@
           <a:p>
             <a:fld id="{170D5C3A-A955-5A40-9462-01A264051331}" type="datetimeFigureOut">
               <a:rPr lang="en-US" smtClean="0"/>
-              <a:t>9/7/22</a:t>
+              <a:t>9/7/24</a:t>
             </a:fld>
             <a:endParaRPr lang="en-US"/>
           </a:p>
@@ -6362,20 +9613,24 @@
           <a:p>
             <a:r>
               <a:rPr lang="en-US" dirty="0"/>
-              <a:t>Tour of Ocean Instrumentation Lab and CMS Research Pier</a:t>
+              <a:t>Prep for tour of Ocean Instrumentation Lab</a:t>
             </a:r>
           </a:p>
           <a:p>
             <a:r>
               <a:rPr lang="en-US" dirty="0"/>
-              <a:t>Pick two teammates and a sensor/platform of interest from today’s tour</a:t>
+              <a:t>Lab: Learn to distinguish git from GitHub and their combined capabilities</a:t>
             </a:r>
           </a:p>
           <a:p>
             <a:r>
               <a:rPr lang="en-US" dirty="0"/>
-              <a:t>Short (3–5 mins) presentation next week on your sensor/platform</a:t>
-            </a:r>
+              <a:t>Homework: Prepare to give a short (3–5 mins) presentation next week on your data</a:t>
+            </a:r>
+          </a:p>
+          <a:p>
+            <a:pPr lvl="1"/>
+            <a:endParaRPr lang="en-US" dirty="0"/>
           </a:p>
           <a:p>
             <a:endParaRPr lang="en-US" dirty="0"/>
@@ -6465,21 +9720,31 @@
           <a:p>
             <a:r>
               <a:rPr lang="en-US" dirty="0"/>
-              <a:t>Team up with two other people (for four teams of three people) and pick your favorite instrument in the OI Lab. Give a short (three to five minute presentation) in class on Sep. 8 on the following:</a:t>
+              <a:t>Team up with one other person (last week’s lab teammate) and pick your favorite dataset on </a:t>
+            </a:r>
+            <a:r>
+              <a:rPr lang="en-US" dirty="0">
+                <a:hlinkClick r:id="rId2"/>
+              </a:rPr>
+              <a:t>https://cormp.org/</a:t>
+            </a:r>
+            <a:r>
+              <a:rPr lang="en-US" dirty="0"/>
+              <a:t>. Give a short (3–5 minutes) presentation in class on Sep. 16 on the following:</a:t>
             </a:r>
           </a:p>
           <a:p>
             <a:pPr lvl="1"/>
             <a:r>
               <a:rPr lang="en-US" dirty="0"/>
-              <a:t>What the instrument is</a:t>
+              <a:t>What the parameter(s) is(are)</a:t>
             </a:r>
           </a:p>
           <a:p>
             <a:pPr lvl="1"/>
             <a:r>
               <a:rPr lang="en-US" dirty="0"/>
-              <a:t>What it can measure</a:t>
+              <a:t>How they were measured (look up sensors that measure your parameter)</a:t>
             </a:r>
           </a:p>
           <a:p>
@@ -6506,7 +9771,13 @@
           <a:p>
             <a:r>
               <a:rPr lang="en-US" dirty="0"/>
-              <a:t>Your presentation should be no more than one or two slides which you will submit on Canvas (via the Assignment post).</a:t>
+              <a:t>Your presentation should be no more than two or three slides which you will submit on Canvas (via the Assignment post)</a:t>
+            </a:r>
+          </a:p>
+          <a:p>
+            <a:r>
+              <a:rPr lang="en-US" dirty="0"/>
+              <a:t>You will also deliver presentation in class on Sep 16 or 23, time-dependent</a:t>
             </a:r>
           </a:p>
           <a:p>
@@ -6595,7 +9866,7 @@
           <a:p>
             <a:r>
               <a:rPr lang="en-US" dirty="0"/>
-              <a:t>Familiarize yourself with cutting-edge coastal technologies</a:t>
+              <a:t>Familiarize yourself with cutting-edge coastal technologies and datasets</a:t>
             </a:r>
           </a:p>
           <a:p>
@@ -6616,6 +9887,404 @@
     <p:extLst>
       <p:ext uri="{BB962C8B-B14F-4D97-AF65-F5344CB8AC3E}">
         <p14:creationId xmlns:p14="http://schemas.microsoft.com/office/powerpoint/2010/main" val="405895265"/>
+      </p:ext>
+    </p:extLst>
+  </p:cSld>
+  <p:clrMapOvr>
+    <a:masterClrMapping/>
+  </p:clrMapOvr>
+</p:sld>
+</file>
+
+<file path=ppt/slides/slide5.xml><?xml version="1.0" encoding="utf-8"?>
+<p:sld xmlns:a="http://schemas.openxmlformats.org/drawingml/2006/main" xmlns:r="http://schemas.openxmlformats.org/officeDocument/2006/relationships" xmlns:p="http://schemas.openxmlformats.org/presentationml/2006/main">
+  <p:cSld>
+    <p:bg>
+      <p:bgPr>
+        <a:solidFill>
+          <a:schemeClr val="bg1"/>
+        </a:solidFill>
+        <a:effectLst/>
+      </p:bgPr>
+    </p:bg>
+    <p:spTree>
+      <p:nvGrpSpPr>
+        <p:cNvPr id="1" name=""/>
+        <p:cNvGrpSpPr/>
+        <p:nvPr/>
+      </p:nvGrpSpPr>
+      <p:grpSpPr>
+        <a:xfrm>
+          <a:off x="0" y="0"/>
+          <a:ext cx="0" cy="0"/>
+          <a:chOff x="0" y="0"/>
+          <a:chExt cx="0" cy="0"/>
+        </a:xfrm>
+      </p:grpSpPr>
+      <p:sp useBgFill="1">
+        <p:nvSpPr>
+          <p:cNvPr id="9" name="Rectangle 8">
+            <a:extLst>
+              <a:ext uri="{FF2B5EF4-FFF2-40B4-BE49-F238E27FC236}">
+                <a16:creationId xmlns:a16="http://schemas.microsoft.com/office/drawing/2014/main" id="{9F4444CE-BC8D-4D61-B303-4C05614E62AB}"/>
+              </a:ext>
+              <a:ext uri="{C183D7F6-B498-43B3-948B-1728B52AA6E4}">
+                <adec:decorative xmlns:adec="http://schemas.microsoft.com/office/drawing/2017/decorative" val="1"/>
+              </a:ext>
+            </a:extLst>
+          </p:cNvPr>
+          <p:cNvSpPr>
+            <a:spLocks noGrp="1" noRot="1" noChangeAspect="1" noMove="1" noResize="1" noEditPoints="1" noAdjustHandles="1" noChangeArrowheads="1" noChangeShapeType="1" noTextEdit="1"/>
+          </p:cNvSpPr>
+          <p:nvPr>
+            <p:extLst>
+              <p:ext uri="{386F3935-93C4-4BCD-93E2-E3B085C9AB24}">
+                <p16:designElem xmlns:p16="http://schemas.microsoft.com/office/powerpoint/2015/main" val="1"/>
+              </p:ext>
+            </p:extLst>
+          </p:nvPr>
+        </p:nvSpPr>
+        <p:spPr>
+          <a:xfrm>
+            <a:off x="0" y="0"/>
+            <a:ext cx="12192000" cy="6858000"/>
+          </a:xfrm>
+          <a:prstGeom prst="rect">
+            <a:avLst/>
+          </a:prstGeom>
+          <a:ln>
+            <a:noFill/>
+          </a:ln>
+        </p:spPr>
+        <p:style>
+          <a:lnRef idx="2">
+            <a:schemeClr val="accent1">
+              <a:shade val="50000"/>
+            </a:schemeClr>
+          </a:lnRef>
+          <a:fillRef idx="1">
+            <a:schemeClr val="accent1"/>
+          </a:fillRef>
+          <a:effectRef idx="0">
+            <a:schemeClr val="accent1"/>
+          </a:effectRef>
+          <a:fontRef idx="minor">
+            <a:schemeClr val="lt1"/>
+          </a:fontRef>
+        </p:style>
+        <p:txBody>
+          <a:bodyPr rtlCol="0" anchor="ctr"/>
+          <a:lstStyle/>
+          <a:p>
+            <a:pPr algn="ctr"/>
+            <a:endParaRPr lang="en-US"/>
+          </a:p>
+        </p:txBody>
+      </p:sp>
+      <p:sp>
+        <p:nvSpPr>
+          <p:cNvPr id="2" name="Title 1">
+            <a:extLst>
+              <a:ext uri="{FF2B5EF4-FFF2-40B4-BE49-F238E27FC236}">
+                <a16:creationId xmlns:a16="http://schemas.microsoft.com/office/drawing/2014/main" id="{0EB7D0DA-2856-5FEA-A0BA-CA1C173D7A72}"/>
+              </a:ext>
+            </a:extLst>
+          </p:cNvPr>
+          <p:cNvSpPr>
+            <a:spLocks noGrp="1"/>
+          </p:cNvSpPr>
+          <p:nvPr>
+            <p:ph type="title"/>
+          </p:nvPr>
+        </p:nvSpPr>
+        <p:spPr>
+          <a:xfrm>
+            <a:off x="1286933" y="609600"/>
+            <a:ext cx="10197494" cy="1099457"/>
+          </a:xfrm>
+        </p:spPr>
+        <p:txBody>
+          <a:bodyPr>
+            <a:normAutofit/>
+          </a:bodyPr>
+          <a:lstStyle/>
+          <a:p>
+            <a:r>
+              <a:rPr lang="en-US" dirty="0"/>
+              <a:t>GitHub</a:t>
+            </a:r>
+          </a:p>
+        </p:txBody>
+      </p:sp>
+      <p:sp>
+        <p:nvSpPr>
+          <p:cNvPr id="11" name="Isosceles Triangle 10">
+            <a:extLst>
+              <a:ext uri="{FF2B5EF4-FFF2-40B4-BE49-F238E27FC236}">
+                <a16:creationId xmlns:a16="http://schemas.microsoft.com/office/drawing/2014/main" id="{73772B81-181F-48B7-8826-4D9686D15DF5}"/>
+              </a:ext>
+              <a:ext uri="{C183D7F6-B498-43B3-948B-1728B52AA6E4}">
+                <adec:decorative xmlns:adec="http://schemas.microsoft.com/office/drawing/2017/decorative" val="1"/>
+              </a:ext>
+            </a:extLst>
+          </p:cNvPr>
+          <p:cNvSpPr>
+            <a:spLocks noGrp="1" noRot="1" noChangeAspect="1" noMove="1" noResize="1" noEditPoints="1" noAdjustHandles="1" noChangeArrowheads="1" noChangeShapeType="1" noTextEdit="1"/>
+          </p:cNvSpPr>
+          <p:nvPr>
+            <p:extLst>
+              <p:ext uri="{386F3935-93C4-4BCD-93E2-E3B085C9AB24}">
+                <p16:designElem xmlns:p16="http://schemas.microsoft.com/office/powerpoint/2015/main" val="1"/>
+              </p:ext>
+            </p:extLst>
+          </p:nvPr>
+        </p:nvSpPr>
+        <p:spPr>
+          <a:xfrm rot="10800000">
+            <a:off x="0" y="0"/>
+            <a:ext cx="842596" cy="5666154"/>
+          </a:xfrm>
+          <a:prstGeom prst="triangle">
+            <a:avLst>
+              <a:gd name="adj" fmla="val 100000"/>
+            </a:avLst>
+          </a:prstGeom>
+          <a:solidFill>
+            <a:schemeClr val="accent1">
+              <a:alpha val="85000"/>
+            </a:schemeClr>
+          </a:solidFill>
+          <a:ln>
+            <a:noFill/>
+          </a:ln>
+          <a:effectLst/>
+        </p:spPr>
+        <p:style>
+          <a:lnRef idx="1">
+            <a:schemeClr val="accent1"/>
+          </a:lnRef>
+          <a:fillRef idx="3">
+            <a:schemeClr val="accent1"/>
+          </a:fillRef>
+          <a:effectRef idx="2">
+            <a:schemeClr val="accent1"/>
+          </a:effectRef>
+          <a:fontRef idx="minor">
+            <a:schemeClr val="lt1"/>
+          </a:fontRef>
+        </p:style>
+        <p:txBody>
+          <a:bodyPr/>
+          <a:lstStyle/>
+          <a:p>
+            <a:endParaRPr lang="en-US"/>
+          </a:p>
+        </p:txBody>
+      </p:sp>
+      <p:sp>
+        <p:nvSpPr>
+          <p:cNvPr id="13" name="Isosceles Triangle 12">
+            <a:extLst>
+              <a:ext uri="{FF2B5EF4-FFF2-40B4-BE49-F238E27FC236}">
+                <a16:creationId xmlns:a16="http://schemas.microsoft.com/office/drawing/2014/main" id="{B2205F6E-03C6-4E92-877C-E2482F6599AA}"/>
+              </a:ext>
+              <a:ext uri="{C183D7F6-B498-43B3-948B-1728B52AA6E4}">
+                <adec:decorative xmlns:adec="http://schemas.microsoft.com/office/drawing/2017/decorative" val="1"/>
+              </a:ext>
+            </a:extLst>
+          </p:cNvPr>
+          <p:cNvSpPr>
+            <a:spLocks noGrp="1" noRot="1" noChangeAspect="1" noMove="1" noResize="1" noEditPoints="1" noAdjustHandles="1" noChangeArrowheads="1" noChangeShapeType="1" noTextEdit="1"/>
+          </p:cNvSpPr>
+          <p:nvPr>
+            <p:extLst>
+              <p:ext uri="{386F3935-93C4-4BCD-93E2-E3B085C9AB24}">
+                <p16:designElem xmlns:p16="http://schemas.microsoft.com/office/powerpoint/2015/main" val="1"/>
+              </p:ext>
+            </p:extLst>
+          </p:nvPr>
+        </p:nvSpPr>
+        <p:spPr>
+          <a:xfrm flipH="1">
+            <a:off x="11743267" y="4013200"/>
+            <a:ext cx="448733" cy="2844800"/>
+          </a:xfrm>
+          <a:prstGeom prst="triangle">
+            <a:avLst>
+              <a:gd name="adj" fmla="val 0"/>
+            </a:avLst>
+          </a:prstGeom>
+          <a:solidFill>
+            <a:schemeClr val="accent1">
+              <a:alpha val="85000"/>
+            </a:schemeClr>
+          </a:solidFill>
+          <a:ln>
+            <a:noFill/>
+          </a:ln>
+          <a:effectLst/>
+        </p:spPr>
+        <p:style>
+          <a:lnRef idx="1">
+            <a:schemeClr val="accent1"/>
+          </a:lnRef>
+          <a:fillRef idx="3">
+            <a:schemeClr val="accent1"/>
+          </a:fillRef>
+          <a:effectRef idx="2">
+            <a:schemeClr val="accent1"/>
+          </a:effectRef>
+          <a:fontRef idx="minor">
+            <a:schemeClr val="lt1"/>
+          </a:fontRef>
+        </p:style>
+        <p:txBody>
+          <a:bodyPr/>
+          <a:lstStyle/>
+          <a:p>
+            <a:endParaRPr lang="en-US"/>
+          </a:p>
+        </p:txBody>
+      </p:sp>
+      <p:graphicFrame>
+        <p:nvGraphicFramePr>
+          <p:cNvPr id="5" name="Content Placeholder 2">
+            <a:extLst>
+              <a:ext uri="{FF2B5EF4-FFF2-40B4-BE49-F238E27FC236}">
+                <a16:creationId xmlns:a16="http://schemas.microsoft.com/office/drawing/2014/main" id="{283928B9-1804-8231-A2A1-FF70B616F377}"/>
+              </a:ext>
+            </a:extLst>
+          </p:cNvPr>
+          <p:cNvGraphicFramePr>
+            <a:graphicFrameLocks noGrp="1"/>
+          </p:cNvGraphicFramePr>
+          <p:nvPr>
+            <p:ph idx="1"/>
+            <p:extLst>
+              <p:ext uri="{D42A27DB-BD31-4B8C-83A1-F6EECF244321}">
+                <p14:modId xmlns:p14="http://schemas.microsoft.com/office/powerpoint/2010/main" val="108468211"/>
+              </p:ext>
+            </p:extLst>
+          </p:nvPr>
+        </p:nvGraphicFramePr>
+        <p:xfrm>
+          <a:off x="1286933" y="1948543"/>
+          <a:ext cx="9618133" cy="4093482"/>
+        </p:xfrm>
+        <a:graphic>
+          <a:graphicData uri="http://schemas.openxmlformats.org/drawingml/2006/diagram">
+            <dgm:relIds xmlns:dgm="http://schemas.openxmlformats.org/drawingml/2006/diagram" xmlns:r="http://schemas.openxmlformats.org/officeDocument/2006/relationships" r:dm="rId2" r:lo="rId3" r:qs="rId4" r:cs="rId5"/>
+          </a:graphicData>
+        </a:graphic>
+      </p:graphicFrame>
+    </p:spTree>
+    <p:extLst>
+      <p:ext uri="{BB962C8B-B14F-4D97-AF65-F5344CB8AC3E}">
+        <p14:creationId xmlns:p14="http://schemas.microsoft.com/office/powerpoint/2010/main" val="2872610146"/>
+      </p:ext>
+    </p:extLst>
+  </p:cSld>
+  <p:clrMapOvr>
+    <a:masterClrMapping/>
+  </p:clrMapOvr>
+</p:sld>
+</file>
+
+<file path=ppt/slides/slide6.xml><?xml version="1.0" encoding="utf-8"?>
+<p:sld xmlns:a="http://schemas.openxmlformats.org/drawingml/2006/main" xmlns:r="http://schemas.openxmlformats.org/officeDocument/2006/relationships" xmlns:p="http://schemas.openxmlformats.org/presentationml/2006/main">
+  <p:cSld>
+    <p:spTree>
+      <p:nvGrpSpPr>
+        <p:cNvPr id="1" name=""/>
+        <p:cNvGrpSpPr/>
+        <p:nvPr/>
+      </p:nvGrpSpPr>
+      <p:grpSpPr>
+        <a:xfrm>
+          <a:off x="0" y="0"/>
+          <a:ext cx="0" cy="0"/>
+          <a:chOff x="0" y="0"/>
+          <a:chExt cx="0" cy="0"/>
+        </a:xfrm>
+      </p:grpSpPr>
+      <p:sp>
+        <p:nvSpPr>
+          <p:cNvPr id="2" name="Title 1">
+            <a:extLst>
+              <a:ext uri="{FF2B5EF4-FFF2-40B4-BE49-F238E27FC236}">
+                <a16:creationId xmlns:a16="http://schemas.microsoft.com/office/drawing/2014/main" id="{AFA61825-6B95-6218-F915-09269996DDC0}"/>
+              </a:ext>
+            </a:extLst>
+          </p:cNvPr>
+          <p:cNvSpPr>
+            <a:spLocks noGrp="1"/>
+          </p:cNvSpPr>
+          <p:nvPr>
+            <p:ph type="title"/>
+          </p:nvPr>
+        </p:nvSpPr>
+        <p:spPr/>
+        <p:txBody>
+          <a:bodyPr/>
+          <a:lstStyle/>
+          <a:p>
+            <a:r>
+              <a:rPr lang="en-US" dirty="0"/>
+              <a:t>GitHub exercise</a:t>
+            </a:r>
+          </a:p>
+        </p:txBody>
+      </p:sp>
+      <p:sp>
+        <p:nvSpPr>
+          <p:cNvPr id="3" name="Content Placeholder 2">
+            <a:extLst>
+              <a:ext uri="{FF2B5EF4-FFF2-40B4-BE49-F238E27FC236}">
+                <a16:creationId xmlns:a16="http://schemas.microsoft.com/office/drawing/2014/main" id="{B93EFC2A-636B-245A-9D40-DF88A3E9093D}"/>
+              </a:ext>
+            </a:extLst>
+          </p:cNvPr>
+          <p:cNvSpPr>
+            <a:spLocks noGrp="1"/>
+          </p:cNvSpPr>
+          <p:nvPr>
+            <p:ph idx="1"/>
+          </p:nvPr>
+        </p:nvSpPr>
+        <p:spPr/>
+        <p:txBody>
+          <a:bodyPr/>
+          <a:lstStyle/>
+          <a:p>
+            <a:r>
+              <a:rPr lang="en-US" dirty="0"/>
+              <a:t>Read this page: </a:t>
+            </a:r>
+            <a:r>
+              <a:rPr lang="en-US" dirty="0">
+                <a:hlinkClick r:id="rId2"/>
+              </a:rPr>
+              <a:t>https://github.com/SUPScientist/Smart-Coasts/tree/main/Class-02-OILab-Tour</a:t>
+            </a:r>
+            <a:endParaRPr lang="en-US" dirty="0"/>
+          </a:p>
+          <a:p>
+            <a:r>
+              <a:rPr lang="en-US" dirty="0"/>
+              <a:t>After reading everything, complete at least the required and ideally the </a:t>
+            </a:r>
+            <a:r>
+              <a:rPr lang="en-US"/>
+              <a:t>optional steps</a:t>
+            </a:r>
+            <a:endParaRPr lang="en-US" dirty="0"/>
+          </a:p>
+        </p:txBody>
+      </p:sp>
+    </p:spTree>
+    <p:extLst>
+      <p:ext uri="{BB962C8B-B14F-4D97-AF65-F5344CB8AC3E}">
+        <p14:creationId xmlns:p14="http://schemas.microsoft.com/office/powerpoint/2010/main" val="362727850"/>
       </p:ext>
     </p:extLst>
   </p:cSld>
@@ -7175,4 +10844,10 @@
     </a:ext>
   </a:extLst>
 </a:theme>
+</file>
+
+<file path=docMetadata/LabelInfo.xml><?xml version="1.0" encoding="utf-8"?>
+<clbl:labelList xmlns:clbl="http://schemas.microsoft.com/office/2020/mipLabelMetadata">
+  <clbl:label id="{4e32bd2a-1ccd-49c1-a814-de8553946415}" enabled="1" method="Standard" siteId="{22136781-9753-4c75-af28-68a078871ebf}" contentBits="0" removed="0"/>
+</clbl:labelList>
 </file>
--- a/Class-02-OILab-Tour/OCN479_Lecture02_OILabTour.pptx
+++ b/Class-02-OILab-Tour/OCN479_Lecture02_OILabTour.pptx
@@ -121,6 +121,927 @@
 </file>
 
 <file path=ppt/diagrams/colors1.xml><?xml version="1.0" encoding="utf-8"?>
+<dgm:colorsDef xmlns:dgm="http://schemas.openxmlformats.org/drawingml/2006/diagram" xmlns:a="http://schemas.openxmlformats.org/drawingml/2006/main" uniqueId="urn:microsoft.com/office/officeart/2018/5/colors/Iconchunking_neutralbg_colorful1">
+  <dgm:title val=""/>
+  <dgm:desc val=""/>
+  <dgm:catLst>
+    <dgm:cat type="colorful" pri="10100"/>
+  </dgm:catLst>
+  <dgm:styleLbl name="node0">
+    <dgm:fillClrLst meth="repeat">
+      <a:schemeClr val="accent1"/>
+    </dgm:fillClrLst>
+    <dgm:linClrLst meth="repeat">
+      <a:schemeClr val="lt1"/>
+    </dgm:linClrLst>
+    <dgm:effectClrLst/>
+    <dgm:txLinClrLst/>
+    <dgm:txFillClrLst/>
+    <dgm:txEffectClrLst/>
+  </dgm:styleLbl>
+  <dgm:styleLbl name="node1">
+    <dgm:fillClrLst meth="repeat">
+      <a:schemeClr val="accent2"/>
+      <a:schemeClr val="accent3"/>
+      <a:schemeClr val="accent4"/>
+      <a:schemeClr val="accent5"/>
+      <a:schemeClr val="accent6"/>
+    </dgm:fillClrLst>
+    <dgm:linClrLst meth="repeat">
+      <a:schemeClr val="lt1">
+        <a:alpha val="0"/>
+      </a:schemeClr>
+    </dgm:linClrLst>
+    <dgm:effectClrLst/>
+    <dgm:txLinClrLst/>
+    <dgm:txFillClrLst/>
+    <dgm:txEffectClrLst/>
+  </dgm:styleLbl>
+  <dgm:styleLbl name="alignNode1">
+    <dgm:fillClrLst meth="repeat">
+      <a:schemeClr val="accent2"/>
+      <a:schemeClr val="accent3"/>
+      <a:schemeClr val="accent4"/>
+      <a:schemeClr val="accent5"/>
+      <a:schemeClr val="accent6"/>
+    </dgm:fillClrLst>
+    <dgm:linClrLst meth="repeat">
+      <a:schemeClr val="accent2"/>
+      <a:schemeClr val="accent3"/>
+      <a:schemeClr val="accent4"/>
+      <a:schemeClr val="accent5"/>
+      <a:schemeClr val="accent6"/>
+    </dgm:linClrLst>
+    <dgm:effectClrLst/>
+    <dgm:txLinClrLst/>
+    <dgm:txFillClrLst/>
+    <dgm:txEffectClrLst/>
+  </dgm:styleLbl>
+  <dgm:styleLbl name="lnNode1">
+    <dgm:fillClrLst meth="repeat">
+      <a:schemeClr val="accent2"/>
+      <a:schemeClr val="accent3"/>
+      <a:schemeClr val="accent4"/>
+      <a:schemeClr val="accent5"/>
+      <a:schemeClr val="accent6"/>
+    </dgm:fillClrLst>
+    <dgm:linClrLst meth="repeat">
+      <a:schemeClr val="lt1"/>
+    </dgm:linClrLst>
+    <dgm:effectClrLst/>
+    <dgm:txLinClrLst/>
+    <dgm:txFillClrLst/>
+    <dgm:txEffectClrLst/>
+  </dgm:styleLbl>
+  <dgm:styleLbl name="vennNode1">
+    <dgm:fillClrLst meth="repeat">
+      <a:schemeClr val="accent2">
+        <a:alpha val="50000"/>
+      </a:schemeClr>
+      <a:schemeClr val="accent3">
+        <a:alpha val="50000"/>
+      </a:schemeClr>
+      <a:schemeClr val="accent4">
+        <a:alpha val="50000"/>
+      </a:schemeClr>
+      <a:schemeClr val="accent5">
+        <a:alpha val="50000"/>
+      </a:schemeClr>
+      <a:schemeClr val="accent6">
+        <a:alpha val="50000"/>
+      </a:schemeClr>
+    </dgm:fillClrLst>
+    <dgm:linClrLst meth="repeat">
+      <a:schemeClr val="lt1"/>
+    </dgm:linClrLst>
+    <dgm:effectClrLst/>
+    <dgm:txLinClrLst/>
+    <dgm:txFillClrLst/>
+    <dgm:txEffectClrLst/>
+  </dgm:styleLbl>
+  <dgm:styleLbl name="node2">
+    <dgm:fillClrLst>
+      <a:schemeClr val="accent2"/>
+    </dgm:fillClrLst>
+    <dgm:linClrLst meth="repeat">
+      <a:schemeClr val="lt1"/>
+    </dgm:linClrLst>
+    <dgm:effectClrLst/>
+    <dgm:txLinClrLst/>
+    <dgm:txFillClrLst/>
+    <dgm:txEffectClrLst/>
+  </dgm:styleLbl>
+  <dgm:styleLbl name="node3">
+    <dgm:fillClrLst>
+      <a:schemeClr val="accent3"/>
+    </dgm:fillClrLst>
+    <dgm:linClrLst meth="repeat">
+      <a:schemeClr val="lt1"/>
+    </dgm:linClrLst>
+    <dgm:effectClrLst/>
+    <dgm:txLinClrLst/>
+    <dgm:txFillClrLst/>
+    <dgm:txEffectClrLst/>
+  </dgm:styleLbl>
+  <dgm:styleLbl name="node4">
+    <dgm:fillClrLst>
+      <a:schemeClr val="accent4"/>
+    </dgm:fillClrLst>
+    <dgm:linClrLst meth="repeat">
+      <a:schemeClr val="lt1"/>
+    </dgm:linClrLst>
+    <dgm:effectClrLst/>
+    <dgm:txLinClrLst/>
+    <dgm:txFillClrLst/>
+    <dgm:txEffectClrLst/>
+  </dgm:styleLbl>
+  <dgm:styleLbl name="fgImgPlace1">
+    <dgm:fillClrLst meth="repeat">
+      <a:schemeClr val="accent2">
+        <a:tint val="50000"/>
+      </a:schemeClr>
+      <a:schemeClr val="accent3">
+        <a:tint val="50000"/>
+      </a:schemeClr>
+      <a:schemeClr val="accent4">
+        <a:tint val="50000"/>
+      </a:schemeClr>
+      <a:schemeClr val="accent5">
+        <a:tint val="50000"/>
+      </a:schemeClr>
+      <a:schemeClr val="accent6">
+        <a:tint val="50000"/>
+      </a:schemeClr>
+    </dgm:fillClrLst>
+    <dgm:linClrLst meth="repeat">
+      <a:schemeClr val="lt1"/>
+    </dgm:linClrLst>
+    <dgm:effectClrLst/>
+    <dgm:txLinClrLst/>
+    <dgm:txFillClrLst meth="repeat">
+      <a:schemeClr val="lt1"/>
+    </dgm:txFillClrLst>
+    <dgm:txEffectClrLst/>
+  </dgm:styleLbl>
+  <dgm:styleLbl name="alignImgPlace1">
+    <dgm:fillClrLst>
+      <a:schemeClr val="accent1">
+        <a:tint val="50000"/>
+      </a:schemeClr>
+      <a:schemeClr val="accent2">
+        <a:tint val="20000"/>
+      </a:schemeClr>
+    </dgm:fillClrLst>
+    <dgm:linClrLst meth="repeat">
+      <a:schemeClr val="lt1"/>
+    </dgm:linClrLst>
+    <dgm:effectClrLst/>
+    <dgm:txLinClrLst/>
+    <dgm:txFillClrLst meth="repeat">
+      <a:schemeClr val="lt1"/>
+    </dgm:txFillClrLst>
+    <dgm:txEffectClrLst/>
+  </dgm:styleLbl>
+  <dgm:styleLbl name="bgImgPlace1">
+    <dgm:fillClrLst>
+      <a:schemeClr val="accent1">
+        <a:tint val="50000"/>
+      </a:schemeClr>
+      <a:schemeClr val="accent2">
+        <a:tint val="20000"/>
+      </a:schemeClr>
+    </dgm:fillClrLst>
+    <dgm:linClrLst meth="repeat">
+      <a:schemeClr val="lt1"/>
+    </dgm:linClrLst>
+    <dgm:effectClrLst/>
+    <dgm:txLinClrLst/>
+    <dgm:txFillClrLst meth="repeat">
+      <a:schemeClr val="lt1"/>
+    </dgm:txFillClrLst>
+    <dgm:txEffectClrLst/>
+  </dgm:styleLbl>
+  <dgm:styleLbl name="sibTrans2D1">
+    <dgm:fillClrLst meth="repeat">
+      <a:schemeClr val="accent2"/>
+      <a:schemeClr val="accent3"/>
+      <a:schemeClr val="accent4"/>
+      <a:schemeClr val="accent5"/>
+      <a:schemeClr val="accent6"/>
+    </dgm:fillClrLst>
+    <dgm:linClrLst meth="cycle">
+      <a:schemeClr val="lt1"/>
+    </dgm:linClrLst>
+    <dgm:effectClrLst/>
+    <dgm:txLinClrLst/>
+    <dgm:txFillClrLst/>
+    <dgm:txEffectClrLst/>
+  </dgm:styleLbl>
+  <dgm:styleLbl name="fgSibTrans2D1">
+    <dgm:fillClrLst meth="repeat">
+      <a:schemeClr val="accent2"/>
+      <a:schemeClr val="accent3"/>
+      <a:schemeClr val="accent4"/>
+      <a:schemeClr val="accent5"/>
+      <a:schemeClr val="accent6"/>
+    </dgm:fillClrLst>
+    <dgm:linClrLst meth="cycle">
+      <a:schemeClr val="lt1"/>
+    </dgm:linClrLst>
+    <dgm:effectClrLst/>
+    <dgm:txLinClrLst/>
+    <dgm:txFillClrLst meth="repeat">
+      <a:schemeClr val="lt1"/>
+    </dgm:txFillClrLst>
+    <dgm:txEffectClrLst/>
+  </dgm:styleLbl>
+  <dgm:styleLbl name="bgSibTrans2D1">
+    <dgm:fillClrLst meth="repeat">
+      <a:schemeClr val="accent2"/>
+      <a:schemeClr val="accent3"/>
+      <a:schemeClr val="accent4"/>
+      <a:schemeClr val="accent5"/>
+      <a:schemeClr val="accent6"/>
+    </dgm:fillClrLst>
+    <dgm:linClrLst meth="cycle">
+      <a:schemeClr val="lt1"/>
+    </dgm:linClrLst>
+    <dgm:effectClrLst/>
+    <dgm:txLinClrLst/>
+    <dgm:txFillClrLst meth="repeat">
+      <a:schemeClr val="lt1"/>
+    </dgm:txFillClrLst>
+    <dgm:txEffectClrLst/>
+  </dgm:styleLbl>
+  <dgm:styleLbl name="sibTrans1D1">
+    <dgm:fillClrLst meth="repeat">
+      <a:schemeClr val="accent2"/>
+      <a:schemeClr val="accent3"/>
+      <a:schemeClr val="accent4"/>
+      <a:schemeClr val="accent5"/>
+      <a:schemeClr val="accent6"/>
+    </dgm:fillClrLst>
+    <dgm:linClrLst meth="repeat">
+      <a:schemeClr val="accent2"/>
+      <a:schemeClr val="accent3"/>
+      <a:schemeClr val="accent4"/>
+      <a:schemeClr val="accent5"/>
+      <a:schemeClr val="accent6"/>
+    </dgm:linClrLst>
+    <dgm:effectClrLst/>
+    <dgm:txLinClrLst/>
+    <dgm:txFillClrLst meth="repeat">
+      <a:schemeClr val="tx1"/>
+    </dgm:txFillClrLst>
+    <dgm:txEffectClrLst/>
+  </dgm:styleLbl>
+  <dgm:styleLbl name="callout">
+    <dgm:fillClrLst meth="repeat">
+      <a:schemeClr val="accent2"/>
+    </dgm:fillClrLst>
+    <dgm:linClrLst meth="repeat">
+      <a:schemeClr val="accent2">
+        <a:tint val="50000"/>
+      </a:schemeClr>
+    </dgm:linClrLst>
+    <dgm:effectClrLst/>
+    <dgm:txLinClrLst/>
+    <dgm:txFillClrLst meth="repeat">
+      <a:schemeClr val="tx1"/>
+    </dgm:txFillClrLst>
+    <dgm:txEffectClrLst/>
+  </dgm:styleLbl>
+  <dgm:styleLbl name="asst0">
+    <dgm:fillClrLst meth="repeat">
+      <a:schemeClr val="accent1"/>
+    </dgm:fillClrLst>
+    <dgm:linClrLst meth="repeat">
+      <a:schemeClr val="lt1"/>
+    </dgm:linClrLst>
+    <dgm:effectClrLst/>
+    <dgm:txLinClrLst/>
+    <dgm:txFillClrLst/>
+    <dgm:txEffectClrLst/>
+  </dgm:styleLbl>
+  <dgm:styleLbl name="asst1">
+    <dgm:fillClrLst meth="repeat">
+      <a:schemeClr val="accent2"/>
+    </dgm:fillClrLst>
+    <dgm:linClrLst meth="repeat">
+      <a:schemeClr val="lt1"/>
+    </dgm:linClrLst>
+    <dgm:effectClrLst/>
+    <dgm:txLinClrLst/>
+    <dgm:txFillClrLst/>
+    <dgm:txEffectClrLst/>
+  </dgm:styleLbl>
+  <dgm:styleLbl name="asst2">
+    <dgm:fillClrLst>
+      <a:schemeClr val="accent3"/>
+    </dgm:fillClrLst>
+    <dgm:linClrLst meth="repeat">
+      <a:schemeClr val="lt1"/>
+    </dgm:linClrLst>
+    <dgm:effectClrLst/>
+    <dgm:txLinClrLst/>
+    <dgm:txFillClrLst/>
+    <dgm:txEffectClrLst/>
+  </dgm:styleLbl>
+  <dgm:styleLbl name="asst3">
+    <dgm:fillClrLst>
+      <a:schemeClr val="accent4"/>
+    </dgm:fillClrLst>
+    <dgm:linClrLst meth="repeat">
+      <a:schemeClr val="lt1"/>
+    </dgm:linClrLst>
+    <dgm:effectClrLst/>
+    <dgm:txLinClrLst/>
+    <dgm:txFillClrLst/>
+    <dgm:txEffectClrLst/>
+  </dgm:styleLbl>
+  <dgm:styleLbl name="asst4">
+    <dgm:fillClrLst>
+      <a:schemeClr val="accent5"/>
+    </dgm:fillClrLst>
+    <dgm:linClrLst meth="repeat">
+      <a:schemeClr val="lt1"/>
+    </dgm:linClrLst>
+    <dgm:effectClrLst/>
+    <dgm:txLinClrLst/>
+    <dgm:txFillClrLst/>
+    <dgm:txEffectClrLst/>
+  </dgm:styleLbl>
+  <dgm:styleLbl name="parChTrans2D1">
+    <dgm:fillClrLst meth="repeat">
+      <a:schemeClr val="accent2"/>
+    </dgm:fillClrLst>
+    <dgm:linClrLst meth="repeat">
+      <a:schemeClr val="lt1"/>
+    </dgm:linClrLst>
+    <dgm:effectClrLst/>
+    <dgm:txLinClrLst/>
+    <dgm:txFillClrLst meth="repeat">
+      <a:schemeClr val="lt1"/>
+    </dgm:txFillClrLst>
+    <dgm:txEffectClrLst/>
+  </dgm:styleLbl>
+  <dgm:styleLbl name="parChTrans2D2">
+    <dgm:fillClrLst meth="repeat">
+      <a:schemeClr val="accent3"/>
+    </dgm:fillClrLst>
+    <dgm:linClrLst meth="repeat">
+      <a:schemeClr val="lt1"/>
+    </dgm:linClrLst>
+    <dgm:effectClrLst/>
+    <dgm:txLinClrLst/>
+    <dgm:txFillClrLst/>
+    <dgm:txEffectClrLst/>
+  </dgm:styleLbl>
+  <dgm:styleLbl name="parChTrans2D3">
+    <dgm:fillClrLst meth="repeat">
+      <a:schemeClr val="accent4"/>
+    </dgm:fillClrLst>
+    <dgm:linClrLst meth="repeat">
+      <a:schemeClr val="lt1"/>
+    </dgm:linClrLst>
+    <dgm:effectClrLst/>
+    <dgm:txLinClrLst/>
+    <dgm:txFillClrLst/>
+    <dgm:txEffectClrLst/>
+  </dgm:styleLbl>
+  <dgm:styleLbl name="parChTrans2D4">
+    <dgm:fillClrLst meth="repeat">
+      <a:schemeClr val="accent5"/>
+    </dgm:fillClrLst>
+    <dgm:linClrLst meth="repeat">
+      <a:schemeClr val="lt1"/>
+    </dgm:linClrLst>
+    <dgm:effectClrLst/>
+    <dgm:txLinClrLst/>
+    <dgm:txFillClrLst meth="repeat">
+      <a:schemeClr val="lt1"/>
+    </dgm:txFillClrLst>
+    <dgm:txEffectClrLst/>
+  </dgm:styleLbl>
+  <dgm:styleLbl name="parChTrans1D1">
+    <dgm:fillClrLst meth="repeat">
+      <a:schemeClr val="accent2"/>
+    </dgm:fillClrLst>
+    <dgm:linClrLst meth="repeat">
+      <a:schemeClr val="accent1"/>
+    </dgm:linClrLst>
+    <dgm:effectClrLst/>
+    <dgm:txLinClrLst/>
+    <dgm:txFillClrLst meth="repeat">
+      <a:schemeClr val="tx1"/>
+    </dgm:txFillClrLst>
+    <dgm:txEffectClrLst/>
+  </dgm:styleLbl>
+  <dgm:styleLbl name="parChTrans1D2">
+    <dgm:fillClrLst meth="repeat">
+      <a:schemeClr val="accent3">
+        <a:tint val="90000"/>
+      </a:schemeClr>
+    </dgm:fillClrLst>
+    <dgm:linClrLst meth="repeat">
+      <a:schemeClr val="accent2"/>
+    </dgm:linClrLst>
+    <dgm:effectClrLst/>
+    <dgm:txLinClrLst/>
+    <dgm:txFillClrLst meth="repeat">
+      <a:schemeClr val="tx1"/>
+    </dgm:txFillClrLst>
+    <dgm:txEffectClrLst/>
+  </dgm:styleLbl>
+  <dgm:styleLbl name="parChTrans1D3">
+    <dgm:fillClrLst meth="repeat">
+      <a:schemeClr val="accent4">
+        <a:tint val="70000"/>
+      </a:schemeClr>
+    </dgm:fillClrLst>
+    <dgm:linClrLst meth="repeat">
+      <a:schemeClr val="accent3"/>
+    </dgm:linClrLst>
+    <dgm:effectClrLst/>
+    <dgm:txLinClrLst/>
+    <dgm:txFillClrLst meth="repeat">
+      <a:schemeClr val="tx1"/>
+    </dgm:txFillClrLst>
+    <dgm:txEffectClrLst/>
+  </dgm:styleLbl>
+  <dgm:styleLbl name="parChTrans1D4">
+    <dgm:fillClrLst meth="repeat">
+      <a:schemeClr val="accent5">
+        <a:tint val="50000"/>
+      </a:schemeClr>
+    </dgm:fillClrLst>
+    <dgm:linClrLst meth="repeat">
+      <a:schemeClr val="accent4"/>
+    </dgm:linClrLst>
+    <dgm:effectClrLst/>
+    <dgm:txLinClrLst/>
+    <dgm:txFillClrLst meth="repeat">
+      <a:schemeClr val="tx1"/>
+    </dgm:txFillClrLst>
+    <dgm:txEffectClrLst/>
+  </dgm:styleLbl>
+  <dgm:styleLbl name="fgAcc1">
+    <dgm:fillClrLst meth="repeat">
+      <a:schemeClr val="lt1">
+        <a:alpha val="90000"/>
+      </a:schemeClr>
+    </dgm:fillClrLst>
+    <dgm:linClrLst meth="repeat">
+      <a:schemeClr val="accent2"/>
+      <a:schemeClr val="accent3"/>
+      <a:schemeClr val="accent4"/>
+      <a:schemeClr val="accent5"/>
+      <a:schemeClr val="accent6"/>
+    </dgm:linClrLst>
+    <dgm:effectClrLst/>
+    <dgm:txLinClrLst/>
+    <dgm:txFillClrLst meth="repeat">
+      <a:schemeClr val="dk1"/>
+    </dgm:txFillClrLst>
+    <dgm:txEffectClrLst/>
+  </dgm:styleLbl>
+  <dgm:styleLbl name="conFgAcc1">
+    <dgm:fillClrLst meth="repeat">
+      <a:schemeClr val="lt1">
+        <a:alpha val="90000"/>
+      </a:schemeClr>
+    </dgm:fillClrLst>
+    <dgm:linClrLst meth="repeat">
+      <a:schemeClr val="accent2"/>
+      <a:schemeClr val="accent3"/>
+      <a:schemeClr val="accent4"/>
+      <a:schemeClr val="accent5"/>
+      <a:schemeClr val="accent6"/>
+    </dgm:linClrLst>
+    <dgm:effectClrLst/>
+    <dgm:txLinClrLst/>
+    <dgm:txFillClrLst meth="repeat">
+      <a:schemeClr val="dk1"/>
+    </dgm:txFillClrLst>
+    <dgm:txEffectClrLst/>
+  </dgm:styleLbl>
+  <dgm:styleLbl name="alignAcc1">
+    <dgm:fillClrLst meth="repeat">
+      <a:schemeClr val="lt1">
+        <a:alpha val="90000"/>
+      </a:schemeClr>
+    </dgm:fillClrLst>
+    <dgm:linClrLst meth="repeat">
+      <a:schemeClr val="accent2"/>
+      <a:schemeClr val="accent3"/>
+      <a:schemeClr val="accent4"/>
+      <a:schemeClr val="accent5"/>
+      <a:schemeClr val="accent6"/>
+    </dgm:linClrLst>
+    <dgm:effectClrLst/>
+    <dgm:txLinClrLst/>
+    <dgm:txFillClrLst meth="repeat">
+      <a:schemeClr val="dk1"/>
+    </dgm:txFillClrLst>
+    <dgm:txEffectClrLst/>
+  </dgm:styleLbl>
+  <dgm:styleLbl name="trAlignAcc1">
+    <dgm:fillClrLst meth="repeat">
+      <a:schemeClr val="lt1">
+        <a:alpha val="40000"/>
+      </a:schemeClr>
+    </dgm:fillClrLst>
+    <dgm:linClrLst meth="repeat">
+      <a:schemeClr val="accent1"/>
+    </dgm:linClrLst>
+    <dgm:effectClrLst/>
+    <dgm:txLinClrLst/>
+    <dgm:txFillClrLst meth="repeat">
+      <a:schemeClr val="dk1"/>
+    </dgm:txFillClrLst>
+    <dgm:txEffectClrLst/>
+  </dgm:styleLbl>
+  <dgm:styleLbl name="bgAcc1">
+    <dgm:fillClrLst meth="repeat">
+      <a:schemeClr val="lt1">
+        <a:alpha val="90000"/>
+      </a:schemeClr>
+    </dgm:fillClrLst>
+    <dgm:linClrLst meth="repeat">
+      <a:schemeClr val="accent2"/>
+      <a:schemeClr val="accent3"/>
+      <a:schemeClr val="accent4"/>
+      <a:schemeClr val="accent5"/>
+      <a:schemeClr val="accent6"/>
+    </dgm:linClrLst>
+    <dgm:effectClrLst/>
+    <dgm:txLinClrLst/>
+    <dgm:txFillClrLst meth="repeat">
+      <a:schemeClr val="dk1"/>
+    </dgm:txFillClrLst>
+    <dgm:txEffectClrLst/>
+  </dgm:styleLbl>
+  <dgm:styleLbl name="solidFgAcc1">
+    <dgm:fillClrLst meth="repeat">
+      <a:schemeClr val="lt1"/>
+    </dgm:fillClrLst>
+    <dgm:linClrLst meth="repeat">
+      <a:schemeClr val="accent2"/>
+      <a:schemeClr val="accent3"/>
+      <a:schemeClr val="accent4"/>
+      <a:schemeClr val="accent5"/>
+      <a:schemeClr val="accent6"/>
+    </dgm:linClrLst>
+    <dgm:effectClrLst/>
+    <dgm:txLinClrLst/>
+    <dgm:txFillClrLst meth="repeat">
+      <a:schemeClr val="dk1"/>
+    </dgm:txFillClrLst>
+    <dgm:txEffectClrLst/>
+  </dgm:styleLbl>
+  <dgm:styleLbl name="solidAlignAcc1">
+    <dgm:fillClrLst meth="repeat">
+      <a:schemeClr val="lt1"/>
+    </dgm:fillClrLst>
+    <dgm:linClrLst meth="repeat">
+      <a:schemeClr val="accent2"/>
+      <a:schemeClr val="accent3"/>
+      <a:schemeClr val="accent4"/>
+      <a:schemeClr val="accent5"/>
+      <a:schemeClr val="accent6"/>
+    </dgm:linClrLst>
+    <dgm:effectClrLst/>
+    <dgm:txLinClrLst/>
+    <dgm:txFillClrLst meth="repeat">
+      <a:schemeClr val="dk1"/>
+    </dgm:txFillClrLst>
+    <dgm:txEffectClrLst/>
+  </dgm:styleLbl>
+  <dgm:styleLbl name="solidBgAcc1">
+    <dgm:fillClrLst meth="repeat">
+      <a:schemeClr val="lt1"/>
+    </dgm:fillClrLst>
+    <dgm:linClrLst meth="repeat">
+      <a:schemeClr val="accent2"/>
+      <a:schemeClr val="accent3"/>
+      <a:schemeClr val="accent4"/>
+      <a:schemeClr val="accent5"/>
+      <a:schemeClr val="accent6"/>
+    </dgm:linClrLst>
+    <dgm:effectClrLst/>
+    <dgm:txLinClrLst/>
+    <dgm:txFillClrLst meth="repeat">
+      <a:schemeClr val="dk1"/>
+    </dgm:txFillClrLst>
+    <dgm:txEffectClrLst/>
+  </dgm:styleLbl>
+  <dgm:styleLbl name="fgAccFollowNode1">
+    <dgm:fillClrLst meth="repeat">
+      <a:schemeClr val="accent2">
+        <a:tint val="40000"/>
+        <a:alpha val="90000"/>
+      </a:schemeClr>
+      <a:schemeClr val="accent3">
+        <a:tint val="40000"/>
+        <a:alpha val="90000"/>
+      </a:schemeClr>
+      <a:schemeClr val="accent4">
+        <a:tint val="40000"/>
+        <a:alpha val="90000"/>
+      </a:schemeClr>
+      <a:schemeClr val="accent5">
+        <a:tint val="40000"/>
+        <a:alpha val="90000"/>
+      </a:schemeClr>
+      <a:schemeClr val="accent6">
+        <a:tint val="40000"/>
+        <a:alpha val="90000"/>
+      </a:schemeClr>
+    </dgm:fillClrLst>
+    <dgm:linClrLst meth="repeat">
+      <a:schemeClr val="accent2">
+        <a:tint val="40000"/>
+        <a:alpha val="90000"/>
+      </a:schemeClr>
+      <a:schemeClr val="accent3">
+        <a:tint val="40000"/>
+        <a:alpha val="90000"/>
+      </a:schemeClr>
+      <a:schemeClr val="accent4">
+        <a:tint val="40000"/>
+        <a:alpha val="90000"/>
+      </a:schemeClr>
+      <a:schemeClr val="accent5">
+        <a:tint val="40000"/>
+        <a:alpha val="90000"/>
+      </a:schemeClr>
+      <a:schemeClr val="accent6">
+        <a:tint val="40000"/>
+        <a:alpha val="90000"/>
+      </a:schemeClr>
+    </dgm:linClrLst>
+    <dgm:effectClrLst/>
+    <dgm:txLinClrLst/>
+    <dgm:txFillClrLst meth="repeat">
+      <a:schemeClr val="dk1"/>
+    </dgm:txFillClrLst>
+    <dgm:txEffectClrLst/>
+  </dgm:styleLbl>
+  <dgm:styleLbl name="alignAccFollowNode1">
+    <dgm:fillClrLst meth="repeat">
+      <a:schemeClr val="accent2">
+        <a:tint val="40000"/>
+        <a:alpha val="90000"/>
+      </a:schemeClr>
+      <a:schemeClr val="accent3">
+        <a:tint val="40000"/>
+        <a:alpha val="90000"/>
+      </a:schemeClr>
+      <a:schemeClr val="accent4">
+        <a:tint val="40000"/>
+        <a:alpha val="90000"/>
+      </a:schemeClr>
+      <a:schemeClr val="accent5">
+        <a:tint val="40000"/>
+        <a:alpha val="90000"/>
+      </a:schemeClr>
+      <a:schemeClr val="accent6">
+        <a:tint val="40000"/>
+        <a:alpha val="90000"/>
+      </a:schemeClr>
+    </dgm:fillClrLst>
+    <dgm:linClrLst meth="repeat">
+      <a:schemeClr val="accent2">
+        <a:tint val="40000"/>
+        <a:alpha val="90000"/>
+      </a:schemeClr>
+      <a:schemeClr val="accent3">
+        <a:tint val="40000"/>
+        <a:alpha val="90000"/>
+      </a:schemeClr>
+      <a:schemeClr val="accent4">
+        <a:tint val="40000"/>
+        <a:alpha val="90000"/>
+      </a:schemeClr>
+      <a:schemeClr val="accent5">
+        <a:tint val="40000"/>
+        <a:alpha val="90000"/>
+      </a:schemeClr>
+      <a:schemeClr val="accent6">
+        <a:tint val="40000"/>
+        <a:alpha val="90000"/>
+      </a:schemeClr>
+    </dgm:linClrLst>
+    <dgm:effectClrLst/>
+    <dgm:txLinClrLst/>
+    <dgm:txFillClrLst meth="repeat">
+      <a:schemeClr val="dk1"/>
+    </dgm:txFillClrLst>
+    <dgm:txEffectClrLst/>
+  </dgm:styleLbl>
+  <dgm:styleLbl name="bgAccFollowNode1">
+    <dgm:fillClrLst meth="repeat">
+      <a:schemeClr val="accent2">
+        <a:tint val="40000"/>
+        <a:alpha val="90000"/>
+      </a:schemeClr>
+      <a:schemeClr val="accent3">
+        <a:tint val="40000"/>
+        <a:alpha val="90000"/>
+      </a:schemeClr>
+      <a:schemeClr val="accent4">
+        <a:tint val="40000"/>
+        <a:alpha val="90000"/>
+      </a:schemeClr>
+      <a:schemeClr val="accent5">
+        <a:tint val="40000"/>
+        <a:alpha val="90000"/>
+      </a:schemeClr>
+      <a:schemeClr val="accent6">
+        <a:tint val="40000"/>
+        <a:alpha val="90000"/>
+      </a:schemeClr>
+    </dgm:fillClrLst>
+    <dgm:linClrLst meth="repeat">
+      <a:schemeClr val="accent2">
+        <a:tint val="40000"/>
+        <a:alpha val="90000"/>
+      </a:schemeClr>
+      <a:schemeClr val="accent3">
+        <a:tint val="40000"/>
+        <a:alpha val="90000"/>
+      </a:schemeClr>
+      <a:schemeClr val="accent4">
+        <a:tint val="40000"/>
+        <a:alpha val="90000"/>
+      </a:schemeClr>
+      <a:schemeClr val="accent5">
+        <a:tint val="40000"/>
+        <a:alpha val="90000"/>
+      </a:schemeClr>
+      <a:schemeClr val="accent6">
+        <a:tint val="40000"/>
+        <a:alpha val="90000"/>
+      </a:schemeClr>
+    </dgm:linClrLst>
+    <dgm:effectClrLst/>
+    <dgm:txLinClrLst/>
+    <dgm:txFillClrLst meth="repeat">
+      <a:schemeClr val="dk1"/>
+    </dgm:txFillClrLst>
+    <dgm:txEffectClrLst/>
+  </dgm:styleLbl>
+  <dgm:styleLbl name="fgAcc0">
+    <dgm:fillClrLst meth="repeat">
+      <a:schemeClr val="lt1">
+        <a:alpha val="90000"/>
+      </a:schemeClr>
+    </dgm:fillClrLst>
+    <dgm:linClrLst>
+      <a:schemeClr val="accent1"/>
+    </dgm:linClrLst>
+    <dgm:effectClrLst/>
+    <dgm:txLinClrLst/>
+    <dgm:txFillClrLst meth="repeat">
+      <a:schemeClr val="dk1"/>
+    </dgm:txFillClrLst>
+    <dgm:txEffectClrLst/>
+  </dgm:styleLbl>
+  <dgm:styleLbl name="fgAcc2">
+    <dgm:fillClrLst meth="repeat">
+      <a:schemeClr val="lt1">
+        <a:alpha val="90000"/>
+      </a:schemeClr>
+    </dgm:fillClrLst>
+    <dgm:linClrLst>
+      <a:schemeClr val="accent2"/>
+    </dgm:linClrLst>
+    <dgm:effectClrLst/>
+    <dgm:txLinClrLst/>
+    <dgm:txFillClrLst meth="repeat">
+      <a:schemeClr val="dk1"/>
+    </dgm:txFillClrLst>
+    <dgm:txEffectClrLst/>
+  </dgm:styleLbl>
+  <dgm:styleLbl name="fgAcc3">
+    <dgm:fillClrLst meth="repeat">
+      <a:schemeClr val="lt1">
+        <a:alpha val="90000"/>
+      </a:schemeClr>
+    </dgm:fillClrLst>
+    <dgm:linClrLst>
+      <a:schemeClr val="accent3"/>
+    </dgm:linClrLst>
+    <dgm:effectClrLst/>
+    <dgm:txLinClrLst/>
+    <dgm:txFillClrLst meth="repeat">
+      <a:schemeClr val="dk1"/>
+    </dgm:txFillClrLst>
+    <dgm:txEffectClrLst/>
+  </dgm:styleLbl>
+  <dgm:styleLbl name="fgAcc4">
+    <dgm:fillClrLst meth="repeat">
+      <a:schemeClr val="lt1">
+        <a:alpha val="90000"/>
+      </a:schemeClr>
+    </dgm:fillClrLst>
+    <dgm:linClrLst>
+      <a:schemeClr val="accent4"/>
+    </dgm:linClrLst>
+    <dgm:effectClrLst/>
+    <dgm:txLinClrLst/>
+    <dgm:txFillClrLst meth="repeat">
+      <a:schemeClr val="dk1"/>
+    </dgm:txFillClrLst>
+    <dgm:txEffectClrLst/>
+  </dgm:styleLbl>
+  <dgm:styleLbl name="bgShp">
+    <dgm:fillClrLst meth="repeat">
+      <a:schemeClr val="bg1">
+        <a:lumMod val="95000"/>
+      </a:schemeClr>
+    </dgm:fillClrLst>
+    <dgm:linClrLst meth="repeat">
+      <a:schemeClr val="dk1"/>
+    </dgm:linClrLst>
+    <dgm:effectClrLst/>
+    <dgm:txLinClrLst/>
+    <dgm:txFillClrLst meth="repeat">
+      <a:schemeClr val="dk1"/>
+    </dgm:txFillClrLst>
+    <dgm:txEffectClrLst/>
+  </dgm:styleLbl>
+  <dgm:styleLbl name="dkBgShp">
+    <dgm:fillClrLst meth="repeat">
+      <a:schemeClr val="accent2">
+        <a:shade val="90000"/>
+      </a:schemeClr>
+    </dgm:fillClrLst>
+    <dgm:linClrLst meth="repeat">
+      <a:schemeClr val="dk1"/>
+    </dgm:linClrLst>
+    <dgm:effectClrLst/>
+    <dgm:txLinClrLst/>
+    <dgm:txFillClrLst meth="repeat">
+      <a:schemeClr val="lt1"/>
+    </dgm:txFillClrLst>
+    <dgm:txEffectClrLst/>
+  </dgm:styleLbl>
+  <dgm:styleLbl name="trBgShp">
+    <dgm:fillClrLst meth="repeat">
+      <a:schemeClr val="accent1">
+        <a:tint val="50000"/>
+        <a:alpha val="40000"/>
+      </a:schemeClr>
+    </dgm:fillClrLst>
+    <dgm:linClrLst meth="repeat">
+      <a:schemeClr val="accent2"/>
+    </dgm:linClrLst>
+    <dgm:effectClrLst/>
+    <dgm:txLinClrLst/>
+    <dgm:txFillClrLst meth="repeat">
+      <a:schemeClr val="lt1"/>
+    </dgm:txFillClrLst>
+    <dgm:txEffectClrLst/>
+  </dgm:styleLbl>
+  <dgm:styleLbl name="fgShp">
+    <dgm:fillClrLst meth="repeat">
+      <a:schemeClr val="accent2">
+        <a:tint val="40000"/>
+      </a:schemeClr>
+    </dgm:fillClrLst>
+    <dgm:linClrLst meth="repeat">
+      <a:schemeClr val="lt1"/>
+    </dgm:linClrLst>
+    <dgm:effectClrLst/>
+    <dgm:txLinClrLst/>
+    <dgm:txFillClrLst meth="repeat">
+      <a:schemeClr val="dk1"/>
+    </dgm:txFillClrLst>
+    <dgm:txEffectClrLst/>
+  </dgm:styleLbl>
+  <dgm:styleLbl name="revTx">
+    <dgm:fillClrLst meth="repeat">
+      <a:schemeClr val="lt1">
+        <a:alpha val="0"/>
+      </a:schemeClr>
+    </dgm:fillClrLst>
+    <dgm:linClrLst meth="repeat">
+      <a:schemeClr val="dk1">
+        <a:alpha val="0"/>
+      </a:schemeClr>
+    </dgm:linClrLst>
+    <dgm:effectClrLst/>
+    <dgm:txLinClrLst/>
+    <dgm:txFillClrLst meth="repeat">
+      <a:schemeClr val="tx1"/>
+    </dgm:txFillClrLst>
+    <dgm:txEffectClrLst/>
+  </dgm:styleLbl>
+</dgm:colorsDef>
+</file>
+
+<file path=ppt/diagrams/colors2.xml><?xml version="1.0" encoding="utf-8"?>
 <dgm:colorsDef xmlns:dgm="http://schemas.openxmlformats.org/drawingml/2006/diagram" xmlns:a="http://schemas.openxmlformats.org/drawingml/2006/main" uniqueId="urn:microsoft.com/office/officeart/2005/8/colors/colorful2">
   <dgm:title val=""/>
   <dgm:desc val=""/>
@@ -905,6 +1826,329 @@
 <file path=ppt/diagrams/data1.xml><?xml version="1.0" encoding="utf-8"?>
 <dgm:dataModel xmlns:dgm="http://schemas.openxmlformats.org/drawingml/2006/diagram" xmlns:a="http://schemas.openxmlformats.org/drawingml/2006/main">
   <dgm:ptLst>
+    <dgm:pt modelId="{4ECF5982-A159-4E10-B408-A80B1F3AA57B}" type="doc">
+      <dgm:prSet loTypeId="urn:microsoft.com/office/officeart/2018/2/layout/IconVerticalSolidList" loCatId="icon" qsTypeId="urn:microsoft.com/office/officeart/2005/8/quickstyle/simple1" qsCatId="simple" csTypeId="urn:microsoft.com/office/officeart/2018/5/colors/Iconchunking_neutralbg_colorful1" csCatId="colorful" phldr="1"/>
+      <dgm:spPr/>
+      <dgm:t>
+        <a:bodyPr/>
+        <a:lstStyle/>
+        <a:p>
+          <a:endParaRPr lang="en-US"/>
+        </a:p>
+      </dgm:t>
+    </dgm:pt>
+    <dgm:pt modelId="{6216B47F-94DE-41E9-9047-5364462D6283}">
+      <dgm:prSet/>
+      <dgm:spPr/>
+      <dgm:t>
+        <a:bodyPr/>
+        <a:lstStyle/>
+        <a:p>
+          <a:r>
+            <a:rPr lang="en-US"/>
+            <a:t>Prep for tour of Ocean Instrumentation Lab</a:t>
+          </a:r>
+        </a:p>
+      </dgm:t>
+    </dgm:pt>
+    <dgm:pt modelId="{2D5B995E-DA65-4C10-A343-DEEDE67376BF}" type="parTrans" cxnId="{E1E0D27E-A787-4A38-A6D6-610FFA08EFC1}">
+      <dgm:prSet/>
+      <dgm:spPr/>
+      <dgm:t>
+        <a:bodyPr/>
+        <a:lstStyle/>
+        <a:p>
+          <a:endParaRPr lang="en-US"/>
+        </a:p>
+      </dgm:t>
+    </dgm:pt>
+    <dgm:pt modelId="{012AF672-D469-42B1-9DE9-00F7F39E6424}" type="sibTrans" cxnId="{E1E0D27E-A787-4A38-A6D6-610FFA08EFC1}">
+      <dgm:prSet/>
+      <dgm:spPr/>
+      <dgm:t>
+        <a:bodyPr/>
+        <a:lstStyle/>
+        <a:p>
+          <a:endParaRPr lang="en-US"/>
+        </a:p>
+      </dgm:t>
+    </dgm:pt>
+    <dgm:pt modelId="{020B6594-8921-418B-8FCD-D20328BE3197}">
+      <dgm:prSet/>
+      <dgm:spPr/>
+      <dgm:t>
+        <a:bodyPr/>
+        <a:lstStyle/>
+        <a:p>
+          <a:r>
+            <a:rPr lang="en-US"/>
+            <a:t>Lab: Learn git vs. GitHub and their combined capabilities</a:t>
+          </a:r>
+        </a:p>
+      </dgm:t>
+    </dgm:pt>
+    <dgm:pt modelId="{7512B674-4FD7-4869-B280-EE2D3FC19251}" type="parTrans" cxnId="{064E610E-B3C2-4C5A-82D2-62A6A2711234}">
+      <dgm:prSet/>
+      <dgm:spPr/>
+      <dgm:t>
+        <a:bodyPr/>
+        <a:lstStyle/>
+        <a:p>
+          <a:endParaRPr lang="en-US"/>
+        </a:p>
+      </dgm:t>
+    </dgm:pt>
+    <dgm:pt modelId="{CB00B6A6-9BC5-4C81-B214-303EB8ED417D}" type="sibTrans" cxnId="{064E610E-B3C2-4C5A-82D2-62A6A2711234}">
+      <dgm:prSet/>
+      <dgm:spPr/>
+      <dgm:t>
+        <a:bodyPr/>
+        <a:lstStyle/>
+        <a:p>
+          <a:endParaRPr lang="en-US"/>
+        </a:p>
+      </dgm:t>
+    </dgm:pt>
+    <dgm:pt modelId="{190DC82F-2199-4119-8A75-D46709585FBF}">
+      <dgm:prSet/>
+      <dgm:spPr/>
+      <dgm:t>
+        <a:bodyPr/>
+        <a:lstStyle/>
+        <a:p>
+          <a:r>
+            <a:rPr lang="en-US"/>
+            <a:t>Homework: Prepare to give a short (3–5 mins) presentation next week on your data</a:t>
+          </a:r>
+        </a:p>
+      </dgm:t>
+    </dgm:pt>
+    <dgm:pt modelId="{649A20FD-7862-42EB-9C53-52714AFD0C11}" type="parTrans" cxnId="{A79CE07E-5C0C-4019-B3DC-D994BE284C7D}">
+      <dgm:prSet/>
+      <dgm:spPr/>
+      <dgm:t>
+        <a:bodyPr/>
+        <a:lstStyle/>
+        <a:p>
+          <a:endParaRPr lang="en-US"/>
+        </a:p>
+      </dgm:t>
+    </dgm:pt>
+    <dgm:pt modelId="{26B0F648-5245-4456-9B90-54BF5C4BA493}" type="sibTrans" cxnId="{A79CE07E-5C0C-4019-B3DC-D994BE284C7D}">
+      <dgm:prSet/>
+      <dgm:spPr/>
+      <dgm:t>
+        <a:bodyPr/>
+        <a:lstStyle/>
+        <a:p>
+          <a:endParaRPr lang="en-US"/>
+        </a:p>
+      </dgm:t>
+    </dgm:pt>
+    <dgm:pt modelId="{480D9737-E4F6-4A80-99CC-D4C7DA0E5FDA}" type="pres">
+      <dgm:prSet presAssocID="{4ECF5982-A159-4E10-B408-A80B1F3AA57B}" presName="root" presStyleCnt="0">
+        <dgm:presLayoutVars>
+          <dgm:dir/>
+          <dgm:resizeHandles val="exact"/>
+        </dgm:presLayoutVars>
+      </dgm:prSet>
+      <dgm:spPr/>
+    </dgm:pt>
+    <dgm:pt modelId="{9C787723-410F-4C93-8D95-0692DC8962FB}" type="pres">
+      <dgm:prSet presAssocID="{6216B47F-94DE-41E9-9047-5364462D6283}" presName="compNode" presStyleCnt="0"/>
+      <dgm:spPr/>
+    </dgm:pt>
+    <dgm:pt modelId="{C1EAA8C4-6BA9-414B-9378-7CBE587081BB}" type="pres">
+      <dgm:prSet presAssocID="{6216B47F-94DE-41E9-9047-5364462D6283}" presName="bgRect" presStyleLbl="bgShp" presStyleIdx="0" presStyleCnt="3"/>
+      <dgm:spPr/>
+    </dgm:pt>
+    <dgm:pt modelId="{FC2DEF06-CCC7-4A1C-AF0A-916301AE4355}" type="pres">
+      <dgm:prSet presAssocID="{6216B47F-94DE-41E9-9047-5364462D6283}" presName="iconRect" presStyleLbl="node1" presStyleIdx="0" presStyleCnt="3"/>
+      <dgm:spPr>
+        <a:blipFill>
+          <a:blip xmlns:r="http://schemas.openxmlformats.org/officeDocument/2006/relationships" r:embed="rId1">
+            <a:extLst>
+              <a:ext uri="{28A0092B-C50C-407E-A947-70E740481C1C}">
+                <a14:useLocalDpi xmlns:a14="http://schemas.microsoft.com/office/drawing/2010/main" val="0"/>
+              </a:ext>
+              <a:ext uri="{96DAC541-7B7A-43D3-8B79-37D633B846F1}">
+                <asvg:svgBlip xmlns:asvg="http://schemas.microsoft.com/office/drawing/2016/SVG/main" r:embed="rId2"/>
+              </a:ext>
+            </a:extLst>
+          </a:blip>
+          <a:stretch>
+            <a:fillRect/>
+          </a:stretch>
+        </a:blipFill>
+        <a:ln>
+          <a:noFill/>
+        </a:ln>
+      </dgm:spPr>
+      <dgm:extLst>
+        <a:ext uri="{E40237B7-FDA0-4F09-8148-C483321AD2D9}">
+          <dgm14:cNvPr xmlns:dgm14="http://schemas.microsoft.com/office/drawing/2010/diagram" id="0" name="" descr="Beaker"/>
+        </a:ext>
+      </dgm:extLst>
+    </dgm:pt>
+    <dgm:pt modelId="{0CEEA327-FB80-4B24-8E35-24DE73C04EB1}" type="pres">
+      <dgm:prSet presAssocID="{6216B47F-94DE-41E9-9047-5364462D6283}" presName="spaceRect" presStyleCnt="0"/>
+      <dgm:spPr/>
+    </dgm:pt>
+    <dgm:pt modelId="{5AACB662-C92D-41A3-817E-A71E4CA0B636}" type="pres">
+      <dgm:prSet presAssocID="{6216B47F-94DE-41E9-9047-5364462D6283}" presName="parTx" presStyleLbl="revTx" presStyleIdx="0" presStyleCnt="3">
+        <dgm:presLayoutVars>
+          <dgm:chMax val="0"/>
+          <dgm:chPref val="0"/>
+        </dgm:presLayoutVars>
+      </dgm:prSet>
+      <dgm:spPr/>
+    </dgm:pt>
+    <dgm:pt modelId="{FE0ECFC3-D667-443F-BA5D-3B9DA652DA34}" type="pres">
+      <dgm:prSet presAssocID="{012AF672-D469-42B1-9DE9-00F7F39E6424}" presName="sibTrans" presStyleCnt="0"/>
+      <dgm:spPr/>
+    </dgm:pt>
+    <dgm:pt modelId="{C87E92EE-8230-4740-96EB-AA14D1C6291E}" type="pres">
+      <dgm:prSet presAssocID="{020B6594-8921-418B-8FCD-D20328BE3197}" presName="compNode" presStyleCnt="0"/>
+      <dgm:spPr/>
+    </dgm:pt>
+    <dgm:pt modelId="{55C6BC1D-748B-4B3C-88F2-9CA43094AFAF}" type="pres">
+      <dgm:prSet presAssocID="{020B6594-8921-418B-8FCD-D20328BE3197}" presName="bgRect" presStyleLbl="bgShp" presStyleIdx="1" presStyleCnt="3"/>
+      <dgm:spPr/>
+    </dgm:pt>
+    <dgm:pt modelId="{F9BF74D2-EABA-43E4-A2EC-4E41528C572C}" type="pres">
+      <dgm:prSet presAssocID="{020B6594-8921-418B-8FCD-D20328BE3197}" presName="iconRect" presStyleLbl="node1" presStyleIdx="1" presStyleCnt="3"/>
+      <dgm:spPr>
+        <a:blipFill>
+          <a:blip xmlns:r="http://schemas.openxmlformats.org/officeDocument/2006/relationships" r:embed="rId3">
+            <a:extLst>
+              <a:ext uri="{28A0092B-C50C-407E-A947-70E740481C1C}">
+                <a14:useLocalDpi xmlns:a14="http://schemas.microsoft.com/office/drawing/2010/main" val="0"/>
+              </a:ext>
+              <a:ext uri="{96DAC541-7B7A-43D3-8B79-37D633B846F1}">
+                <asvg:svgBlip xmlns:asvg="http://schemas.microsoft.com/office/drawing/2016/SVG/main" r:embed="rId4"/>
+              </a:ext>
+            </a:extLst>
+          </a:blip>
+          <a:stretch>
+            <a:fillRect/>
+          </a:stretch>
+        </a:blipFill>
+        <a:ln>
+          <a:noFill/>
+        </a:ln>
+      </dgm:spPr>
+      <dgm:extLst>
+        <a:ext uri="{E40237B7-FDA0-4F09-8148-C483321AD2D9}">
+          <dgm14:cNvPr xmlns:dgm14="http://schemas.microsoft.com/office/drawing/2010/diagram" id="0" name="" descr="Microscope"/>
+        </a:ext>
+      </dgm:extLst>
+    </dgm:pt>
+    <dgm:pt modelId="{A7FEA473-D9A6-4C0D-92E7-4C3315C3A383}" type="pres">
+      <dgm:prSet presAssocID="{020B6594-8921-418B-8FCD-D20328BE3197}" presName="spaceRect" presStyleCnt="0"/>
+      <dgm:spPr/>
+    </dgm:pt>
+    <dgm:pt modelId="{58F74EC9-155C-4B15-8065-C4A40DAB3614}" type="pres">
+      <dgm:prSet presAssocID="{020B6594-8921-418B-8FCD-D20328BE3197}" presName="parTx" presStyleLbl="revTx" presStyleIdx="1" presStyleCnt="3">
+        <dgm:presLayoutVars>
+          <dgm:chMax val="0"/>
+          <dgm:chPref val="0"/>
+        </dgm:presLayoutVars>
+      </dgm:prSet>
+      <dgm:spPr/>
+    </dgm:pt>
+    <dgm:pt modelId="{867C2AC1-3C0A-44A8-8821-06D4DB2DA92D}" type="pres">
+      <dgm:prSet presAssocID="{CB00B6A6-9BC5-4C81-B214-303EB8ED417D}" presName="sibTrans" presStyleCnt="0"/>
+      <dgm:spPr/>
+    </dgm:pt>
+    <dgm:pt modelId="{43400A34-9B77-4EDE-864E-B4AE6BFD6CFF}" type="pres">
+      <dgm:prSet presAssocID="{190DC82F-2199-4119-8A75-D46709585FBF}" presName="compNode" presStyleCnt="0"/>
+      <dgm:spPr/>
+    </dgm:pt>
+    <dgm:pt modelId="{51DEC00C-28B1-4A0C-9961-A85DEBC9457F}" type="pres">
+      <dgm:prSet presAssocID="{190DC82F-2199-4119-8A75-D46709585FBF}" presName="bgRect" presStyleLbl="bgShp" presStyleIdx="2" presStyleCnt="3"/>
+      <dgm:spPr/>
+    </dgm:pt>
+    <dgm:pt modelId="{5F3814F6-DC13-462D-AC20-7BD385C708FF}" type="pres">
+      <dgm:prSet presAssocID="{190DC82F-2199-4119-8A75-D46709585FBF}" presName="iconRect" presStyleLbl="node1" presStyleIdx="2" presStyleCnt="3"/>
+      <dgm:spPr>
+        <a:blipFill>
+          <a:blip xmlns:r="http://schemas.openxmlformats.org/officeDocument/2006/relationships" r:embed="rId5">
+            <a:extLst>
+              <a:ext uri="{28A0092B-C50C-407E-A947-70E740481C1C}">
+                <a14:useLocalDpi xmlns:a14="http://schemas.microsoft.com/office/drawing/2010/main" val="0"/>
+              </a:ext>
+              <a:ext uri="{96DAC541-7B7A-43D3-8B79-37D633B846F1}">
+                <asvg:svgBlip xmlns:asvg="http://schemas.microsoft.com/office/drawing/2016/SVG/main" r:embed="rId6"/>
+              </a:ext>
+            </a:extLst>
+          </a:blip>
+          <a:stretch>
+            <a:fillRect/>
+          </a:stretch>
+        </a:blipFill>
+        <a:ln>
+          <a:noFill/>
+        </a:ln>
+      </dgm:spPr>
+      <dgm:extLst>
+        <a:ext uri="{E40237B7-FDA0-4F09-8148-C483321AD2D9}">
+          <dgm14:cNvPr xmlns:dgm14="http://schemas.microsoft.com/office/drawing/2010/diagram" id="0" name="" descr="Books"/>
+        </a:ext>
+      </dgm:extLst>
+    </dgm:pt>
+    <dgm:pt modelId="{98CF6D5B-3E31-41AD-B769-896F5430FB88}" type="pres">
+      <dgm:prSet presAssocID="{190DC82F-2199-4119-8A75-D46709585FBF}" presName="spaceRect" presStyleCnt="0"/>
+      <dgm:spPr/>
+    </dgm:pt>
+    <dgm:pt modelId="{1B4E88F3-3DBB-49BB-BF49-9967DB20B5DA}" type="pres">
+      <dgm:prSet presAssocID="{190DC82F-2199-4119-8A75-D46709585FBF}" presName="parTx" presStyleLbl="revTx" presStyleIdx="2" presStyleCnt="3">
+        <dgm:presLayoutVars>
+          <dgm:chMax val="0"/>
+          <dgm:chPref val="0"/>
+        </dgm:presLayoutVars>
+      </dgm:prSet>
+      <dgm:spPr/>
+    </dgm:pt>
+  </dgm:ptLst>
+  <dgm:cxnLst>
+    <dgm:cxn modelId="{064E610E-B3C2-4C5A-82D2-62A6A2711234}" srcId="{4ECF5982-A159-4E10-B408-A80B1F3AA57B}" destId="{020B6594-8921-418B-8FCD-D20328BE3197}" srcOrd="1" destOrd="0" parTransId="{7512B674-4FD7-4869-B280-EE2D3FC19251}" sibTransId="{CB00B6A6-9BC5-4C81-B214-303EB8ED417D}"/>
+    <dgm:cxn modelId="{EA407C1D-FA42-4575-AED0-1FD2B3138386}" type="presOf" srcId="{190DC82F-2199-4119-8A75-D46709585FBF}" destId="{1B4E88F3-3DBB-49BB-BF49-9967DB20B5DA}" srcOrd="0" destOrd="0" presId="urn:microsoft.com/office/officeart/2018/2/layout/IconVerticalSolidList"/>
+    <dgm:cxn modelId="{91D3C75A-6091-4E3B-A71F-E55EE2C6AAA0}" type="presOf" srcId="{6216B47F-94DE-41E9-9047-5364462D6283}" destId="{5AACB662-C92D-41A3-817E-A71E4CA0B636}" srcOrd="0" destOrd="0" presId="urn:microsoft.com/office/officeart/2018/2/layout/IconVerticalSolidList"/>
+    <dgm:cxn modelId="{0571776E-8709-4A28-B10C-C68E9CC48AB6}" type="presOf" srcId="{4ECF5982-A159-4E10-B408-A80B1F3AA57B}" destId="{480D9737-E4F6-4A80-99CC-D4C7DA0E5FDA}" srcOrd="0" destOrd="0" presId="urn:microsoft.com/office/officeart/2018/2/layout/IconVerticalSolidList"/>
+    <dgm:cxn modelId="{E1E0D27E-A787-4A38-A6D6-610FFA08EFC1}" srcId="{4ECF5982-A159-4E10-B408-A80B1F3AA57B}" destId="{6216B47F-94DE-41E9-9047-5364462D6283}" srcOrd="0" destOrd="0" parTransId="{2D5B995E-DA65-4C10-A343-DEEDE67376BF}" sibTransId="{012AF672-D469-42B1-9DE9-00F7F39E6424}"/>
+    <dgm:cxn modelId="{A79CE07E-5C0C-4019-B3DC-D994BE284C7D}" srcId="{4ECF5982-A159-4E10-B408-A80B1F3AA57B}" destId="{190DC82F-2199-4119-8A75-D46709585FBF}" srcOrd="2" destOrd="0" parTransId="{649A20FD-7862-42EB-9C53-52714AFD0C11}" sibTransId="{26B0F648-5245-4456-9B90-54BF5C4BA493}"/>
+    <dgm:cxn modelId="{162742EC-33FD-4CB7-A018-FE888C5EF687}" type="presOf" srcId="{020B6594-8921-418B-8FCD-D20328BE3197}" destId="{58F74EC9-155C-4B15-8065-C4A40DAB3614}" srcOrd="0" destOrd="0" presId="urn:microsoft.com/office/officeart/2018/2/layout/IconVerticalSolidList"/>
+    <dgm:cxn modelId="{28BB4FF1-BF8F-40D6-8E27-B30C95DF5CAF}" type="presParOf" srcId="{480D9737-E4F6-4A80-99CC-D4C7DA0E5FDA}" destId="{9C787723-410F-4C93-8D95-0692DC8962FB}" srcOrd="0" destOrd="0" presId="urn:microsoft.com/office/officeart/2018/2/layout/IconVerticalSolidList"/>
+    <dgm:cxn modelId="{F7B65A0B-9389-4F63-9179-22C58B08543C}" type="presParOf" srcId="{9C787723-410F-4C93-8D95-0692DC8962FB}" destId="{C1EAA8C4-6BA9-414B-9378-7CBE587081BB}" srcOrd="0" destOrd="0" presId="urn:microsoft.com/office/officeart/2018/2/layout/IconVerticalSolidList"/>
+    <dgm:cxn modelId="{3CA76CFE-F52A-4FC1-AA01-546DAA514872}" type="presParOf" srcId="{9C787723-410F-4C93-8D95-0692DC8962FB}" destId="{FC2DEF06-CCC7-4A1C-AF0A-916301AE4355}" srcOrd="1" destOrd="0" presId="urn:microsoft.com/office/officeart/2018/2/layout/IconVerticalSolidList"/>
+    <dgm:cxn modelId="{B96F2687-4F8E-4978-9BD3-953FBF74C4DC}" type="presParOf" srcId="{9C787723-410F-4C93-8D95-0692DC8962FB}" destId="{0CEEA327-FB80-4B24-8E35-24DE73C04EB1}" srcOrd="2" destOrd="0" presId="urn:microsoft.com/office/officeart/2018/2/layout/IconVerticalSolidList"/>
+    <dgm:cxn modelId="{338B813C-302A-472C-8BB5-FDADAB8FE598}" type="presParOf" srcId="{9C787723-410F-4C93-8D95-0692DC8962FB}" destId="{5AACB662-C92D-41A3-817E-A71E4CA0B636}" srcOrd="3" destOrd="0" presId="urn:microsoft.com/office/officeart/2018/2/layout/IconVerticalSolidList"/>
+    <dgm:cxn modelId="{9B217D21-ADFB-41B8-86A5-DF7B8A84523B}" type="presParOf" srcId="{480D9737-E4F6-4A80-99CC-D4C7DA0E5FDA}" destId="{FE0ECFC3-D667-443F-BA5D-3B9DA652DA34}" srcOrd="1" destOrd="0" presId="urn:microsoft.com/office/officeart/2018/2/layout/IconVerticalSolidList"/>
+    <dgm:cxn modelId="{3A2C43D5-25C3-4D5C-90FD-C1F59185AC30}" type="presParOf" srcId="{480D9737-E4F6-4A80-99CC-D4C7DA0E5FDA}" destId="{C87E92EE-8230-4740-96EB-AA14D1C6291E}" srcOrd="2" destOrd="0" presId="urn:microsoft.com/office/officeart/2018/2/layout/IconVerticalSolidList"/>
+    <dgm:cxn modelId="{96584191-F4B8-4359-BCFE-3E966FE48BD9}" type="presParOf" srcId="{C87E92EE-8230-4740-96EB-AA14D1C6291E}" destId="{55C6BC1D-748B-4B3C-88F2-9CA43094AFAF}" srcOrd="0" destOrd="0" presId="urn:microsoft.com/office/officeart/2018/2/layout/IconVerticalSolidList"/>
+    <dgm:cxn modelId="{8DFC50DC-6925-44C7-BC7F-FD08E38571B7}" type="presParOf" srcId="{C87E92EE-8230-4740-96EB-AA14D1C6291E}" destId="{F9BF74D2-EABA-43E4-A2EC-4E41528C572C}" srcOrd="1" destOrd="0" presId="urn:microsoft.com/office/officeart/2018/2/layout/IconVerticalSolidList"/>
+    <dgm:cxn modelId="{613293FA-00CF-4F31-B24C-31A1A6A3CB9A}" type="presParOf" srcId="{C87E92EE-8230-4740-96EB-AA14D1C6291E}" destId="{A7FEA473-D9A6-4C0D-92E7-4C3315C3A383}" srcOrd="2" destOrd="0" presId="urn:microsoft.com/office/officeart/2018/2/layout/IconVerticalSolidList"/>
+    <dgm:cxn modelId="{9F32D406-6B96-442D-9694-92219D347706}" type="presParOf" srcId="{C87E92EE-8230-4740-96EB-AA14D1C6291E}" destId="{58F74EC9-155C-4B15-8065-C4A40DAB3614}" srcOrd="3" destOrd="0" presId="urn:microsoft.com/office/officeart/2018/2/layout/IconVerticalSolidList"/>
+    <dgm:cxn modelId="{854B5D65-AD69-4904-8C1D-A0B738786DAA}" type="presParOf" srcId="{480D9737-E4F6-4A80-99CC-D4C7DA0E5FDA}" destId="{867C2AC1-3C0A-44A8-8821-06D4DB2DA92D}" srcOrd="3" destOrd="0" presId="urn:microsoft.com/office/officeart/2018/2/layout/IconVerticalSolidList"/>
+    <dgm:cxn modelId="{D2EF677C-45A3-49F1-B6A1-E1C84D97D885}" type="presParOf" srcId="{480D9737-E4F6-4A80-99CC-D4C7DA0E5FDA}" destId="{43400A34-9B77-4EDE-864E-B4AE6BFD6CFF}" srcOrd="4" destOrd="0" presId="urn:microsoft.com/office/officeart/2018/2/layout/IconVerticalSolidList"/>
+    <dgm:cxn modelId="{76C2307A-B45D-41F9-91D6-DD0E50E44B5E}" type="presParOf" srcId="{43400A34-9B77-4EDE-864E-B4AE6BFD6CFF}" destId="{51DEC00C-28B1-4A0C-9961-A85DEBC9457F}" srcOrd="0" destOrd="0" presId="urn:microsoft.com/office/officeart/2018/2/layout/IconVerticalSolidList"/>
+    <dgm:cxn modelId="{907D263C-B2E3-4AD9-B761-20511B6E5109}" type="presParOf" srcId="{43400A34-9B77-4EDE-864E-B4AE6BFD6CFF}" destId="{5F3814F6-DC13-462D-AC20-7BD385C708FF}" srcOrd="1" destOrd="0" presId="urn:microsoft.com/office/officeart/2018/2/layout/IconVerticalSolidList"/>
+    <dgm:cxn modelId="{7AAC298C-2F1B-48CB-9ADC-AB2B18E2B841}" type="presParOf" srcId="{43400A34-9B77-4EDE-864E-B4AE6BFD6CFF}" destId="{98CF6D5B-3E31-41AD-B769-896F5430FB88}" srcOrd="2" destOrd="0" presId="urn:microsoft.com/office/officeart/2018/2/layout/IconVerticalSolidList"/>
+    <dgm:cxn modelId="{CF1518D8-CA09-47BF-A99F-F6AABE46EEEF}" type="presParOf" srcId="{43400A34-9B77-4EDE-864E-B4AE6BFD6CFF}" destId="{1B4E88F3-3DBB-49BB-BF49-9967DB20B5DA}" srcOrd="3" destOrd="0" presId="urn:microsoft.com/office/officeart/2018/2/layout/IconVerticalSolidList"/>
+  </dgm:cxnLst>
+  <dgm:bg/>
+  <dgm:whole/>
+  <dgm:extLst>
+    <a:ext uri="http://schemas.microsoft.com/office/drawing/2008/diagram">
+      <dsp:dataModelExt xmlns:dsp="http://schemas.microsoft.com/office/drawing/2008/diagram" relId="rId6" minVer="http://schemas.openxmlformats.org/drawingml/2006/diagram"/>
+    </a:ext>
+  </dgm:extLst>
+</dgm:dataModel>
+</file>
+
+<file path=ppt/diagrams/data2.xml><?xml version="1.0" encoding="utf-8"?>
+<dgm:dataModel xmlns:dgm="http://schemas.openxmlformats.org/drawingml/2006/diagram" xmlns:a="http://schemas.openxmlformats.org/drawingml/2006/main">
+  <dgm:ptLst>
     <dgm:pt modelId="{F32E3E8A-7C50-427F-9105-6CCB0404EBE1}" type="doc">
       <dgm:prSet loTypeId="urn:microsoft.com/office/officeart/2005/8/layout/process4" loCatId="process" qsTypeId="urn:microsoft.com/office/officeart/2005/8/quickstyle/simple1" qsCatId="simple" csTypeId="urn:microsoft.com/office/officeart/2005/8/colors/colorful2" csCatId="colorful" phldr="1"/>
       <dgm:spPr/>
@@ -917,14 +2161,14 @@
       </dgm:t>
     </dgm:pt>
     <dgm:pt modelId="{120FE57E-3B7E-4053-A845-CB59FB8CDAEB}">
-      <dgm:prSet/>
+      <dgm:prSet custT="1"/>
       <dgm:spPr/>
       <dgm:t>
         <a:bodyPr/>
         <a:lstStyle/>
         <a:p>
           <a:r>
-            <a:rPr lang="en-US"/>
+            <a:rPr lang="en-US" sz="1400"/>
             <a:t>Introduced briefly in OCN 350; to be used extensively in OCN 479</a:t>
           </a:r>
         </a:p>
@@ -937,7 +2181,7 @@
         <a:bodyPr/>
         <a:lstStyle/>
         <a:p>
-          <a:endParaRPr lang="en-US"/>
+          <a:endParaRPr lang="en-US" sz="1800"/>
         </a:p>
       </dgm:t>
     </dgm:pt>
@@ -948,19 +2192,19 @@
         <a:bodyPr/>
         <a:lstStyle/>
         <a:p>
-          <a:endParaRPr lang="en-US"/>
+          <a:endParaRPr lang="en-US" sz="1800"/>
         </a:p>
       </dgm:t>
     </dgm:pt>
     <dgm:pt modelId="{8657B9D1-19F4-4BD3-9500-E39C39258286}">
-      <dgm:prSet/>
+      <dgm:prSet custT="1"/>
       <dgm:spPr/>
       <dgm:t>
         <a:bodyPr/>
         <a:lstStyle/>
         <a:p>
           <a:r>
-            <a:rPr lang="en-US"/>
+            <a:rPr lang="en-US" sz="1400"/>
             <a:t>Reinforces “open science and engineering” concepts</a:t>
           </a:r>
         </a:p>
@@ -973,7 +2217,7 @@
         <a:bodyPr/>
         <a:lstStyle/>
         <a:p>
-          <a:endParaRPr lang="en-US"/>
+          <a:endParaRPr lang="en-US" sz="1800"/>
         </a:p>
       </dgm:t>
     </dgm:pt>
@@ -984,19 +2228,19 @@
         <a:bodyPr/>
         <a:lstStyle/>
         <a:p>
-          <a:endParaRPr lang="en-US"/>
+          <a:endParaRPr lang="en-US" sz="1800"/>
         </a:p>
       </dgm:t>
     </dgm:pt>
     <dgm:pt modelId="{74CB338A-D8C0-414B-85A1-888DDCF7349B}">
-      <dgm:prSet/>
+      <dgm:prSet custT="1"/>
       <dgm:spPr/>
       <dgm:t>
         <a:bodyPr/>
         <a:lstStyle/>
         <a:p>
           <a:r>
-            <a:rPr lang="en-US" dirty="0"/>
+            <a:rPr lang="en-US" sz="1400" dirty="0"/>
             <a:t>Enables collaborative coding with a little more code stability than something like google docs. Collaborate with…</a:t>
           </a:r>
         </a:p>
@@ -1009,7 +2253,7 @@
         <a:bodyPr/>
         <a:lstStyle/>
         <a:p>
-          <a:endParaRPr lang="en-US"/>
+          <a:endParaRPr lang="en-US" sz="1800"/>
         </a:p>
       </dgm:t>
     </dgm:pt>
@@ -1020,19 +2264,19 @@
         <a:bodyPr/>
         <a:lstStyle/>
         <a:p>
-          <a:endParaRPr lang="en-US"/>
+          <a:endParaRPr lang="en-US" sz="1800"/>
         </a:p>
       </dgm:t>
     </dgm:pt>
     <dgm:pt modelId="{B8327E9D-2415-4C82-B160-630B79B03BD4}">
-      <dgm:prSet/>
+      <dgm:prSet custT="1"/>
       <dgm:spPr/>
       <dgm:t>
         <a:bodyPr/>
         <a:lstStyle/>
         <a:p>
           <a:r>
-            <a:rPr lang="en-US"/>
+            <a:rPr lang="en-US" sz="1100"/>
             <a:t>Teammates</a:t>
           </a:r>
         </a:p>
@@ -1045,7 +2289,7 @@
         <a:bodyPr/>
         <a:lstStyle/>
         <a:p>
-          <a:endParaRPr lang="en-US"/>
+          <a:endParaRPr lang="en-US" sz="1800"/>
         </a:p>
       </dgm:t>
     </dgm:pt>
@@ -1056,19 +2300,19 @@
         <a:bodyPr/>
         <a:lstStyle/>
         <a:p>
-          <a:endParaRPr lang="en-US"/>
+          <a:endParaRPr lang="en-US" sz="1800"/>
         </a:p>
       </dgm:t>
     </dgm:pt>
     <dgm:pt modelId="{A244E86E-AD0F-4B61-8E29-B33E4214D249}">
-      <dgm:prSet/>
+      <dgm:prSet custT="1"/>
       <dgm:spPr/>
       <dgm:t>
         <a:bodyPr/>
         <a:lstStyle/>
         <a:p>
           <a:r>
-            <a:rPr lang="en-US"/>
+            <a:rPr lang="en-US" sz="1100"/>
             <a:t>Rest of this class</a:t>
           </a:r>
         </a:p>
@@ -1081,7 +2325,7 @@
         <a:bodyPr/>
         <a:lstStyle/>
         <a:p>
-          <a:endParaRPr lang="en-US"/>
+          <a:endParaRPr lang="en-US" sz="1800"/>
         </a:p>
       </dgm:t>
     </dgm:pt>
@@ -1092,19 +2336,19 @@
         <a:bodyPr/>
         <a:lstStyle/>
         <a:p>
-          <a:endParaRPr lang="en-US"/>
+          <a:endParaRPr lang="en-US" sz="1800"/>
         </a:p>
       </dgm:t>
     </dgm:pt>
     <dgm:pt modelId="{38578C42-040D-4291-84C9-5C452801E60F}">
-      <dgm:prSet/>
+      <dgm:prSet custT="1"/>
       <dgm:spPr/>
       <dgm:t>
         <a:bodyPr/>
         <a:lstStyle/>
         <a:p>
           <a:r>
-            <a:rPr lang="en-US"/>
+            <a:rPr lang="en-US" sz="1100"/>
             <a:t>Future classes</a:t>
           </a:r>
         </a:p>
@@ -1117,7 +2361,7 @@
         <a:bodyPr/>
         <a:lstStyle/>
         <a:p>
-          <a:endParaRPr lang="en-US"/>
+          <a:endParaRPr lang="en-US" sz="1800"/>
         </a:p>
       </dgm:t>
     </dgm:pt>
@@ -1128,19 +2372,19 @@
         <a:bodyPr/>
         <a:lstStyle/>
         <a:p>
-          <a:endParaRPr lang="en-US"/>
+          <a:endParaRPr lang="en-US" sz="1800"/>
         </a:p>
       </dgm:t>
     </dgm:pt>
     <dgm:pt modelId="{FD3E2ED9-D057-47E4-AF90-6C172CD06E7C}">
-      <dgm:prSet/>
+      <dgm:prSet custT="1"/>
       <dgm:spPr/>
       <dgm:t>
         <a:bodyPr/>
         <a:lstStyle/>
         <a:p>
           <a:r>
-            <a:rPr lang="en-US"/>
+            <a:rPr lang="en-US" sz="1100"/>
             <a:t>People anywhere/anywhen in the world</a:t>
           </a:r>
         </a:p>
@@ -1153,7 +2397,7 @@
         <a:bodyPr/>
         <a:lstStyle/>
         <a:p>
-          <a:endParaRPr lang="en-US"/>
+          <a:endParaRPr lang="en-US" sz="1800"/>
         </a:p>
       </dgm:t>
     </dgm:pt>
@@ -1164,19 +2408,19 @@
         <a:bodyPr/>
         <a:lstStyle/>
         <a:p>
-          <a:endParaRPr lang="en-US"/>
+          <a:endParaRPr lang="en-US" sz="1800"/>
         </a:p>
       </dgm:t>
     </dgm:pt>
     <dgm:pt modelId="{D5523D48-CF18-42D4-9AA0-3441C4900D9E}">
-      <dgm:prSet/>
+      <dgm:prSet custT="1"/>
       <dgm:spPr/>
       <dgm:t>
         <a:bodyPr/>
         <a:lstStyle/>
         <a:p>
           <a:r>
-            <a:rPr lang="en-US"/>
+            <a:rPr lang="en-US" sz="1400"/>
             <a:t>Including links to GitHub repos on resumes/CVs will be very attractive to employers/graduate schools!</a:t>
           </a:r>
         </a:p>
@@ -1189,7 +2433,7 @@
         <a:bodyPr/>
         <a:lstStyle/>
         <a:p>
-          <a:endParaRPr lang="en-US"/>
+          <a:endParaRPr lang="en-US" sz="1800"/>
         </a:p>
       </dgm:t>
     </dgm:pt>
@@ -1200,7 +2444,7 @@
         <a:bodyPr/>
         <a:lstStyle/>
         <a:p>
-          <a:endParaRPr lang="en-US"/>
+          <a:endParaRPr lang="en-US" sz="1800"/>
         </a:p>
       </dgm:t>
     </dgm:pt>
@@ -1347,6 +2591,471 @@
 </file>
 
 <file path=ppt/diagrams/drawing1.xml><?xml version="1.0" encoding="utf-8"?>
+<dsp:drawing xmlns:dgm="http://schemas.openxmlformats.org/drawingml/2006/diagram" xmlns:dsp="http://schemas.microsoft.com/office/drawing/2008/diagram" xmlns:a="http://schemas.openxmlformats.org/drawingml/2006/main">
+  <dsp:spTree>
+    <dsp:nvGrpSpPr>
+      <dsp:cNvPr id="0" name=""/>
+      <dsp:cNvGrpSpPr/>
+    </dsp:nvGrpSpPr>
+    <dsp:grpSpPr/>
+    <dsp:sp modelId="{C1EAA8C4-6BA9-414B-9378-7CBE587081BB}">
+      <dsp:nvSpPr>
+        <dsp:cNvPr id="0" name=""/>
+        <dsp:cNvSpPr/>
+      </dsp:nvSpPr>
+      <dsp:spPr>
+        <a:xfrm>
+          <a:off x="0" y="607"/>
+          <a:ext cx="6628804" cy="1422390"/>
+        </a:xfrm>
+        <a:prstGeom prst="roundRect">
+          <a:avLst>
+            <a:gd name="adj" fmla="val 10000"/>
+          </a:avLst>
+        </a:prstGeom>
+        <a:solidFill>
+          <a:schemeClr val="bg1">
+            <a:lumMod val="95000"/>
+            <a:hueOff val="0"/>
+            <a:satOff val="0"/>
+            <a:lumOff val="0"/>
+            <a:alphaOff val="0"/>
+          </a:schemeClr>
+        </a:solidFill>
+        <a:ln>
+          <a:noFill/>
+        </a:ln>
+        <a:effectLst/>
+      </dsp:spPr>
+      <dsp:style>
+        <a:lnRef idx="0">
+          <a:scrgbClr r="0" g="0" b="0"/>
+        </a:lnRef>
+        <a:fillRef idx="1">
+          <a:scrgbClr r="0" g="0" b="0"/>
+        </a:fillRef>
+        <a:effectRef idx="0">
+          <a:scrgbClr r="0" g="0" b="0"/>
+        </a:effectRef>
+        <a:fontRef idx="minor"/>
+      </dsp:style>
+    </dsp:sp>
+    <dsp:sp modelId="{FC2DEF06-CCC7-4A1C-AF0A-916301AE4355}">
+      <dsp:nvSpPr>
+        <dsp:cNvPr id="0" name=""/>
+        <dsp:cNvSpPr/>
+      </dsp:nvSpPr>
+      <dsp:spPr>
+        <a:xfrm>
+          <a:off x="430272" y="320645"/>
+          <a:ext cx="782314" cy="782314"/>
+        </a:xfrm>
+        <a:prstGeom prst="rect">
+          <a:avLst/>
+        </a:prstGeom>
+        <a:blipFill>
+          <a:blip xmlns:r="http://schemas.openxmlformats.org/officeDocument/2006/relationships" r:embed="rId1">
+            <a:extLst>
+              <a:ext uri="{28A0092B-C50C-407E-A947-70E740481C1C}">
+                <a14:useLocalDpi xmlns:a14="http://schemas.microsoft.com/office/drawing/2010/main" val="0"/>
+              </a:ext>
+              <a:ext uri="{96DAC541-7B7A-43D3-8B79-37D633B846F1}">
+                <asvg:svgBlip xmlns:asvg="http://schemas.microsoft.com/office/drawing/2016/SVG/main" r:embed="rId2"/>
+              </a:ext>
+            </a:extLst>
+          </a:blip>
+          <a:stretch>
+            <a:fillRect/>
+          </a:stretch>
+        </a:blipFill>
+        <a:ln w="19050" cap="rnd" cmpd="sng" algn="ctr">
+          <a:noFill/>
+          <a:prstDash val="solid"/>
+        </a:ln>
+        <a:effectLst/>
+      </dsp:spPr>
+      <dsp:style>
+        <a:lnRef idx="2">
+          <a:scrgbClr r="0" g="0" b="0"/>
+        </a:lnRef>
+        <a:fillRef idx="1">
+          <a:scrgbClr r="0" g="0" b="0"/>
+        </a:fillRef>
+        <a:effectRef idx="0">
+          <a:scrgbClr r="0" g="0" b="0"/>
+        </a:effectRef>
+        <a:fontRef idx="minor">
+          <a:schemeClr val="lt1"/>
+        </a:fontRef>
+      </dsp:style>
+    </dsp:sp>
+    <dsp:sp modelId="{5AACB662-C92D-41A3-817E-A71E4CA0B636}">
+      <dsp:nvSpPr>
+        <dsp:cNvPr id="0" name=""/>
+        <dsp:cNvSpPr/>
+      </dsp:nvSpPr>
+      <dsp:spPr>
+        <a:xfrm>
+          <a:off x="1642860" y="607"/>
+          <a:ext cx="4985943" cy="1422390"/>
+        </a:xfrm>
+        <a:prstGeom prst="rect">
+          <a:avLst/>
+        </a:prstGeom>
+        <a:noFill/>
+        <a:ln>
+          <a:noFill/>
+        </a:ln>
+        <a:effectLst/>
+      </dsp:spPr>
+      <dsp:style>
+        <a:lnRef idx="0">
+          <a:scrgbClr r="0" g="0" b="0"/>
+        </a:lnRef>
+        <a:fillRef idx="0">
+          <a:scrgbClr r="0" g="0" b="0"/>
+        </a:fillRef>
+        <a:effectRef idx="0">
+          <a:scrgbClr r="0" g="0" b="0"/>
+        </a:effectRef>
+        <a:fontRef idx="minor"/>
+      </dsp:style>
+      <dsp:txBody>
+        <a:bodyPr spcFirstLastPara="0" vert="horz" wrap="square" lIns="150536" tIns="150536" rIns="150536" bIns="150536" numCol="1" spcCol="1270" anchor="ctr" anchorCtr="0">
+          <a:noAutofit/>
+        </a:bodyPr>
+        <a:lstStyle/>
+        <a:p>
+          <a:pPr marL="0" lvl="0" indent="0" algn="l" defTabSz="1111250">
+            <a:lnSpc>
+              <a:spcPct val="90000"/>
+            </a:lnSpc>
+            <a:spcBef>
+              <a:spcPct val="0"/>
+            </a:spcBef>
+            <a:spcAft>
+              <a:spcPct val="35000"/>
+            </a:spcAft>
+            <a:buNone/>
+          </a:pPr>
+          <a:r>
+            <a:rPr lang="en-US" sz="2500" kern="1200"/>
+            <a:t>Prep for tour of Ocean Instrumentation Lab</a:t>
+          </a:r>
+        </a:p>
+      </dsp:txBody>
+      <dsp:txXfrm>
+        <a:off x="1642860" y="607"/>
+        <a:ext cx="4985943" cy="1422390"/>
+      </dsp:txXfrm>
+    </dsp:sp>
+    <dsp:sp modelId="{55C6BC1D-748B-4B3C-88F2-9CA43094AFAF}">
+      <dsp:nvSpPr>
+        <dsp:cNvPr id="0" name=""/>
+        <dsp:cNvSpPr/>
+      </dsp:nvSpPr>
+      <dsp:spPr>
+        <a:xfrm>
+          <a:off x="0" y="1778595"/>
+          <a:ext cx="6628804" cy="1422390"/>
+        </a:xfrm>
+        <a:prstGeom prst="roundRect">
+          <a:avLst>
+            <a:gd name="adj" fmla="val 10000"/>
+          </a:avLst>
+        </a:prstGeom>
+        <a:solidFill>
+          <a:schemeClr val="bg1">
+            <a:lumMod val="95000"/>
+            <a:hueOff val="0"/>
+            <a:satOff val="0"/>
+            <a:lumOff val="0"/>
+            <a:alphaOff val="0"/>
+          </a:schemeClr>
+        </a:solidFill>
+        <a:ln>
+          <a:noFill/>
+        </a:ln>
+        <a:effectLst/>
+      </dsp:spPr>
+      <dsp:style>
+        <a:lnRef idx="0">
+          <a:scrgbClr r="0" g="0" b="0"/>
+        </a:lnRef>
+        <a:fillRef idx="1">
+          <a:scrgbClr r="0" g="0" b="0"/>
+        </a:fillRef>
+        <a:effectRef idx="0">
+          <a:scrgbClr r="0" g="0" b="0"/>
+        </a:effectRef>
+        <a:fontRef idx="minor"/>
+      </dsp:style>
+    </dsp:sp>
+    <dsp:sp modelId="{F9BF74D2-EABA-43E4-A2EC-4E41528C572C}">
+      <dsp:nvSpPr>
+        <dsp:cNvPr id="0" name=""/>
+        <dsp:cNvSpPr/>
+      </dsp:nvSpPr>
+      <dsp:spPr>
+        <a:xfrm>
+          <a:off x="430272" y="2098633"/>
+          <a:ext cx="782314" cy="782314"/>
+        </a:xfrm>
+        <a:prstGeom prst="rect">
+          <a:avLst/>
+        </a:prstGeom>
+        <a:blipFill>
+          <a:blip xmlns:r="http://schemas.openxmlformats.org/officeDocument/2006/relationships" r:embed="rId3">
+            <a:extLst>
+              <a:ext uri="{28A0092B-C50C-407E-A947-70E740481C1C}">
+                <a14:useLocalDpi xmlns:a14="http://schemas.microsoft.com/office/drawing/2010/main" val="0"/>
+              </a:ext>
+              <a:ext uri="{96DAC541-7B7A-43D3-8B79-37D633B846F1}">
+                <asvg:svgBlip xmlns:asvg="http://schemas.microsoft.com/office/drawing/2016/SVG/main" r:embed="rId4"/>
+              </a:ext>
+            </a:extLst>
+          </a:blip>
+          <a:stretch>
+            <a:fillRect/>
+          </a:stretch>
+        </a:blipFill>
+        <a:ln w="19050" cap="rnd" cmpd="sng" algn="ctr">
+          <a:noFill/>
+          <a:prstDash val="solid"/>
+        </a:ln>
+        <a:effectLst/>
+      </dsp:spPr>
+      <dsp:style>
+        <a:lnRef idx="2">
+          <a:scrgbClr r="0" g="0" b="0"/>
+        </a:lnRef>
+        <a:fillRef idx="1">
+          <a:scrgbClr r="0" g="0" b="0"/>
+        </a:fillRef>
+        <a:effectRef idx="0">
+          <a:scrgbClr r="0" g="0" b="0"/>
+        </a:effectRef>
+        <a:fontRef idx="minor">
+          <a:schemeClr val="lt1"/>
+        </a:fontRef>
+      </dsp:style>
+    </dsp:sp>
+    <dsp:sp modelId="{58F74EC9-155C-4B15-8065-C4A40DAB3614}">
+      <dsp:nvSpPr>
+        <dsp:cNvPr id="0" name=""/>
+        <dsp:cNvSpPr/>
+      </dsp:nvSpPr>
+      <dsp:spPr>
+        <a:xfrm>
+          <a:off x="1642860" y="1778595"/>
+          <a:ext cx="4985943" cy="1422390"/>
+        </a:xfrm>
+        <a:prstGeom prst="rect">
+          <a:avLst/>
+        </a:prstGeom>
+        <a:noFill/>
+        <a:ln>
+          <a:noFill/>
+        </a:ln>
+        <a:effectLst/>
+      </dsp:spPr>
+      <dsp:style>
+        <a:lnRef idx="0">
+          <a:scrgbClr r="0" g="0" b="0"/>
+        </a:lnRef>
+        <a:fillRef idx="0">
+          <a:scrgbClr r="0" g="0" b="0"/>
+        </a:fillRef>
+        <a:effectRef idx="0">
+          <a:scrgbClr r="0" g="0" b="0"/>
+        </a:effectRef>
+        <a:fontRef idx="minor"/>
+      </dsp:style>
+      <dsp:txBody>
+        <a:bodyPr spcFirstLastPara="0" vert="horz" wrap="square" lIns="150536" tIns="150536" rIns="150536" bIns="150536" numCol="1" spcCol="1270" anchor="ctr" anchorCtr="0">
+          <a:noAutofit/>
+        </a:bodyPr>
+        <a:lstStyle/>
+        <a:p>
+          <a:pPr marL="0" lvl="0" indent="0" algn="l" defTabSz="1111250">
+            <a:lnSpc>
+              <a:spcPct val="90000"/>
+            </a:lnSpc>
+            <a:spcBef>
+              <a:spcPct val="0"/>
+            </a:spcBef>
+            <a:spcAft>
+              <a:spcPct val="35000"/>
+            </a:spcAft>
+            <a:buNone/>
+          </a:pPr>
+          <a:r>
+            <a:rPr lang="en-US" sz="2500" kern="1200"/>
+            <a:t>Lab: Learn git vs. GitHub and their combined capabilities</a:t>
+          </a:r>
+        </a:p>
+      </dsp:txBody>
+      <dsp:txXfrm>
+        <a:off x="1642860" y="1778595"/>
+        <a:ext cx="4985943" cy="1422390"/>
+      </dsp:txXfrm>
+    </dsp:sp>
+    <dsp:sp modelId="{51DEC00C-28B1-4A0C-9961-A85DEBC9457F}">
+      <dsp:nvSpPr>
+        <dsp:cNvPr id="0" name=""/>
+        <dsp:cNvSpPr/>
+      </dsp:nvSpPr>
+      <dsp:spPr>
+        <a:xfrm>
+          <a:off x="0" y="3556583"/>
+          <a:ext cx="6628804" cy="1422390"/>
+        </a:xfrm>
+        <a:prstGeom prst="roundRect">
+          <a:avLst>
+            <a:gd name="adj" fmla="val 10000"/>
+          </a:avLst>
+        </a:prstGeom>
+        <a:solidFill>
+          <a:schemeClr val="bg1">
+            <a:lumMod val="95000"/>
+            <a:hueOff val="0"/>
+            <a:satOff val="0"/>
+            <a:lumOff val="0"/>
+            <a:alphaOff val="0"/>
+          </a:schemeClr>
+        </a:solidFill>
+        <a:ln>
+          <a:noFill/>
+        </a:ln>
+        <a:effectLst/>
+      </dsp:spPr>
+      <dsp:style>
+        <a:lnRef idx="0">
+          <a:scrgbClr r="0" g="0" b="0"/>
+        </a:lnRef>
+        <a:fillRef idx="1">
+          <a:scrgbClr r="0" g="0" b="0"/>
+        </a:fillRef>
+        <a:effectRef idx="0">
+          <a:scrgbClr r="0" g="0" b="0"/>
+        </a:effectRef>
+        <a:fontRef idx="minor"/>
+      </dsp:style>
+    </dsp:sp>
+    <dsp:sp modelId="{5F3814F6-DC13-462D-AC20-7BD385C708FF}">
+      <dsp:nvSpPr>
+        <dsp:cNvPr id="0" name=""/>
+        <dsp:cNvSpPr/>
+      </dsp:nvSpPr>
+      <dsp:spPr>
+        <a:xfrm>
+          <a:off x="430272" y="3876620"/>
+          <a:ext cx="782314" cy="782314"/>
+        </a:xfrm>
+        <a:prstGeom prst="rect">
+          <a:avLst/>
+        </a:prstGeom>
+        <a:blipFill>
+          <a:blip xmlns:r="http://schemas.openxmlformats.org/officeDocument/2006/relationships" r:embed="rId5">
+            <a:extLst>
+              <a:ext uri="{28A0092B-C50C-407E-A947-70E740481C1C}">
+                <a14:useLocalDpi xmlns:a14="http://schemas.microsoft.com/office/drawing/2010/main" val="0"/>
+              </a:ext>
+              <a:ext uri="{96DAC541-7B7A-43D3-8B79-37D633B846F1}">
+                <asvg:svgBlip xmlns:asvg="http://schemas.microsoft.com/office/drawing/2016/SVG/main" r:embed="rId6"/>
+              </a:ext>
+            </a:extLst>
+          </a:blip>
+          <a:stretch>
+            <a:fillRect/>
+          </a:stretch>
+        </a:blipFill>
+        <a:ln w="19050" cap="rnd" cmpd="sng" algn="ctr">
+          <a:noFill/>
+          <a:prstDash val="solid"/>
+        </a:ln>
+        <a:effectLst/>
+      </dsp:spPr>
+      <dsp:style>
+        <a:lnRef idx="2">
+          <a:scrgbClr r="0" g="0" b="0"/>
+        </a:lnRef>
+        <a:fillRef idx="1">
+          <a:scrgbClr r="0" g="0" b="0"/>
+        </a:fillRef>
+        <a:effectRef idx="0">
+          <a:scrgbClr r="0" g="0" b="0"/>
+        </a:effectRef>
+        <a:fontRef idx="minor">
+          <a:schemeClr val="lt1"/>
+        </a:fontRef>
+      </dsp:style>
+    </dsp:sp>
+    <dsp:sp modelId="{1B4E88F3-3DBB-49BB-BF49-9967DB20B5DA}">
+      <dsp:nvSpPr>
+        <dsp:cNvPr id="0" name=""/>
+        <dsp:cNvSpPr/>
+      </dsp:nvSpPr>
+      <dsp:spPr>
+        <a:xfrm>
+          <a:off x="1642860" y="3556583"/>
+          <a:ext cx="4985943" cy="1422390"/>
+        </a:xfrm>
+        <a:prstGeom prst="rect">
+          <a:avLst/>
+        </a:prstGeom>
+        <a:noFill/>
+        <a:ln>
+          <a:noFill/>
+        </a:ln>
+        <a:effectLst/>
+      </dsp:spPr>
+      <dsp:style>
+        <a:lnRef idx="0">
+          <a:scrgbClr r="0" g="0" b="0"/>
+        </a:lnRef>
+        <a:fillRef idx="0">
+          <a:scrgbClr r="0" g="0" b="0"/>
+        </a:fillRef>
+        <a:effectRef idx="0">
+          <a:scrgbClr r="0" g="0" b="0"/>
+        </a:effectRef>
+        <a:fontRef idx="minor"/>
+      </dsp:style>
+      <dsp:txBody>
+        <a:bodyPr spcFirstLastPara="0" vert="horz" wrap="square" lIns="150536" tIns="150536" rIns="150536" bIns="150536" numCol="1" spcCol="1270" anchor="ctr" anchorCtr="0">
+          <a:noAutofit/>
+        </a:bodyPr>
+        <a:lstStyle/>
+        <a:p>
+          <a:pPr marL="0" lvl="0" indent="0" algn="l" defTabSz="1111250">
+            <a:lnSpc>
+              <a:spcPct val="90000"/>
+            </a:lnSpc>
+            <a:spcBef>
+              <a:spcPct val="0"/>
+            </a:spcBef>
+            <a:spcAft>
+              <a:spcPct val="35000"/>
+            </a:spcAft>
+            <a:buNone/>
+          </a:pPr>
+          <a:r>
+            <a:rPr lang="en-US" sz="2500" kern="1200"/>
+            <a:t>Homework: Prepare to give a short (3–5 mins) presentation next week on your data</a:t>
+          </a:r>
+        </a:p>
+      </dsp:txBody>
+      <dsp:txXfrm>
+        <a:off x="1642860" y="3556583"/>
+        <a:ext cx="4985943" cy="1422390"/>
+      </dsp:txXfrm>
+    </dsp:sp>
+  </dsp:spTree>
+</dsp:drawing>
+</file>
+
+<file path=ppt/diagrams/drawing2.xml><?xml version="1.0" encoding="utf-8"?>
 <dsp:drawing xmlns:dgm="http://schemas.openxmlformats.org/drawingml/2006/diagram" xmlns:dsp="http://schemas.microsoft.com/office/drawing/2008/diagram" xmlns:a="http://schemas.openxmlformats.org/drawingml/2006/main">
   <dsp:spTree>
     <dsp:nvGrpSpPr>
@@ -1983,6 +3692,300 @@
 </file>
 
 <file path=ppt/diagrams/layout1.xml><?xml version="1.0" encoding="utf-8"?>
+<dgm:layoutDef xmlns:dgm="http://schemas.openxmlformats.org/drawingml/2006/diagram" xmlns:a="http://schemas.openxmlformats.org/drawingml/2006/main" uniqueId="urn:microsoft.com/office/officeart/2018/2/layout/IconVerticalSolidList">
+  <dgm:title val="Icon Vertical Solid List"/>
+  <dgm:desc val="Use to show a series of visuals from top to bottom with Level 1 or Level 1 and Level 2 text grouped in a shape. Works best with icons or small pictures with lengthier descriptions."/>
+  <dgm:catLst>
+    <dgm:cat type="icon" pri="500"/>
+  </dgm:catLst>
+  <dgm:sampData useDef="1">
+    <dgm:dataModel>
+      <dgm:ptLst/>
+      <dgm:bg/>
+      <dgm:whole/>
+    </dgm:dataModel>
+  </dgm:sampData>
+  <dgm:styleData useDef="1">
+    <dgm:dataModel>
+      <dgm:ptLst/>
+      <dgm:bg/>
+      <dgm:whole/>
+    </dgm:dataModel>
+  </dgm:styleData>
+  <dgm:clrData useDef="1">
+    <dgm:dataModel>
+      <dgm:ptLst/>
+      <dgm:bg/>
+      <dgm:whole/>
+    </dgm:dataModel>
+  </dgm:clrData>
+  <dgm:layoutNode name="root">
+    <dgm:varLst>
+      <dgm:dir/>
+      <dgm:resizeHandles val="exact"/>
+    </dgm:varLst>
+    <dgm:choose name="Name0">
+      <dgm:if name="Name1" axis="self" func="var" arg="dir" op="equ" val="norm">
+        <dgm:alg type="lin">
+          <dgm:param type="linDir" val="fromT"/>
+          <dgm:param type="nodeHorzAlign" val="l"/>
+        </dgm:alg>
+      </dgm:if>
+      <dgm:else name="Name2">
+        <dgm:alg type="lin">
+          <dgm:param type="linDir" val="fromT"/>
+          <dgm:param type="nodeHorzAlign" val="r"/>
+        </dgm:alg>
+      </dgm:else>
+    </dgm:choose>
+    <dgm:shape xmlns:r="http://schemas.openxmlformats.org/officeDocument/2006/relationships" r:blip="">
+      <dgm:adjLst/>
+    </dgm:shape>
+    <dgm:presOf/>
+    <dgm:choose name="Name3">
+      <dgm:if name="Name4" axis="ch" ptType="node" func="cnt" op="lte" val="3">
+        <dgm:constrLst>
+          <dgm:constr type="h" for="ch" forName="compNode" refType="h" fact="0.3"/>
+          <dgm:constr type="w" for="ch" forName="compNode" refType="w"/>
+          <dgm:constr type="h" for="ch" forName="sibTrans" refType="h" refFor="ch" refForName="compNode" fact="0.25"/>
+          <dgm:constr type="primFontSz" for="des" forName="parTx" val="25"/>
+          <dgm:constr type="primFontSz" for="des" forName="desTx" refType="primFontSz" refFor="des" refForName="parTx" op="lte" fact="0.75"/>
+          <dgm:constr type="h" for="des" forName="compNode" op="equ"/>
+          <dgm:constr type="h" for="des" forName="bgRect" op="equ"/>
+          <dgm:constr type="h" for="des" forName="iconRect" op="equ"/>
+          <dgm:constr type="w" for="des" forName="iconRect" op="equ"/>
+          <dgm:constr type="h" for="des" forName="spaceRect" op="equ"/>
+          <dgm:constr type="h" for="des" forName="parTx" op="equ"/>
+          <dgm:constr type="h" for="des" forName="desTx" op="equ"/>
+        </dgm:constrLst>
+      </dgm:if>
+      <dgm:if name="Name5" axis="ch" ptType="node" func="cnt" op="lte" val="4">
+        <dgm:constrLst>
+          <dgm:constr type="h" for="ch" forName="compNode" refType="h" fact="0.3"/>
+          <dgm:constr type="w" for="ch" forName="compNode" refType="w"/>
+          <dgm:constr type="h" for="ch" forName="sibTrans" refType="h" refFor="ch" refForName="compNode" fact="0.25"/>
+          <dgm:constr type="primFontSz" for="des" forName="parTx" val="22"/>
+          <dgm:constr type="primFontSz" for="des" forName="desTx" refType="primFontSz" refFor="des" refForName="parTx" op="lte" fact="0.75"/>
+          <dgm:constr type="h" for="des" forName="compNode" op="equ"/>
+          <dgm:constr type="h" for="des" forName="bgRect" op="equ"/>
+          <dgm:constr type="h" for="des" forName="iconRect" op="equ"/>
+          <dgm:constr type="w" for="des" forName="iconRect" op="equ"/>
+          <dgm:constr type="h" for="des" forName="spaceRect" op="equ"/>
+          <dgm:constr type="h" for="des" forName="parTx" op="equ"/>
+          <dgm:constr type="h" for="des" forName="desTx" op="equ"/>
+        </dgm:constrLst>
+      </dgm:if>
+      <dgm:if name="Name6" axis="ch" ptType="node" func="cnt" op="lte" val="6">
+        <dgm:constrLst>
+          <dgm:constr type="h" for="ch" forName="compNode" refType="h" fact="0.3"/>
+          <dgm:constr type="w" for="ch" forName="compNode" refType="w"/>
+          <dgm:constr type="h" for="ch" forName="sibTrans" refType="h" refFor="ch" refForName="compNode" fact="0.25"/>
+          <dgm:constr type="primFontSz" for="des" forName="parTx" val="19"/>
+          <dgm:constr type="primFontSz" for="des" forName="desTx" refType="primFontSz" refFor="des" refForName="parTx" op="lte" fact="0.75"/>
+          <dgm:constr type="h" for="des" forName="compNode" op="equ"/>
+          <dgm:constr type="h" for="des" forName="bgRect" op="equ"/>
+          <dgm:constr type="h" for="des" forName="iconRect" op="equ"/>
+          <dgm:constr type="w" for="des" forName="iconRect" op="equ"/>
+          <dgm:constr type="h" for="des" forName="spaceRect" op="equ"/>
+          <dgm:constr type="h" for="des" forName="parTx" op="equ"/>
+          <dgm:constr type="h" for="des" forName="desTx" op="equ"/>
+        </dgm:constrLst>
+      </dgm:if>
+      <dgm:else name="Name7">
+        <dgm:constrLst>
+          <dgm:constr type="h" for="ch" forName="compNode" refType="h" fact="0.3"/>
+          <dgm:constr type="w" for="ch" forName="compNode" refType="w"/>
+          <dgm:constr type="h" for="ch" forName="sibTrans" refType="h" refFor="ch" refForName="compNode" fact="0.25"/>
+          <dgm:constr type="primFontSz" for="des" forName="parTx" val="16"/>
+          <dgm:constr type="primFontSz" for="des" forName="desTx" refType="primFontSz" refFor="des" refForName="parTx" op="lte" fact="0.75"/>
+          <dgm:constr type="h" for="des" forName="compNode" op="equ"/>
+          <dgm:constr type="h" for="des" forName="bgRect" op="equ"/>
+          <dgm:constr type="h" for="des" forName="iconRect" op="equ"/>
+          <dgm:constr type="w" for="des" forName="iconRect" op="equ"/>
+          <dgm:constr type="h" for="des" forName="spaceRect" op="equ"/>
+          <dgm:constr type="h" for="des" forName="parTx" op="equ"/>
+          <dgm:constr type="h" for="des" forName="desTx" op="equ"/>
+        </dgm:constrLst>
+      </dgm:else>
+    </dgm:choose>
+    <dgm:ruleLst>
+      <dgm:rule type="h" for="ch" forName="compNode" val="0" fact="NaN" max="NaN"/>
+    </dgm:ruleLst>
+    <dgm:forEach name="Name8" axis="ch" ptType="node">
+      <dgm:layoutNode name="compNode">
+        <dgm:alg type="composite"/>
+        <dgm:shape xmlns:r="http://schemas.openxmlformats.org/officeDocument/2006/relationships" r:blip="">
+          <dgm:adjLst/>
+        </dgm:shape>
+        <dgm:presOf axis="self"/>
+        <dgm:choose name="Name9">
+          <dgm:if name="Name10" axis="ch" ptType="node" func="cnt" op="gte" val="1">
+            <dgm:constrLst>
+              <dgm:constr type="w" for="ch" forName="bgRect" refType="w"/>
+              <dgm:constr type="h" for="ch" forName="bgRect" refType="h"/>
+              <dgm:constr type="l" for="ch" forName="bgRect"/>
+              <dgm:constr type="t" for="ch" forName="bgRect"/>
+              <dgm:constr type="h" for="ch" forName="iconRect" refType="h" fact="0.55"/>
+              <dgm:constr type="w" for="ch" forName="iconRect" refType="h" refFor="ch" refForName="iconRect"/>
+              <dgm:constr type="l" for="ch" forName="iconRect" refType="h" refFor="ch" refForName="iconRect" fact="0.55"/>
+              <dgm:constr type="ctrY" for="ch" forName="iconRect" refType="ctrY" refFor="ch" refForName="bgRect"/>
+              <dgm:constr type="w" for="ch" forName="spaceRect" refType="l" refFor="ch" refForName="iconRect"/>
+              <dgm:constr type="h" for="ch" forName="spaceRect" refType="h"/>
+              <dgm:constr type="l" for="ch" forName="spaceRect" refType="r" refFor="ch" refForName="iconRect"/>
+              <dgm:constr type="t" for="ch" forName="spaceRect"/>
+              <dgm:constr type="w" for="ch" forName="parTx" refType="w" fact="0.45"/>
+              <dgm:constr type="h" for="ch" forName="parTx" refType="h"/>
+              <dgm:constr type="l" for="ch" forName="parTx" refType="r" refFor="ch" refForName="spaceRect"/>
+              <dgm:constr type="t" for="ch" forName="parTx"/>
+              <dgm:constr type="h" for="ch" forName="desTx" refType="h"/>
+              <dgm:constr type="l" for="ch" forName="desTx" refType="r" refFor="ch" refForName="parTx"/>
+              <dgm:constr type="t" for="ch" forName="desTx"/>
+            </dgm:constrLst>
+          </dgm:if>
+          <dgm:else name="Name11">
+            <dgm:constrLst>
+              <dgm:constr type="w" for="ch" forName="bgRect" refType="w"/>
+              <dgm:constr type="h" for="ch" forName="bgRect" refType="h"/>
+              <dgm:constr type="l" for="ch" forName="bgRect"/>
+              <dgm:constr type="t" for="ch" forName="bgRect"/>
+              <dgm:constr type="h" for="ch" forName="iconRect" refType="h" fact="0.55"/>
+              <dgm:constr type="w" for="ch" forName="iconRect" refType="h" refFor="ch" refForName="iconRect"/>
+              <dgm:constr type="l" for="ch" forName="iconRect" refType="h" refFor="ch" refForName="iconRect" fact="0.55"/>
+              <dgm:constr type="ctrY" for="ch" forName="iconRect" refType="ctrY" refFor="ch" refForName="bgRect"/>
+              <dgm:constr type="w" for="ch" forName="spaceRect" refType="l" refFor="ch" refForName="iconRect"/>
+              <dgm:constr type="h" for="ch" forName="spaceRect" refType="h"/>
+              <dgm:constr type="l" for="ch" forName="spaceRect" refType="r" refFor="ch" refForName="iconRect"/>
+              <dgm:constr type="t" for="ch" forName="spaceRect"/>
+              <dgm:constr type="h" for="ch" forName="parTx" refType="h"/>
+              <dgm:constr type="l" for="ch" forName="parTx" refType="r" refFor="ch" refForName="spaceRect"/>
+              <dgm:constr type="t" for="ch" forName="parTx"/>
+            </dgm:constrLst>
+          </dgm:else>
+        </dgm:choose>
+        <dgm:ruleLst>
+          <dgm:rule type="h" val="INF" fact="NaN" max="NaN"/>
+        </dgm:ruleLst>
+        <dgm:layoutNode name="bgRect" styleLbl="bgShp">
+          <dgm:alg type="sp"/>
+          <dgm:shape xmlns:r="http://schemas.openxmlformats.org/officeDocument/2006/relationships" type="roundRect" r:blip="">
+            <dgm:adjLst>
+              <dgm:adj idx="1" val="0.1"/>
+            </dgm:adjLst>
+          </dgm:shape>
+          <dgm:presOf/>
+          <dgm:constrLst/>
+          <dgm:ruleLst/>
+        </dgm:layoutNode>
+        <dgm:layoutNode name="iconRect" styleLbl="node1">
+          <dgm:alg type="sp"/>
+          <dgm:shape xmlns:r="http://schemas.openxmlformats.org/officeDocument/2006/relationships" type="rect" r:blip="" blipPhldr="1">
+            <dgm:adjLst/>
+          </dgm:shape>
+          <dgm:presOf/>
+          <dgm:constrLst/>
+          <dgm:ruleLst/>
+        </dgm:layoutNode>
+        <dgm:layoutNode name="spaceRect">
+          <dgm:alg type="sp"/>
+          <dgm:shape xmlns:r="http://schemas.openxmlformats.org/officeDocument/2006/relationships" r:blip="">
+            <dgm:adjLst/>
+          </dgm:shape>
+          <dgm:presOf/>
+          <dgm:constrLst/>
+          <dgm:ruleLst/>
+        </dgm:layoutNode>
+        <dgm:layoutNode name="parTx" styleLbl="revTx">
+          <dgm:varLst>
+            <dgm:chMax val="0"/>
+            <dgm:chPref val="0"/>
+          </dgm:varLst>
+          <dgm:alg type="tx">
+            <dgm:param type="txAnchorVert" val="mid"/>
+            <dgm:param type="parTxLTRAlign" val="l"/>
+            <dgm:param type="shpTxLTRAlignCh" val="l"/>
+            <dgm:param type="parTxRTLAlign" val="r"/>
+            <dgm:param type="shpTxRTLAlignCh" val="r"/>
+          </dgm:alg>
+          <dgm:shape xmlns:r="http://schemas.openxmlformats.org/officeDocument/2006/relationships" type="rect" r:blip="">
+            <dgm:adjLst/>
+          </dgm:shape>
+          <dgm:presOf axis="self" ptType="node"/>
+          <dgm:constrLst>
+            <dgm:constr type="lMarg" refType="h" fact="0.3"/>
+            <dgm:constr type="rMarg" refType="h" fact="0.3"/>
+            <dgm:constr type="tMarg" refType="h" fact="0.3"/>
+            <dgm:constr type="bMarg" refType="h" fact="0.3"/>
+          </dgm:constrLst>
+          <dgm:ruleLst>
+            <dgm:rule type="primFontSz" val="14" fact="NaN" max="NaN"/>
+            <dgm:rule type="h" val="INF" fact="NaN" max="NaN"/>
+          </dgm:ruleLst>
+        </dgm:layoutNode>
+        <dgm:choose name="Name12">
+          <dgm:if name="Name13" axis="ch" ptType="node" func="cnt" op="gte" val="1">
+            <dgm:layoutNode name="desTx" styleLbl="revTx">
+              <dgm:varLst/>
+              <dgm:alg type="tx">
+                <dgm:param type="txAnchorVertCh" val="mid"/>
+                <dgm:param type="parTxLTRAlign" val="l"/>
+                <dgm:param type="shpTxLTRAlignCh" val="l"/>
+                <dgm:param type="parTxRTLAlign" val="r"/>
+                <dgm:param type="shpTxRTLAlignCh" val="r"/>
+                <dgm:param type="stBulletLvl" val="0"/>
+              </dgm:alg>
+              <dgm:shape xmlns:r="http://schemas.openxmlformats.org/officeDocument/2006/relationships" type="rect" r:blip="">
+                <dgm:adjLst/>
+              </dgm:shape>
+              <dgm:presOf axis="des" ptType="node"/>
+              <dgm:constrLst>
+                <dgm:constr type="primFontSz" val="18"/>
+                <dgm:constr type="secFontSz" refType="primFontSz"/>
+                <dgm:constr type="lMarg" refType="h" fact="0.3"/>
+                <dgm:constr type="rMarg" refType="h" fact="0.3"/>
+                <dgm:constr type="tMarg" refType="h" fact="0.3"/>
+                <dgm:constr type="bMarg" refType="h" fact="0.3"/>
+              </dgm:constrLst>
+              <dgm:ruleLst>
+                <dgm:rule type="primFontSz" val="11" fact="NaN" max="NaN"/>
+              </dgm:ruleLst>
+            </dgm:layoutNode>
+          </dgm:if>
+          <dgm:else name="Name14"/>
+        </dgm:choose>
+      </dgm:layoutNode>
+      <dgm:forEach name="Name15" axis="followSib" ptType="sibTrans" cnt="1">
+        <dgm:layoutNode name="sibTrans">
+          <dgm:alg type="sp"/>
+          <dgm:shape xmlns:r="http://schemas.openxmlformats.org/officeDocument/2006/relationships" r:blip="">
+            <dgm:adjLst/>
+          </dgm:shape>
+          <dgm:presOf axis="self"/>
+          <dgm:constrLst/>
+          <dgm:ruleLst/>
+        </dgm:layoutNode>
+      </dgm:forEach>
+    </dgm:forEach>
+  </dgm:layoutNode>
+  <dgm:extLst>
+    <a:ext uri="{68A01E43-0DF5-4B5B-8FA6-DAF915123BFB}">
+      <dgm1612:lstStyle xmlns:dgm1612="http://schemas.microsoft.com/office/drawing/2016/12/diagram">
+        <a:lvl1pPr>
+          <a:lnSpc>
+            <a:spcPct val="100000"/>
+          </a:lnSpc>
+        </a:lvl1pPr>
+        <a:lvl2pPr>
+          <a:lnSpc>
+            <a:spcPct val="100000"/>
+          </a:lnSpc>
+        </a:lvl2pPr>
+      </dgm1612:lstStyle>
+    </a:ext>
+  </dgm:extLst>
+</dgm:layoutDef>
+</file>
+
+<file path=ppt/diagrams/layout2.xml><?xml version="1.0" encoding="utf-8"?>
 <dgm:layoutDef xmlns:dgm="http://schemas.openxmlformats.org/drawingml/2006/diagram" xmlns:a="http://schemas.openxmlformats.org/drawingml/2006/main" uniqueId="urn:microsoft.com/office/officeart/2005/8/layout/process4">
   <dgm:title val=""/>
   <dgm:desc val=""/>
@@ -2336,6 +4339,1040 @@
 </file>
 
 <file path=ppt/diagrams/quickStyle1.xml><?xml version="1.0" encoding="utf-8"?>
+<dgm:styleDef xmlns:dgm="http://schemas.openxmlformats.org/drawingml/2006/diagram" xmlns:a="http://schemas.openxmlformats.org/drawingml/2006/main" uniqueId="urn:microsoft.com/office/officeart/2005/8/quickstyle/simple1">
+  <dgm:title val=""/>
+  <dgm:desc val=""/>
+  <dgm:catLst>
+    <dgm:cat type="simple" pri="10100"/>
+  </dgm:catLst>
+  <dgm:scene3d>
+    <a:camera prst="orthographicFront"/>
+    <a:lightRig rig="threePt" dir="t"/>
+  </dgm:scene3d>
+  <dgm:styleLbl name="node0">
+    <dgm:scene3d>
+      <a:camera prst="orthographicFront"/>
+      <a:lightRig rig="threePt" dir="t"/>
+    </dgm:scene3d>
+    <dgm:sp3d/>
+    <dgm:txPr/>
+    <dgm:style>
+      <a:lnRef idx="2">
+        <a:scrgbClr r="0" g="0" b="0"/>
+      </a:lnRef>
+      <a:fillRef idx="1">
+        <a:scrgbClr r="0" g="0" b="0"/>
+      </a:fillRef>
+      <a:effectRef idx="0">
+        <a:scrgbClr r="0" g="0" b="0"/>
+      </a:effectRef>
+      <a:fontRef idx="minor">
+        <a:schemeClr val="lt1"/>
+      </a:fontRef>
+    </dgm:style>
+  </dgm:styleLbl>
+  <dgm:styleLbl name="lnNode1">
+    <dgm:scene3d>
+      <a:camera prst="orthographicFront"/>
+      <a:lightRig rig="threePt" dir="t"/>
+    </dgm:scene3d>
+    <dgm:sp3d/>
+    <dgm:txPr/>
+    <dgm:style>
+      <a:lnRef idx="2">
+        <a:scrgbClr r="0" g="0" b="0"/>
+      </a:lnRef>
+      <a:fillRef idx="1">
+        <a:scrgbClr r="0" g="0" b="0"/>
+      </a:fillRef>
+      <a:effectRef idx="0">
+        <a:scrgbClr r="0" g="0" b="0"/>
+      </a:effectRef>
+      <a:fontRef idx="minor">
+        <a:schemeClr val="lt1"/>
+      </a:fontRef>
+    </dgm:style>
+  </dgm:styleLbl>
+  <dgm:styleLbl name="vennNode1">
+    <dgm:scene3d>
+      <a:camera prst="orthographicFront"/>
+      <a:lightRig rig="threePt" dir="t"/>
+    </dgm:scene3d>
+    <dgm:sp3d/>
+    <dgm:txPr/>
+    <dgm:style>
+      <a:lnRef idx="2">
+        <a:scrgbClr r="0" g="0" b="0"/>
+      </a:lnRef>
+      <a:fillRef idx="1">
+        <a:scrgbClr r="0" g="0" b="0"/>
+      </a:fillRef>
+      <a:effectRef idx="0">
+        <a:scrgbClr r="0" g="0" b="0"/>
+      </a:effectRef>
+      <a:fontRef idx="minor">
+        <a:schemeClr val="tx1"/>
+      </a:fontRef>
+    </dgm:style>
+  </dgm:styleLbl>
+  <dgm:styleLbl name="alignNode1">
+    <dgm:scene3d>
+      <a:camera prst="orthographicFront"/>
+      <a:lightRig rig="threePt" dir="t"/>
+    </dgm:scene3d>
+    <dgm:sp3d/>
+    <dgm:txPr/>
+    <dgm:style>
+      <a:lnRef idx="2">
+        <a:scrgbClr r="0" g="0" b="0"/>
+      </a:lnRef>
+      <a:fillRef idx="1">
+        <a:scrgbClr r="0" g="0" b="0"/>
+      </a:fillRef>
+      <a:effectRef idx="0">
+        <a:scrgbClr r="0" g="0" b="0"/>
+      </a:effectRef>
+      <a:fontRef idx="minor">
+        <a:schemeClr val="lt1"/>
+      </a:fontRef>
+    </dgm:style>
+  </dgm:styleLbl>
+  <dgm:styleLbl name="node1">
+    <dgm:scene3d>
+      <a:camera prst="orthographicFront"/>
+      <a:lightRig rig="threePt" dir="t"/>
+    </dgm:scene3d>
+    <dgm:sp3d/>
+    <dgm:txPr/>
+    <dgm:style>
+      <a:lnRef idx="2">
+        <a:scrgbClr r="0" g="0" b="0"/>
+      </a:lnRef>
+      <a:fillRef idx="1">
+        <a:scrgbClr r="0" g="0" b="0"/>
+      </a:fillRef>
+      <a:effectRef idx="0">
+        <a:scrgbClr r="0" g="0" b="0"/>
+      </a:effectRef>
+      <a:fontRef idx="minor">
+        <a:schemeClr val="lt1"/>
+      </a:fontRef>
+    </dgm:style>
+  </dgm:styleLbl>
+  <dgm:styleLbl name="node2">
+    <dgm:scene3d>
+      <a:camera prst="orthographicFront"/>
+      <a:lightRig rig="threePt" dir="t"/>
+    </dgm:scene3d>
+    <dgm:sp3d/>
+    <dgm:txPr/>
+    <dgm:style>
+      <a:lnRef idx="2">
+        <a:scrgbClr r="0" g="0" b="0"/>
+      </a:lnRef>
+      <a:fillRef idx="1">
+        <a:scrgbClr r="0" g="0" b="0"/>
+      </a:fillRef>
+      <a:effectRef idx="0">
+        <a:scrgbClr r="0" g="0" b="0"/>
+      </a:effectRef>
+      <a:fontRef idx="minor">
+        <a:schemeClr val="lt1"/>
+      </a:fontRef>
+    </dgm:style>
+  </dgm:styleLbl>
+  <dgm:styleLbl name="node3">
+    <dgm:scene3d>
+      <a:camera prst="orthographicFront"/>
+      <a:lightRig rig="threePt" dir="t"/>
+    </dgm:scene3d>
+    <dgm:sp3d/>
+    <dgm:txPr/>
+    <dgm:style>
+      <a:lnRef idx="2">
+        <a:scrgbClr r="0" g="0" b="0"/>
+      </a:lnRef>
+      <a:fillRef idx="1">
+        <a:scrgbClr r="0" g="0" b="0"/>
+      </a:fillRef>
+      <a:effectRef idx="0">
+        <a:scrgbClr r="0" g="0" b="0"/>
+      </a:effectRef>
+      <a:fontRef idx="minor">
+        <a:schemeClr val="lt1"/>
+      </a:fontRef>
+    </dgm:style>
+  </dgm:styleLbl>
+  <dgm:styleLbl name="node4">
+    <dgm:scene3d>
+      <a:camera prst="orthographicFront"/>
+      <a:lightRig rig="threePt" dir="t"/>
+    </dgm:scene3d>
+    <dgm:sp3d/>
+    <dgm:txPr/>
+    <dgm:style>
+      <a:lnRef idx="2">
+        <a:scrgbClr r="0" g="0" b="0"/>
+      </a:lnRef>
+      <a:fillRef idx="1">
+        <a:scrgbClr r="0" g="0" b="0"/>
+      </a:fillRef>
+      <a:effectRef idx="0">
+        <a:scrgbClr r="0" g="0" b="0"/>
+      </a:effectRef>
+      <a:fontRef idx="minor">
+        <a:schemeClr val="lt1"/>
+      </a:fontRef>
+    </dgm:style>
+  </dgm:styleLbl>
+  <dgm:styleLbl name="fgImgPlace1">
+    <dgm:scene3d>
+      <a:camera prst="orthographicFront"/>
+      <a:lightRig rig="threePt" dir="t"/>
+    </dgm:scene3d>
+    <dgm:sp3d/>
+    <dgm:txPr/>
+    <dgm:style>
+      <a:lnRef idx="2">
+        <a:scrgbClr r="0" g="0" b="0"/>
+      </a:lnRef>
+      <a:fillRef idx="1">
+        <a:scrgbClr r="0" g="0" b="0"/>
+      </a:fillRef>
+      <a:effectRef idx="0">
+        <a:scrgbClr r="0" g="0" b="0"/>
+      </a:effectRef>
+      <a:fontRef idx="minor"/>
+    </dgm:style>
+  </dgm:styleLbl>
+  <dgm:styleLbl name="alignImgPlace1">
+    <dgm:scene3d>
+      <a:camera prst="orthographicFront"/>
+      <a:lightRig rig="threePt" dir="t"/>
+    </dgm:scene3d>
+    <dgm:sp3d/>
+    <dgm:txPr/>
+    <dgm:style>
+      <a:lnRef idx="2">
+        <a:scrgbClr r="0" g="0" b="0"/>
+      </a:lnRef>
+      <a:fillRef idx="1">
+        <a:scrgbClr r="0" g="0" b="0"/>
+      </a:fillRef>
+      <a:effectRef idx="0">
+        <a:scrgbClr r="0" g="0" b="0"/>
+      </a:effectRef>
+      <a:fontRef idx="minor"/>
+    </dgm:style>
+  </dgm:styleLbl>
+  <dgm:styleLbl name="bgImgPlace1">
+    <dgm:scene3d>
+      <a:camera prst="orthographicFront"/>
+      <a:lightRig rig="threePt" dir="t"/>
+    </dgm:scene3d>
+    <dgm:sp3d/>
+    <dgm:txPr/>
+    <dgm:style>
+      <a:lnRef idx="2">
+        <a:scrgbClr r="0" g="0" b="0"/>
+      </a:lnRef>
+      <a:fillRef idx="1">
+        <a:scrgbClr r="0" g="0" b="0"/>
+      </a:fillRef>
+      <a:effectRef idx="0">
+        <a:scrgbClr r="0" g="0" b="0"/>
+      </a:effectRef>
+      <a:fontRef idx="minor"/>
+    </dgm:style>
+  </dgm:styleLbl>
+  <dgm:styleLbl name="sibTrans2D1">
+    <dgm:scene3d>
+      <a:camera prst="orthographicFront"/>
+      <a:lightRig rig="threePt" dir="t"/>
+    </dgm:scene3d>
+    <dgm:sp3d/>
+    <dgm:txPr/>
+    <dgm:style>
+      <a:lnRef idx="0">
+        <a:scrgbClr r="0" g="0" b="0"/>
+      </a:lnRef>
+      <a:fillRef idx="1">
+        <a:scrgbClr r="0" g="0" b="0"/>
+      </a:fillRef>
+      <a:effectRef idx="0">
+        <a:scrgbClr r="0" g="0" b="0"/>
+      </a:effectRef>
+      <a:fontRef idx="minor">
+        <a:schemeClr val="lt1"/>
+      </a:fontRef>
+    </dgm:style>
+  </dgm:styleLbl>
+  <dgm:styleLbl name="fgSibTrans2D1">
+    <dgm:scene3d>
+      <a:camera prst="orthographicFront"/>
+      <a:lightRig rig="threePt" dir="t"/>
+    </dgm:scene3d>
+    <dgm:sp3d/>
+    <dgm:txPr/>
+    <dgm:style>
+      <a:lnRef idx="0">
+        <a:scrgbClr r="0" g="0" b="0"/>
+      </a:lnRef>
+      <a:fillRef idx="1">
+        <a:scrgbClr r="0" g="0" b="0"/>
+      </a:fillRef>
+      <a:effectRef idx="0">
+        <a:scrgbClr r="0" g="0" b="0"/>
+      </a:effectRef>
+      <a:fontRef idx="minor">
+        <a:schemeClr val="lt1"/>
+      </a:fontRef>
+    </dgm:style>
+  </dgm:styleLbl>
+  <dgm:styleLbl name="bgSibTrans2D1">
+    <dgm:scene3d>
+      <a:camera prst="orthographicFront"/>
+      <a:lightRig rig="threePt" dir="t"/>
+    </dgm:scene3d>
+    <dgm:sp3d/>
+    <dgm:txPr/>
+    <dgm:style>
+      <a:lnRef idx="0">
+        <a:scrgbClr r="0" g="0" b="0"/>
+      </a:lnRef>
+      <a:fillRef idx="1">
+        <a:scrgbClr r="0" g="0" b="0"/>
+      </a:fillRef>
+      <a:effectRef idx="0">
+        <a:scrgbClr r="0" g="0" b="0"/>
+      </a:effectRef>
+      <a:fontRef idx="minor">
+        <a:schemeClr val="lt1"/>
+      </a:fontRef>
+    </dgm:style>
+  </dgm:styleLbl>
+  <dgm:styleLbl name="sibTrans1D1">
+    <dgm:scene3d>
+      <a:camera prst="orthographicFront"/>
+      <a:lightRig rig="threePt" dir="t"/>
+    </dgm:scene3d>
+    <dgm:sp3d/>
+    <dgm:txPr/>
+    <dgm:style>
+      <a:lnRef idx="1">
+        <a:scrgbClr r="0" g="0" b="0"/>
+      </a:lnRef>
+      <a:fillRef idx="0">
+        <a:scrgbClr r="0" g="0" b="0"/>
+      </a:fillRef>
+      <a:effectRef idx="0">
+        <a:scrgbClr r="0" g="0" b="0"/>
+      </a:effectRef>
+      <a:fontRef idx="minor"/>
+    </dgm:style>
+  </dgm:styleLbl>
+  <dgm:styleLbl name="callout">
+    <dgm:scene3d>
+      <a:camera prst="orthographicFront"/>
+      <a:lightRig rig="threePt" dir="t"/>
+    </dgm:scene3d>
+    <dgm:sp3d/>
+    <dgm:txPr/>
+    <dgm:style>
+      <a:lnRef idx="2">
+        <a:scrgbClr r="0" g="0" b="0"/>
+      </a:lnRef>
+      <a:fillRef idx="1">
+        <a:scrgbClr r="0" g="0" b="0"/>
+      </a:fillRef>
+      <a:effectRef idx="0">
+        <a:scrgbClr r="0" g="0" b="0"/>
+      </a:effectRef>
+      <a:fontRef idx="minor"/>
+    </dgm:style>
+  </dgm:styleLbl>
+  <dgm:styleLbl name="asst0">
+    <dgm:scene3d>
+      <a:camera prst="orthographicFront"/>
+      <a:lightRig rig="threePt" dir="t"/>
+    </dgm:scene3d>
+    <dgm:sp3d/>
+    <dgm:txPr/>
+    <dgm:style>
+      <a:lnRef idx="2">
+        <a:scrgbClr r="0" g="0" b="0"/>
+      </a:lnRef>
+      <a:fillRef idx="1">
+        <a:scrgbClr r="0" g="0" b="0"/>
+      </a:fillRef>
+      <a:effectRef idx="0">
+        <a:scrgbClr r="0" g="0" b="0"/>
+      </a:effectRef>
+      <a:fontRef idx="minor">
+        <a:schemeClr val="lt1"/>
+      </a:fontRef>
+    </dgm:style>
+  </dgm:styleLbl>
+  <dgm:styleLbl name="asst1">
+    <dgm:scene3d>
+      <a:camera prst="orthographicFront"/>
+      <a:lightRig rig="threePt" dir="t"/>
+    </dgm:scene3d>
+    <dgm:sp3d/>
+    <dgm:txPr/>
+    <dgm:style>
+      <a:lnRef idx="2">
+        <a:scrgbClr r="0" g="0" b="0"/>
+      </a:lnRef>
+      <a:fillRef idx="1">
+        <a:scrgbClr r="0" g="0" b="0"/>
+      </a:fillRef>
+      <a:effectRef idx="0">
+        <a:scrgbClr r="0" g="0" b="0"/>
+      </a:effectRef>
+      <a:fontRef idx="minor">
+        <a:schemeClr val="lt1"/>
+      </a:fontRef>
+    </dgm:style>
+  </dgm:styleLbl>
+  <dgm:styleLbl name="asst2">
+    <dgm:scene3d>
+      <a:camera prst="orthographicFront"/>
+      <a:lightRig rig="threePt" dir="t"/>
+    </dgm:scene3d>
+    <dgm:sp3d/>
+    <dgm:txPr/>
+    <dgm:style>
+      <a:lnRef idx="2">
+        <a:scrgbClr r="0" g="0" b="0"/>
+      </a:lnRef>
+      <a:fillRef idx="1">
+        <a:scrgbClr r="0" g="0" b="0"/>
+      </a:fillRef>
+      <a:effectRef idx="0">
+        <a:scrgbClr r="0" g="0" b="0"/>
+      </a:effectRef>
+      <a:fontRef idx="minor">
+        <a:schemeClr val="lt1"/>
+      </a:fontRef>
+    </dgm:style>
+  </dgm:styleLbl>
+  <dgm:styleLbl name="asst3">
+    <dgm:scene3d>
+      <a:camera prst="orthographicFront"/>
+      <a:lightRig rig="threePt" dir="t"/>
+    </dgm:scene3d>
+    <dgm:sp3d/>
+    <dgm:txPr/>
+    <dgm:style>
+      <a:lnRef idx="2">
+        <a:scrgbClr r="0" g="0" b="0"/>
+      </a:lnRef>
+      <a:fillRef idx="1">
+        <a:scrgbClr r="0" g="0" b="0"/>
+      </a:fillRef>
+      <a:effectRef idx="0">
+        <a:scrgbClr r="0" g="0" b="0"/>
+      </a:effectRef>
+      <a:fontRef idx="minor">
+        <a:schemeClr val="lt1"/>
+      </a:fontRef>
+    </dgm:style>
+  </dgm:styleLbl>
+  <dgm:styleLbl name="asst4">
+    <dgm:scene3d>
+      <a:camera prst="orthographicFront"/>
+      <a:lightRig rig="threePt" dir="t"/>
+    </dgm:scene3d>
+    <dgm:sp3d/>
+    <dgm:txPr/>
+    <dgm:style>
+      <a:lnRef idx="2">
+        <a:scrgbClr r="0" g="0" b="0"/>
+      </a:lnRef>
+      <a:fillRef idx="1">
+        <a:scrgbClr r="0" g="0" b="0"/>
+      </a:fillRef>
+      <a:effectRef idx="0">
+        <a:scrgbClr r="0" g="0" b="0"/>
+      </a:effectRef>
+      <a:fontRef idx="minor">
+        <a:schemeClr val="lt1"/>
+      </a:fontRef>
+    </dgm:style>
+  </dgm:styleLbl>
+  <dgm:styleLbl name="parChTrans2D1">
+    <dgm:scene3d>
+      <a:camera prst="orthographicFront"/>
+      <a:lightRig rig="threePt" dir="t"/>
+    </dgm:scene3d>
+    <dgm:sp3d/>
+    <dgm:txPr/>
+    <dgm:style>
+      <a:lnRef idx="2">
+        <a:scrgbClr r="0" g="0" b="0"/>
+      </a:lnRef>
+      <a:fillRef idx="1">
+        <a:scrgbClr r="0" g="0" b="0"/>
+      </a:fillRef>
+      <a:effectRef idx="0">
+        <a:scrgbClr r="0" g="0" b="0"/>
+      </a:effectRef>
+      <a:fontRef idx="minor">
+        <a:schemeClr val="lt1"/>
+      </a:fontRef>
+    </dgm:style>
+  </dgm:styleLbl>
+  <dgm:styleLbl name="parChTrans2D2">
+    <dgm:scene3d>
+      <a:camera prst="orthographicFront"/>
+      <a:lightRig rig="threePt" dir="t"/>
+    </dgm:scene3d>
+    <dgm:sp3d/>
+    <dgm:txPr/>
+    <dgm:style>
+      <a:lnRef idx="2">
+        <a:scrgbClr r="0" g="0" b="0"/>
+      </a:lnRef>
+      <a:fillRef idx="1">
+        <a:scrgbClr r="0" g="0" b="0"/>
+      </a:fillRef>
+      <a:effectRef idx="0">
+        <a:scrgbClr r="0" g="0" b="0"/>
+      </a:effectRef>
+      <a:fontRef idx="minor">
+        <a:schemeClr val="lt1"/>
+      </a:fontRef>
+    </dgm:style>
+  </dgm:styleLbl>
+  <dgm:styleLbl name="parChTrans2D3">
+    <dgm:scene3d>
+      <a:camera prst="orthographicFront"/>
+      <a:lightRig rig="threePt" dir="t"/>
+    </dgm:scene3d>
+    <dgm:sp3d/>
+    <dgm:txPr/>
+    <dgm:style>
+      <a:lnRef idx="2">
+        <a:scrgbClr r="0" g="0" b="0"/>
+      </a:lnRef>
+      <a:fillRef idx="1">
+        <a:scrgbClr r="0" g="0" b="0"/>
+      </a:fillRef>
+      <a:effectRef idx="0">
+        <a:scrgbClr r="0" g="0" b="0"/>
+      </a:effectRef>
+      <a:fontRef idx="minor">
+        <a:schemeClr val="lt1"/>
+      </a:fontRef>
+    </dgm:style>
+  </dgm:styleLbl>
+  <dgm:styleLbl name="parChTrans2D4">
+    <dgm:scene3d>
+      <a:camera prst="orthographicFront"/>
+      <a:lightRig rig="threePt" dir="t"/>
+    </dgm:scene3d>
+    <dgm:sp3d/>
+    <dgm:txPr/>
+    <dgm:style>
+      <a:lnRef idx="2">
+        <a:scrgbClr r="0" g="0" b="0"/>
+      </a:lnRef>
+      <a:fillRef idx="1">
+        <a:scrgbClr r="0" g="0" b="0"/>
+      </a:fillRef>
+      <a:effectRef idx="0">
+        <a:scrgbClr r="0" g="0" b="0"/>
+      </a:effectRef>
+      <a:fontRef idx="minor">
+        <a:schemeClr val="lt1"/>
+      </a:fontRef>
+    </dgm:style>
+  </dgm:styleLbl>
+  <dgm:styleLbl name="parChTrans1D1">
+    <dgm:scene3d>
+      <a:camera prst="orthographicFront"/>
+      <a:lightRig rig="threePt" dir="t"/>
+    </dgm:scene3d>
+    <dgm:sp3d/>
+    <dgm:txPr/>
+    <dgm:style>
+      <a:lnRef idx="2">
+        <a:scrgbClr r="0" g="0" b="0"/>
+      </a:lnRef>
+      <a:fillRef idx="0">
+        <a:scrgbClr r="0" g="0" b="0"/>
+      </a:fillRef>
+      <a:effectRef idx="0">
+        <a:scrgbClr r="0" g="0" b="0"/>
+      </a:effectRef>
+      <a:fontRef idx="minor"/>
+    </dgm:style>
+  </dgm:styleLbl>
+  <dgm:styleLbl name="parChTrans1D2">
+    <dgm:scene3d>
+      <a:camera prst="orthographicFront"/>
+      <a:lightRig rig="threePt" dir="t"/>
+    </dgm:scene3d>
+    <dgm:sp3d/>
+    <dgm:txPr/>
+    <dgm:style>
+      <a:lnRef idx="2">
+        <a:scrgbClr r="0" g="0" b="0"/>
+      </a:lnRef>
+      <a:fillRef idx="0">
+        <a:scrgbClr r="0" g="0" b="0"/>
+      </a:fillRef>
+      <a:effectRef idx="0">
+        <a:scrgbClr r="0" g="0" b="0"/>
+      </a:effectRef>
+      <a:fontRef idx="minor"/>
+    </dgm:style>
+  </dgm:styleLbl>
+  <dgm:styleLbl name="parChTrans1D3">
+    <dgm:scene3d>
+      <a:camera prst="orthographicFront"/>
+      <a:lightRig rig="threePt" dir="t"/>
+    </dgm:scene3d>
+    <dgm:sp3d/>
+    <dgm:txPr/>
+    <dgm:style>
+      <a:lnRef idx="2">
+        <a:scrgbClr r="0" g="0" b="0"/>
+      </a:lnRef>
+      <a:fillRef idx="0">
+        <a:scrgbClr r="0" g="0" b="0"/>
+      </a:fillRef>
+      <a:effectRef idx="0">
+        <a:scrgbClr r="0" g="0" b="0"/>
+      </a:effectRef>
+      <a:fontRef idx="minor"/>
+    </dgm:style>
+  </dgm:styleLbl>
+  <dgm:styleLbl name="parChTrans1D4">
+    <dgm:scene3d>
+      <a:camera prst="orthographicFront"/>
+      <a:lightRig rig="threePt" dir="t"/>
+    </dgm:scene3d>
+    <dgm:sp3d/>
+    <dgm:txPr/>
+    <dgm:style>
+      <a:lnRef idx="2">
+        <a:scrgbClr r="0" g="0" b="0"/>
+      </a:lnRef>
+      <a:fillRef idx="0">
+        <a:scrgbClr r="0" g="0" b="0"/>
+      </a:fillRef>
+      <a:effectRef idx="0">
+        <a:scrgbClr r="0" g="0" b="0"/>
+      </a:effectRef>
+      <a:fontRef idx="minor"/>
+    </dgm:style>
+  </dgm:styleLbl>
+  <dgm:styleLbl name="fgAcc1">
+    <dgm:scene3d>
+      <a:camera prst="orthographicFront"/>
+      <a:lightRig rig="threePt" dir="t"/>
+    </dgm:scene3d>
+    <dgm:sp3d/>
+    <dgm:txPr/>
+    <dgm:style>
+      <a:lnRef idx="2">
+        <a:scrgbClr r="0" g="0" b="0"/>
+      </a:lnRef>
+      <a:fillRef idx="1">
+        <a:scrgbClr r="0" g="0" b="0"/>
+      </a:fillRef>
+      <a:effectRef idx="0">
+        <a:scrgbClr r="0" g="0" b="0"/>
+      </a:effectRef>
+      <a:fontRef idx="minor"/>
+    </dgm:style>
+  </dgm:styleLbl>
+  <dgm:styleLbl name="conFgAcc1">
+    <dgm:scene3d>
+      <a:camera prst="orthographicFront"/>
+      <a:lightRig rig="threePt" dir="t"/>
+    </dgm:scene3d>
+    <dgm:sp3d/>
+    <dgm:txPr/>
+    <dgm:style>
+      <a:lnRef idx="2">
+        <a:scrgbClr r="0" g="0" b="0"/>
+      </a:lnRef>
+      <a:fillRef idx="1">
+        <a:scrgbClr r="0" g="0" b="0"/>
+      </a:fillRef>
+      <a:effectRef idx="0">
+        <a:scrgbClr r="0" g="0" b="0"/>
+      </a:effectRef>
+      <a:fontRef idx="minor"/>
+    </dgm:style>
+  </dgm:styleLbl>
+  <dgm:styleLbl name="alignAcc1">
+    <dgm:scene3d>
+      <a:camera prst="orthographicFront"/>
+      <a:lightRig rig="threePt" dir="t"/>
+    </dgm:scene3d>
+    <dgm:sp3d/>
+    <dgm:txPr/>
+    <dgm:style>
+      <a:lnRef idx="2">
+        <a:scrgbClr r="0" g="0" b="0"/>
+      </a:lnRef>
+      <a:fillRef idx="1">
+        <a:scrgbClr r="0" g="0" b="0"/>
+      </a:fillRef>
+      <a:effectRef idx="0">
+        <a:scrgbClr r="0" g="0" b="0"/>
+      </a:effectRef>
+      <a:fontRef idx="minor"/>
+    </dgm:style>
+  </dgm:styleLbl>
+  <dgm:styleLbl name="trAlignAcc1">
+    <dgm:scene3d>
+      <a:camera prst="orthographicFront"/>
+      <a:lightRig rig="threePt" dir="t"/>
+    </dgm:scene3d>
+    <dgm:sp3d/>
+    <dgm:txPr/>
+    <dgm:style>
+      <a:lnRef idx="1">
+        <a:scrgbClr r="0" g="0" b="0"/>
+      </a:lnRef>
+      <a:fillRef idx="1">
+        <a:scrgbClr r="0" g="0" b="0"/>
+      </a:fillRef>
+      <a:effectRef idx="0">
+        <a:scrgbClr r="0" g="0" b="0"/>
+      </a:effectRef>
+      <a:fontRef idx="minor"/>
+    </dgm:style>
+  </dgm:styleLbl>
+  <dgm:styleLbl name="bgAcc1">
+    <dgm:scene3d>
+      <a:camera prst="orthographicFront"/>
+      <a:lightRig rig="threePt" dir="t"/>
+    </dgm:scene3d>
+    <dgm:sp3d/>
+    <dgm:txPr/>
+    <dgm:style>
+      <a:lnRef idx="2">
+        <a:scrgbClr r="0" g="0" b="0"/>
+      </a:lnRef>
+      <a:fillRef idx="1">
+        <a:scrgbClr r="0" g="0" b="0"/>
+      </a:fillRef>
+      <a:effectRef idx="0">
+        <a:scrgbClr r="0" g="0" b="0"/>
+      </a:effectRef>
+      <a:fontRef idx="minor"/>
+    </dgm:style>
+  </dgm:styleLbl>
+  <dgm:styleLbl name="solidFgAcc1">
+    <dgm:scene3d>
+      <a:camera prst="orthographicFront"/>
+      <a:lightRig rig="threePt" dir="t"/>
+    </dgm:scene3d>
+    <dgm:sp3d/>
+    <dgm:txPr/>
+    <dgm:style>
+      <a:lnRef idx="2">
+        <a:scrgbClr r="0" g="0" b="0"/>
+      </a:lnRef>
+      <a:fillRef idx="1">
+        <a:scrgbClr r="0" g="0" b="0"/>
+      </a:fillRef>
+      <a:effectRef idx="0">
+        <a:scrgbClr r="0" g="0" b="0"/>
+      </a:effectRef>
+      <a:fontRef idx="minor"/>
+    </dgm:style>
+  </dgm:styleLbl>
+  <dgm:styleLbl name="solidAlignAcc1">
+    <dgm:scene3d>
+      <a:camera prst="orthographicFront"/>
+      <a:lightRig rig="threePt" dir="t"/>
+    </dgm:scene3d>
+    <dgm:sp3d/>
+    <dgm:txPr/>
+    <dgm:style>
+      <a:lnRef idx="2">
+        <a:scrgbClr r="0" g="0" b="0"/>
+      </a:lnRef>
+      <a:fillRef idx="1">
+        <a:scrgbClr r="0" g="0" b="0"/>
+      </a:fillRef>
+      <a:effectRef idx="0">
+        <a:scrgbClr r="0" g="0" b="0"/>
+      </a:effectRef>
+      <a:fontRef idx="minor"/>
+    </dgm:style>
+  </dgm:styleLbl>
+  <dgm:styleLbl name="solidBgAcc1">
+    <dgm:scene3d>
+      <a:camera prst="orthographicFront"/>
+      <a:lightRig rig="threePt" dir="t"/>
+    </dgm:scene3d>
+    <dgm:sp3d/>
+    <dgm:txPr/>
+    <dgm:style>
+      <a:lnRef idx="2">
+        <a:scrgbClr r="0" g="0" b="0"/>
+      </a:lnRef>
+      <a:fillRef idx="1">
+        <a:scrgbClr r="0" g="0" b="0"/>
+      </a:fillRef>
+      <a:effectRef idx="0">
+        <a:scrgbClr r="0" g="0" b="0"/>
+      </a:effectRef>
+      <a:fontRef idx="minor"/>
+    </dgm:style>
+  </dgm:styleLbl>
+  <dgm:styleLbl name="fgAccFollowNode1">
+    <dgm:scene3d>
+      <a:camera prst="orthographicFront"/>
+      <a:lightRig rig="threePt" dir="t"/>
+    </dgm:scene3d>
+    <dgm:sp3d/>
+    <dgm:txPr/>
+    <dgm:style>
+      <a:lnRef idx="2">
+        <a:scrgbClr r="0" g="0" b="0"/>
+      </a:lnRef>
+      <a:fillRef idx="1">
+        <a:scrgbClr r="0" g="0" b="0"/>
+      </a:fillRef>
+      <a:effectRef idx="0">
+        <a:scrgbClr r="0" g="0" b="0"/>
+      </a:effectRef>
+      <a:fontRef idx="minor"/>
+    </dgm:style>
+  </dgm:styleLbl>
+  <dgm:styleLbl name="alignAccFollowNode1">
+    <dgm:scene3d>
+      <a:camera prst="orthographicFront"/>
+      <a:lightRig rig="threePt" dir="t"/>
+    </dgm:scene3d>
+    <dgm:sp3d/>
+    <dgm:txPr/>
+    <dgm:style>
+      <a:lnRef idx="2">
+        <a:scrgbClr r="0" g="0" b="0"/>
+      </a:lnRef>
+      <a:fillRef idx="1">
+        <a:scrgbClr r="0" g="0" b="0"/>
+      </a:fillRef>
+      <a:effectRef idx="0">
+        <a:scrgbClr r="0" g="0" b="0"/>
+      </a:effectRef>
+      <a:fontRef idx="minor"/>
+    </dgm:style>
+  </dgm:styleLbl>
+  <dgm:styleLbl name="bgAccFollowNode1">
+    <dgm:scene3d>
+      <a:camera prst="orthographicFront"/>
+      <a:lightRig rig="threePt" dir="t"/>
+    </dgm:scene3d>
+    <dgm:sp3d/>
+    <dgm:txPr/>
+    <dgm:style>
+      <a:lnRef idx="2">
+        <a:scrgbClr r="0" g="0" b="0"/>
+      </a:lnRef>
+      <a:fillRef idx="1">
+        <a:scrgbClr r="0" g="0" b="0"/>
+      </a:fillRef>
+      <a:effectRef idx="0">
+        <a:scrgbClr r="0" g="0" b="0"/>
+      </a:effectRef>
+      <a:fontRef idx="minor"/>
+    </dgm:style>
+  </dgm:styleLbl>
+  <dgm:styleLbl name="fgAcc0">
+    <dgm:scene3d>
+      <a:camera prst="orthographicFront"/>
+      <a:lightRig rig="threePt" dir="t"/>
+    </dgm:scene3d>
+    <dgm:sp3d/>
+    <dgm:txPr/>
+    <dgm:style>
+      <a:lnRef idx="2">
+        <a:scrgbClr r="0" g="0" b="0"/>
+      </a:lnRef>
+      <a:fillRef idx="1">
+        <a:scrgbClr r="0" g="0" b="0"/>
+      </a:fillRef>
+      <a:effectRef idx="0">
+        <a:scrgbClr r="0" g="0" b="0"/>
+      </a:effectRef>
+      <a:fontRef idx="minor"/>
+    </dgm:style>
+  </dgm:styleLbl>
+  <dgm:styleLbl name="fgAcc2">
+    <dgm:scene3d>
+      <a:camera prst="orthographicFront"/>
+      <a:lightRig rig="threePt" dir="t"/>
+    </dgm:scene3d>
+    <dgm:sp3d/>
+    <dgm:txPr/>
+    <dgm:style>
+      <a:lnRef idx="2">
+        <a:scrgbClr r="0" g="0" b="0"/>
+      </a:lnRef>
+      <a:fillRef idx="1">
+        <a:scrgbClr r="0" g="0" b="0"/>
+      </a:fillRef>
+      <a:effectRef idx="0">
+        <a:scrgbClr r="0" g="0" b="0"/>
+      </a:effectRef>
+      <a:fontRef idx="minor"/>
+    </dgm:style>
+  </dgm:styleLbl>
+  <dgm:styleLbl name="fgAcc3">
+    <dgm:scene3d>
+      <a:camera prst="orthographicFront"/>
+      <a:lightRig rig="threePt" dir="t"/>
+    </dgm:scene3d>
+    <dgm:sp3d/>
+    <dgm:txPr/>
+    <dgm:style>
+      <a:lnRef idx="2">
+        <a:scrgbClr r="0" g="0" b="0"/>
+      </a:lnRef>
+      <a:fillRef idx="1">
+        <a:scrgbClr r="0" g="0" b="0"/>
+      </a:fillRef>
+      <a:effectRef idx="0">
+        <a:scrgbClr r="0" g="0" b="0"/>
+      </a:effectRef>
+      <a:fontRef idx="minor"/>
+    </dgm:style>
+  </dgm:styleLbl>
+  <dgm:styleLbl name="fgAcc4">
+    <dgm:scene3d>
+      <a:camera prst="orthographicFront"/>
+      <a:lightRig rig="threePt" dir="t"/>
+    </dgm:scene3d>
+    <dgm:sp3d/>
+    <dgm:txPr/>
+    <dgm:style>
+      <a:lnRef idx="2">
+        <a:scrgbClr r="0" g="0" b="0"/>
+      </a:lnRef>
+      <a:fillRef idx="1">
+        <a:scrgbClr r="0" g="0" b="0"/>
+      </a:fillRef>
+      <a:effectRef idx="0">
+        <a:scrgbClr r="0" g="0" b="0"/>
+      </a:effectRef>
+      <a:fontRef idx="minor"/>
+    </dgm:style>
+  </dgm:styleLbl>
+  <dgm:styleLbl name="bgShp">
+    <dgm:scene3d>
+      <a:camera prst="orthographicFront"/>
+      <a:lightRig rig="threePt" dir="t"/>
+    </dgm:scene3d>
+    <dgm:sp3d/>
+    <dgm:txPr/>
+    <dgm:style>
+      <a:lnRef idx="0">
+        <a:scrgbClr r="0" g="0" b="0"/>
+      </a:lnRef>
+      <a:fillRef idx="1">
+        <a:scrgbClr r="0" g="0" b="0"/>
+      </a:fillRef>
+      <a:effectRef idx="0">
+        <a:scrgbClr r="0" g="0" b="0"/>
+      </a:effectRef>
+      <a:fontRef idx="minor"/>
+    </dgm:style>
+  </dgm:styleLbl>
+  <dgm:styleLbl name="dkBgShp">
+    <dgm:scene3d>
+      <a:camera prst="orthographicFront"/>
+      <a:lightRig rig="threePt" dir="t"/>
+    </dgm:scene3d>
+    <dgm:sp3d/>
+    <dgm:txPr/>
+    <dgm:style>
+      <a:lnRef idx="0">
+        <a:scrgbClr r="0" g="0" b="0"/>
+      </a:lnRef>
+      <a:fillRef idx="1">
+        <a:scrgbClr r="0" g="0" b="0"/>
+      </a:fillRef>
+      <a:effectRef idx="0">
+        <a:scrgbClr r="0" g="0" b="0"/>
+      </a:effectRef>
+      <a:fontRef idx="minor"/>
+    </dgm:style>
+  </dgm:styleLbl>
+  <dgm:styleLbl name="trBgShp">
+    <dgm:scene3d>
+      <a:camera prst="orthographicFront"/>
+      <a:lightRig rig="threePt" dir="t"/>
+    </dgm:scene3d>
+    <dgm:sp3d/>
+    <dgm:txPr/>
+    <dgm:style>
+      <a:lnRef idx="0">
+        <a:scrgbClr r="0" g="0" b="0"/>
+      </a:lnRef>
+      <a:fillRef idx="1">
+        <a:scrgbClr r="0" g="0" b="0"/>
+      </a:fillRef>
+      <a:effectRef idx="0">
+        <a:scrgbClr r="0" g="0" b="0"/>
+      </a:effectRef>
+      <a:fontRef idx="minor"/>
+    </dgm:style>
+  </dgm:styleLbl>
+  <dgm:styleLbl name="fgShp">
+    <dgm:scene3d>
+      <a:camera prst="orthographicFront"/>
+      <a:lightRig rig="threePt" dir="t"/>
+    </dgm:scene3d>
+    <dgm:sp3d/>
+    <dgm:txPr/>
+    <dgm:style>
+      <a:lnRef idx="2">
+        <a:scrgbClr r="0" g="0" b="0"/>
+      </a:lnRef>
+      <a:fillRef idx="1">
+        <a:scrgbClr r="0" g="0" b="0"/>
+      </a:fillRef>
+      <a:effectRef idx="0">
+        <a:scrgbClr r="0" g="0" b="0"/>
+      </a:effectRef>
+      <a:fontRef idx="minor"/>
+    </dgm:style>
+  </dgm:styleLbl>
+  <dgm:styleLbl name="revTx">
+    <dgm:scene3d>
+      <a:camera prst="orthographicFront"/>
+      <a:lightRig rig="threePt" dir="t"/>
+    </dgm:scene3d>
+    <dgm:sp3d/>
+    <dgm:txPr/>
+    <dgm:style>
+      <a:lnRef idx="0">
+        <a:scrgbClr r="0" g="0" b="0"/>
+      </a:lnRef>
+      <a:fillRef idx="0">
+        <a:scrgbClr r="0" g="0" b="0"/>
+      </a:fillRef>
+      <a:effectRef idx="0">
+        <a:scrgbClr r="0" g="0" b="0"/>
+      </a:effectRef>
+      <a:fontRef idx="minor"/>
+    </dgm:style>
+  </dgm:styleLbl>
+</dgm:styleDef>
+</file>
+
+<file path=ppt/diagrams/quickStyle2.xml><?xml version="1.0" encoding="utf-8"?>
 <dgm:styleDef xmlns:dgm="http://schemas.openxmlformats.org/drawingml/2006/diagram" xmlns:a="http://schemas.openxmlformats.org/drawingml/2006/main" uniqueId="urn:microsoft.com/office/officeart/2005/8/quickstyle/simple1">
   <dgm:title val=""/>
   <dgm:desc val=""/>
@@ -9548,6 +12585,14 @@
 <file path=ppt/slides/slide2.xml><?xml version="1.0" encoding="utf-8"?>
 <p:sld xmlns:a="http://schemas.openxmlformats.org/drawingml/2006/main" xmlns:r="http://schemas.openxmlformats.org/officeDocument/2006/relationships" xmlns:p="http://schemas.openxmlformats.org/presentationml/2006/main">
   <p:cSld>
+    <p:bg>
+      <p:bgPr>
+        <a:solidFill>
+          <a:schemeClr val="bg1"/>
+        </a:solidFill>
+        <a:effectLst/>
+      </p:bgPr>
+    </p:bg>
     <p:spTree>
       <p:nvGrpSpPr>
         <p:cNvPr id="1" name=""/>
@@ -9562,6 +12607,66 @@
           <a:chExt cx="0" cy="0"/>
         </a:xfrm>
       </p:grpSpPr>
+      <p:sp useBgFill="1">
+        <p:nvSpPr>
+          <p:cNvPr id="9" name="Rectangle 8">
+            <a:extLst>
+              <a:ext uri="{FF2B5EF4-FFF2-40B4-BE49-F238E27FC236}">
+                <a16:creationId xmlns:a16="http://schemas.microsoft.com/office/drawing/2014/main" id="{655AE6B0-AC9E-4167-806F-E9DB135FC46B}"/>
+              </a:ext>
+              <a:ext uri="{C183D7F6-B498-43B3-948B-1728B52AA6E4}">
+                <adec:decorative xmlns:adec="http://schemas.microsoft.com/office/drawing/2017/decorative" val="1"/>
+              </a:ext>
+            </a:extLst>
+          </p:cNvPr>
+          <p:cNvSpPr>
+            <a:spLocks noGrp="1" noRot="1" noChangeAspect="1" noMove="1" noResize="1" noEditPoints="1" noAdjustHandles="1" noChangeArrowheads="1" noChangeShapeType="1" noTextEdit="1"/>
+          </p:cNvSpPr>
+          <p:nvPr>
+            <p:extLst>
+              <p:ext uri="{386F3935-93C4-4BCD-93E2-E3B085C9AB24}">
+                <p16:designElem xmlns:p16="http://schemas.microsoft.com/office/powerpoint/2015/main" val="1"/>
+              </p:ext>
+            </p:extLst>
+          </p:nvPr>
+        </p:nvSpPr>
+        <p:spPr>
+          <a:xfrm>
+            <a:off x="0" y="0"/>
+            <a:ext cx="12192000" cy="6858000"/>
+          </a:xfrm>
+          <a:prstGeom prst="rect">
+            <a:avLst/>
+          </a:prstGeom>
+          <a:ln>
+            <a:noFill/>
+          </a:ln>
+        </p:spPr>
+        <p:style>
+          <a:lnRef idx="2">
+            <a:schemeClr val="accent1">
+              <a:shade val="50000"/>
+            </a:schemeClr>
+          </a:lnRef>
+          <a:fillRef idx="1">
+            <a:schemeClr val="accent1"/>
+          </a:fillRef>
+          <a:effectRef idx="0">
+            <a:schemeClr val="accent1"/>
+          </a:effectRef>
+          <a:fontRef idx="minor">
+            <a:schemeClr val="lt1"/>
+          </a:fontRef>
+        </p:style>
+        <p:txBody>
+          <a:bodyPr rtlCol="0" anchor="ctr"/>
+          <a:lstStyle/>
+          <a:p>
+            <a:pPr algn="ctr"/>
+            <a:endParaRPr lang="en-US"/>
+          </a:p>
+        </p:txBody>
+      </p:sp>
       <p:sp>
         <p:nvSpPr>
           <p:cNvPr id="2" name="Title 1">
@@ -9578,65 +12683,806 @@
             <p:ph type="title"/>
           </p:nvPr>
         </p:nvSpPr>
-        <p:spPr/>
+        <p:spPr>
+          <a:xfrm>
+            <a:off x="652481" y="1382486"/>
+            <a:ext cx="3547581" cy="4093028"/>
+          </a:xfrm>
+        </p:spPr>
         <p:txBody>
-          <a:bodyPr/>
+          <a:bodyPr anchor="ctr">
+            <a:normAutofit/>
+          </a:bodyPr>
           <a:lstStyle/>
           <a:p>
             <a:r>
-              <a:rPr lang="en-US" dirty="0"/>
+              <a:rPr lang="en-US" sz="4400"/>
               <a:t>Today</a:t>
             </a:r>
           </a:p>
         </p:txBody>
       </p:sp>
+      <p:grpSp>
+        <p:nvGrpSpPr>
+          <p:cNvPr id="11" name="Group 10">
+            <a:extLst>
+              <a:ext uri="{FF2B5EF4-FFF2-40B4-BE49-F238E27FC236}">
+                <a16:creationId xmlns:a16="http://schemas.microsoft.com/office/drawing/2014/main" id="{3523416A-383B-4FDC-B4C9-D8EDDFE9C043}"/>
+              </a:ext>
+              <a:ext uri="{C183D7F6-B498-43B3-948B-1728B52AA6E4}">
+                <adec:decorative xmlns:adec="http://schemas.microsoft.com/office/drawing/2017/decorative" val="1"/>
+              </a:ext>
+            </a:extLst>
+          </p:cNvPr>
+          <p:cNvGrpSpPr>
+            <a:grpSpLocks noGrp="1" noUngrp="1" noRot="1" noChangeAspect="1" noMove="1" noResize="1"/>
+          </p:cNvGrpSpPr>
+          <p:nvPr>
+            <p:extLst>
+              <p:ext uri="{386F3935-93C4-4BCD-93E2-E3B085C9AB24}">
+                <p16:designElem xmlns:p16="http://schemas.microsoft.com/office/powerpoint/2015/main" val="1"/>
+              </p:ext>
+            </p:extLst>
+          </p:nvPr>
+        </p:nvGrpSpPr>
+        <p:grpSpPr>
+          <a:xfrm>
+            <a:off x="1329267" y="-8467"/>
+            <a:ext cx="4766733" cy="6866467"/>
+            <a:chOff x="7425267" y="-8467"/>
+            <a:chExt cx="4766733" cy="6866467"/>
+          </a:xfrm>
+        </p:grpSpPr>
+        <p:cxnSp>
+          <p:nvCxnSpPr>
+            <p:cNvPr id="12" name="Straight Connector 11">
+              <a:extLst>
+                <a:ext uri="{FF2B5EF4-FFF2-40B4-BE49-F238E27FC236}">
+                  <a16:creationId xmlns:a16="http://schemas.microsoft.com/office/drawing/2014/main" id="{CB0D29D5-3F7C-4197-821B-6D60A66CC04B}"/>
+                </a:ext>
+                <a:ext uri="{C183D7F6-B498-43B3-948B-1728B52AA6E4}">
+                  <adec:decorative xmlns:adec="http://schemas.microsoft.com/office/drawing/2017/decorative" val="1"/>
+                </a:ext>
+              </a:extLst>
+            </p:cNvPr>
+            <p:cNvCxnSpPr/>
+            <p:nvPr>
+              <p:extLst>
+                <p:ext uri="{386F3935-93C4-4BCD-93E2-E3B085C9AB24}">
+                  <p16:designElem xmlns:p16="http://schemas.microsoft.com/office/powerpoint/2015/main" val="1"/>
+                </p:ext>
+              </p:extLst>
+            </p:nvPr>
+          </p:nvCxnSpPr>
+          <p:spPr>
+            <a:xfrm>
+              <a:off x="9371012" y="0"/>
+              <a:ext cx="1219200" cy="6858000"/>
+            </a:xfrm>
+            <a:prstGeom prst="line">
+              <a:avLst/>
+            </a:prstGeom>
+            <a:ln w="9525">
+              <a:solidFill>
+                <a:srgbClr val="BFBFBF">
+                  <a:alpha val="75000"/>
+                </a:srgbClr>
+              </a:solidFill>
+            </a:ln>
+          </p:spPr>
+          <p:style>
+            <a:lnRef idx="2">
+              <a:schemeClr val="accent1"/>
+            </a:lnRef>
+            <a:fillRef idx="0">
+              <a:schemeClr val="accent1"/>
+            </a:fillRef>
+            <a:effectRef idx="1">
+              <a:schemeClr val="accent1"/>
+            </a:effectRef>
+            <a:fontRef idx="minor">
+              <a:schemeClr val="tx1"/>
+            </a:fontRef>
+          </p:style>
+        </p:cxnSp>
+        <p:cxnSp>
+          <p:nvCxnSpPr>
+            <p:cNvPr id="13" name="Straight Connector 12">
+              <a:extLst>
+                <a:ext uri="{FF2B5EF4-FFF2-40B4-BE49-F238E27FC236}">
+                  <a16:creationId xmlns:a16="http://schemas.microsoft.com/office/drawing/2014/main" id="{347FB49A-3541-428A-AADE-682A3C50563D}"/>
+                </a:ext>
+                <a:ext uri="{C183D7F6-B498-43B3-948B-1728B52AA6E4}">
+                  <adec:decorative xmlns:adec="http://schemas.microsoft.com/office/drawing/2017/decorative" val="1"/>
+                </a:ext>
+              </a:extLst>
+            </p:cNvPr>
+            <p:cNvCxnSpPr/>
+            <p:nvPr>
+              <p:extLst>
+                <p:ext uri="{386F3935-93C4-4BCD-93E2-E3B085C9AB24}">
+                  <p16:designElem xmlns:p16="http://schemas.microsoft.com/office/powerpoint/2015/main" val="1"/>
+                </p:ext>
+              </p:extLst>
+            </p:nvPr>
+          </p:nvCxnSpPr>
+          <p:spPr>
+            <a:xfrm flipH="1">
+              <a:off x="7425267" y="3681413"/>
+              <a:ext cx="4763558" cy="3176587"/>
+            </a:xfrm>
+            <a:prstGeom prst="line">
+              <a:avLst/>
+            </a:prstGeom>
+            <a:ln w="9525">
+              <a:solidFill>
+                <a:srgbClr val="BFBFBF">
+                  <a:alpha val="80000"/>
+                </a:srgbClr>
+              </a:solidFill>
+            </a:ln>
+          </p:spPr>
+          <p:style>
+            <a:lnRef idx="2">
+              <a:schemeClr val="accent1"/>
+            </a:lnRef>
+            <a:fillRef idx="0">
+              <a:schemeClr val="accent1"/>
+            </a:fillRef>
+            <a:effectRef idx="1">
+              <a:schemeClr val="accent1"/>
+            </a:effectRef>
+            <a:fontRef idx="minor">
+              <a:schemeClr val="tx1"/>
+            </a:fontRef>
+          </p:style>
+        </p:cxnSp>
+        <p:sp>
+          <p:nvSpPr>
+            <p:cNvPr id="14" name="Rectangle 23">
+              <a:extLst>
+                <a:ext uri="{FF2B5EF4-FFF2-40B4-BE49-F238E27FC236}">
+                  <a16:creationId xmlns:a16="http://schemas.microsoft.com/office/drawing/2014/main" id="{D96F53DC-08F1-42C6-B558-B83D54B27664}"/>
+                </a:ext>
+                <a:ext uri="{C183D7F6-B498-43B3-948B-1728B52AA6E4}">
+                  <adec:decorative xmlns:adec="http://schemas.microsoft.com/office/drawing/2017/decorative" val="1"/>
+                </a:ext>
+              </a:extLst>
+            </p:cNvPr>
+            <p:cNvSpPr/>
+            <p:nvPr>
+              <p:extLst>
+                <p:ext uri="{386F3935-93C4-4BCD-93E2-E3B085C9AB24}">
+                  <p16:designElem xmlns:p16="http://schemas.microsoft.com/office/powerpoint/2015/main" val="1"/>
+                </p:ext>
+              </p:extLst>
+            </p:nvPr>
+          </p:nvSpPr>
+          <p:spPr>
+            <a:xfrm>
+              <a:off x="9181476" y="-8467"/>
+              <a:ext cx="3007349" cy="6866467"/>
+            </a:xfrm>
+            <a:custGeom>
+              <a:avLst/>
+              <a:gdLst/>
+              <a:ahLst/>
+              <a:cxnLst/>
+              <a:rect l="l" t="t" r="r" b="b"/>
+              <a:pathLst>
+                <a:path w="3007349" h="6866467">
+                  <a:moveTo>
+                    <a:pt x="2045532" y="0"/>
+                  </a:moveTo>
+                  <a:lnTo>
+                    <a:pt x="3007349" y="0"/>
+                  </a:lnTo>
+                  <a:lnTo>
+                    <a:pt x="3007349" y="6866467"/>
+                  </a:lnTo>
+                  <a:lnTo>
+                    <a:pt x="0" y="6866467"/>
+                  </a:lnTo>
+                  <a:lnTo>
+                    <a:pt x="2045532" y="0"/>
+                  </a:lnTo>
+                  <a:close/>
+                </a:path>
+              </a:pathLst>
+            </a:custGeom>
+            <a:solidFill>
+              <a:schemeClr val="accent1">
+                <a:alpha val="30000"/>
+              </a:schemeClr>
+            </a:solidFill>
+            <a:ln>
+              <a:noFill/>
+            </a:ln>
+            <a:effectLst/>
+          </p:spPr>
+          <p:style>
+            <a:lnRef idx="1">
+              <a:schemeClr val="accent1"/>
+            </a:lnRef>
+            <a:fillRef idx="3">
+              <a:schemeClr val="accent1"/>
+            </a:fillRef>
+            <a:effectRef idx="2">
+              <a:schemeClr val="accent1"/>
+            </a:effectRef>
+            <a:fontRef idx="minor">
+              <a:schemeClr val="lt1"/>
+            </a:fontRef>
+          </p:style>
+          <p:txBody>
+            <a:bodyPr/>
+            <a:lstStyle/>
+            <a:p>
+              <a:endParaRPr lang="en-US"/>
+            </a:p>
+          </p:txBody>
+        </p:sp>
+        <p:sp>
+          <p:nvSpPr>
+            <p:cNvPr id="15" name="Rectangle 25">
+              <a:extLst>
+                <a:ext uri="{FF2B5EF4-FFF2-40B4-BE49-F238E27FC236}">
+                  <a16:creationId xmlns:a16="http://schemas.microsoft.com/office/drawing/2014/main" id="{AFE48CAF-A51C-463F-A570-ED99439A5CA3}"/>
+                </a:ext>
+                <a:ext uri="{C183D7F6-B498-43B3-948B-1728B52AA6E4}">
+                  <adec:decorative xmlns:adec="http://schemas.microsoft.com/office/drawing/2017/decorative" val="1"/>
+                </a:ext>
+              </a:extLst>
+            </p:cNvPr>
+            <p:cNvSpPr/>
+            <p:nvPr>
+              <p:extLst>
+                <p:ext uri="{386F3935-93C4-4BCD-93E2-E3B085C9AB24}">
+                  <p16:designElem xmlns:p16="http://schemas.microsoft.com/office/powerpoint/2015/main" val="1"/>
+                </p:ext>
+              </p:extLst>
+            </p:nvPr>
+          </p:nvSpPr>
+          <p:spPr>
+            <a:xfrm>
+              <a:off x="9603442" y="-8467"/>
+              <a:ext cx="2588558" cy="6866467"/>
+            </a:xfrm>
+            <a:custGeom>
+              <a:avLst/>
+              <a:gdLst/>
+              <a:ahLst/>
+              <a:cxnLst/>
+              <a:rect l="l" t="t" r="r" b="b"/>
+              <a:pathLst>
+                <a:path w="2573311" h="6866467">
+                  <a:moveTo>
+                    <a:pt x="0" y="0"/>
+                  </a:moveTo>
+                  <a:lnTo>
+                    <a:pt x="2573311" y="0"/>
+                  </a:lnTo>
+                  <a:lnTo>
+                    <a:pt x="2573311" y="6866467"/>
+                  </a:lnTo>
+                  <a:lnTo>
+                    <a:pt x="1202336" y="6866467"/>
+                  </a:lnTo>
+                  <a:lnTo>
+                    <a:pt x="0" y="0"/>
+                  </a:lnTo>
+                  <a:close/>
+                </a:path>
+              </a:pathLst>
+            </a:custGeom>
+            <a:solidFill>
+              <a:schemeClr val="accent1">
+                <a:alpha val="20000"/>
+              </a:schemeClr>
+            </a:solidFill>
+            <a:ln>
+              <a:noFill/>
+            </a:ln>
+            <a:effectLst/>
+          </p:spPr>
+          <p:style>
+            <a:lnRef idx="1">
+              <a:schemeClr val="accent1"/>
+            </a:lnRef>
+            <a:fillRef idx="3">
+              <a:schemeClr val="accent1"/>
+            </a:fillRef>
+            <a:effectRef idx="2">
+              <a:schemeClr val="accent1"/>
+            </a:effectRef>
+            <a:fontRef idx="minor">
+              <a:schemeClr val="lt1"/>
+            </a:fontRef>
+          </p:style>
+          <p:txBody>
+            <a:bodyPr/>
+            <a:lstStyle/>
+            <a:p>
+              <a:endParaRPr lang="en-US"/>
+            </a:p>
+          </p:txBody>
+        </p:sp>
+        <p:sp>
+          <p:nvSpPr>
+            <p:cNvPr id="16" name="Isosceles Triangle 15">
+              <a:extLst>
+                <a:ext uri="{FF2B5EF4-FFF2-40B4-BE49-F238E27FC236}">
+                  <a16:creationId xmlns:a16="http://schemas.microsoft.com/office/drawing/2014/main" id="{01F0C48B-50FF-4351-8207-16D096048311}"/>
+                </a:ext>
+                <a:ext uri="{C183D7F6-B498-43B3-948B-1728B52AA6E4}">
+                  <adec:decorative xmlns:adec="http://schemas.microsoft.com/office/drawing/2017/decorative" val="1"/>
+                </a:ext>
+              </a:extLst>
+            </p:cNvPr>
+            <p:cNvSpPr/>
+            <p:nvPr>
+              <p:extLst>
+                <p:ext uri="{386F3935-93C4-4BCD-93E2-E3B085C9AB24}">
+                  <p16:designElem xmlns:p16="http://schemas.microsoft.com/office/powerpoint/2015/main" val="1"/>
+                </p:ext>
+              </p:extLst>
+            </p:nvPr>
+          </p:nvSpPr>
+          <p:spPr>
+            <a:xfrm>
+              <a:off x="8932333" y="3048000"/>
+              <a:ext cx="3259667" cy="3810000"/>
+            </a:xfrm>
+            <a:prstGeom prst="triangle">
+              <a:avLst>
+                <a:gd name="adj" fmla="val 100000"/>
+              </a:avLst>
+            </a:prstGeom>
+            <a:solidFill>
+              <a:schemeClr val="accent2">
+                <a:alpha val="72000"/>
+              </a:schemeClr>
+            </a:solidFill>
+            <a:ln>
+              <a:noFill/>
+            </a:ln>
+            <a:effectLst/>
+          </p:spPr>
+          <p:style>
+            <a:lnRef idx="1">
+              <a:schemeClr val="accent1"/>
+            </a:lnRef>
+            <a:fillRef idx="3">
+              <a:schemeClr val="accent1"/>
+            </a:fillRef>
+            <a:effectRef idx="2">
+              <a:schemeClr val="accent1"/>
+            </a:effectRef>
+            <a:fontRef idx="minor">
+              <a:schemeClr val="lt1"/>
+            </a:fontRef>
+          </p:style>
+          <p:txBody>
+            <a:bodyPr/>
+            <a:lstStyle/>
+            <a:p>
+              <a:endParaRPr lang="en-US"/>
+            </a:p>
+          </p:txBody>
+        </p:sp>
+        <p:sp>
+          <p:nvSpPr>
+            <p:cNvPr id="17" name="Rectangle 27">
+              <a:extLst>
+                <a:ext uri="{FF2B5EF4-FFF2-40B4-BE49-F238E27FC236}">
+                  <a16:creationId xmlns:a16="http://schemas.microsoft.com/office/drawing/2014/main" id="{300384B6-5ED6-4F91-A548-B706D837513E}"/>
+                </a:ext>
+                <a:ext uri="{C183D7F6-B498-43B3-948B-1728B52AA6E4}">
+                  <adec:decorative xmlns:adec="http://schemas.microsoft.com/office/drawing/2017/decorative" val="1"/>
+                </a:ext>
+              </a:extLst>
+            </p:cNvPr>
+            <p:cNvSpPr/>
+            <p:nvPr>
+              <p:extLst>
+                <p:ext uri="{386F3935-93C4-4BCD-93E2-E3B085C9AB24}">
+                  <p16:designElem xmlns:p16="http://schemas.microsoft.com/office/powerpoint/2015/main" val="1"/>
+                </p:ext>
+              </p:extLst>
+            </p:nvPr>
+          </p:nvSpPr>
+          <p:spPr>
+            <a:xfrm>
+              <a:off x="9334500" y="-8467"/>
+              <a:ext cx="2854326" cy="6866467"/>
+            </a:xfrm>
+            <a:custGeom>
+              <a:avLst/>
+              <a:gdLst/>
+              <a:ahLst/>
+              <a:cxnLst/>
+              <a:rect l="l" t="t" r="r" b="b"/>
+              <a:pathLst>
+                <a:path w="2858013" h="6866467">
+                  <a:moveTo>
+                    <a:pt x="0" y="0"/>
+                  </a:moveTo>
+                  <a:lnTo>
+                    <a:pt x="2858013" y="0"/>
+                  </a:lnTo>
+                  <a:lnTo>
+                    <a:pt x="2858013" y="6866467"/>
+                  </a:lnTo>
+                  <a:lnTo>
+                    <a:pt x="2473942" y="6866467"/>
+                  </a:lnTo>
+                  <a:lnTo>
+                    <a:pt x="0" y="0"/>
+                  </a:lnTo>
+                  <a:close/>
+                </a:path>
+              </a:pathLst>
+            </a:custGeom>
+            <a:solidFill>
+              <a:schemeClr val="accent2">
+                <a:lumMod val="75000"/>
+                <a:alpha val="70000"/>
+              </a:schemeClr>
+            </a:solidFill>
+            <a:ln>
+              <a:noFill/>
+            </a:ln>
+            <a:effectLst/>
+          </p:spPr>
+          <p:style>
+            <a:lnRef idx="1">
+              <a:schemeClr val="accent1"/>
+            </a:lnRef>
+            <a:fillRef idx="3">
+              <a:schemeClr val="accent1"/>
+            </a:fillRef>
+            <a:effectRef idx="2">
+              <a:schemeClr val="accent1"/>
+            </a:effectRef>
+            <a:fontRef idx="minor">
+              <a:schemeClr val="lt1"/>
+            </a:fontRef>
+          </p:style>
+          <p:txBody>
+            <a:bodyPr/>
+            <a:lstStyle/>
+            <a:p>
+              <a:endParaRPr lang="en-US"/>
+            </a:p>
+          </p:txBody>
+        </p:sp>
+        <p:sp>
+          <p:nvSpPr>
+            <p:cNvPr id="18" name="Rectangle 28">
+              <a:extLst>
+                <a:ext uri="{FF2B5EF4-FFF2-40B4-BE49-F238E27FC236}">
+                  <a16:creationId xmlns:a16="http://schemas.microsoft.com/office/drawing/2014/main" id="{337AFFAE-C182-463C-9459-8AB3C69D9A29}"/>
+                </a:ext>
+                <a:ext uri="{C183D7F6-B498-43B3-948B-1728B52AA6E4}">
+                  <adec:decorative xmlns:adec="http://schemas.microsoft.com/office/drawing/2017/decorative" val="1"/>
+                </a:ext>
+              </a:extLst>
+            </p:cNvPr>
+            <p:cNvSpPr/>
+            <p:nvPr>
+              <p:extLst>
+                <p:ext uri="{386F3935-93C4-4BCD-93E2-E3B085C9AB24}">
+                  <p16:designElem xmlns:p16="http://schemas.microsoft.com/office/powerpoint/2015/main" val="1"/>
+                </p:ext>
+              </p:extLst>
+            </p:nvPr>
+          </p:nvSpPr>
+          <p:spPr>
+            <a:xfrm>
+              <a:off x="10898730" y="-8467"/>
+              <a:ext cx="1290094" cy="6866467"/>
+            </a:xfrm>
+            <a:custGeom>
+              <a:avLst/>
+              <a:gdLst/>
+              <a:ahLst/>
+              <a:cxnLst/>
+              <a:rect l="l" t="t" r="r" b="b"/>
+              <a:pathLst>
+                <a:path w="1290094" h="6858000">
+                  <a:moveTo>
+                    <a:pt x="1019735" y="0"/>
+                  </a:moveTo>
+                  <a:lnTo>
+                    <a:pt x="1290094" y="0"/>
+                  </a:lnTo>
+                  <a:lnTo>
+                    <a:pt x="1290094" y="6858000"/>
+                  </a:lnTo>
+                  <a:lnTo>
+                    <a:pt x="0" y="6858000"/>
+                  </a:lnTo>
+                  <a:lnTo>
+                    <a:pt x="1019735" y="0"/>
+                  </a:lnTo>
+                  <a:close/>
+                </a:path>
+              </a:pathLst>
+            </a:custGeom>
+            <a:solidFill>
+              <a:schemeClr val="accent1">
+                <a:lumMod val="60000"/>
+                <a:lumOff val="40000"/>
+                <a:alpha val="70000"/>
+              </a:schemeClr>
+            </a:solidFill>
+            <a:ln>
+              <a:noFill/>
+            </a:ln>
+            <a:effectLst/>
+          </p:spPr>
+          <p:style>
+            <a:lnRef idx="1">
+              <a:schemeClr val="accent1"/>
+            </a:lnRef>
+            <a:fillRef idx="3">
+              <a:schemeClr val="accent1"/>
+            </a:fillRef>
+            <a:effectRef idx="2">
+              <a:schemeClr val="accent1"/>
+            </a:effectRef>
+            <a:fontRef idx="minor">
+              <a:schemeClr val="lt1"/>
+            </a:fontRef>
+          </p:style>
+          <p:txBody>
+            <a:bodyPr/>
+            <a:lstStyle/>
+            <a:p>
+              <a:endParaRPr lang="en-US"/>
+            </a:p>
+          </p:txBody>
+        </p:sp>
+        <p:sp>
+          <p:nvSpPr>
+            <p:cNvPr id="19" name="Rectangle 29">
+              <a:extLst>
+                <a:ext uri="{FF2B5EF4-FFF2-40B4-BE49-F238E27FC236}">
+                  <a16:creationId xmlns:a16="http://schemas.microsoft.com/office/drawing/2014/main" id="{510ACF17-C3F0-42BF-BDEB-D079277121E4}"/>
+                </a:ext>
+                <a:ext uri="{C183D7F6-B498-43B3-948B-1728B52AA6E4}">
+                  <adec:decorative xmlns:adec="http://schemas.microsoft.com/office/drawing/2017/decorative" val="1"/>
+                </a:ext>
+              </a:extLst>
+            </p:cNvPr>
+            <p:cNvSpPr/>
+            <p:nvPr>
+              <p:extLst>
+                <p:ext uri="{386F3935-93C4-4BCD-93E2-E3B085C9AB24}">
+                  <p16:designElem xmlns:p16="http://schemas.microsoft.com/office/powerpoint/2015/main" val="1"/>
+                </p:ext>
+              </p:extLst>
+            </p:nvPr>
+          </p:nvSpPr>
+          <p:spPr>
+            <a:xfrm>
+              <a:off x="10938999" y="-8467"/>
+              <a:ext cx="1249825" cy="6866467"/>
+            </a:xfrm>
+            <a:custGeom>
+              <a:avLst/>
+              <a:gdLst/>
+              <a:ahLst/>
+              <a:cxnLst/>
+              <a:rect l="l" t="t" r="r" b="b"/>
+              <a:pathLst>
+                <a:path w="1249825" h="6858000">
+                  <a:moveTo>
+                    <a:pt x="0" y="0"/>
+                  </a:moveTo>
+                  <a:lnTo>
+                    <a:pt x="1249825" y="0"/>
+                  </a:lnTo>
+                  <a:lnTo>
+                    <a:pt x="1249825" y="6858000"/>
+                  </a:lnTo>
+                  <a:lnTo>
+                    <a:pt x="1109382" y="6858000"/>
+                  </a:lnTo>
+                  <a:lnTo>
+                    <a:pt x="0" y="0"/>
+                  </a:lnTo>
+                  <a:close/>
+                </a:path>
+              </a:pathLst>
+            </a:custGeom>
+            <a:solidFill>
+              <a:schemeClr val="accent1">
+                <a:alpha val="65000"/>
+              </a:schemeClr>
+            </a:solidFill>
+            <a:ln>
+              <a:noFill/>
+            </a:ln>
+            <a:effectLst/>
+          </p:spPr>
+          <p:style>
+            <a:lnRef idx="1">
+              <a:schemeClr val="accent1"/>
+            </a:lnRef>
+            <a:fillRef idx="3">
+              <a:schemeClr val="accent1"/>
+            </a:fillRef>
+            <a:effectRef idx="2">
+              <a:schemeClr val="accent1"/>
+            </a:effectRef>
+            <a:fontRef idx="minor">
+              <a:schemeClr val="lt1"/>
+            </a:fontRef>
+          </p:style>
+          <p:txBody>
+            <a:bodyPr/>
+            <a:lstStyle/>
+            <a:p>
+              <a:endParaRPr lang="en-US"/>
+            </a:p>
+          </p:txBody>
+        </p:sp>
+        <p:sp>
+          <p:nvSpPr>
+            <p:cNvPr id="20" name="Isosceles Triangle 19">
+              <a:extLst>
+                <a:ext uri="{FF2B5EF4-FFF2-40B4-BE49-F238E27FC236}">
+                  <a16:creationId xmlns:a16="http://schemas.microsoft.com/office/drawing/2014/main" id="{E804EFD0-B84E-476F-9FC6-6C4A42EA0054}"/>
+                </a:ext>
+                <a:ext uri="{C183D7F6-B498-43B3-948B-1728B52AA6E4}">
+                  <adec:decorative xmlns:adec="http://schemas.microsoft.com/office/drawing/2017/decorative" val="1"/>
+                </a:ext>
+              </a:extLst>
+            </p:cNvPr>
+            <p:cNvSpPr/>
+            <p:nvPr>
+              <p:extLst>
+                <p:ext uri="{386F3935-93C4-4BCD-93E2-E3B085C9AB24}">
+                  <p16:designElem xmlns:p16="http://schemas.microsoft.com/office/powerpoint/2015/main" val="1"/>
+                </p:ext>
+              </p:extLst>
+            </p:nvPr>
+          </p:nvSpPr>
+          <p:spPr>
+            <a:xfrm>
+              <a:off x="10371666" y="3589867"/>
+              <a:ext cx="1817159" cy="3268133"/>
+            </a:xfrm>
+            <a:prstGeom prst="triangle">
+              <a:avLst>
+                <a:gd name="adj" fmla="val 100000"/>
+              </a:avLst>
+            </a:prstGeom>
+            <a:solidFill>
+              <a:schemeClr val="accent1">
+                <a:alpha val="80000"/>
+              </a:schemeClr>
+            </a:solidFill>
+            <a:ln>
+              <a:noFill/>
+            </a:ln>
+            <a:effectLst/>
+          </p:spPr>
+          <p:style>
+            <a:lnRef idx="1">
+              <a:schemeClr val="accent1"/>
+            </a:lnRef>
+            <a:fillRef idx="3">
+              <a:schemeClr val="accent1"/>
+            </a:fillRef>
+            <a:effectRef idx="2">
+              <a:schemeClr val="accent1"/>
+            </a:effectRef>
+            <a:fontRef idx="minor">
+              <a:schemeClr val="lt1"/>
+            </a:fontRef>
+          </p:style>
+          <p:txBody>
+            <a:bodyPr/>
+            <a:lstStyle/>
+            <a:p>
+              <a:endParaRPr lang="en-US"/>
+            </a:p>
+          </p:txBody>
+        </p:sp>
+      </p:grpSp>
       <p:sp>
         <p:nvSpPr>
-          <p:cNvPr id="3" name="Content Placeholder 2">
+          <p:cNvPr id="22" name="Rectangle 21">
             <a:extLst>
               <a:ext uri="{FF2B5EF4-FFF2-40B4-BE49-F238E27FC236}">
-                <a16:creationId xmlns:a16="http://schemas.microsoft.com/office/drawing/2014/main" id="{585B2469-565D-414D-9FEC-ABC931E22DB2}"/>
+                <a16:creationId xmlns:a16="http://schemas.microsoft.com/office/drawing/2014/main" id="{87BD1F4E-A66D-4C06-86DA-8D56CA7A3B41}"/>
+              </a:ext>
+              <a:ext uri="{C183D7F6-B498-43B3-948B-1728B52AA6E4}">
+                <adec:decorative xmlns:adec="http://schemas.microsoft.com/office/drawing/2017/decorative" val="1"/>
               </a:ext>
             </a:extLst>
           </p:cNvPr>
           <p:cNvSpPr>
-            <a:spLocks noGrp="1"/>
+            <a:spLocks noGrp="1" noRot="1" noChangeAspect="1" noMove="1" noResize="1" noEditPoints="1" noAdjustHandles="1" noChangeArrowheads="1" noChangeShapeType="1" noTextEdit="1"/>
           </p:cNvSpPr>
           <p:nvPr>
-            <p:ph idx="1"/>
+            <p:extLst>
+              <p:ext uri="{386F3935-93C4-4BCD-93E2-E3B085C9AB24}">
+                <p16:designElem xmlns:p16="http://schemas.microsoft.com/office/powerpoint/2015/main" val="1"/>
+              </p:ext>
+            </p:extLst>
           </p:nvPr>
         </p:nvSpPr>
-        <p:spPr/>
+        <p:spPr>
+          <a:xfrm>
+            <a:off x="5977719" y="0"/>
+            <a:ext cx="6214281" cy="6858000"/>
+          </a:xfrm>
+          <a:prstGeom prst="rect">
+            <a:avLst/>
+          </a:prstGeom>
+          <a:ln>
+            <a:noFill/>
+          </a:ln>
+        </p:spPr>
+        <p:style>
+          <a:lnRef idx="2">
+            <a:schemeClr val="accent1">
+              <a:shade val="50000"/>
+            </a:schemeClr>
+          </a:lnRef>
+          <a:fillRef idx="1">
+            <a:schemeClr val="accent1"/>
+          </a:fillRef>
+          <a:effectRef idx="0">
+            <a:schemeClr val="accent1"/>
+          </a:effectRef>
+          <a:fontRef idx="minor">
+            <a:schemeClr val="lt1"/>
+          </a:fontRef>
+        </p:style>
         <p:txBody>
-          <a:bodyPr/>
+          <a:bodyPr rtlCol="0" anchor="ctr"/>
           <a:lstStyle/>
           <a:p>
-            <a:r>
-              <a:rPr lang="en-US" dirty="0"/>
-              <a:t>Prep for tour of Ocean Instrumentation Lab</a:t>
-            </a:r>
-          </a:p>
-          <a:p>
-            <a:r>
-              <a:rPr lang="en-US" dirty="0"/>
-              <a:t>Lab: Learn to distinguish git from GitHub and their combined capabilities</a:t>
-            </a:r>
-          </a:p>
-          <a:p>
-            <a:r>
-              <a:rPr lang="en-US" dirty="0"/>
-              <a:t>Homework: Prepare to give a short (3–5 mins) presentation next week on your data</a:t>
-            </a:r>
-          </a:p>
-          <a:p>
-            <a:pPr lvl="1"/>
-            <a:endParaRPr lang="en-US" dirty="0"/>
-          </a:p>
-          <a:p>
-            <a:endParaRPr lang="en-US" dirty="0"/>
+            <a:pPr algn="ctr"/>
+            <a:endParaRPr lang="en-US"/>
           </a:p>
         </p:txBody>
       </p:sp>
+      <p:graphicFrame>
+        <p:nvGraphicFramePr>
+          <p:cNvPr id="5" name="Content Placeholder 2">
+            <a:extLst>
+              <a:ext uri="{FF2B5EF4-FFF2-40B4-BE49-F238E27FC236}">
+                <a16:creationId xmlns:a16="http://schemas.microsoft.com/office/drawing/2014/main" id="{C04C48D1-49C2-DCFF-C692-E3C81F39ED40}"/>
+              </a:ext>
+            </a:extLst>
+          </p:cNvPr>
+          <p:cNvGraphicFramePr>
+            <a:graphicFrameLocks noGrp="1"/>
+          </p:cNvGraphicFramePr>
+          <p:nvPr>
+            <p:ph idx="1"/>
+            <p:extLst>
+              <p:ext uri="{D42A27DB-BD31-4B8C-83A1-F6EECF244321}">
+                <p14:modId xmlns:p14="http://schemas.microsoft.com/office/powerpoint/2010/main" val="1263130094"/>
+              </p:ext>
+            </p:extLst>
+          </p:nvPr>
+        </p:nvGraphicFramePr>
+        <p:xfrm>
+          <a:off x="4916553" y="944563"/>
+          <a:ext cx="6628804" cy="4979581"/>
+        </p:xfrm>
+        <a:graphic>
+          <a:graphicData uri="http://schemas.openxmlformats.org/drawingml/2006/diagram">
+            <dgm:relIds xmlns:dgm="http://schemas.openxmlformats.org/drawingml/2006/diagram" xmlns:r="http://schemas.openxmlformats.org/officeDocument/2006/relationships" r:dm="rId2" r:lo="rId3" r:qs="rId4" r:cs="rId5"/>
+          </a:graphicData>
+        </a:graphic>
+      </p:graphicFrame>
     </p:spTree>
     <p:extLst>
       <p:ext uri="{BB962C8B-B14F-4D97-AF65-F5344CB8AC3E}">
@@ -9653,6 +13499,14 @@
 <file path=ppt/slides/slide3.xml><?xml version="1.0" encoding="utf-8"?>
 <p:sld xmlns:a="http://schemas.openxmlformats.org/drawingml/2006/main" xmlns:r="http://schemas.openxmlformats.org/officeDocument/2006/relationships" xmlns:p="http://schemas.openxmlformats.org/presentationml/2006/main">
   <p:cSld>
+    <p:bg>
+      <p:bgPr>
+        <a:solidFill>
+          <a:schemeClr val="bg2"/>
+        </a:solidFill>
+        <a:effectLst/>
+      </p:bgPr>
+    </p:bg>
     <p:spTree>
       <p:nvGrpSpPr>
         <p:cNvPr id="1" name=""/>
@@ -9667,6 +13521,815 @@
           <a:chExt cx="0" cy="0"/>
         </a:xfrm>
       </p:grpSpPr>
+      <p:sp useBgFill="1">
+        <p:nvSpPr>
+          <p:cNvPr id="8" name="Rectangle 7">
+            <a:extLst>
+              <a:ext uri="{FF2B5EF4-FFF2-40B4-BE49-F238E27FC236}">
+                <a16:creationId xmlns:a16="http://schemas.microsoft.com/office/drawing/2014/main" id="{86C16C40-7C29-4ACC-B851-7E08E459B596}"/>
+              </a:ext>
+              <a:ext uri="{C183D7F6-B498-43B3-948B-1728B52AA6E4}">
+                <adec:decorative xmlns:adec="http://schemas.microsoft.com/office/drawing/2017/decorative" val="1"/>
+              </a:ext>
+            </a:extLst>
+          </p:cNvPr>
+          <p:cNvSpPr>
+            <a:spLocks noGrp="1" noRot="1" noChangeAspect="1" noMove="1" noResize="1" noEditPoints="1" noAdjustHandles="1" noChangeArrowheads="1" noChangeShapeType="1" noTextEdit="1"/>
+          </p:cNvSpPr>
+          <p:nvPr>
+            <p:extLst>
+              <p:ext uri="{386F3935-93C4-4BCD-93E2-E3B085C9AB24}">
+                <p16:designElem xmlns:p16="http://schemas.microsoft.com/office/powerpoint/2015/main" val="1"/>
+              </p:ext>
+            </p:extLst>
+          </p:nvPr>
+        </p:nvSpPr>
+        <p:spPr>
+          <a:xfrm>
+            <a:off x="0" y="0"/>
+            <a:ext cx="12192000" cy="6858000"/>
+          </a:xfrm>
+          <a:prstGeom prst="rect">
+            <a:avLst/>
+          </a:prstGeom>
+          <a:ln>
+            <a:noFill/>
+          </a:ln>
+        </p:spPr>
+        <p:style>
+          <a:lnRef idx="2">
+            <a:schemeClr val="accent1">
+              <a:shade val="50000"/>
+            </a:schemeClr>
+          </a:lnRef>
+          <a:fillRef idx="1">
+            <a:schemeClr val="accent1"/>
+          </a:fillRef>
+          <a:effectRef idx="0">
+            <a:schemeClr val="accent1"/>
+          </a:effectRef>
+          <a:fontRef idx="minor">
+            <a:schemeClr val="lt1"/>
+          </a:fontRef>
+        </p:style>
+        <p:txBody>
+          <a:bodyPr rtlCol="0" anchor="ctr"/>
+          <a:lstStyle/>
+          <a:p>
+            <a:pPr algn="ctr"/>
+            <a:endParaRPr lang="en-US"/>
+          </a:p>
+        </p:txBody>
+      </p:sp>
+      <p:grpSp>
+        <p:nvGrpSpPr>
+          <p:cNvPr id="10" name="Group 9">
+            <a:extLst>
+              <a:ext uri="{FF2B5EF4-FFF2-40B4-BE49-F238E27FC236}">
+                <a16:creationId xmlns:a16="http://schemas.microsoft.com/office/drawing/2014/main" id="{CDD733AE-DD5E-4C77-8BCD-72BF12A06BB1}"/>
+              </a:ext>
+              <a:ext uri="{C183D7F6-B498-43B3-948B-1728B52AA6E4}">
+                <adec:decorative xmlns:adec="http://schemas.microsoft.com/office/drawing/2017/decorative" val="1"/>
+              </a:ext>
+            </a:extLst>
+          </p:cNvPr>
+          <p:cNvGrpSpPr>
+            <a:grpSpLocks noGrp="1" noUngrp="1" noRot="1" noChangeAspect="1" noMove="1" noResize="1"/>
+          </p:cNvGrpSpPr>
+          <p:nvPr>
+            <p:extLst>
+              <p:ext uri="{386F3935-93C4-4BCD-93E2-E3B085C9AB24}">
+                <p16:designElem xmlns:p16="http://schemas.microsoft.com/office/powerpoint/2015/main" val="1"/>
+              </p:ext>
+            </p:extLst>
+          </p:nvPr>
+        </p:nvGrpSpPr>
+        <p:grpSpPr>
+          <a:xfrm>
+            <a:off x="0" y="-8467"/>
+            <a:ext cx="12192000" cy="6866467"/>
+            <a:chOff x="0" y="-8467"/>
+            <a:chExt cx="12192000" cy="6866467"/>
+          </a:xfrm>
+        </p:grpSpPr>
+        <p:cxnSp>
+          <p:nvCxnSpPr>
+            <p:cNvPr id="11" name="Straight Connector 10">
+              <a:extLst>
+                <a:ext uri="{FF2B5EF4-FFF2-40B4-BE49-F238E27FC236}">
+                  <a16:creationId xmlns:a16="http://schemas.microsoft.com/office/drawing/2014/main" id="{51DE90A4-932E-4370-BA07-30F43254C01B}"/>
+                </a:ext>
+                <a:ext uri="{C183D7F6-B498-43B3-948B-1728B52AA6E4}">
+                  <adec:decorative xmlns:adec="http://schemas.microsoft.com/office/drawing/2017/decorative" val="1"/>
+                </a:ext>
+              </a:extLst>
+            </p:cNvPr>
+            <p:cNvCxnSpPr/>
+            <p:nvPr>
+              <p:extLst>
+                <p:ext uri="{386F3935-93C4-4BCD-93E2-E3B085C9AB24}">
+                  <p16:designElem xmlns:p16="http://schemas.microsoft.com/office/powerpoint/2015/main" val="1"/>
+                </p:ext>
+              </p:extLst>
+            </p:nvPr>
+          </p:nvCxnSpPr>
+          <p:spPr>
+            <a:xfrm>
+              <a:off x="9371012" y="0"/>
+              <a:ext cx="1219200" cy="6858000"/>
+            </a:xfrm>
+            <a:prstGeom prst="line">
+              <a:avLst/>
+            </a:prstGeom>
+            <a:ln w="9525">
+              <a:solidFill>
+                <a:srgbClr val="FFFFFF"/>
+              </a:solidFill>
+            </a:ln>
+          </p:spPr>
+          <p:style>
+            <a:lnRef idx="2">
+              <a:schemeClr val="accent1"/>
+            </a:lnRef>
+            <a:fillRef idx="0">
+              <a:schemeClr val="accent1"/>
+            </a:fillRef>
+            <a:effectRef idx="1">
+              <a:schemeClr val="accent1"/>
+            </a:effectRef>
+            <a:fontRef idx="minor">
+              <a:schemeClr val="tx1"/>
+            </a:fontRef>
+          </p:style>
+        </p:cxnSp>
+        <p:cxnSp>
+          <p:nvCxnSpPr>
+            <p:cNvPr id="12" name="Straight Connector 11">
+              <a:extLst>
+                <a:ext uri="{FF2B5EF4-FFF2-40B4-BE49-F238E27FC236}">
+                  <a16:creationId xmlns:a16="http://schemas.microsoft.com/office/drawing/2014/main" id="{6A19CA4A-B208-452A-8BE4-BC6940D33D40}"/>
+                </a:ext>
+                <a:ext uri="{C183D7F6-B498-43B3-948B-1728B52AA6E4}">
+                  <adec:decorative xmlns:adec="http://schemas.microsoft.com/office/drawing/2017/decorative" val="1"/>
+                </a:ext>
+              </a:extLst>
+            </p:cNvPr>
+            <p:cNvCxnSpPr/>
+            <p:nvPr>
+              <p:extLst>
+                <p:ext uri="{386F3935-93C4-4BCD-93E2-E3B085C9AB24}">
+                  <p16:designElem xmlns:p16="http://schemas.microsoft.com/office/powerpoint/2015/main" val="1"/>
+                </p:ext>
+              </p:extLst>
+            </p:nvPr>
+          </p:nvCxnSpPr>
+          <p:spPr>
+            <a:xfrm flipH="1">
+              <a:off x="7425267" y="3681413"/>
+              <a:ext cx="4763558" cy="3176587"/>
+            </a:xfrm>
+            <a:prstGeom prst="line">
+              <a:avLst/>
+            </a:prstGeom>
+            <a:ln w="9525">
+              <a:solidFill>
+                <a:srgbClr val="FFFFFF"/>
+              </a:solidFill>
+            </a:ln>
+          </p:spPr>
+          <p:style>
+            <a:lnRef idx="2">
+              <a:schemeClr val="accent1"/>
+            </a:lnRef>
+            <a:fillRef idx="0">
+              <a:schemeClr val="accent1"/>
+            </a:fillRef>
+            <a:effectRef idx="1">
+              <a:schemeClr val="accent1"/>
+            </a:effectRef>
+            <a:fontRef idx="minor">
+              <a:schemeClr val="tx1"/>
+            </a:fontRef>
+          </p:style>
+        </p:cxnSp>
+        <p:sp>
+          <p:nvSpPr>
+            <p:cNvPr id="13" name="Rectangle 23">
+              <a:extLst>
+                <a:ext uri="{FF2B5EF4-FFF2-40B4-BE49-F238E27FC236}">
+                  <a16:creationId xmlns:a16="http://schemas.microsoft.com/office/drawing/2014/main" id="{B74F8D3E-E618-4DE3-A0CC-B4904BB5D5AB}"/>
+                </a:ext>
+                <a:ext uri="{C183D7F6-B498-43B3-948B-1728B52AA6E4}">
+                  <adec:decorative xmlns:adec="http://schemas.microsoft.com/office/drawing/2017/decorative" val="1"/>
+                </a:ext>
+              </a:extLst>
+            </p:cNvPr>
+            <p:cNvSpPr/>
+            <p:nvPr>
+              <p:extLst>
+                <p:ext uri="{386F3935-93C4-4BCD-93E2-E3B085C9AB24}">
+                  <p16:designElem xmlns:p16="http://schemas.microsoft.com/office/powerpoint/2015/main" val="1"/>
+                </p:ext>
+              </p:extLst>
+            </p:nvPr>
+          </p:nvSpPr>
+          <p:spPr>
+            <a:xfrm>
+              <a:off x="9181476" y="-8467"/>
+              <a:ext cx="3007349" cy="6866467"/>
+            </a:xfrm>
+            <a:custGeom>
+              <a:avLst/>
+              <a:gdLst/>
+              <a:ahLst/>
+              <a:cxnLst/>
+              <a:rect l="l" t="t" r="r" b="b"/>
+              <a:pathLst>
+                <a:path w="3007349" h="6866467">
+                  <a:moveTo>
+                    <a:pt x="2045532" y="0"/>
+                  </a:moveTo>
+                  <a:lnTo>
+                    <a:pt x="3007349" y="0"/>
+                  </a:lnTo>
+                  <a:lnTo>
+                    <a:pt x="3007349" y="6866467"/>
+                  </a:lnTo>
+                  <a:lnTo>
+                    <a:pt x="0" y="6866467"/>
+                  </a:lnTo>
+                  <a:lnTo>
+                    <a:pt x="2045532" y="0"/>
+                  </a:lnTo>
+                  <a:close/>
+                </a:path>
+              </a:pathLst>
+            </a:custGeom>
+            <a:solidFill>
+              <a:schemeClr val="accent1">
+                <a:alpha val="30000"/>
+              </a:schemeClr>
+            </a:solidFill>
+            <a:ln>
+              <a:noFill/>
+            </a:ln>
+            <a:effectLst/>
+          </p:spPr>
+          <p:style>
+            <a:lnRef idx="1">
+              <a:schemeClr val="accent1"/>
+            </a:lnRef>
+            <a:fillRef idx="3">
+              <a:schemeClr val="accent1"/>
+            </a:fillRef>
+            <a:effectRef idx="2">
+              <a:schemeClr val="accent1"/>
+            </a:effectRef>
+            <a:fontRef idx="minor">
+              <a:schemeClr val="lt1"/>
+            </a:fontRef>
+          </p:style>
+          <p:txBody>
+            <a:bodyPr/>
+            <a:lstStyle/>
+            <a:p>
+              <a:endParaRPr lang="en-US"/>
+            </a:p>
+          </p:txBody>
+        </p:sp>
+        <p:sp>
+          <p:nvSpPr>
+            <p:cNvPr id="14" name="Rectangle 25">
+              <a:extLst>
+                <a:ext uri="{FF2B5EF4-FFF2-40B4-BE49-F238E27FC236}">
+                  <a16:creationId xmlns:a16="http://schemas.microsoft.com/office/drawing/2014/main" id="{299DA406-C54B-4E31-867D-FAF8DCE7045F}"/>
+                </a:ext>
+                <a:ext uri="{C183D7F6-B498-43B3-948B-1728B52AA6E4}">
+                  <adec:decorative xmlns:adec="http://schemas.microsoft.com/office/drawing/2017/decorative" val="1"/>
+                </a:ext>
+              </a:extLst>
+            </p:cNvPr>
+            <p:cNvSpPr/>
+            <p:nvPr>
+              <p:extLst>
+                <p:ext uri="{386F3935-93C4-4BCD-93E2-E3B085C9AB24}">
+                  <p16:designElem xmlns:p16="http://schemas.microsoft.com/office/powerpoint/2015/main" val="1"/>
+                </p:ext>
+              </p:extLst>
+            </p:nvPr>
+          </p:nvSpPr>
+          <p:spPr>
+            <a:xfrm>
+              <a:off x="9603442" y="-8467"/>
+              <a:ext cx="2588558" cy="6866467"/>
+            </a:xfrm>
+            <a:custGeom>
+              <a:avLst/>
+              <a:gdLst/>
+              <a:ahLst/>
+              <a:cxnLst/>
+              <a:rect l="l" t="t" r="r" b="b"/>
+              <a:pathLst>
+                <a:path w="2573311" h="6866467">
+                  <a:moveTo>
+                    <a:pt x="0" y="0"/>
+                  </a:moveTo>
+                  <a:lnTo>
+                    <a:pt x="2573311" y="0"/>
+                  </a:lnTo>
+                  <a:lnTo>
+                    <a:pt x="2573311" y="6866467"/>
+                  </a:lnTo>
+                  <a:lnTo>
+                    <a:pt x="1202336" y="6866467"/>
+                  </a:lnTo>
+                  <a:lnTo>
+                    <a:pt x="0" y="0"/>
+                  </a:lnTo>
+                  <a:close/>
+                </a:path>
+              </a:pathLst>
+            </a:custGeom>
+            <a:solidFill>
+              <a:schemeClr val="accent1">
+                <a:alpha val="20000"/>
+              </a:schemeClr>
+            </a:solidFill>
+            <a:ln>
+              <a:noFill/>
+            </a:ln>
+            <a:effectLst/>
+          </p:spPr>
+          <p:style>
+            <a:lnRef idx="1">
+              <a:schemeClr val="accent1"/>
+            </a:lnRef>
+            <a:fillRef idx="3">
+              <a:schemeClr val="accent1"/>
+            </a:fillRef>
+            <a:effectRef idx="2">
+              <a:schemeClr val="accent1"/>
+            </a:effectRef>
+            <a:fontRef idx="minor">
+              <a:schemeClr val="lt1"/>
+            </a:fontRef>
+          </p:style>
+          <p:txBody>
+            <a:bodyPr/>
+            <a:lstStyle/>
+            <a:p>
+              <a:endParaRPr lang="en-US"/>
+            </a:p>
+          </p:txBody>
+        </p:sp>
+        <p:sp>
+          <p:nvSpPr>
+            <p:cNvPr id="15" name="Isosceles Triangle 14">
+              <a:extLst>
+                <a:ext uri="{FF2B5EF4-FFF2-40B4-BE49-F238E27FC236}">
+                  <a16:creationId xmlns:a16="http://schemas.microsoft.com/office/drawing/2014/main" id="{A1E16883-5140-47C4-A9AD-AD6598AC3EE6}"/>
+                </a:ext>
+                <a:ext uri="{C183D7F6-B498-43B3-948B-1728B52AA6E4}">
+                  <adec:decorative xmlns:adec="http://schemas.microsoft.com/office/drawing/2017/decorative" val="1"/>
+                </a:ext>
+              </a:extLst>
+            </p:cNvPr>
+            <p:cNvSpPr/>
+            <p:nvPr>
+              <p:extLst>
+                <p:ext uri="{386F3935-93C4-4BCD-93E2-E3B085C9AB24}">
+                  <p16:designElem xmlns:p16="http://schemas.microsoft.com/office/powerpoint/2015/main" val="1"/>
+                </p:ext>
+              </p:extLst>
+            </p:nvPr>
+          </p:nvSpPr>
+          <p:spPr>
+            <a:xfrm>
+              <a:off x="8932333" y="3048000"/>
+              <a:ext cx="3259667" cy="3810000"/>
+            </a:xfrm>
+            <a:prstGeom prst="triangle">
+              <a:avLst>
+                <a:gd name="adj" fmla="val 100000"/>
+              </a:avLst>
+            </a:prstGeom>
+            <a:solidFill>
+              <a:schemeClr val="accent2">
+                <a:alpha val="72000"/>
+              </a:schemeClr>
+            </a:solidFill>
+            <a:ln>
+              <a:noFill/>
+            </a:ln>
+            <a:effectLst/>
+          </p:spPr>
+          <p:style>
+            <a:lnRef idx="1">
+              <a:schemeClr val="accent1"/>
+            </a:lnRef>
+            <a:fillRef idx="3">
+              <a:schemeClr val="accent1"/>
+            </a:fillRef>
+            <a:effectRef idx="2">
+              <a:schemeClr val="accent1"/>
+            </a:effectRef>
+            <a:fontRef idx="minor">
+              <a:schemeClr val="lt1"/>
+            </a:fontRef>
+          </p:style>
+          <p:txBody>
+            <a:bodyPr/>
+            <a:lstStyle/>
+            <a:p>
+              <a:endParaRPr lang="en-US"/>
+            </a:p>
+          </p:txBody>
+        </p:sp>
+        <p:sp>
+          <p:nvSpPr>
+            <p:cNvPr id="16" name="Rectangle 27">
+              <a:extLst>
+                <a:ext uri="{FF2B5EF4-FFF2-40B4-BE49-F238E27FC236}">
+                  <a16:creationId xmlns:a16="http://schemas.microsoft.com/office/drawing/2014/main" id="{4CD848DC-8A2A-4093-9BDD-7AF4B6A27814}"/>
+                </a:ext>
+                <a:ext uri="{C183D7F6-B498-43B3-948B-1728B52AA6E4}">
+                  <adec:decorative xmlns:adec="http://schemas.microsoft.com/office/drawing/2017/decorative" val="1"/>
+                </a:ext>
+              </a:extLst>
+            </p:cNvPr>
+            <p:cNvSpPr/>
+            <p:nvPr>
+              <p:extLst>
+                <p:ext uri="{386F3935-93C4-4BCD-93E2-E3B085C9AB24}">
+                  <p16:designElem xmlns:p16="http://schemas.microsoft.com/office/powerpoint/2015/main" val="1"/>
+                </p:ext>
+              </p:extLst>
+            </p:nvPr>
+          </p:nvSpPr>
+          <p:spPr>
+            <a:xfrm>
+              <a:off x="9334500" y="-8467"/>
+              <a:ext cx="2854326" cy="6866467"/>
+            </a:xfrm>
+            <a:custGeom>
+              <a:avLst/>
+              <a:gdLst/>
+              <a:ahLst/>
+              <a:cxnLst/>
+              <a:rect l="l" t="t" r="r" b="b"/>
+              <a:pathLst>
+                <a:path w="2858013" h="6866467">
+                  <a:moveTo>
+                    <a:pt x="0" y="0"/>
+                  </a:moveTo>
+                  <a:lnTo>
+                    <a:pt x="2858013" y="0"/>
+                  </a:lnTo>
+                  <a:lnTo>
+                    <a:pt x="2858013" y="6866467"/>
+                  </a:lnTo>
+                  <a:lnTo>
+                    <a:pt x="2473942" y="6866467"/>
+                  </a:lnTo>
+                  <a:lnTo>
+                    <a:pt x="0" y="0"/>
+                  </a:lnTo>
+                  <a:close/>
+                </a:path>
+              </a:pathLst>
+            </a:custGeom>
+            <a:solidFill>
+              <a:schemeClr val="accent2">
+                <a:lumMod val="75000"/>
+                <a:alpha val="70000"/>
+              </a:schemeClr>
+            </a:solidFill>
+            <a:ln>
+              <a:noFill/>
+            </a:ln>
+            <a:effectLst/>
+          </p:spPr>
+          <p:style>
+            <a:lnRef idx="1">
+              <a:schemeClr val="accent1"/>
+            </a:lnRef>
+            <a:fillRef idx="3">
+              <a:schemeClr val="accent1"/>
+            </a:fillRef>
+            <a:effectRef idx="2">
+              <a:schemeClr val="accent1"/>
+            </a:effectRef>
+            <a:fontRef idx="minor">
+              <a:schemeClr val="lt1"/>
+            </a:fontRef>
+          </p:style>
+          <p:txBody>
+            <a:bodyPr/>
+            <a:lstStyle/>
+            <a:p>
+              <a:endParaRPr lang="en-US"/>
+            </a:p>
+          </p:txBody>
+        </p:sp>
+        <p:sp>
+          <p:nvSpPr>
+            <p:cNvPr id="17" name="Rectangle 28">
+              <a:extLst>
+                <a:ext uri="{FF2B5EF4-FFF2-40B4-BE49-F238E27FC236}">
+                  <a16:creationId xmlns:a16="http://schemas.microsoft.com/office/drawing/2014/main" id="{34635A4D-E9CE-4B78-912A-479EA4512B14}"/>
+                </a:ext>
+                <a:ext uri="{C183D7F6-B498-43B3-948B-1728B52AA6E4}">
+                  <adec:decorative xmlns:adec="http://schemas.microsoft.com/office/drawing/2017/decorative" val="1"/>
+                </a:ext>
+              </a:extLst>
+            </p:cNvPr>
+            <p:cNvSpPr/>
+            <p:nvPr>
+              <p:extLst>
+                <p:ext uri="{386F3935-93C4-4BCD-93E2-E3B085C9AB24}">
+                  <p16:designElem xmlns:p16="http://schemas.microsoft.com/office/powerpoint/2015/main" val="1"/>
+                </p:ext>
+              </p:extLst>
+            </p:nvPr>
+          </p:nvSpPr>
+          <p:spPr>
+            <a:xfrm>
+              <a:off x="10898730" y="-8467"/>
+              <a:ext cx="1290094" cy="6866467"/>
+            </a:xfrm>
+            <a:custGeom>
+              <a:avLst/>
+              <a:gdLst/>
+              <a:ahLst/>
+              <a:cxnLst/>
+              <a:rect l="l" t="t" r="r" b="b"/>
+              <a:pathLst>
+                <a:path w="1290094" h="6858000">
+                  <a:moveTo>
+                    <a:pt x="1019735" y="0"/>
+                  </a:moveTo>
+                  <a:lnTo>
+                    <a:pt x="1290094" y="0"/>
+                  </a:lnTo>
+                  <a:lnTo>
+                    <a:pt x="1290094" y="6858000"/>
+                  </a:lnTo>
+                  <a:lnTo>
+                    <a:pt x="0" y="6858000"/>
+                  </a:lnTo>
+                  <a:lnTo>
+                    <a:pt x="1019735" y="0"/>
+                  </a:lnTo>
+                  <a:close/>
+                </a:path>
+              </a:pathLst>
+            </a:custGeom>
+            <a:solidFill>
+              <a:schemeClr val="accent1">
+                <a:lumMod val="60000"/>
+                <a:lumOff val="40000"/>
+                <a:alpha val="70000"/>
+              </a:schemeClr>
+            </a:solidFill>
+            <a:ln>
+              <a:noFill/>
+            </a:ln>
+            <a:effectLst/>
+          </p:spPr>
+          <p:style>
+            <a:lnRef idx="1">
+              <a:schemeClr val="accent1"/>
+            </a:lnRef>
+            <a:fillRef idx="3">
+              <a:schemeClr val="accent1"/>
+            </a:fillRef>
+            <a:effectRef idx="2">
+              <a:schemeClr val="accent1"/>
+            </a:effectRef>
+            <a:fontRef idx="minor">
+              <a:schemeClr val="lt1"/>
+            </a:fontRef>
+          </p:style>
+          <p:txBody>
+            <a:bodyPr/>
+            <a:lstStyle/>
+            <a:p>
+              <a:endParaRPr lang="en-US"/>
+            </a:p>
+          </p:txBody>
+        </p:sp>
+        <p:sp>
+          <p:nvSpPr>
+            <p:cNvPr id="18" name="Rectangle 29">
+              <a:extLst>
+                <a:ext uri="{FF2B5EF4-FFF2-40B4-BE49-F238E27FC236}">
+                  <a16:creationId xmlns:a16="http://schemas.microsoft.com/office/drawing/2014/main" id="{D663A5EE-5581-44F3-8F98-688755F63EA2}"/>
+                </a:ext>
+                <a:ext uri="{C183D7F6-B498-43B3-948B-1728B52AA6E4}">
+                  <adec:decorative xmlns:adec="http://schemas.microsoft.com/office/drawing/2017/decorative" val="1"/>
+                </a:ext>
+              </a:extLst>
+            </p:cNvPr>
+            <p:cNvSpPr/>
+            <p:nvPr>
+              <p:extLst>
+                <p:ext uri="{386F3935-93C4-4BCD-93E2-E3B085C9AB24}">
+                  <p16:designElem xmlns:p16="http://schemas.microsoft.com/office/powerpoint/2015/main" val="1"/>
+                </p:ext>
+              </p:extLst>
+            </p:nvPr>
+          </p:nvSpPr>
+          <p:spPr>
+            <a:xfrm>
+              <a:off x="10938999" y="-8467"/>
+              <a:ext cx="1249825" cy="6866467"/>
+            </a:xfrm>
+            <a:custGeom>
+              <a:avLst/>
+              <a:gdLst/>
+              <a:ahLst/>
+              <a:cxnLst/>
+              <a:rect l="l" t="t" r="r" b="b"/>
+              <a:pathLst>
+                <a:path w="1249825" h="6858000">
+                  <a:moveTo>
+                    <a:pt x="0" y="0"/>
+                  </a:moveTo>
+                  <a:lnTo>
+                    <a:pt x="1249825" y="0"/>
+                  </a:lnTo>
+                  <a:lnTo>
+                    <a:pt x="1249825" y="6858000"/>
+                  </a:lnTo>
+                  <a:lnTo>
+                    <a:pt x="1109382" y="6858000"/>
+                  </a:lnTo>
+                  <a:lnTo>
+                    <a:pt x="0" y="0"/>
+                  </a:lnTo>
+                  <a:close/>
+                </a:path>
+              </a:pathLst>
+            </a:custGeom>
+            <a:solidFill>
+              <a:schemeClr val="accent1">
+                <a:alpha val="65000"/>
+              </a:schemeClr>
+            </a:solidFill>
+            <a:ln>
+              <a:noFill/>
+            </a:ln>
+            <a:effectLst/>
+          </p:spPr>
+          <p:style>
+            <a:lnRef idx="1">
+              <a:schemeClr val="accent1"/>
+            </a:lnRef>
+            <a:fillRef idx="3">
+              <a:schemeClr val="accent1"/>
+            </a:fillRef>
+            <a:effectRef idx="2">
+              <a:schemeClr val="accent1"/>
+            </a:effectRef>
+            <a:fontRef idx="minor">
+              <a:schemeClr val="lt1"/>
+            </a:fontRef>
+          </p:style>
+          <p:txBody>
+            <a:bodyPr/>
+            <a:lstStyle/>
+            <a:p>
+              <a:endParaRPr lang="en-US"/>
+            </a:p>
+          </p:txBody>
+        </p:sp>
+        <p:sp>
+          <p:nvSpPr>
+            <p:cNvPr id="19" name="Isosceles Triangle 18">
+              <a:extLst>
+                <a:ext uri="{FF2B5EF4-FFF2-40B4-BE49-F238E27FC236}">
+                  <a16:creationId xmlns:a16="http://schemas.microsoft.com/office/drawing/2014/main" id="{B1E84E6A-F5AE-4F4D-98F2-82FE4FCC2656}"/>
+                </a:ext>
+                <a:ext uri="{C183D7F6-B498-43B3-948B-1728B52AA6E4}">
+                  <adec:decorative xmlns:adec="http://schemas.microsoft.com/office/drawing/2017/decorative" val="1"/>
+                </a:ext>
+              </a:extLst>
+            </p:cNvPr>
+            <p:cNvSpPr/>
+            <p:nvPr>
+              <p:extLst>
+                <p:ext uri="{386F3935-93C4-4BCD-93E2-E3B085C9AB24}">
+                  <p16:designElem xmlns:p16="http://schemas.microsoft.com/office/powerpoint/2015/main" val="1"/>
+                </p:ext>
+              </p:extLst>
+            </p:nvPr>
+          </p:nvSpPr>
+          <p:spPr>
+            <a:xfrm>
+              <a:off x="10371666" y="3589867"/>
+              <a:ext cx="1817159" cy="3268133"/>
+            </a:xfrm>
+            <a:prstGeom prst="triangle">
+              <a:avLst>
+                <a:gd name="adj" fmla="val 100000"/>
+              </a:avLst>
+            </a:prstGeom>
+            <a:solidFill>
+              <a:schemeClr val="accent1">
+                <a:alpha val="80000"/>
+              </a:schemeClr>
+            </a:solidFill>
+            <a:ln>
+              <a:noFill/>
+            </a:ln>
+            <a:effectLst/>
+          </p:spPr>
+          <p:style>
+            <a:lnRef idx="1">
+              <a:schemeClr val="accent1"/>
+            </a:lnRef>
+            <a:fillRef idx="3">
+              <a:schemeClr val="accent1"/>
+            </a:fillRef>
+            <a:effectRef idx="2">
+              <a:schemeClr val="accent1"/>
+            </a:effectRef>
+            <a:fontRef idx="minor">
+              <a:schemeClr val="lt1"/>
+            </a:fontRef>
+          </p:style>
+          <p:txBody>
+            <a:bodyPr/>
+            <a:lstStyle/>
+            <a:p>
+              <a:endParaRPr lang="en-US"/>
+            </a:p>
+          </p:txBody>
+        </p:sp>
+        <p:sp>
+          <p:nvSpPr>
+            <p:cNvPr id="20" name="Isosceles Triangle 19">
+              <a:extLst>
+                <a:ext uri="{FF2B5EF4-FFF2-40B4-BE49-F238E27FC236}">
+                  <a16:creationId xmlns:a16="http://schemas.microsoft.com/office/drawing/2014/main" id="{DDE7DDC9-17D4-4686-833D-48F8733B49EE}"/>
+                </a:ext>
+                <a:ext uri="{C183D7F6-B498-43B3-948B-1728B52AA6E4}">
+                  <adec:decorative xmlns:adec="http://schemas.microsoft.com/office/drawing/2017/decorative" val="1"/>
+                </a:ext>
+              </a:extLst>
+            </p:cNvPr>
+            <p:cNvSpPr/>
+            <p:nvPr>
+              <p:extLst>
+                <p:ext uri="{386F3935-93C4-4BCD-93E2-E3B085C9AB24}">
+                  <p16:designElem xmlns:p16="http://schemas.microsoft.com/office/powerpoint/2015/main" val="1"/>
+                </p:ext>
+              </p:extLst>
+            </p:nvPr>
+          </p:nvSpPr>
+          <p:spPr>
+            <a:xfrm>
+              <a:off x="0" y="4013200"/>
+              <a:ext cx="448733" cy="2844800"/>
+            </a:xfrm>
+            <a:prstGeom prst="triangle">
+              <a:avLst>
+                <a:gd name="adj" fmla="val 0"/>
+              </a:avLst>
+            </a:prstGeom>
+            <a:solidFill>
+              <a:schemeClr val="accent1">
+                <a:alpha val="85000"/>
+              </a:schemeClr>
+            </a:solidFill>
+            <a:ln>
+              <a:noFill/>
+            </a:ln>
+            <a:effectLst/>
+          </p:spPr>
+          <p:style>
+            <a:lnRef idx="1">
+              <a:schemeClr val="accent1"/>
+            </a:lnRef>
+            <a:fillRef idx="3">
+              <a:schemeClr val="accent1"/>
+            </a:fillRef>
+            <a:effectRef idx="2">
+              <a:schemeClr val="accent1"/>
+            </a:effectRef>
+            <a:fontRef idx="minor">
+              <a:schemeClr val="lt1"/>
+            </a:fontRef>
+          </p:style>
+          <p:txBody>
+            <a:bodyPr/>
+            <a:lstStyle/>
+            <a:p>
+              <a:endParaRPr lang="en-US"/>
+            </a:p>
+          </p:txBody>
+        </p:sp>
+      </p:grpSp>
       <p:sp>
         <p:nvSpPr>
           <p:cNvPr id="2" name="Title 1">
@@ -9683,9 +14346,16 @@
             <p:ph type="title"/>
           </p:nvPr>
         </p:nvSpPr>
-        <p:spPr/>
+        <p:spPr>
+          <a:xfrm>
+            <a:off x="677334" y="609600"/>
+            <a:ext cx="8596668" cy="1320800"/>
+          </a:xfrm>
+        </p:spPr>
         <p:txBody>
-          <a:bodyPr/>
+          <a:bodyPr>
+            <a:normAutofit/>
+          </a:bodyPr>
           <a:lstStyle/>
           <a:p>
             <a:r>
@@ -9711,10 +14381,15 @@
             <p:ph idx="1"/>
           </p:nvPr>
         </p:nvSpPr>
-        <p:spPr/>
+        <p:spPr>
+          <a:xfrm>
+            <a:off x="677334" y="2160589"/>
+            <a:ext cx="8596668" cy="3880773"/>
+          </a:xfrm>
+        </p:spPr>
         <p:txBody>
           <a:bodyPr>
-            <a:normAutofit/>
+            <a:normAutofit fontScale="92500" lnSpcReduction="20000"/>
           </a:bodyPr>
           <a:lstStyle/>
           <a:p>
@@ -9730,7 +14405,7 @@
             </a:r>
             <a:r>
               <a:rPr lang="en-US" dirty="0"/>
-              <a:t>. Give a short (3–5 minutes) presentation in class on Sep. 16 on the following:</a:t>
+              <a:t>. Give a short (3–5 minutes) presentation in class next week on the following:</a:t>
             </a:r>
           </a:p>
           <a:p>
@@ -9744,6 +14419,13 @@
             <a:pPr lvl="1"/>
             <a:r>
               <a:rPr lang="en-US" dirty="0"/>
+              <a:t>What they look like (e.g., time-series plot (screenshot))</a:t>
+            </a:r>
+          </a:p>
+          <a:p>
+            <a:pPr lvl="1"/>
+            <a:r>
+              <a:rPr lang="en-US" dirty="0"/>
               <a:t>How they were measured (look up sensors that measure your parameter)</a:t>
             </a:r>
           </a:p>
@@ -9777,7 +14459,7 @@
           <a:p>
             <a:r>
               <a:rPr lang="en-US" dirty="0"/>
-              <a:t>You will also deliver presentation in class on Sep 16 or 23, time-dependent</a:t>
+              <a:t>You will also deliver presentation in class next week or following week, time-dependent</a:t>
             </a:r>
           </a:p>
           <a:p>
@@ -9793,7 +14475,7 @@
     </p:extLst>
   </p:cSld>
   <p:clrMapOvr>
-    <a:masterClrMapping/>
+    <a:overrideClrMapping bg1="dk1" tx1="lt1" bg2="dk2" tx2="lt2" accent1="accent1" accent2="accent2" accent3="accent3" accent4="accent4" accent5="accent5" accent6="accent6" hlink="hlink" folHlink="folHlink"/>
   </p:clrMapOvr>
 </p:sld>
 </file>
@@ -10162,7 +14844,7 @@
             <p:ph idx="1"/>
             <p:extLst>
               <p:ext uri="{D42A27DB-BD31-4B8C-83A1-F6EECF244321}">
-                <p14:modId xmlns:p14="http://schemas.microsoft.com/office/powerpoint/2010/main" val="108468211"/>
+                <p14:modId xmlns:p14="http://schemas.microsoft.com/office/powerpoint/2010/main" val="968425943"/>
               </p:ext>
             </p:extLst>
           </p:nvPr>
@@ -10271,13 +14953,8 @@
           <a:p>
             <a:r>
               <a:rPr lang="en-US" dirty="0"/>
-              <a:t>After reading everything, complete at least the required and ideally the </a:t>
+              <a:t>After reading everything, complete at least the required and ideally the optional steps</a:t>
             </a:r>
-            <a:r>
-              <a:rPr lang="en-US"/>
-              <a:t>optional steps</a:t>
-            </a:r>
-            <a:endParaRPr lang="en-US" dirty="0"/>
           </a:p>
         </p:txBody>
       </p:sp>
